--- a/DevelopmentLog/Pingpong.pptx
+++ b/DevelopmentLog/Pingpong.pptx
@@ -4643,6 +4643,36 @@
           </a:p>
         </p:txBody>
       </p:sp>
+      <p:pic>
+        <p:nvPicPr>
+          <p:cNvPr id="4" name="圖片 3">
+            <a:extLst>
+              <a:ext uri="{FF2B5EF4-FFF2-40B4-BE49-F238E27FC236}">
+                <a16:creationId xmlns:a16="http://schemas.microsoft.com/office/drawing/2014/main" id="{B47B26C7-9CD1-4EC9-9415-A98EADB7D9ED}"/>
+              </a:ext>
+            </a:extLst>
+          </p:cNvPr>
+          <p:cNvPicPr>
+            <a:picLocks noChangeAspect="1"/>
+          </p:cNvPicPr>
+          <p:nvPr/>
+        </p:nvPicPr>
+        <p:blipFill>
+          <a:blip r:embed="rId3"/>
+          <a:stretch>
+            <a:fillRect/>
+          </a:stretch>
+        </p:blipFill>
+        <p:spPr>
+          <a:xfrm>
+            <a:off x="1704109" y="1306015"/>
+            <a:ext cx="8783781" cy="4774587"/>
+          </a:xfrm>
+          <a:prstGeom prst="rect">
+            <a:avLst/>
+          </a:prstGeom>
+        </p:spPr>
+      </p:pic>
     </p:spTree>
     <p:extLst>
       <p:ext uri="{BB962C8B-B14F-4D97-AF65-F5344CB8AC3E}">
@@ -6836,14 +6866,14 @@
               <a:rPr lang="en-US" altLang="zh-TW" dirty="0">
                 <a:hlinkClick r:id="rId3"/>
               </a:rPr>
-              <a:t>https://drive.google.com/file/d/1Gnr44pGNaq2JvWrcrmnc6mmKgQGJhY9_/view?usp=sharing</a:t>
+              <a:t>https://drive.google.com/file/d/1NX1_RaauJDHZa6ektj63UaYN7nSc5CdH/view?usp=sharing</a:t>
             </a:r>
             <a:endParaRPr lang="en-US" altLang="zh-TW" dirty="0"/>
           </a:p>
           <a:p>
-            <a:pPr marL="800100" lvl="1" indent="-342900">
-              <a:buFont typeface="+mj-lt"/>
-              <a:buAutoNum type="arabicPeriod"/>
+            <a:pPr marL="742950" lvl="1" indent="-285750">
+              <a:buFont typeface="Arial" panose="020B0604020202020204" pitchFamily="34" charset="0"/>
+              <a:buChar char="•"/>
             </a:pPr>
             <a:endParaRPr lang="en-US" altLang="zh-TW" dirty="0">
               <a:latin typeface="微軟正黑體" panose="020B0604030504040204" pitchFamily="34" charset="-120"/>

--- a/DevelopmentLog/Pingpong.pptx
+++ b/DevelopmentLog/Pingpong.pptx
@@ -279,7 +279,7 @@
           <a:p>
             <a:fld id="{7829F8E0-05F2-4742-BB97-D2E4F51035C8}" type="datetimeFigureOut">
               <a:rPr lang="zh-TW" altLang="en-US" smtClean="0"/>
-              <a:t>2022/3/13</a:t>
+              <a:t>2022/3/18</a:t>
             </a:fld>
             <a:endParaRPr lang="zh-TW" altLang="en-US"/>
           </a:p>
@@ -445,7 +445,7 @@
           <a:p>
             <a:fld id="{2CB905C5-9D54-40E2-B40C-7996280CAB02}" type="datetimeFigureOut">
               <a:rPr lang="zh-TW" altLang="en-US" smtClean="0"/>
-              <a:t>2022/3/13</a:t>
+              <a:t>2022/3/18</a:t>
             </a:fld>
             <a:endParaRPr lang="zh-TW" altLang="en-US"/>
           </a:p>
@@ -1418,7 +1418,7 @@
           <a:p>
             <a:fld id="{6159871E-D63C-497D-8F95-E4A7E1968E41}" type="datetime1">
               <a:rPr lang="zh-TW" altLang="en-US" smtClean="0"/>
-              <a:t>2022/3/13</a:t>
+              <a:t>2022/3/18</a:t>
             </a:fld>
             <a:endParaRPr lang="zh-TW" altLang="en-US"/>
           </a:p>
@@ -1586,7 +1586,7 @@
           <a:p>
             <a:fld id="{A77C9BCE-B134-412F-AA9E-EF069E9432DF}" type="datetime1">
               <a:rPr lang="zh-TW" altLang="en-US" smtClean="0"/>
-              <a:t>2022/3/13</a:t>
+              <a:t>2022/3/18</a:t>
             </a:fld>
             <a:endParaRPr lang="zh-TW" altLang="en-US"/>
           </a:p>
@@ -1764,7 +1764,7 @@
           <a:p>
             <a:fld id="{323677BD-9BFE-420A-AF3D-81D697864505}" type="datetime1">
               <a:rPr lang="zh-TW" altLang="en-US" smtClean="0"/>
-              <a:t>2022/3/13</a:t>
+              <a:t>2022/3/18</a:t>
             </a:fld>
             <a:endParaRPr lang="zh-TW" altLang="en-US"/>
           </a:p>
@@ -1959,7 +1959,7 @@
           <a:p>
             <a:fld id="{1A45E334-A8B4-4231-9966-8CEF9140F055}" type="datetime1">
               <a:rPr lang="zh-TW" altLang="en-US" smtClean="0"/>
-              <a:t>2022/3/13</a:t>
+              <a:t>2022/3/18</a:t>
             </a:fld>
             <a:endParaRPr lang="zh-TW" altLang="en-US"/>
           </a:p>
@@ -2204,7 +2204,7 @@
           <a:p>
             <a:fld id="{3F3BFEC3-B45F-4FCE-B90B-B7A3BAD0E815}" type="datetime1">
               <a:rPr lang="zh-TW" altLang="en-US" smtClean="0"/>
-              <a:t>2022/3/13</a:t>
+              <a:t>2022/3/18</a:t>
             </a:fld>
             <a:endParaRPr lang="zh-TW" altLang="en-US"/>
           </a:p>
@@ -2433,7 +2433,7 @@
           <a:p>
             <a:fld id="{330F7733-B2DA-4822-A2BA-7F8B570BCEA4}" type="datetime1">
               <a:rPr lang="zh-TW" altLang="en-US" smtClean="0"/>
-              <a:t>2022/3/13</a:t>
+              <a:t>2022/3/18</a:t>
             </a:fld>
             <a:endParaRPr lang="zh-TW" altLang="en-US"/>
           </a:p>
@@ -2797,7 +2797,7 @@
           <a:p>
             <a:fld id="{67668710-0854-41DA-B800-CD53DFA64675}" type="datetime1">
               <a:rPr lang="zh-TW" altLang="en-US" smtClean="0"/>
-              <a:t>2022/3/13</a:t>
+              <a:t>2022/3/18</a:t>
             </a:fld>
             <a:endParaRPr lang="zh-TW" altLang="en-US"/>
           </a:p>
@@ -2914,7 +2914,7 @@
           <a:p>
             <a:fld id="{F3804869-B0AF-4137-A72A-7098933C473A}" type="datetime1">
               <a:rPr lang="zh-TW" altLang="en-US" smtClean="0"/>
-              <a:t>2022/3/13</a:t>
+              <a:t>2022/3/18</a:t>
             </a:fld>
             <a:endParaRPr lang="zh-TW" altLang="en-US"/>
           </a:p>
@@ -3009,7 +3009,7 @@
           <a:p>
             <a:fld id="{FDB5B0B8-23D9-453E-98B2-7DE711E7A867}" type="datetime1">
               <a:rPr lang="zh-TW" altLang="en-US" smtClean="0"/>
-              <a:t>2022/3/13</a:t>
+              <a:t>2022/3/18</a:t>
             </a:fld>
             <a:endParaRPr lang="zh-TW" altLang="en-US"/>
           </a:p>
@@ -3284,7 +3284,7 @@
           <a:p>
             <a:fld id="{03ED102F-296F-4D14-A812-50E354B97527}" type="datetime1">
               <a:rPr lang="zh-TW" altLang="en-US" smtClean="0"/>
-              <a:t>2022/3/13</a:t>
+              <a:t>2022/3/18</a:t>
             </a:fld>
             <a:endParaRPr lang="zh-TW" altLang="en-US"/>
           </a:p>
@@ -3536,7 +3536,7 @@
           <a:p>
             <a:fld id="{6BEC47B9-7618-490E-9D9C-1CAEF400DDF2}" type="datetime1">
               <a:rPr lang="zh-TW" altLang="en-US" smtClean="0"/>
-              <a:t>2022/3/13</a:t>
+              <a:t>2022/3/18</a:t>
             </a:fld>
             <a:endParaRPr lang="zh-TW" altLang="en-US"/>
           </a:p>
@@ -3749,7 +3749,7 @@
           <a:p>
             <a:fld id="{FC308D0F-3EFC-4DEC-A676-0DBC7A663400}" type="datetime1">
               <a:rPr lang="zh-TW" altLang="en-US" smtClean="0"/>
-              <a:t>2022/3/13</a:t>
+              <a:t>2022/3/18</a:t>
             </a:fld>
             <a:endParaRPr lang="zh-TW" altLang="en-US"/>
           </a:p>
@@ -4645,10 +4645,10 @@
       </p:sp>
       <p:pic>
         <p:nvPicPr>
-          <p:cNvPr id="4" name="圖片 3">
+          <p:cNvPr id="5" name="圖片 4">
             <a:extLst>
               <a:ext uri="{FF2B5EF4-FFF2-40B4-BE49-F238E27FC236}">
-                <a16:creationId xmlns:a16="http://schemas.microsoft.com/office/drawing/2014/main" id="{B47B26C7-9CD1-4EC9-9415-A98EADB7D9ED}"/>
+                <a16:creationId xmlns:a16="http://schemas.microsoft.com/office/drawing/2014/main" id="{F6406ED4-61BA-47A6-9E56-5AE75B158CB8}"/>
               </a:ext>
             </a:extLst>
           </p:cNvPr>
@@ -4665,8 +4665,8 @@
         </p:blipFill>
         <p:spPr>
           <a:xfrm>
-            <a:off x="1704109" y="1306015"/>
-            <a:ext cx="8783781" cy="4774587"/>
+            <a:off x="1804912" y="1274618"/>
+            <a:ext cx="8582175" cy="4662967"/>
           </a:xfrm>
           <a:prstGeom prst="rect">
             <a:avLst/>
@@ -6971,10 +6971,10 @@
       </p:sp>
       <p:pic>
         <p:nvPicPr>
-          <p:cNvPr id="13" name="圖片 12">
+          <p:cNvPr id="5" name="圖片 4">
             <a:extLst>
               <a:ext uri="{FF2B5EF4-FFF2-40B4-BE49-F238E27FC236}">
-                <a16:creationId xmlns:a16="http://schemas.microsoft.com/office/drawing/2014/main" id="{3521A672-E3AB-4AB8-AB95-A1443725BA52}"/>
+                <a16:creationId xmlns:a16="http://schemas.microsoft.com/office/drawing/2014/main" id="{7BBD1109-B03D-481A-9D88-A47836BEC086}"/>
               </a:ext>
             </a:extLst>
           </p:cNvPr>
@@ -6997,8 +6997,8 @@
         </p:blipFill>
         <p:spPr>
           <a:xfrm>
-            <a:off x="2571244" y="1282303"/>
-            <a:ext cx="7049511" cy="4808398"/>
+            <a:off x="2461281" y="1246414"/>
+            <a:ext cx="7269437" cy="4947557"/>
           </a:xfrm>
           <a:prstGeom prst="rect">
             <a:avLst/>

--- a/DevelopmentLog/Pingpong.pptx
+++ b/DevelopmentLog/Pingpong.pptx
@@ -5,23 +5,25 @@
     <p:sldMasterId id="2147483648" r:id="rId1"/>
   </p:sldMasterIdLst>
   <p:notesMasterIdLst>
-    <p:notesMasterId r:id="rId13"/>
+    <p:notesMasterId r:id="rId15"/>
   </p:notesMasterIdLst>
   <p:handoutMasterIdLst>
-    <p:handoutMasterId r:id="rId14"/>
+    <p:handoutMasterId r:id="rId16"/>
   </p:handoutMasterIdLst>
   <p:sldIdLst>
     <p:sldId id="1269" r:id="rId2"/>
     <p:sldId id="1691" r:id="rId3"/>
     <p:sldId id="1480" r:id="rId4"/>
     <p:sldId id="1909" r:id="rId5"/>
-    <p:sldId id="1910" r:id="rId6"/>
-    <p:sldId id="1911" r:id="rId7"/>
-    <p:sldId id="1900" r:id="rId8"/>
-    <p:sldId id="1908" r:id="rId9"/>
-    <p:sldId id="1679" r:id="rId10"/>
-    <p:sldId id="1689" r:id="rId11"/>
-    <p:sldId id="1905" r:id="rId12"/>
+    <p:sldId id="1912" r:id="rId6"/>
+    <p:sldId id="1913" r:id="rId7"/>
+    <p:sldId id="1910" r:id="rId8"/>
+    <p:sldId id="1911" r:id="rId9"/>
+    <p:sldId id="1900" r:id="rId10"/>
+    <p:sldId id="1908" r:id="rId11"/>
+    <p:sldId id="1679" r:id="rId12"/>
+    <p:sldId id="1689" r:id="rId13"/>
+    <p:sldId id="1905" r:id="rId14"/>
   </p:sldIdLst>
   <p:sldSz cx="12192000" cy="6858000"/>
   <p:notesSz cx="6858000" cy="9144000"/>
@@ -139,6 +141,12 @@
             <p14:sldId id="1909"/>
           </p14:sldIdLst>
         </p14:section>
+        <p14:section name="2022/04/08 ~ 2022/04/15" id="{8C76B433-4FB0-4D8A-AE09-5D2A74FC3272}">
+          <p14:sldIdLst>
+            <p14:sldId id="1912"/>
+            <p14:sldId id="1913"/>
+          </p14:sldIdLst>
+        </p14:section>
         <p14:section name="2022/03/11 ~ 2022/03/18" id="{E8D1015E-9E39-4AD2-A2A8-BC5E30714B86}">
           <p14:sldIdLst>
             <p14:sldId id="1910"/>
@@ -279,7 +287,7 @@
           <a:p>
             <a:fld id="{7829F8E0-05F2-4742-BB97-D2E4F51035C8}" type="datetimeFigureOut">
               <a:rPr lang="zh-TW" altLang="en-US" smtClean="0"/>
-              <a:t>2022/3/18</a:t>
+              <a:t>2022/4/15</a:t>
             </a:fld>
             <a:endParaRPr lang="zh-TW" altLang="en-US"/>
           </a:p>
@@ -445,7 +453,7 @@
           <a:p>
             <a:fld id="{2CB905C5-9D54-40E2-B40C-7996280CAB02}" type="datetimeFigureOut">
               <a:rPr lang="zh-TW" altLang="en-US" smtClean="0"/>
-              <a:t>2022/3/18</a:t>
+              <a:t>2022/4/15</a:t>
             </a:fld>
             <a:endParaRPr lang="zh-TW" altLang="en-US"/>
           </a:p>
@@ -814,6 +822,120 @@
           <a:chExt cx="0" cy="0"/>
         </a:xfrm>
       </p:grpSpPr>
+      <p:sp>
+        <p:nvSpPr>
+          <p:cNvPr id="2" name="投影片影像版面配置區 1"/>
+          <p:cNvSpPr>
+            <a:spLocks noGrp="1" noRot="1" noChangeAspect="1"/>
+          </p:cNvSpPr>
+          <p:nvPr>
+            <p:ph type="sldImg"/>
+          </p:nvPr>
+        </p:nvSpPr>
+        <p:spPr/>
+      </p:sp>
+      <p:sp>
+        <p:nvSpPr>
+          <p:cNvPr id="3" name="備忘稿版面配置區 2"/>
+          <p:cNvSpPr>
+            <a:spLocks noGrp="1"/>
+          </p:cNvSpPr>
+          <p:nvPr>
+            <p:ph type="body" idx="1"/>
+          </p:nvPr>
+        </p:nvSpPr>
+        <p:spPr/>
+        <p:txBody>
+          <a:bodyPr/>
+          <a:lstStyle/>
+          <a:p>
+            <a:endParaRPr lang="zh-TW" altLang="en-US" dirty="0"/>
+          </a:p>
+        </p:txBody>
+      </p:sp>
+      <p:sp>
+        <p:nvSpPr>
+          <p:cNvPr id="4" name="投影片編號版面配置區 3"/>
+          <p:cNvSpPr>
+            <a:spLocks noGrp="1"/>
+          </p:cNvSpPr>
+          <p:nvPr>
+            <p:ph type="sldNum" sz="quarter" idx="5"/>
+          </p:nvPr>
+        </p:nvSpPr>
+        <p:spPr/>
+        <p:txBody>
+          <a:bodyPr/>
+          <a:lstStyle/>
+          <a:p>
+            <a:fld id="{EF8A6B0B-A5FB-4629-B823-69B1A9EB3A43}" type="slidenum">
+              <a:rPr lang="zh-TW" altLang="en-US" smtClean="0"/>
+              <a:t>10</a:t>
+            </a:fld>
+            <a:endParaRPr lang="zh-TW" altLang="en-US"/>
+          </a:p>
+        </p:txBody>
+      </p:sp>
+    </p:spTree>
+    <p:extLst>
+      <p:ext uri="{BB962C8B-B14F-4D97-AF65-F5344CB8AC3E}">
+        <p14:creationId xmlns:p14="http://schemas.microsoft.com/office/powerpoint/2010/main" val="2076352192"/>
+      </p:ext>
+    </p:extLst>
+  </p:cSld>
+  <p:clrMapOvr>
+    <a:masterClrMapping/>
+  </p:clrMapOvr>
+</p:notes>
+</file>
+
+<file path=ppt/notesSlides/notesSlide11.xml><?xml version="1.0" encoding="utf-8"?>
+<p:notes xmlns:a="http://schemas.openxmlformats.org/drawingml/2006/main" xmlns:r="http://schemas.openxmlformats.org/officeDocument/2006/relationships" xmlns:p="http://schemas.openxmlformats.org/presentationml/2006/main">
+  <p:cSld>
+    <p:spTree>
+      <p:nvGrpSpPr>
+        <p:cNvPr id="1" name=""/>
+        <p:cNvGrpSpPr/>
+        <p:nvPr/>
+      </p:nvGrpSpPr>
+      <p:grpSpPr>
+        <a:xfrm>
+          <a:off x="0" y="0"/>
+          <a:ext cx="0" cy="0"/>
+          <a:chOff x="0" y="0"/>
+          <a:chExt cx="0" cy="0"/>
+        </a:xfrm>
+      </p:grpSpPr>
+    </p:spTree>
+    <p:extLst>
+      <p:ext uri="{BB962C8B-B14F-4D97-AF65-F5344CB8AC3E}">
+        <p14:creationId xmlns:p14="http://schemas.microsoft.com/office/powerpoint/2010/main" val="3835190257"/>
+      </p:ext>
+    </p:extLst>
+  </p:cSld>
+  <p:clrMapOvr>
+    <a:masterClrMapping/>
+  </p:clrMapOvr>
+</p:notes>
+</file>
+
+<file path=ppt/notesSlides/notesSlide12.xml><?xml version="1.0" encoding="utf-8"?>
+<p:notes xmlns:a="http://schemas.openxmlformats.org/drawingml/2006/main" xmlns:r="http://schemas.openxmlformats.org/officeDocument/2006/relationships" xmlns:p="http://schemas.openxmlformats.org/presentationml/2006/main">
+  <p:cSld>
+    <p:spTree>
+      <p:nvGrpSpPr>
+        <p:cNvPr id="1" name=""/>
+        <p:cNvGrpSpPr/>
+        <p:nvPr/>
+      </p:nvGrpSpPr>
+      <p:grpSpPr>
+        <a:xfrm>
+          <a:off x="0" y="0"/>
+          <a:ext cx="0" cy="0"/>
+          <a:chOff x="0" y="0"/>
+          <a:chExt cx="0" cy="0"/>
+        </a:xfrm>
+      </p:grpSpPr>
     </p:spTree>
     <p:extLst>
       <p:ext uri="{BB962C8B-B14F-4D97-AF65-F5344CB8AC3E}">
@@ -827,7 +949,7 @@
 </p:notes>
 </file>
 
-<file path=ppt/notesSlides/notesSlide11.xml><?xml version="1.0" encoding="utf-8"?>
+<file path=ppt/notesSlides/notesSlide13.xml><?xml version="1.0" encoding="utf-8"?>
 <p:notes xmlns:a="http://schemas.openxmlformats.org/drawingml/2006/main" xmlns:r="http://schemas.openxmlformats.org/officeDocument/2006/relationships" xmlns:p="http://schemas.openxmlformats.org/presentationml/2006/main">
   <p:cSld>
     <p:spTree>
@@ -1046,7 +1168,7 @@
     </p:spTree>
     <p:extLst>
       <p:ext uri="{BB962C8B-B14F-4D97-AF65-F5344CB8AC3E}">
-        <p14:creationId xmlns:p14="http://schemas.microsoft.com/office/powerpoint/2010/main" val="3291142940"/>
+        <p14:creationId xmlns:p14="http://schemas.microsoft.com/office/powerpoint/2010/main" val="3198581036"/>
       </p:ext>
     </p:extLst>
   </p:cSld>
@@ -1130,7 +1252,7 @@
     </p:spTree>
     <p:extLst>
       <p:ext uri="{BB962C8B-B14F-4D97-AF65-F5344CB8AC3E}">
-        <p14:creationId xmlns:p14="http://schemas.microsoft.com/office/powerpoint/2010/main" val="41308122"/>
+        <p14:creationId xmlns:p14="http://schemas.microsoft.com/office/powerpoint/2010/main" val="2746108643"/>
       </p:ext>
     </p:extLst>
   </p:cSld>
@@ -1157,10 +1279,35 @@
           <a:chExt cx="0" cy="0"/>
         </a:xfrm>
       </p:grpSpPr>
+      <p:sp>
+        <p:nvSpPr>
+          <p:cNvPr id="2" name="備忘稿版面配置區 1">
+            <a:extLst>
+              <a:ext uri="{FF2B5EF4-FFF2-40B4-BE49-F238E27FC236}">
+                <a16:creationId xmlns:a16="http://schemas.microsoft.com/office/drawing/2014/main" id="{B20C3A9F-2D6F-488D-9DB9-3C8F7ADD7CF4}"/>
+              </a:ext>
+            </a:extLst>
+          </p:cNvPr>
+          <p:cNvSpPr>
+            <a:spLocks noGrp="1"/>
+          </p:cNvSpPr>
+          <p:nvPr>
+            <p:ph type="body" idx="1"/>
+          </p:nvPr>
+        </p:nvSpPr>
+        <p:spPr/>
+        <p:txBody>
+          <a:bodyPr/>
+          <a:lstStyle/>
+          <a:p>
+            <a:endParaRPr lang="zh-TW" altLang="en-US" dirty="0"/>
+          </a:p>
+        </p:txBody>
+      </p:sp>
     </p:spTree>
     <p:extLst>
       <p:ext uri="{BB962C8B-B14F-4D97-AF65-F5344CB8AC3E}">
-        <p14:creationId xmlns:p14="http://schemas.microsoft.com/office/powerpoint/2010/main" val="1156961621"/>
+        <p14:creationId xmlns:p14="http://schemas.microsoft.com/office/powerpoint/2010/main" val="3291142940"/>
       </p:ext>
     </p:extLst>
   </p:cSld>
@@ -1244,7 +1391,7 @@
     </p:spTree>
     <p:extLst>
       <p:ext uri="{BB962C8B-B14F-4D97-AF65-F5344CB8AC3E}">
-        <p14:creationId xmlns:p14="http://schemas.microsoft.com/office/powerpoint/2010/main" val="2076352192"/>
+        <p14:creationId xmlns:p14="http://schemas.microsoft.com/office/powerpoint/2010/main" val="41308122"/>
       </p:ext>
     </p:extLst>
   </p:cSld>
@@ -1274,7 +1421,7 @@
     </p:spTree>
     <p:extLst>
       <p:ext uri="{BB962C8B-B14F-4D97-AF65-F5344CB8AC3E}">
-        <p14:creationId xmlns:p14="http://schemas.microsoft.com/office/powerpoint/2010/main" val="3835190257"/>
+        <p14:creationId xmlns:p14="http://schemas.microsoft.com/office/powerpoint/2010/main" val="1156961621"/>
       </p:ext>
     </p:extLst>
   </p:cSld>
@@ -1418,7 +1565,7 @@
           <a:p>
             <a:fld id="{6159871E-D63C-497D-8F95-E4A7E1968E41}" type="datetime1">
               <a:rPr lang="zh-TW" altLang="en-US" smtClean="0"/>
-              <a:t>2022/3/18</a:t>
+              <a:t>2022/4/15</a:t>
             </a:fld>
             <a:endParaRPr lang="zh-TW" altLang="en-US"/>
           </a:p>
@@ -1586,7 +1733,7 @@
           <a:p>
             <a:fld id="{A77C9BCE-B134-412F-AA9E-EF069E9432DF}" type="datetime1">
               <a:rPr lang="zh-TW" altLang="en-US" smtClean="0"/>
-              <a:t>2022/3/18</a:t>
+              <a:t>2022/4/15</a:t>
             </a:fld>
             <a:endParaRPr lang="zh-TW" altLang="en-US"/>
           </a:p>
@@ -1764,7 +1911,7 @@
           <a:p>
             <a:fld id="{323677BD-9BFE-420A-AF3D-81D697864505}" type="datetime1">
               <a:rPr lang="zh-TW" altLang="en-US" smtClean="0"/>
-              <a:t>2022/3/18</a:t>
+              <a:t>2022/4/15</a:t>
             </a:fld>
             <a:endParaRPr lang="zh-TW" altLang="en-US"/>
           </a:p>
@@ -1959,7 +2106,7 @@
           <a:p>
             <a:fld id="{1A45E334-A8B4-4231-9966-8CEF9140F055}" type="datetime1">
               <a:rPr lang="zh-TW" altLang="en-US" smtClean="0"/>
-              <a:t>2022/3/18</a:t>
+              <a:t>2022/4/15</a:t>
             </a:fld>
             <a:endParaRPr lang="zh-TW" altLang="en-US"/>
           </a:p>
@@ -2204,7 +2351,7 @@
           <a:p>
             <a:fld id="{3F3BFEC3-B45F-4FCE-B90B-B7A3BAD0E815}" type="datetime1">
               <a:rPr lang="zh-TW" altLang="en-US" smtClean="0"/>
-              <a:t>2022/3/18</a:t>
+              <a:t>2022/4/15</a:t>
             </a:fld>
             <a:endParaRPr lang="zh-TW" altLang="en-US"/>
           </a:p>
@@ -2433,7 +2580,7 @@
           <a:p>
             <a:fld id="{330F7733-B2DA-4822-A2BA-7F8B570BCEA4}" type="datetime1">
               <a:rPr lang="zh-TW" altLang="en-US" smtClean="0"/>
-              <a:t>2022/3/18</a:t>
+              <a:t>2022/4/15</a:t>
             </a:fld>
             <a:endParaRPr lang="zh-TW" altLang="en-US"/>
           </a:p>
@@ -2797,7 +2944,7 @@
           <a:p>
             <a:fld id="{67668710-0854-41DA-B800-CD53DFA64675}" type="datetime1">
               <a:rPr lang="zh-TW" altLang="en-US" smtClean="0"/>
-              <a:t>2022/3/18</a:t>
+              <a:t>2022/4/15</a:t>
             </a:fld>
             <a:endParaRPr lang="zh-TW" altLang="en-US"/>
           </a:p>
@@ -2914,7 +3061,7 @@
           <a:p>
             <a:fld id="{F3804869-B0AF-4137-A72A-7098933C473A}" type="datetime1">
               <a:rPr lang="zh-TW" altLang="en-US" smtClean="0"/>
-              <a:t>2022/3/18</a:t>
+              <a:t>2022/4/15</a:t>
             </a:fld>
             <a:endParaRPr lang="zh-TW" altLang="en-US"/>
           </a:p>
@@ -3009,7 +3156,7 @@
           <a:p>
             <a:fld id="{FDB5B0B8-23D9-453E-98B2-7DE711E7A867}" type="datetime1">
               <a:rPr lang="zh-TW" altLang="en-US" smtClean="0"/>
-              <a:t>2022/3/18</a:t>
+              <a:t>2022/4/15</a:t>
             </a:fld>
             <a:endParaRPr lang="zh-TW" altLang="en-US"/>
           </a:p>
@@ -3284,7 +3431,7 @@
           <a:p>
             <a:fld id="{03ED102F-296F-4D14-A812-50E354B97527}" type="datetime1">
               <a:rPr lang="zh-TW" altLang="en-US" smtClean="0"/>
-              <a:t>2022/3/18</a:t>
+              <a:t>2022/4/15</a:t>
             </a:fld>
             <a:endParaRPr lang="zh-TW" altLang="en-US"/>
           </a:p>
@@ -3536,7 +3683,7 @@
           <a:p>
             <a:fld id="{6BEC47B9-7618-490E-9D9C-1CAEF400DDF2}" type="datetime1">
               <a:rPr lang="zh-TW" altLang="en-US" smtClean="0"/>
-              <a:t>2022/3/18</a:t>
+              <a:t>2022/4/15</a:t>
             </a:fld>
             <a:endParaRPr lang="zh-TW" altLang="en-US"/>
           </a:p>
@@ -3749,7 +3896,7 @@
           <a:p>
             <a:fld id="{FC308D0F-3EFC-4DEC-A676-0DBC7A663400}" type="datetime1">
               <a:rPr lang="zh-TW" altLang="en-US" smtClean="0"/>
-              <a:t>2022/3/18</a:t>
+              <a:t>2022/4/15</a:t>
             </a:fld>
             <a:endParaRPr lang="zh-TW" altLang="en-US"/>
           </a:p>
@@ -4607,6 +4754,372 @@
           <a:lstStyle/>
           <a:p>
             <a:r>
+              <a:rPr lang="zh-TW" altLang="en-US" dirty="0"/>
+              <a:t>當週進度</a:t>
+            </a:r>
+          </a:p>
+        </p:txBody>
+      </p:sp>
+      <p:sp>
+        <p:nvSpPr>
+          <p:cNvPr id="2" name="投影片編號版面配置區 1">
+            <a:extLst>
+              <a:ext uri="{FF2B5EF4-FFF2-40B4-BE49-F238E27FC236}">
+                <a16:creationId xmlns:a16="http://schemas.microsoft.com/office/drawing/2014/main" id="{93307445-5962-42AE-9A4E-E1C6CD1297BF}"/>
+              </a:ext>
+            </a:extLst>
+          </p:cNvPr>
+          <p:cNvSpPr>
+            <a:spLocks noGrp="1"/>
+          </p:cNvSpPr>
+          <p:nvPr>
+            <p:ph type="sldNum" sz="quarter" idx="12"/>
+          </p:nvPr>
+        </p:nvSpPr>
+        <p:spPr/>
+        <p:txBody>
+          <a:bodyPr/>
+          <a:lstStyle/>
+          <a:p>
+            <a:fld id="{90F9E983-480B-48C5-9E0F-D21C0DFBB5C0}" type="slidenum">
+              <a:rPr lang="zh-TW" altLang="en-US" smtClean="0"/>
+              <a:t>10</a:t>
+            </a:fld>
+            <a:endParaRPr lang="zh-TW" altLang="en-US"/>
+          </a:p>
+        </p:txBody>
+      </p:sp>
+      <p:sp>
+        <p:nvSpPr>
+          <p:cNvPr id="4" name="文字方塊 3">
+            <a:extLst>
+              <a:ext uri="{FF2B5EF4-FFF2-40B4-BE49-F238E27FC236}">
+                <a16:creationId xmlns:a16="http://schemas.microsoft.com/office/drawing/2014/main" id="{227F0923-AA00-4F8D-99BB-3109F6365217}"/>
+              </a:ext>
+            </a:extLst>
+          </p:cNvPr>
+          <p:cNvSpPr txBox="1"/>
+          <p:nvPr/>
+        </p:nvSpPr>
+        <p:spPr>
+          <a:xfrm>
+            <a:off x="838198" y="1190191"/>
+            <a:ext cx="10515599" cy="2585323"/>
+          </a:xfrm>
+          <a:prstGeom prst="rect">
+            <a:avLst/>
+          </a:prstGeom>
+          <a:noFill/>
+        </p:spPr>
+        <p:txBody>
+          <a:bodyPr wrap="square">
+            <a:spAutoFit/>
+          </a:bodyPr>
+          <a:lstStyle/>
+          <a:p>
+            <a:pPr marL="285750" indent="-285750">
+              <a:buFont typeface="Wingdings" panose="05000000000000000000" pitchFamily="2" charset="2"/>
+              <a:buChar char="n"/>
+            </a:pPr>
+            <a:r>
+              <a:rPr lang="zh-TW" altLang="en-US" dirty="0">
+                <a:latin typeface="微軟正黑體" panose="020B0604030504040204" pitchFamily="34" charset="-120"/>
+                <a:ea typeface="微軟正黑體" panose="020B0604030504040204" pitchFamily="34" charset="-120"/>
+              </a:rPr>
+              <a:t>問題記錄</a:t>
+            </a:r>
+            <a:endParaRPr lang="en-US" altLang="zh-TW" dirty="0">
+              <a:latin typeface="微軟正黑體" panose="020B0604030504040204" pitchFamily="34" charset="-120"/>
+              <a:ea typeface="微軟正黑體" panose="020B0604030504040204" pitchFamily="34" charset="-120"/>
+            </a:endParaRPr>
+          </a:p>
+          <a:p>
+            <a:pPr marL="800100" lvl="1" indent="-342900">
+              <a:buFont typeface="+mj-lt"/>
+              <a:buAutoNum type="arabicPeriod"/>
+            </a:pPr>
+            <a:r>
+              <a:rPr lang="zh-TW" altLang="en-US" dirty="0">
+                <a:latin typeface="微軟正黑體" panose="020B0604030504040204" pitchFamily="34" charset="-120"/>
+                <a:ea typeface="微軟正黑體" panose="020B0604030504040204" pitchFamily="34" charset="-120"/>
+              </a:rPr>
+              <a:t>未設計等待獲勝方發球狀態。</a:t>
+            </a:r>
+            <a:endParaRPr lang="en-US" altLang="zh-TW" dirty="0">
+              <a:latin typeface="微軟正黑體" panose="020B0604030504040204" pitchFamily="34" charset="-120"/>
+              <a:ea typeface="微軟正黑體" panose="020B0604030504040204" pitchFamily="34" charset="-120"/>
+            </a:endParaRPr>
+          </a:p>
+          <a:p>
+            <a:pPr marL="800100" lvl="1" indent="-342900">
+              <a:buFont typeface="+mj-lt"/>
+              <a:buAutoNum type="arabicPeriod"/>
+            </a:pPr>
+            <a:endParaRPr lang="en-US" altLang="zh-TW" dirty="0">
+              <a:latin typeface="微軟正黑體" panose="020B0604030504040204" pitchFamily="34" charset="-120"/>
+              <a:ea typeface="微軟正黑體" panose="020B0604030504040204" pitchFamily="34" charset="-120"/>
+            </a:endParaRPr>
+          </a:p>
+          <a:p>
+            <a:pPr marL="800100" lvl="1" indent="-342900">
+              <a:buFont typeface="+mj-lt"/>
+              <a:buAutoNum type="arabicPeriod"/>
+            </a:pPr>
+            <a:r>
+              <a:rPr lang="zh-TW" altLang="en-US" dirty="0">
+                <a:latin typeface="微軟正黑體" panose="020B0604030504040204" pitchFamily="34" charset="-120"/>
+                <a:ea typeface="微軟正黑體" panose="020B0604030504040204" pitchFamily="34" charset="-120"/>
+              </a:rPr>
+              <a:t>當開關提早按下，則</a:t>
+            </a:r>
+            <a:r>
+              <a:rPr lang="en-US" altLang="zh-TW" dirty="0">
+                <a:latin typeface="微軟正黑體" panose="020B0604030504040204" pitchFamily="34" charset="-120"/>
+                <a:ea typeface="微軟正黑體" panose="020B0604030504040204" pitchFamily="34" charset="-120"/>
+              </a:rPr>
+              <a:t>LED</a:t>
+            </a:r>
+            <a:r>
+              <a:rPr lang="zh-TW" altLang="en-US" dirty="0">
+                <a:latin typeface="微軟正黑體" panose="020B0604030504040204" pitchFamily="34" charset="-120"/>
+                <a:ea typeface="微軟正黑體" panose="020B0604030504040204" pitchFamily="34" charset="-120"/>
+              </a:rPr>
+              <a:t>會停下，若再按下發球方按鈕，則</a:t>
+            </a:r>
+            <a:r>
+              <a:rPr lang="en-US" altLang="zh-TW" dirty="0">
+                <a:latin typeface="微軟正黑體" panose="020B0604030504040204" pitchFamily="34" charset="-120"/>
+                <a:ea typeface="微軟正黑體" panose="020B0604030504040204" pitchFamily="34" charset="-120"/>
+              </a:rPr>
+              <a:t>LED</a:t>
+            </a:r>
+            <a:r>
+              <a:rPr lang="zh-TW" altLang="en-US" dirty="0">
+                <a:latin typeface="微軟正黑體" panose="020B0604030504040204" pitchFamily="34" charset="-120"/>
+                <a:ea typeface="微軟正黑體" panose="020B0604030504040204" pitchFamily="34" charset="-120"/>
+              </a:rPr>
+              <a:t>會繼續移動。</a:t>
+            </a:r>
+            <a:endParaRPr lang="en-US" altLang="zh-TW" dirty="0">
+              <a:latin typeface="微軟正黑體" panose="020B0604030504040204" pitchFamily="34" charset="-120"/>
+              <a:ea typeface="微軟正黑體" panose="020B0604030504040204" pitchFamily="34" charset="-120"/>
+            </a:endParaRPr>
+          </a:p>
+          <a:p>
+            <a:pPr marL="800100" lvl="1" indent="-342900">
+              <a:buFont typeface="+mj-lt"/>
+              <a:buAutoNum type="arabicPeriod"/>
+            </a:pPr>
+            <a:endParaRPr lang="en-US" altLang="zh-TW" dirty="0">
+              <a:latin typeface="微軟正黑體" panose="020B0604030504040204" pitchFamily="34" charset="-120"/>
+              <a:ea typeface="微軟正黑體" panose="020B0604030504040204" pitchFamily="34" charset="-120"/>
+            </a:endParaRPr>
+          </a:p>
+          <a:p>
+            <a:pPr marL="800100" lvl="1" indent="-342900">
+              <a:buFont typeface="+mj-lt"/>
+              <a:buAutoNum type="arabicPeriod"/>
+            </a:pPr>
+            <a:r>
+              <a:rPr lang="en-US" altLang="zh-TW" dirty="0">
+                <a:latin typeface="微軟正黑體" panose="020B0604030504040204" pitchFamily="34" charset="-120"/>
+                <a:ea typeface="微軟正黑體" panose="020B0604030504040204" pitchFamily="34" charset="-120"/>
+              </a:rPr>
+              <a:t>Score </a:t>
+            </a:r>
+            <a:r>
+              <a:rPr lang="zh-TW" altLang="en-US" dirty="0">
+                <a:latin typeface="微軟正黑體" panose="020B0604030504040204" pitchFamily="34" charset="-120"/>
+                <a:ea typeface="微軟正黑體" panose="020B0604030504040204" pitchFamily="34" charset="-120"/>
+              </a:rPr>
+              <a:t>腳位數太多，因此先拔掉輸出。</a:t>
+            </a:r>
+            <a:endParaRPr lang="en-US" altLang="zh-TW" dirty="0">
+              <a:latin typeface="微軟正黑體" panose="020B0604030504040204" pitchFamily="34" charset="-120"/>
+              <a:ea typeface="微軟正黑體" panose="020B0604030504040204" pitchFamily="34" charset="-120"/>
+            </a:endParaRPr>
+          </a:p>
+          <a:p>
+            <a:pPr marL="800100" lvl="1" indent="-342900">
+              <a:buFont typeface="+mj-lt"/>
+              <a:buAutoNum type="arabicPeriod"/>
+            </a:pPr>
+            <a:endParaRPr lang="en-US" altLang="zh-TW" dirty="0">
+              <a:latin typeface="微軟正黑體" panose="020B0604030504040204" pitchFamily="34" charset="-120"/>
+              <a:ea typeface="微軟正黑體" panose="020B0604030504040204" pitchFamily="34" charset="-120"/>
+            </a:endParaRPr>
+          </a:p>
+          <a:p>
+            <a:pPr marL="342900" indent="-342900">
+              <a:buFont typeface="Wingdings" panose="05000000000000000000" pitchFamily="2" charset="2"/>
+              <a:buChar char="n"/>
+            </a:pPr>
+            <a:r>
+              <a:rPr lang="zh-TW" altLang="en-US" dirty="0">
+                <a:latin typeface="微軟正黑體" panose="020B0604030504040204" pitchFamily="34" charset="-120"/>
+                <a:ea typeface="微軟正黑體" panose="020B0604030504040204" pitchFamily="34" charset="-120"/>
+              </a:rPr>
+              <a:t>影片展示</a:t>
+            </a:r>
+            <a:endParaRPr lang="en-US" altLang="zh-TW" dirty="0">
+              <a:latin typeface="微軟正黑體" panose="020B0604030504040204" pitchFamily="34" charset="-120"/>
+              <a:ea typeface="微軟正黑體" panose="020B0604030504040204" pitchFamily="34" charset="-120"/>
+            </a:endParaRPr>
+          </a:p>
+          <a:p>
+            <a:pPr marL="800100" lvl="1" indent="-342900">
+              <a:buFont typeface="Arial" panose="020B0604020202020204" pitchFamily="34" charset="0"/>
+              <a:buChar char="•"/>
+            </a:pPr>
+            <a:r>
+              <a:rPr lang="en-US" altLang="zh-TW" dirty="0">
+                <a:hlinkClick r:id="rId3"/>
+              </a:rPr>
+              <a:t>https://drive.google.com/file/d/1nIX1dnGeOrozzZbEsGorforhYJLXbA8w/view?usp=sharing</a:t>
+            </a:r>
+            <a:endParaRPr lang="en-US" altLang="zh-TW" dirty="0"/>
+          </a:p>
+        </p:txBody>
+      </p:sp>
+    </p:spTree>
+    <p:extLst>
+      <p:ext uri="{BB962C8B-B14F-4D97-AF65-F5344CB8AC3E}">
+        <p14:creationId xmlns:p14="http://schemas.microsoft.com/office/powerpoint/2010/main" val="712468063"/>
+      </p:ext>
+    </p:extLst>
+  </p:cSld>
+  <p:clrMapOvr>
+    <a:masterClrMapping/>
+  </p:clrMapOvr>
+</p:sld>
+</file>
+
+<file path=ppt/slides/slide11.xml><?xml version="1.0" encoding="utf-8"?>
+<p:sld xmlns:a="http://schemas.openxmlformats.org/drawingml/2006/main" xmlns:r="http://schemas.openxmlformats.org/officeDocument/2006/relationships" xmlns:p="http://schemas.openxmlformats.org/presentationml/2006/main">
+  <p:cSld>
+    <p:spTree>
+      <p:nvGrpSpPr>
+        <p:cNvPr id="1" name=""/>
+        <p:cNvGrpSpPr/>
+        <p:nvPr/>
+      </p:nvGrpSpPr>
+      <p:grpSpPr>
+        <a:xfrm>
+          <a:off x="0" y="0"/>
+          <a:ext cx="0" cy="0"/>
+          <a:chOff x="0" y="0"/>
+          <a:chExt cx="0" cy="0"/>
+        </a:xfrm>
+      </p:grpSpPr>
+      <p:sp>
+        <p:nvSpPr>
+          <p:cNvPr id="3" name="標題 2">
+            <a:extLst>
+              <a:ext uri="{FF2B5EF4-FFF2-40B4-BE49-F238E27FC236}">
+                <a16:creationId xmlns:a16="http://schemas.microsoft.com/office/drawing/2014/main" id="{EF277299-8610-4660-86B9-EE584C561AB1}"/>
+              </a:ext>
+            </a:extLst>
+          </p:cNvPr>
+          <p:cNvSpPr>
+            <a:spLocks noGrp="1"/>
+          </p:cNvSpPr>
+          <p:nvPr>
+            <p:ph type="title"/>
+          </p:nvPr>
+        </p:nvSpPr>
+        <p:spPr/>
+        <p:txBody>
+          <a:bodyPr/>
+          <a:lstStyle/>
+          <a:p>
+            <a:r>
+              <a:rPr lang="zh-TW" altLang="en-US" dirty="0"/>
+              <a:t>參考資料</a:t>
+            </a:r>
+          </a:p>
+        </p:txBody>
+      </p:sp>
+      <p:sp>
+        <p:nvSpPr>
+          <p:cNvPr id="2" name="投影片編號版面配置區 1">
+            <a:extLst>
+              <a:ext uri="{FF2B5EF4-FFF2-40B4-BE49-F238E27FC236}">
+                <a16:creationId xmlns:a16="http://schemas.microsoft.com/office/drawing/2014/main" id="{B9198658-FE78-44D3-AF3E-A5158F85509F}"/>
+              </a:ext>
+            </a:extLst>
+          </p:cNvPr>
+          <p:cNvSpPr>
+            <a:spLocks noGrp="1"/>
+          </p:cNvSpPr>
+          <p:nvPr>
+            <p:ph type="sldNum" sz="quarter" idx="12"/>
+          </p:nvPr>
+        </p:nvSpPr>
+        <p:spPr/>
+        <p:txBody>
+          <a:bodyPr/>
+          <a:lstStyle/>
+          <a:p>
+            <a:fld id="{90F9E983-480B-48C5-9E0F-D21C0DFBB5C0}" type="slidenum">
+              <a:rPr lang="zh-TW" altLang="en-US" smtClean="0"/>
+              <a:t>11</a:t>
+            </a:fld>
+            <a:endParaRPr lang="zh-TW" altLang="en-US"/>
+          </a:p>
+        </p:txBody>
+      </p:sp>
+    </p:spTree>
+    <p:extLst>
+      <p:ext uri="{BB962C8B-B14F-4D97-AF65-F5344CB8AC3E}">
+        <p14:creationId xmlns:p14="http://schemas.microsoft.com/office/powerpoint/2010/main" val="387894374"/>
+      </p:ext>
+    </p:extLst>
+  </p:cSld>
+  <p:clrMapOvr>
+    <a:masterClrMapping/>
+  </p:clrMapOvr>
+</p:sld>
+</file>
+
+<file path=ppt/slides/slide12.xml><?xml version="1.0" encoding="utf-8"?>
+<p:sld xmlns:a="http://schemas.openxmlformats.org/drawingml/2006/main" xmlns:r="http://schemas.openxmlformats.org/officeDocument/2006/relationships" xmlns:p="http://schemas.openxmlformats.org/presentationml/2006/main">
+  <p:cSld>
+    <p:spTree>
+      <p:nvGrpSpPr>
+        <p:cNvPr id="1" name=""/>
+        <p:cNvGrpSpPr/>
+        <p:nvPr/>
+      </p:nvGrpSpPr>
+      <p:grpSpPr>
+        <a:xfrm>
+          <a:off x="0" y="0"/>
+          <a:ext cx="0" cy="0"/>
+          <a:chOff x="0" y="0"/>
+          <a:chExt cx="0" cy="0"/>
+        </a:xfrm>
+      </p:grpSpPr>
+      <p:sp>
+        <p:nvSpPr>
+          <p:cNvPr id="3" name="標題 2">
+            <a:extLst>
+              <a:ext uri="{FF2B5EF4-FFF2-40B4-BE49-F238E27FC236}">
+                <a16:creationId xmlns:a16="http://schemas.microsoft.com/office/drawing/2014/main" id="{EF277299-8610-4660-86B9-EE584C561AB1}"/>
+              </a:ext>
+            </a:extLst>
+          </p:cNvPr>
+          <p:cNvSpPr>
+            <a:spLocks noGrp="1"/>
+          </p:cNvSpPr>
+          <p:nvPr>
+            <p:ph type="title"/>
+          </p:nvPr>
+        </p:nvSpPr>
+        <p:spPr/>
+        <p:txBody>
+          <a:bodyPr/>
+          <a:lstStyle/>
+          <a:p>
+            <a:r>
               <a:rPr lang="en-US" altLang="zh-TW" dirty="0"/>
               <a:t>2022/03/11 ~ 2022/03/18</a:t>
             </a:r>
@@ -4637,7 +5150,7 @@
           <a:p>
             <a:fld id="{90F9E983-480B-48C5-9E0F-D21C0DFBB5C0}" type="slidenum">
               <a:rPr lang="zh-TW" altLang="en-US" smtClean="0"/>
-              <a:t>10</a:t>
+              <a:t>12</a:t>
             </a:fld>
             <a:endParaRPr lang="zh-TW" altLang="en-US"/>
           </a:p>
@@ -4686,7 +5199,7 @@
 </p:sld>
 </file>
 
-<file path=ppt/slides/slide11.xml><?xml version="1.0" encoding="utf-8"?>
+<file path=ppt/slides/slide13.xml><?xml version="1.0" encoding="utf-8"?>
 <p:sld xmlns:a="http://schemas.openxmlformats.org/drawingml/2006/main" xmlns:r="http://schemas.openxmlformats.org/officeDocument/2006/relationships" xmlns:p="http://schemas.openxmlformats.org/presentationml/2006/main">
   <p:cSld>
     <p:spTree>
@@ -4755,7 +5268,7 @@
           <a:p>
             <a:fld id="{90F9E983-480B-48C5-9E0F-D21C0DFBB5C0}" type="slidenum">
               <a:rPr lang="zh-TW" altLang="en-US" smtClean="0"/>
-              <a:t>11</a:t>
+              <a:t>13</a:t>
             </a:fld>
             <a:endParaRPr lang="zh-TW" altLang="en-US"/>
           </a:p>
@@ -4880,7 +5393,7 @@
         <p:spPr>
           <a:xfrm>
             <a:off x="838200" y="1224282"/>
-            <a:ext cx="10515599" cy="1477328"/>
+            <a:ext cx="10515599" cy="2308324"/>
           </a:xfrm>
           <a:prstGeom prst="rect">
             <a:avLst/>
@@ -4891,6 +5404,74 @@
             <a:spAutoFit/>
           </a:bodyPr>
           <a:lstStyle/>
+          <a:p>
+            <a:pPr marL="171450" indent="-171450">
+              <a:buFont typeface="Arial" panose="020B0604020202020204" pitchFamily="34" charset="0"/>
+              <a:buChar char="•"/>
+            </a:pPr>
+            <a:r>
+              <a:rPr lang="en-US" altLang="zh-TW" dirty="0">
+                <a:latin typeface="微軟正黑體" panose="020B0604030504040204" pitchFamily="34" charset="-120"/>
+                <a:ea typeface="微軟正黑體" panose="020B0604030504040204" pitchFamily="34" charset="-120"/>
+              </a:rPr>
+              <a:t>2022/04/08 ~ 2022/04/15</a:t>
+            </a:r>
+          </a:p>
+          <a:p>
+            <a:pPr marL="628650" lvl="1" indent="-171450">
+              <a:buFont typeface="Arial" panose="020B0604020202020204" pitchFamily="34" charset="0"/>
+              <a:buChar char="•"/>
+            </a:pPr>
+            <a:r>
+              <a:rPr lang="zh-TW" altLang="en-US" dirty="0">
+                <a:latin typeface="微軟正黑體" panose="020B0604030504040204" pitchFamily="34" charset="-120"/>
+                <a:ea typeface="微軟正黑體" panose="020B0604030504040204" pitchFamily="34" charset="-120"/>
+              </a:rPr>
+              <a:t>新增</a:t>
+            </a:r>
+            <a:r>
+              <a:rPr lang="en-US" altLang="zh-TW" dirty="0">
+                <a:latin typeface="微軟正黑體" panose="020B0604030504040204" pitchFamily="34" charset="-120"/>
+                <a:ea typeface="微軟正黑體" panose="020B0604030504040204" pitchFamily="34" charset="-120"/>
+              </a:rPr>
+              <a:t>CRC3</a:t>
+            </a:r>
+            <a:r>
+              <a:rPr lang="zh-TW" altLang="en-US" dirty="0">
+                <a:latin typeface="微軟正黑體" panose="020B0604030504040204" pitchFamily="34" charset="-120"/>
+                <a:ea typeface="微軟正黑體" panose="020B0604030504040204" pitchFamily="34" charset="-120"/>
+              </a:rPr>
+              <a:t>來控制</a:t>
+            </a:r>
+            <a:r>
+              <a:rPr lang="en-US" altLang="zh-TW" dirty="0">
+                <a:latin typeface="微軟正黑體" panose="020B0604030504040204" pitchFamily="34" charset="-120"/>
+                <a:ea typeface="微軟正黑體" panose="020B0604030504040204" pitchFamily="34" charset="-120"/>
+              </a:rPr>
+              <a:t>LED</a:t>
+            </a:r>
+            <a:r>
+              <a:rPr lang="zh-TW" altLang="en-US" dirty="0">
+                <a:latin typeface="微軟正黑體" panose="020B0604030504040204" pitchFamily="34" charset="-120"/>
+                <a:ea typeface="微軟正黑體" panose="020B0604030504040204" pitchFamily="34" charset="-120"/>
+              </a:rPr>
+              <a:t>變速功能</a:t>
+            </a:r>
+            <a:endParaRPr lang="en-US" altLang="zh-TW" dirty="0">
+              <a:latin typeface="微軟正黑體" panose="020B0604030504040204" pitchFamily="34" charset="-120"/>
+              <a:ea typeface="微軟正黑體" panose="020B0604030504040204" pitchFamily="34" charset="-120"/>
+            </a:endParaRPr>
+          </a:p>
+          <a:p>
+            <a:pPr marL="171450" indent="-171450">
+              <a:buFont typeface="Arial" panose="020B0604020202020204" pitchFamily="34" charset="0"/>
+              <a:buChar char="•"/>
+            </a:pPr>
+            <a:endParaRPr lang="en-US" altLang="zh-TW" dirty="0">
+              <a:latin typeface="微軟正黑體" panose="020B0604030504040204" pitchFamily="34" charset="-120"/>
+              <a:ea typeface="微軟正黑體" panose="020B0604030504040204" pitchFamily="34" charset="-120"/>
+            </a:endParaRPr>
+          </a:p>
           <a:p>
             <a:pPr marL="171450" indent="-171450">
               <a:buFont typeface="Arial" panose="020B0604020202020204" pitchFamily="34" charset="0"/>
@@ -5125,7 +5706,7 @@
         <p:spPr>
           <a:xfrm>
             <a:off x="838198" y="1190191"/>
-            <a:ext cx="10515599" cy="2862322"/>
+            <a:ext cx="10515599" cy="3693319"/>
           </a:xfrm>
           <a:prstGeom prst="rect">
             <a:avLst/>
@@ -5351,6 +5932,67 @@
                 <a:ea typeface="微軟正黑體" panose="020B0604030504040204" pitchFamily="34" charset="-120"/>
               </a:rPr>
               <a:t>  獲勝那方，之後擁有發球權。</a:t>
+            </a:r>
+            <a:endParaRPr lang="en-US" altLang="zh-TW" dirty="0">
+              <a:latin typeface="微軟正黑體" panose="020B0604030504040204" pitchFamily="34" charset="-120"/>
+              <a:ea typeface="微軟正黑體" panose="020B0604030504040204" pitchFamily="34" charset="-120"/>
+            </a:endParaRPr>
+          </a:p>
+          <a:p>
+            <a:pPr marL="171450" indent="-171450">
+              <a:buFont typeface="Arial" panose="020B0604020202020204" pitchFamily="34" charset="0"/>
+              <a:buChar char="•"/>
+            </a:pPr>
+            <a:endParaRPr lang="en-US" altLang="zh-TW" dirty="0">
+              <a:latin typeface="微軟正黑體" panose="020B0604030504040204" pitchFamily="34" charset="-120"/>
+              <a:ea typeface="微軟正黑體" panose="020B0604030504040204" pitchFamily="34" charset="-120"/>
+            </a:endParaRPr>
+          </a:p>
+          <a:p>
+            <a:pPr marL="285750" indent="-285750">
+              <a:buFont typeface="Wingdings" panose="05000000000000000000" pitchFamily="2" charset="2"/>
+              <a:buChar char="n"/>
+            </a:pPr>
+            <a:r>
+              <a:rPr lang="zh-TW" altLang="en-US" dirty="0">
+                <a:latin typeface="微軟正黑體" panose="020B0604030504040204" pitchFamily="34" charset="-120"/>
+                <a:ea typeface="微軟正黑體" panose="020B0604030504040204" pitchFamily="34" charset="-120"/>
+              </a:rPr>
+              <a:t>新增功能 </a:t>
+            </a:r>
+            <a:r>
+              <a:rPr lang="en-US" altLang="zh-TW" dirty="0">
+                <a:latin typeface="微軟正黑體" panose="020B0604030504040204" pitchFamily="34" charset="-120"/>
+                <a:ea typeface="微軟正黑體" panose="020B0604030504040204" pitchFamily="34" charset="-120"/>
+              </a:rPr>
+              <a:t>:</a:t>
+            </a:r>
+          </a:p>
+          <a:p>
+            <a:pPr marL="742950" lvl="1" indent="-285750">
+              <a:buFont typeface="Arial" panose="020B0604020202020204" pitchFamily="34" charset="0"/>
+              <a:buChar char="•"/>
+            </a:pPr>
+            <a:r>
+              <a:rPr lang="zh-TW" altLang="en-US" dirty="0">
+                <a:latin typeface="微軟正黑體" panose="020B0604030504040204" pitchFamily="34" charset="-120"/>
+                <a:ea typeface="微軟正黑體" panose="020B0604030504040204" pitchFamily="34" charset="-120"/>
+              </a:rPr>
+              <a:t>控制</a:t>
+            </a:r>
+            <a:r>
+              <a:rPr lang="en-US" altLang="zh-TW" dirty="0">
+                <a:latin typeface="微軟正黑體" panose="020B0604030504040204" pitchFamily="34" charset="-120"/>
+                <a:ea typeface="微軟正黑體" panose="020B0604030504040204" pitchFamily="34" charset="-120"/>
+              </a:rPr>
+              <a:t>LED</a:t>
+            </a:r>
+            <a:r>
+              <a:rPr lang="zh-TW" altLang="en-US" dirty="0">
+                <a:latin typeface="微軟正黑體" panose="020B0604030504040204" pitchFamily="34" charset="-120"/>
+                <a:ea typeface="微軟正黑體" panose="020B0604030504040204" pitchFamily="34" charset="-120"/>
+              </a:rPr>
+              <a:t>變速球</a:t>
             </a:r>
             <a:endParaRPr lang="en-US" altLang="zh-TW" dirty="0">
               <a:latin typeface="微軟正黑體" panose="020B0604030504040204" pitchFamily="34" charset="-120"/>
@@ -6151,6 +6793,884 @@
             <a:fld id="{90F9E983-480B-48C5-9E0F-D21C0DFBB5C0}" type="slidenum">
               <a:rPr lang="zh-TW" altLang="en-US" smtClean="0"/>
               <a:t>5</a:t>
+            </a:fld>
+            <a:endParaRPr lang="zh-TW" altLang="en-US"/>
+          </a:p>
+        </p:txBody>
+      </p:sp>
+      <p:sp>
+        <p:nvSpPr>
+          <p:cNvPr id="7" name="文字方塊 6">
+            <a:extLst>
+              <a:ext uri="{FF2B5EF4-FFF2-40B4-BE49-F238E27FC236}">
+                <a16:creationId xmlns:a16="http://schemas.microsoft.com/office/drawing/2014/main" id="{816D03E9-6F79-4549-AF31-CD49153BFE87}"/>
+              </a:ext>
+            </a:extLst>
+          </p:cNvPr>
+          <p:cNvSpPr txBox="1"/>
+          <p:nvPr/>
+        </p:nvSpPr>
+        <p:spPr>
+          <a:xfrm>
+            <a:off x="838198" y="1190191"/>
+            <a:ext cx="5257802" cy="5170646"/>
+          </a:xfrm>
+          <a:prstGeom prst="rect">
+            <a:avLst/>
+          </a:prstGeom>
+          <a:noFill/>
+        </p:spPr>
+        <p:txBody>
+          <a:bodyPr wrap="square">
+            <a:spAutoFit/>
+          </a:bodyPr>
+          <a:lstStyle/>
+          <a:p>
+            <a:pPr marL="285750" indent="-285750">
+              <a:buFont typeface="Wingdings" panose="05000000000000000000" pitchFamily="2" charset="2"/>
+              <a:buChar char="n"/>
+            </a:pPr>
+            <a:r>
+              <a:rPr lang="en-US" altLang="zh-TW" sz="1100" dirty="0">
+                <a:latin typeface="微軟正黑體" panose="020B0604030504040204" pitchFamily="34" charset="-120"/>
+                <a:ea typeface="微軟正黑體" panose="020B0604030504040204" pitchFamily="34" charset="-120"/>
+              </a:rPr>
+              <a:t>FSM</a:t>
+            </a:r>
+          </a:p>
+          <a:p>
+            <a:pPr marL="742950" lvl="1" indent="-285750">
+              <a:buFont typeface="Arial" panose="020B0604020202020204" pitchFamily="34" charset="0"/>
+              <a:buChar char="•"/>
+            </a:pPr>
+            <a:r>
+              <a:rPr lang="en-US" altLang="zh-TW" sz="1100" dirty="0" err="1">
+                <a:latin typeface="微軟正黑體" panose="020B0604030504040204" pitchFamily="34" charset="-120"/>
+                <a:ea typeface="微軟正黑體" panose="020B0604030504040204" pitchFamily="34" charset="-120"/>
+              </a:rPr>
+              <a:t>idle_left</a:t>
+            </a:r>
+            <a:r>
+              <a:rPr lang="en-US" altLang="zh-TW" sz="1100" dirty="0">
+                <a:latin typeface="微軟正黑體" panose="020B0604030504040204" pitchFamily="34" charset="-120"/>
+                <a:ea typeface="微軟正黑體" panose="020B0604030504040204" pitchFamily="34" charset="-120"/>
+              </a:rPr>
+              <a:t> </a:t>
+            </a:r>
+          </a:p>
+          <a:p>
+            <a:pPr marL="1200150" lvl="2" indent="-285750">
+              <a:buFont typeface="Arial" panose="020B0604020202020204" pitchFamily="34" charset="0"/>
+              <a:buChar char="•"/>
+            </a:pPr>
+            <a:r>
+              <a:rPr lang="zh-TW" altLang="en-US" sz="1100" dirty="0">
+                <a:latin typeface="微軟正黑體" panose="020B0604030504040204" pitchFamily="34" charset="-120"/>
+                <a:ea typeface="微軟正黑體" panose="020B0604030504040204" pitchFamily="34" charset="-120"/>
+              </a:rPr>
+              <a:t>等待左玩家按下按鈕發球</a:t>
+            </a:r>
+            <a:endParaRPr lang="en-US" altLang="zh-TW" sz="1100" dirty="0">
+              <a:latin typeface="微軟正黑體" panose="020B0604030504040204" pitchFamily="34" charset="-120"/>
+              <a:ea typeface="微軟正黑體" panose="020B0604030504040204" pitchFamily="34" charset="-120"/>
+            </a:endParaRPr>
+          </a:p>
+          <a:p>
+            <a:pPr marL="742950" lvl="1" indent="-285750">
+              <a:buFont typeface="Arial" panose="020B0604020202020204" pitchFamily="34" charset="0"/>
+              <a:buChar char="•"/>
+            </a:pPr>
+            <a:r>
+              <a:rPr lang="en-US" altLang="zh-TW" sz="1100" dirty="0" err="1">
+                <a:latin typeface="微軟正黑體" panose="020B0604030504040204" pitchFamily="34" charset="-120"/>
+                <a:ea typeface="微軟正黑體" panose="020B0604030504040204" pitchFamily="34" charset="-120"/>
+              </a:rPr>
+              <a:t>idle_right</a:t>
+            </a:r>
+            <a:endParaRPr lang="en-US" altLang="zh-TW" sz="1100" dirty="0">
+              <a:latin typeface="微軟正黑體" panose="020B0604030504040204" pitchFamily="34" charset="-120"/>
+              <a:ea typeface="微軟正黑體" panose="020B0604030504040204" pitchFamily="34" charset="-120"/>
+            </a:endParaRPr>
+          </a:p>
+          <a:p>
+            <a:pPr marL="1200150" lvl="2" indent="-285750">
+              <a:buFont typeface="Arial" panose="020B0604020202020204" pitchFamily="34" charset="0"/>
+              <a:buChar char="•"/>
+            </a:pPr>
+            <a:r>
+              <a:rPr lang="zh-TW" altLang="en-US" sz="1100" dirty="0">
+                <a:latin typeface="微軟正黑體" panose="020B0604030504040204" pitchFamily="34" charset="-120"/>
+                <a:ea typeface="微軟正黑體" panose="020B0604030504040204" pitchFamily="34" charset="-120"/>
+              </a:rPr>
+              <a:t>等待右玩家按下按鈕發球</a:t>
+            </a:r>
+            <a:endParaRPr lang="en-US" altLang="zh-TW" sz="1100" dirty="0">
+              <a:latin typeface="微軟正黑體" panose="020B0604030504040204" pitchFamily="34" charset="-120"/>
+              <a:ea typeface="微軟正黑體" panose="020B0604030504040204" pitchFamily="34" charset="-120"/>
+            </a:endParaRPr>
+          </a:p>
+          <a:p>
+            <a:pPr marL="742950" lvl="1" indent="-285750">
+              <a:buFont typeface="Arial" panose="020B0604020202020204" pitchFamily="34" charset="0"/>
+              <a:buChar char="•"/>
+            </a:pPr>
+            <a:r>
+              <a:rPr lang="en-US" altLang="zh-TW" sz="1100" dirty="0" err="1">
+                <a:latin typeface="微軟正黑體" panose="020B0604030504040204" pitchFamily="34" charset="-120"/>
+                <a:ea typeface="微軟正黑體" panose="020B0604030504040204" pitchFamily="34" charset="-120"/>
+              </a:rPr>
+              <a:t>serve_left</a:t>
+            </a:r>
+            <a:endParaRPr lang="en-US" altLang="zh-TW" sz="1100" dirty="0">
+              <a:latin typeface="微軟正黑體" panose="020B0604030504040204" pitchFamily="34" charset="-120"/>
+              <a:ea typeface="微軟正黑體" panose="020B0604030504040204" pitchFamily="34" charset="-120"/>
+            </a:endParaRPr>
+          </a:p>
+          <a:p>
+            <a:pPr marL="1200150" lvl="2" indent="-285750">
+              <a:buFont typeface="Arial" panose="020B0604020202020204" pitchFamily="34" charset="0"/>
+              <a:buChar char="•"/>
+            </a:pPr>
+            <a:r>
+              <a:rPr lang="zh-TW" altLang="en-US" sz="1100" dirty="0">
+                <a:latin typeface="微軟正黑體" panose="020B0604030504040204" pitchFamily="34" charset="-120"/>
+                <a:ea typeface="微軟正黑體" panose="020B0604030504040204" pitchFamily="34" charset="-120"/>
+              </a:rPr>
+              <a:t>等待左玩家放開按鈕，開始對打</a:t>
+            </a:r>
+            <a:endParaRPr lang="en-US" altLang="zh-TW" sz="1100" dirty="0">
+              <a:latin typeface="微軟正黑體" panose="020B0604030504040204" pitchFamily="34" charset="-120"/>
+              <a:ea typeface="微軟正黑體" panose="020B0604030504040204" pitchFamily="34" charset="-120"/>
+            </a:endParaRPr>
+          </a:p>
+          <a:p>
+            <a:pPr marL="742950" lvl="1" indent="-285750">
+              <a:buFont typeface="Arial" panose="020B0604020202020204" pitchFamily="34" charset="0"/>
+              <a:buChar char="•"/>
+            </a:pPr>
+            <a:r>
+              <a:rPr lang="en-US" altLang="zh-TW" sz="1100" dirty="0" err="1">
+                <a:latin typeface="微軟正黑體" panose="020B0604030504040204" pitchFamily="34" charset="-120"/>
+                <a:ea typeface="微軟正黑體" panose="020B0604030504040204" pitchFamily="34" charset="-120"/>
+              </a:rPr>
+              <a:t>serve_right</a:t>
+            </a:r>
+            <a:endParaRPr lang="en-US" altLang="zh-TW" sz="1100" dirty="0">
+              <a:latin typeface="微軟正黑體" panose="020B0604030504040204" pitchFamily="34" charset="-120"/>
+              <a:ea typeface="微軟正黑體" panose="020B0604030504040204" pitchFamily="34" charset="-120"/>
+            </a:endParaRPr>
+          </a:p>
+          <a:p>
+            <a:pPr marL="1200150" lvl="2" indent="-285750">
+              <a:buFont typeface="Arial" panose="020B0604020202020204" pitchFamily="34" charset="0"/>
+              <a:buChar char="•"/>
+            </a:pPr>
+            <a:r>
+              <a:rPr lang="zh-TW" altLang="en-US" sz="1100" dirty="0">
+                <a:latin typeface="微軟正黑體" panose="020B0604030504040204" pitchFamily="34" charset="-120"/>
+                <a:ea typeface="微軟正黑體" panose="020B0604030504040204" pitchFamily="34" charset="-120"/>
+              </a:rPr>
+              <a:t>等待右玩家放開按鈕，開始對打</a:t>
+            </a:r>
+            <a:endParaRPr lang="en-US" altLang="zh-TW" sz="1100" dirty="0">
+              <a:latin typeface="微軟正黑體" panose="020B0604030504040204" pitchFamily="34" charset="-120"/>
+              <a:ea typeface="微軟正黑體" panose="020B0604030504040204" pitchFamily="34" charset="-120"/>
+            </a:endParaRPr>
+          </a:p>
+          <a:p>
+            <a:pPr marL="742950" lvl="1" indent="-285750">
+              <a:buFont typeface="Arial" panose="020B0604020202020204" pitchFamily="34" charset="0"/>
+              <a:buChar char="•"/>
+            </a:pPr>
+            <a:r>
+              <a:rPr lang="en-US" altLang="zh-TW" sz="1100" dirty="0" err="1">
+                <a:latin typeface="微軟正黑體" panose="020B0604030504040204" pitchFamily="34" charset="-120"/>
+                <a:ea typeface="微軟正黑體" panose="020B0604030504040204" pitchFamily="34" charset="-120"/>
+              </a:rPr>
+              <a:t>moving_left</a:t>
+            </a:r>
+            <a:endParaRPr lang="en-US" altLang="zh-TW" sz="1100" dirty="0">
+              <a:latin typeface="微軟正黑體" panose="020B0604030504040204" pitchFamily="34" charset="-120"/>
+              <a:ea typeface="微軟正黑體" panose="020B0604030504040204" pitchFamily="34" charset="-120"/>
+            </a:endParaRPr>
+          </a:p>
+          <a:p>
+            <a:pPr marL="1200150" lvl="2" indent="-285750">
+              <a:buFont typeface="Arial" panose="020B0604020202020204" pitchFamily="34" charset="0"/>
+              <a:buChar char="•"/>
+            </a:pPr>
+            <a:r>
+              <a:rPr lang="en-US" altLang="zh-TW" sz="1100" dirty="0">
+                <a:latin typeface="微軟正黑體" panose="020B0604030504040204" pitchFamily="34" charset="-120"/>
+                <a:ea typeface="微軟正黑體" panose="020B0604030504040204" pitchFamily="34" charset="-120"/>
+              </a:rPr>
+              <a:t>LED</a:t>
+            </a:r>
+            <a:r>
+              <a:rPr lang="zh-TW" altLang="en-US" sz="1100" dirty="0">
+                <a:latin typeface="微軟正黑體" panose="020B0604030504040204" pitchFamily="34" charset="-120"/>
+                <a:ea typeface="微軟正黑體" panose="020B0604030504040204" pitchFamily="34" charset="-120"/>
+              </a:rPr>
+              <a:t> 往左移</a:t>
+            </a:r>
+            <a:endParaRPr lang="en-US" altLang="zh-TW" sz="1100" dirty="0">
+              <a:latin typeface="微軟正黑體" panose="020B0604030504040204" pitchFamily="34" charset="-120"/>
+              <a:ea typeface="微軟正黑體" panose="020B0604030504040204" pitchFamily="34" charset="-120"/>
+            </a:endParaRPr>
+          </a:p>
+          <a:p>
+            <a:pPr marL="742950" lvl="1" indent="-285750">
+              <a:buFont typeface="Arial" panose="020B0604020202020204" pitchFamily="34" charset="0"/>
+              <a:buChar char="•"/>
+            </a:pPr>
+            <a:r>
+              <a:rPr lang="en-US" altLang="zh-TW" sz="1100" dirty="0" err="1">
+                <a:latin typeface="微軟正黑體" panose="020B0604030504040204" pitchFamily="34" charset="-120"/>
+                <a:ea typeface="微軟正黑體" panose="020B0604030504040204" pitchFamily="34" charset="-120"/>
+              </a:rPr>
+              <a:t>moving_right</a:t>
+            </a:r>
+            <a:endParaRPr lang="en-US" altLang="zh-TW" sz="1100" dirty="0">
+              <a:latin typeface="微軟正黑體" panose="020B0604030504040204" pitchFamily="34" charset="-120"/>
+              <a:ea typeface="微軟正黑體" panose="020B0604030504040204" pitchFamily="34" charset="-120"/>
+            </a:endParaRPr>
+          </a:p>
+          <a:p>
+            <a:pPr marL="1200150" lvl="2" indent="-285750">
+              <a:buFont typeface="Arial" panose="020B0604020202020204" pitchFamily="34" charset="0"/>
+              <a:buChar char="•"/>
+            </a:pPr>
+            <a:r>
+              <a:rPr lang="en-US" altLang="zh-TW" sz="1100" dirty="0">
+                <a:latin typeface="微軟正黑體" panose="020B0604030504040204" pitchFamily="34" charset="-120"/>
+                <a:ea typeface="微軟正黑體" panose="020B0604030504040204" pitchFamily="34" charset="-120"/>
+              </a:rPr>
+              <a:t>LED</a:t>
+            </a:r>
+            <a:r>
+              <a:rPr lang="zh-TW" altLang="en-US" sz="1100" dirty="0">
+                <a:latin typeface="微軟正黑體" panose="020B0604030504040204" pitchFamily="34" charset="-120"/>
+                <a:ea typeface="微軟正黑體" panose="020B0604030504040204" pitchFamily="34" charset="-120"/>
+              </a:rPr>
+              <a:t> 往右移</a:t>
+            </a:r>
+            <a:endParaRPr lang="en-US" altLang="zh-TW" sz="1100" dirty="0">
+              <a:latin typeface="微軟正黑體" panose="020B0604030504040204" pitchFamily="34" charset="-120"/>
+              <a:ea typeface="微軟正黑體" panose="020B0604030504040204" pitchFamily="34" charset="-120"/>
+            </a:endParaRPr>
+          </a:p>
+          <a:p>
+            <a:pPr marL="742950" lvl="1" indent="-285750">
+              <a:buFont typeface="Arial" panose="020B0604020202020204" pitchFamily="34" charset="0"/>
+              <a:buChar char="•"/>
+            </a:pPr>
+            <a:r>
+              <a:rPr lang="en-US" altLang="zh-TW" sz="1100" dirty="0" err="1">
+                <a:latin typeface="微軟正黑體" panose="020B0604030504040204" pitchFamily="34" charset="-120"/>
+                <a:ea typeface="微軟正黑體" panose="020B0604030504040204" pitchFamily="34" charset="-120"/>
+              </a:rPr>
+              <a:t>left_win</a:t>
+            </a:r>
+            <a:endParaRPr lang="en-US" altLang="zh-TW" sz="1100" dirty="0">
+              <a:latin typeface="微軟正黑體" panose="020B0604030504040204" pitchFamily="34" charset="-120"/>
+              <a:ea typeface="微軟正黑體" panose="020B0604030504040204" pitchFamily="34" charset="-120"/>
+            </a:endParaRPr>
+          </a:p>
+          <a:p>
+            <a:pPr marL="1200150" lvl="2" indent="-285750">
+              <a:buFont typeface="Arial" panose="020B0604020202020204" pitchFamily="34" charset="0"/>
+              <a:buChar char="•"/>
+            </a:pPr>
+            <a:r>
+              <a:rPr lang="zh-TW" altLang="en-US" sz="1100" dirty="0">
+                <a:latin typeface="微軟正黑體" panose="020B0604030504040204" pitchFamily="34" charset="-120"/>
+                <a:ea typeface="微軟正黑體" panose="020B0604030504040204" pitchFamily="34" charset="-120"/>
+              </a:rPr>
+              <a:t>當右玩家，漏接或提早，則左玩家勝利</a:t>
+            </a:r>
+            <a:endParaRPr lang="en-US" altLang="zh-TW" sz="1100" dirty="0">
+              <a:latin typeface="微軟正黑體" panose="020B0604030504040204" pitchFamily="34" charset="-120"/>
+              <a:ea typeface="微軟正黑體" panose="020B0604030504040204" pitchFamily="34" charset="-120"/>
+            </a:endParaRPr>
+          </a:p>
+          <a:p>
+            <a:pPr marL="742950" lvl="1" indent="-285750">
+              <a:buFont typeface="Arial" panose="020B0604020202020204" pitchFamily="34" charset="0"/>
+              <a:buChar char="•"/>
+            </a:pPr>
+            <a:r>
+              <a:rPr lang="en-US" altLang="zh-TW" sz="1100" dirty="0" err="1">
+                <a:latin typeface="微軟正黑體" panose="020B0604030504040204" pitchFamily="34" charset="-120"/>
+                <a:ea typeface="微軟正黑體" panose="020B0604030504040204" pitchFamily="34" charset="-120"/>
+              </a:rPr>
+              <a:t>right_win</a:t>
+            </a:r>
+            <a:endParaRPr lang="en-US" altLang="zh-TW" sz="1100" dirty="0">
+              <a:latin typeface="微軟正黑體" panose="020B0604030504040204" pitchFamily="34" charset="-120"/>
+              <a:ea typeface="微軟正黑體" panose="020B0604030504040204" pitchFamily="34" charset="-120"/>
+            </a:endParaRPr>
+          </a:p>
+          <a:p>
+            <a:pPr marL="1200150" lvl="2" indent="-285750">
+              <a:buFont typeface="Arial" panose="020B0604020202020204" pitchFamily="34" charset="0"/>
+              <a:buChar char="•"/>
+            </a:pPr>
+            <a:r>
+              <a:rPr lang="zh-TW" altLang="en-US" sz="1100" dirty="0">
+                <a:latin typeface="微軟正黑體" panose="020B0604030504040204" pitchFamily="34" charset="-120"/>
+                <a:ea typeface="微軟正黑體" panose="020B0604030504040204" pitchFamily="34" charset="-120"/>
+              </a:rPr>
+              <a:t>當左玩家，漏接或提早，則右玩家勝利</a:t>
+            </a:r>
+            <a:endParaRPr lang="en-US" altLang="zh-TW" sz="1100" dirty="0">
+              <a:latin typeface="微軟正黑體" panose="020B0604030504040204" pitchFamily="34" charset="-120"/>
+              <a:ea typeface="微軟正黑體" panose="020B0604030504040204" pitchFamily="34" charset="-120"/>
+            </a:endParaRPr>
+          </a:p>
+          <a:p>
+            <a:pPr marL="285750" indent="-285750">
+              <a:buFont typeface="Arial" panose="020B0604020202020204" pitchFamily="34" charset="0"/>
+              <a:buChar char="•"/>
+            </a:pPr>
+            <a:endParaRPr lang="en-US" altLang="zh-TW" sz="1100" dirty="0">
+              <a:latin typeface="微軟正黑體" panose="020B0604030504040204" pitchFamily="34" charset="-120"/>
+              <a:ea typeface="微軟正黑體" panose="020B0604030504040204" pitchFamily="34" charset="-120"/>
+            </a:endParaRPr>
+          </a:p>
+          <a:p>
+            <a:pPr marL="285750" indent="-285750">
+              <a:buFont typeface="Arial" panose="020B0604020202020204" pitchFamily="34" charset="0"/>
+              <a:buChar char="•"/>
+            </a:pPr>
+            <a:r>
+              <a:rPr lang="en-US" altLang="zh-TW" sz="1100" dirty="0">
+                <a:latin typeface="微軟正黑體" panose="020B0604030504040204" pitchFamily="34" charset="-120"/>
+                <a:ea typeface="微軟正黑體" panose="020B0604030504040204" pitchFamily="34" charset="-120"/>
+              </a:rPr>
+              <a:t>Action</a:t>
+            </a:r>
+          </a:p>
+          <a:p>
+            <a:pPr marL="742950" lvl="1" indent="-285750">
+              <a:buFont typeface="Arial" panose="020B0604020202020204" pitchFamily="34" charset="0"/>
+              <a:buChar char="•"/>
+            </a:pPr>
+            <a:r>
+              <a:rPr lang="en-US" altLang="zh-TW" sz="1100" dirty="0" err="1">
+                <a:latin typeface="微軟正黑體" panose="020B0604030504040204" pitchFamily="34" charset="-120"/>
+                <a:ea typeface="微軟正黑體" panose="020B0604030504040204" pitchFamily="34" charset="-120"/>
+              </a:rPr>
+              <a:t>DIV_CLK_Action</a:t>
+            </a:r>
+            <a:endParaRPr lang="en-US" altLang="zh-TW" sz="1100" dirty="0">
+              <a:latin typeface="微軟正黑體" panose="020B0604030504040204" pitchFamily="34" charset="-120"/>
+              <a:ea typeface="微軟正黑體" panose="020B0604030504040204" pitchFamily="34" charset="-120"/>
+            </a:endParaRPr>
+          </a:p>
+          <a:p>
+            <a:pPr marL="1200150" lvl="2" indent="-285750">
+              <a:buFont typeface="Arial" panose="020B0604020202020204" pitchFamily="34" charset="0"/>
+              <a:buChar char="•"/>
+            </a:pPr>
+            <a:r>
+              <a:rPr lang="zh-TW" altLang="en-US" sz="1100" dirty="0">
+                <a:latin typeface="微軟正黑體" panose="020B0604030504040204" pitchFamily="34" charset="-120"/>
+                <a:ea typeface="微軟正黑體" panose="020B0604030504040204" pitchFamily="34" charset="-120"/>
+              </a:rPr>
+              <a:t>除頻器，為了在板子上，可以看到</a:t>
+            </a:r>
+            <a:r>
+              <a:rPr lang="en-US" altLang="zh-TW" sz="1100" dirty="0">
+                <a:latin typeface="微軟正黑體" panose="020B0604030504040204" pitchFamily="34" charset="-120"/>
+                <a:ea typeface="微軟正黑體" panose="020B0604030504040204" pitchFamily="34" charset="-120"/>
+              </a:rPr>
+              <a:t>LED</a:t>
+            </a:r>
+            <a:r>
+              <a:rPr lang="zh-TW" altLang="en-US" sz="1100" dirty="0">
+                <a:latin typeface="微軟正黑體" panose="020B0604030504040204" pitchFamily="34" charset="-120"/>
+                <a:ea typeface="微軟正黑體" panose="020B0604030504040204" pitchFamily="34" charset="-120"/>
+              </a:rPr>
+              <a:t>位移</a:t>
+            </a:r>
+            <a:endParaRPr lang="en-US" altLang="zh-TW" sz="1100" dirty="0">
+              <a:latin typeface="微軟正黑體" panose="020B0604030504040204" pitchFamily="34" charset="-120"/>
+              <a:ea typeface="微軟正黑體" panose="020B0604030504040204" pitchFamily="34" charset="-120"/>
+            </a:endParaRPr>
+          </a:p>
+          <a:p>
+            <a:pPr marL="742950" lvl="1" indent="-285750">
+              <a:buFont typeface="Arial" panose="020B0604020202020204" pitchFamily="34" charset="0"/>
+              <a:buChar char="•"/>
+            </a:pPr>
+            <a:r>
+              <a:rPr lang="en-US" altLang="zh-TW" sz="1100" dirty="0" err="1">
+                <a:latin typeface="微軟正黑體" panose="020B0604030504040204" pitchFamily="34" charset="-120"/>
+                <a:ea typeface="微軟正黑體" panose="020B0604030504040204" pitchFamily="34" charset="-120"/>
+              </a:rPr>
+              <a:t>Dealy_Counter_Action</a:t>
+            </a:r>
+            <a:endParaRPr lang="en-US" altLang="zh-TW" sz="1100" dirty="0">
+              <a:latin typeface="微軟正黑體" panose="020B0604030504040204" pitchFamily="34" charset="-120"/>
+              <a:ea typeface="微軟正黑體" panose="020B0604030504040204" pitchFamily="34" charset="-120"/>
+            </a:endParaRPr>
+          </a:p>
+          <a:p>
+            <a:pPr marL="1200150" lvl="2" indent="-285750">
+              <a:buFont typeface="Arial" panose="020B0604020202020204" pitchFamily="34" charset="0"/>
+              <a:buChar char="•"/>
+            </a:pPr>
+            <a:r>
+              <a:rPr lang="zh-TW" altLang="en-US" sz="1100" dirty="0">
+                <a:latin typeface="微軟正黑體" panose="020B0604030504040204" pitchFamily="34" charset="-120"/>
+                <a:ea typeface="微軟正黑體" panose="020B0604030504040204" pitchFamily="34" charset="-120"/>
+              </a:rPr>
+              <a:t>為了讓贏家顯示則延遲四秒顯示</a:t>
+            </a:r>
+            <a:r>
+              <a:rPr lang="en-US" altLang="zh-TW" sz="1100" dirty="0">
+                <a:latin typeface="微軟正黑體" panose="020B0604030504040204" pitchFamily="34" charset="-120"/>
+                <a:ea typeface="微軟正黑體" panose="020B0604030504040204" pitchFamily="34" charset="-120"/>
+              </a:rPr>
+              <a:t>LED</a:t>
+            </a:r>
+          </a:p>
+          <a:p>
+            <a:pPr marL="742950" lvl="1" indent="-285750">
+              <a:buFont typeface="Arial" panose="020B0604020202020204" pitchFamily="34" charset="0"/>
+              <a:buChar char="•"/>
+            </a:pPr>
+            <a:r>
+              <a:rPr lang="en-US" altLang="zh-TW" sz="1100" dirty="0" err="1">
+                <a:latin typeface="微軟正黑體" panose="020B0604030504040204" pitchFamily="34" charset="-120"/>
+                <a:ea typeface="微軟正黑體" panose="020B0604030504040204" pitchFamily="34" charset="-120"/>
+              </a:rPr>
+              <a:t>LED_Action</a:t>
+            </a:r>
+            <a:endParaRPr lang="en-US" altLang="zh-TW" sz="1100" dirty="0">
+              <a:latin typeface="微軟正黑體" panose="020B0604030504040204" pitchFamily="34" charset="-120"/>
+              <a:ea typeface="微軟正黑體" panose="020B0604030504040204" pitchFamily="34" charset="-120"/>
+            </a:endParaRPr>
+          </a:p>
+          <a:p>
+            <a:pPr marL="1200150" lvl="2" indent="-285750">
+              <a:buFont typeface="Arial" panose="020B0604020202020204" pitchFamily="34" charset="0"/>
+              <a:buChar char="•"/>
+            </a:pPr>
+            <a:r>
+              <a:rPr lang="en-US" altLang="zh-TW" sz="1100" dirty="0">
+                <a:latin typeface="微軟正黑體" panose="020B0604030504040204" pitchFamily="34" charset="-120"/>
+                <a:ea typeface="微軟正黑體" panose="020B0604030504040204" pitchFamily="34" charset="-120"/>
+              </a:rPr>
+              <a:t>LED</a:t>
+            </a:r>
+            <a:r>
+              <a:rPr lang="zh-TW" altLang="en-US" sz="1100" dirty="0">
+                <a:latin typeface="微軟正黑體" panose="020B0604030504040204" pitchFamily="34" charset="-120"/>
+                <a:ea typeface="微軟正黑體" panose="020B0604030504040204" pitchFamily="34" charset="-120"/>
+              </a:rPr>
+              <a:t>顯示</a:t>
+            </a:r>
+            <a:endParaRPr lang="en-US" altLang="zh-TW" sz="1100" dirty="0">
+              <a:latin typeface="微軟正黑體" panose="020B0604030504040204" pitchFamily="34" charset="-120"/>
+              <a:ea typeface="微軟正黑體" panose="020B0604030504040204" pitchFamily="34" charset="-120"/>
+            </a:endParaRPr>
+          </a:p>
+          <a:p>
+            <a:pPr marL="742950" lvl="1" indent="-285750">
+              <a:buFont typeface="Arial" panose="020B0604020202020204" pitchFamily="34" charset="0"/>
+              <a:buChar char="•"/>
+            </a:pPr>
+            <a:r>
+              <a:rPr lang="en-US" altLang="zh-TW" sz="1100" dirty="0">
+                <a:latin typeface="微軟正黑體" panose="020B0604030504040204" pitchFamily="34" charset="-120"/>
+                <a:ea typeface="微軟正黑體" panose="020B0604030504040204" pitchFamily="34" charset="-120"/>
+              </a:rPr>
+              <a:t>CRC3 </a:t>
+            </a:r>
+          </a:p>
+          <a:p>
+            <a:pPr marL="1200150" lvl="2" indent="-285750">
+              <a:buFont typeface="Arial" panose="020B0604020202020204" pitchFamily="34" charset="0"/>
+              <a:buChar char="•"/>
+            </a:pPr>
+            <a:r>
+              <a:rPr lang="zh-TW" altLang="en-US" sz="1100" dirty="0">
+                <a:latin typeface="微軟正黑體" panose="020B0604030504040204" pitchFamily="34" charset="-120"/>
+                <a:ea typeface="微軟正黑體" panose="020B0604030504040204" pitchFamily="34" charset="-120"/>
+              </a:rPr>
+              <a:t>亂數產生</a:t>
+            </a:r>
+            <a:endParaRPr lang="en-US" altLang="zh-TW" sz="1100" dirty="0">
+              <a:latin typeface="微軟正黑體" panose="020B0604030504040204" pitchFamily="34" charset="-120"/>
+              <a:ea typeface="微軟正黑體" panose="020B0604030504040204" pitchFamily="34" charset="-120"/>
+            </a:endParaRPr>
+          </a:p>
+          <a:p>
+            <a:pPr marL="742950" lvl="1" indent="-285750">
+              <a:buFont typeface="Arial" panose="020B0604020202020204" pitchFamily="34" charset="0"/>
+              <a:buChar char="•"/>
+            </a:pPr>
+            <a:r>
+              <a:rPr lang="en-US" altLang="zh-TW" sz="1100" dirty="0">
+                <a:latin typeface="微軟正黑體" panose="020B0604030504040204" pitchFamily="34" charset="-120"/>
+                <a:ea typeface="微軟正黑體" panose="020B0604030504040204" pitchFamily="34" charset="-120"/>
+              </a:rPr>
+              <a:t>case_CRC3</a:t>
+            </a:r>
+          </a:p>
+          <a:p>
+            <a:pPr marL="1200150" lvl="2" indent="-285750">
+              <a:buFont typeface="Arial" panose="020B0604020202020204" pitchFamily="34" charset="0"/>
+              <a:buChar char="•"/>
+            </a:pPr>
+            <a:r>
+              <a:rPr lang="zh-TW" altLang="en-US" sz="1100" dirty="0">
+                <a:latin typeface="微軟正黑體" panose="020B0604030504040204" pitchFamily="34" charset="-120"/>
+                <a:ea typeface="微軟正黑體" panose="020B0604030504040204" pitchFamily="34" charset="-120"/>
+              </a:rPr>
+              <a:t>依據亂數，給予不一樣除頻</a:t>
+            </a:r>
+            <a:endParaRPr lang="en-US" altLang="zh-TW" sz="1100" dirty="0">
+              <a:latin typeface="微軟正黑體" panose="020B0604030504040204" pitchFamily="34" charset="-120"/>
+              <a:ea typeface="微軟正黑體" panose="020B0604030504040204" pitchFamily="34" charset="-120"/>
+            </a:endParaRPr>
+          </a:p>
+          <a:p>
+            <a:pPr marL="742950" lvl="1" indent="-285750">
+              <a:buFont typeface="Wingdings" panose="05000000000000000000" pitchFamily="2" charset="2"/>
+              <a:buChar char="n"/>
+            </a:pPr>
+            <a:endParaRPr lang="en-US" altLang="zh-TW" sz="1100" dirty="0">
+              <a:latin typeface="微軟正黑體" panose="020B0604030504040204" pitchFamily="34" charset="-120"/>
+              <a:ea typeface="微軟正黑體" panose="020B0604030504040204" pitchFamily="34" charset="-120"/>
+            </a:endParaRPr>
+          </a:p>
+        </p:txBody>
+      </p:sp>
+      <p:pic>
+        <p:nvPicPr>
+          <p:cNvPr id="9" name="圖片 8">
+            <a:extLst>
+              <a:ext uri="{FF2B5EF4-FFF2-40B4-BE49-F238E27FC236}">
+                <a16:creationId xmlns:a16="http://schemas.microsoft.com/office/drawing/2014/main" id="{60ED2CE6-DB24-4388-B185-7715955D12F8}"/>
+              </a:ext>
+            </a:extLst>
+          </p:cNvPr>
+          <p:cNvPicPr>
+            <a:picLocks noChangeAspect="1"/>
+          </p:cNvPicPr>
+          <p:nvPr/>
+        </p:nvPicPr>
+        <p:blipFill>
+          <a:blip r:embed="rId3">
+            <a:extLst>
+              <a:ext uri="{28A0092B-C50C-407E-A947-70E740481C1C}">
+                <a14:useLocalDpi xmlns:a14="http://schemas.microsoft.com/office/drawing/2010/main" val="0"/>
+              </a:ext>
+            </a:extLst>
+          </a:blip>
+          <a:stretch>
+            <a:fillRect/>
+          </a:stretch>
+        </p:blipFill>
+        <p:spPr>
+          <a:xfrm>
+            <a:off x="6360167" y="1190191"/>
+            <a:ext cx="4368328" cy="5047438"/>
+          </a:xfrm>
+          <a:prstGeom prst="rect">
+            <a:avLst/>
+          </a:prstGeom>
+        </p:spPr>
+      </p:pic>
+    </p:spTree>
+    <p:extLst>
+      <p:ext uri="{BB962C8B-B14F-4D97-AF65-F5344CB8AC3E}">
+        <p14:creationId xmlns:p14="http://schemas.microsoft.com/office/powerpoint/2010/main" val="3376878689"/>
+      </p:ext>
+    </p:extLst>
+  </p:cSld>
+  <p:clrMapOvr>
+    <a:masterClrMapping/>
+  </p:clrMapOvr>
+</p:sld>
+</file>
+
+<file path=ppt/slides/slide6.xml><?xml version="1.0" encoding="utf-8"?>
+<p:sld xmlns:a="http://schemas.openxmlformats.org/drawingml/2006/main" xmlns:r="http://schemas.openxmlformats.org/officeDocument/2006/relationships" xmlns:p="http://schemas.openxmlformats.org/presentationml/2006/main">
+  <p:cSld>
+    <p:spTree>
+      <p:nvGrpSpPr>
+        <p:cNvPr id="1" name=""/>
+        <p:cNvGrpSpPr/>
+        <p:nvPr/>
+      </p:nvGrpSpPr>
+      <p:grpSpPr>
+        <a:xfrm>
+          <a:off x="0" y="0"/>
+          <a:ext cx="0" cy="0"/>
+          <a:chOff x="0" y="0"/>
+          <a:chExt cx="0" cy="0"/>
+        </a:xfrm>
+      </p:grpSpPr>
+      <p:sp>
+        <p:nvSpPr>
+          <p:cNvPr id="3" name="標題 2">
+            <a:extLst>
+              <a:ext uri="{FF2B5EF4-FFF2-40B4-BE49-F238E27FC236}">
+                <a16:creationId xmlns:a16="http://schemas.microsoft.com/office/drawing/2014/main" id="{EF277299-8610-4660-86B9-EE584C561AB1}"/>
+              </a:ext>
+            </a:extLst>
+          </p:cNvPr>
+          <p:cNvSpPr>
+            <a:spLocks noGrp="1"/>
+          </p:cNvSpPr>
+          <p:nvPr>
+            <p:ph type="title"/>
+          </p:nvPr>
+        </p:nvSpPr>
+        <p:spPr/>
+        <p:txBody>
+          <a:bodyPr/>
+          <a:lstStyle/>
+          <a:p>
+            <a:r>
+              <a:rPr lang="zh-TW" altLang="en-US" dirty="0"/>
+              <a:t>當週進度</a:t>
+            </a:r>
+          </a:p>
+        </p:txBody>
+      </p:sp>
+      <p:sp>
+        <p:nvSpPr>
+          <p:cNvPr id="2" name="投影片編號版面配置區 1">
+            <a:extLst>
+              <a:ext uri="{FF2B5EF4-FFF2-40B4-BE49-F238E27FC236}">
+                <a16:creationId xmlns:a16="http://schemas.microsoft.com/office/drawing/2014/main" id="{93307445-5962-42AE-9A4E-E1C6CD1297BF}"/>
+              </a:ext>
+            </a:extLst>
+          </p:cNvPr>
+          <p:cNvSpPr>
+            <a:spLocks noGrp="1"/>
+          </p:cNvSpPr>
+          <p:nvPr>
+            <p:ph type="sldNum" sz="quarter" idx="12"/>
+          </p:nvPr>
+        </p:nvSpPr>
+        <p:spPr/>
+        <p:txBody>
+          <a:bodyPr/>
+          <a:lstStyle/>
+          <a:p>
+            <a:fld id="{90F9E983-480B-48C5-9E0F-D21C0DFBB5C0}" type="slidenum">
+              <a:rPr lang="zh-TW" altLang="en-US" smtClean="0"/>
+              <a:t>6</a:t>
+            </a:fld>
+            <a:endParaRPr lang="zh-TW" altLang="en-US"/>
+          </a:p>
+        </p:txBody>
+      </p:sp>
+      <p:sp>
+        <p:nvSpPr>
+          <p:cNvPr id="4" name="文字方塊 3">
+            <a:extLst>
+              <a:ext uri="{FF2B5EF4-FFF2-40B4-BE49-F238E27FC236}">
+                <a16:creationId xmlns:a16="http://schemas.microsoft.com/office/drawing/2014/main" id="{227F0923-AA00-4F8D-99BB-3109F6365217}"/>
+              </a:ext>
+            </a:extLst>
+          </p:cNvPr>
+          <p:cNvSpPr txBox="1"/>
+          <p:nvPr/>
+        </p:nvSpPr>
+        <p:spPr>
+          <a:xfrm>
+            <a:off x="838198" y="1190191"/>
+            <a:ext cx="10515599" cy="2031325"/>
+          </a:xfrm>
+          <a:prstGeom prst="rect">
+            <a:avLst/>
+          </a:prstGeom>
+          <a:noFill/>
+        </p:spPr>
+        <p:txBody>
+          <a:bodyPr wrap="square">
+            <a:spAutoFit/>
+          </a:bodyPr>
+          <a:lstStyle/>
+          <a:p>
+            <a:pPr marL="285750" indent="-285750">
+              <a:buFont typeface="Wingdings" panose="05000000000000000000" pitchFamily="2" charset="2"/>
+              <a:buChar char="n"/>
+            </a:pPr>
+            <a:r>
+              <a:rPr lang="zh-TW" altLang="en-US" dirty="0">
+                <a:latin typeface="微軟正黑體" panose="020B0604030504040204" pitchFamily="34" charset="-120"/>
+                <a:ea typeface="微軟正黑體" panose="020B0604030504040204" pitchFamily="34" charset="-120"/>
+              </a:rPr>
+              <a:t>問題記錄</a:t>
+            </a:r>
+            <a:endParaRPr lang="en-US" altLang="zh-TW" dirty="0">
+              <a:latin typeface="微軟正黑體" panose="020B0604030504040204" pitchFamily="34" charset="-120"/>
+              <a:ea typeface="微軟正黑體" panose="020B0604030504040204" pitchFamily="34" charset="-120"/>
+            </a:endParaRPr>
+          </a:p>
+          <a:p>
+            <a:pPr marL="800100" lvl="1" indent="-342900">
+              <a:buFont typeface="+mj-lt"/>
+              <a:buAutoNum type="arabicPeriod"/>
+            </a:pPr>
+            <a:r>
+              <a:rPr lang="zh-TW" altLang="en-US" dirty="0">
+                <a:latin typeface="微軟正黑體" panose="020B0604030504040204" pitchFamily="34" charset="-120"/>
+                <a:ea typeface="微軟正黑體" panose="020B0604030504040204" pitchFamily="34" charset="-120"/>
+              </a:rPr>
+              <a:t>無</a:t>
+            </a:r>
+            <a:endParaRPr lang="en-US" altLang="zh-TW" dirty="0">
+              <a:latin typeface="微軟正黑體" panose="020B0604030504040204" pitchFamily="34" charset="-120"/>
+              <a:ea typeface="微軟正黑體" panose="020B0604030504040204" pitchFamily="34" charset="-120"/>
+            </a:endParaRPr>
+          </a:p>
+          <a:p>
+            <a:pPr marL="800100" lvl="1" indent="-342900">
+              <a:buFont typeface="+mj-lt"/>
+              <a:buAutoNum type="arabicPeriod"/>
+            </a:pPr>
+            <a:endParaRPr lang="en-US" altLang="zh-TW" dirty="0">
+              <a:latin typeface="微軟正黑體" panose="020B0604030504040204" pitchFamily="34" charset="-120"/>
+              <a:ea typeface="微軟正黑體" panose="020B0604030504040204" pitchFamily="34" charset="-120"/>
+            </a:endParaRPr>
+          </a:p>
+          <a:p>
+            <a:pPr marL="342900" indent="-342900">
+              <a:buFont typeface="Wingdings" panose="05000000000000000000" pitchFamily="2" charset="2"/>
+              <a:buChar char="n"/>
+            </a:pPr>
+            <a:r>
+              <a:rPr lang="zh-TW" altLang="en-US" dirty="0">
+                <a:latin typeface="微軟正黑體" panose="020B0604030504040204" pitchFamily="34" charset="-120"/>
+                <a:ea typeface="微軟正黑體" panose="020B0604030504040204" pitchFamily="34" charset="-120"/>
+              </a:rPr>
+              <a:t>影片展示</a:t>
+            </a:r>
+            <a:endParaRPr lang="en-US" altLang="zh-TW" dirty="0">
+              <a:latin typeface="微軟正黑體" panose="020B0604030504040204" pitchFamily="34" charset="-120"/>
+              <a:ea typeface="微軟正黑體" panose="020B0604030504040204" pitchFamily="34" charset="-120"/>
+            </a:endParaRPr>
+          </a:p>
+          <a:p>
+            <a:pPr marL="742950" lvl="1" indent="-285750">
+              <a:buFont typeface="Arial" panose="020B0604020202020204" pitchFamily="34" charset="0"/>
+              <a:buChar char="•"/>
+            </a:pPr>
+            <a:r>
+              <a:rPr lang="en-US" altLang="zh-TW" dirty="0">
+                <a:latin typeface="微軟正黑體" panose="020B0604030504040204" pitchFamily="34" charset="-120"/>
+                <a:ea typeface="微軟正黑體" panose="020B0604030504040204" pitchFamily="34" charset="-120"/>
+                <a:hlinkClick r:id="rId3"/>
+              </a:rPr>
+              <a:t>https://drive.google.com/file/d/18gRYrMBCHtoaTZJ8OqSH27_qF-gMOqqg/view?usp=sharing</a:t>
+            </a:r>
+            <a:endParaRPr lang="en-US" altLang="zh-TW" dirty="0">
+              <a:latin typeface="微軟正黑體" panose="020B0604030504040204" pitchFamily="34" charset="-120"/>
+              <a:ea typeface="微軟正黑體" panose="020B0604030504040204" pitchFamily="34" charset="-120"/>
+            </a:endParaRPr>
+          </a:p>
+          <a:p>
+            <a:pPr marL="742950" lvl="1" indent="-285750">
+              <a:buFont typeface="Arial" panose="020B0604020202020204" pitchFamily="34" charset="0"/>
+              <a:buChar char="•"/>
+            </a:pPr>
+            <a:endParaRPr lang="en-US" altLang="zh-TW" dirty="0">
+              <a:latin typeface="微軟正黑體" panose="020B0604030504040204" pitchFamily="34" charset="-120"/>
+              <a:ea typeface="微軟正黑體" panose="020B0604030504040204" pitchFamily="34" charset="-120"/>
+            </a:endParaRPr>
+          </a:p>
+        </p:txBody>
+      </p:sp>
+    </p:spTree>
+    <p:extLst>
+      <p:ext uri="{BB962C8B-B14F-4D97-AF65-F5344CB8AC3E}">
+        <p14:creationId xmlns:p14="http://schemas.microsoft.com/office/powerpoint/2010/main" val="870849123"/>
+      </p:ext>
+    </p:extLst>
+  </p:cSld>
+  <p:clrMapOvr>
+    <a:masterClrMapping/>
+  </p:clrMapOvr>
+</p:sld>
+</file>
+
+<file path=ppt/slides/slide7.xml><?xml version="1.0" encoding="utf-8"?>
+<p:sld xmlns:a="http://schemas.openxmlformats.org/drawingml/2006/main" xmlns:r="http://schemas.openxmlformats.org/officeDocument/2006/relationships" xmlns:p="http://schemas.openxmlformats.org/presentationml/2006/main">
+  <p:cSld>
+    <p:spTree>
+      <p:nvGrpSpPr>
+        <p:cNvPr id="1" name=""/>
+        <p:cNvGrpSpPr/>
+        <p:nvPr/>
+      </p:nvGrpSpPr>
+      <p:grpSpPr>
+        <a:xfrm>
+          <a:off x="0" y="0"/>
+          <a:ext cx="0" cy="0"/>
+          <a:chOff x="0" y="0"/>
+          <a:chExt cx="0" cy="0"/>
+        </a:xfrm>
+      </p:grpSpPr>
+      <p:sp>
+        <p:nvSpPr>
+          <p:cNvPr id="3" name="標題 2">
+            <a:extLst>
+              <a:ext uri="{FF2B5EF4-FFF2-40B4-BE49-F238E27FC236}">
+                <a16:creationId xmlns:a16="http://schemas.microsoft.com/office/drawing/2014/main" id="{EF277299-8610-4660-86B9-EE584C561AB1}"/>
+              </a:ext>
+            </a:extLst>
+          </p:cNvPr>
+          <p:cNvSpPr>
+            <a:spLocks noGrp="1"/>
+          </p:cNvSpPr>
+          <p:nvPr>
+            <p:ph type="title"/>
+          </p:nvPr>
+        </p:nvSpPr>
+        <p:spPr/>
+        <p:txBody>
+          <a:bodyPr/>
+          <a:lstStyle/>
+          <a:p>
+            <a:r>
+              <a:rPr lang="zh-TW" altLang="en-US" dirty="0"/>
+              <a:t>架構圖</a:t>
+            </a:r>
+          </a:p>
+        </p:txBody>
+      </p:sp>
+      <p:sp>
+        <p:nvSpPr>
+          <p:cNvPr id="2" name="投影片編號版面配置區 1">
+            <a:extLst>
+              <a:ext uri="{FF2B5EF4-FFF2-40B4-BE49-F238E27FC236}">
+                <a16:creationId xmlns:a16="http://schemas.microsoft.com/office/drawing/2014/main" id="{3ABA1C61-B2A2-4D29-8357-2466EE82EA36}"/>
+              </a:ext>
+            </a:extLst>
+          </p:cNvPr>
+          <p:cNvSpPr>
+            <a:spLocks noGrp="1"/>
+          </p:cNvSpPr>
+          <p:nvPr>
+            <p:ph type="sldNum" sz="quarter" idx="12"/>
+          </p:nvPr>
+        </p:nvSpPr>
+        <p:spPr/>
+        <p:txBody>
+          <a:bodyPr/>
+          <a:lstStyle/>
+          <a:p>
+            <a:fld id="{90F9E983-480B-48C5-9E0F-D21C0DFBB5C0}" type="slidenum">
+              <a:rPr lang="zh-TW" altLang="en-US" smtClean="0"/>
+              <a:t>7</a:t>
             </a:fld>
             <a:endParaRPr lang="zh-TW" altLang="en-US"/>
           </a:p>
@@ -6695,7 +8215,7 @@
 </p:sld>
 </file>
 
-<file path=ppt/slides/slide6.xml><?xml version="1.0" encoding="utf-8"?>
+<file path=ppt/slides/slide8.xml><?xml version="1.0" encoding="utf-8"?>
 <p:sld xmlns:a="http://schemas.openxmlformats.org/drawingml/2006/main" xmlns:r="http://schemas.openxmlformats.org/officeDocument/2006/relationships" xmlns:p="http://schemas.openxmlformats.org/presentationml/2006/main">
   <p:cSld>
     <p:spTree>
@@ -6763,7 +8283,7 @@
           <a:p>
             <a:fld id="{90F9E983-480B-48C5-9E0F-D21C0DFBB5C0}" type="slidenum">
               <a:rPr lang="zh-TW" altLang="en-US" smtClean="0"/>
-              <a:t>6</a:t>
+              <a:t>8</a:t>
             </a:fld>
             <a:endParaRPr lang="zh-TW" altLang="en-US"/>
           </a:p>
@@ -6895,7 +8415,7 @@
 </p:sld>
 </file>
 
-<file path=ppt/slides/slide7.xml><?xml version="1.0" encoding="utf-8"?>
+<file path=ppt/slides/slide9.xml><?xml version="1.0" encoding="utf-8"?>
 <p:sld xmlns:a="http://schemas.openxmlformats.org/drawingml/2006/main" xmlns:r="http://schemas.openxmlformats.org/officeDocument/2006/relationships" xmlns:p="http://schemas.openxmlformats.org/presentationml/2006/main">
   <p:cSld>
     <p:spTree>
@@ -6963,7 +8483,7 @@
           <a:p>
             <a:fld id="{90F9E983-480B-48C5-9E0F-D21C0DFBB5C0}" type="slidenum">
               <a:rPr lang="zh-TW" altLang="en-US" smtClean="0"/>
-              <a:t>7</a:t>
+              <a:t>9</a:t>
             </a:fld>
             <a:endParaRPr lang="zh-TW" altLang="en-US"/>
           </a:p>
@@ -7009,372 +8529,6 @@
     <p:extLst>
       <p:ext uri="{BB962C8B-B14F-4D97-AF65-F5344CB8AC3E}">
         <p14:creationId xmlns:p14="http://schemas.microsoft.com/office/powerpoint/2010/main" val="131881464"/>
-      </p:ext>
-    </p:extLst>
-  </p:cSld>
-  <p:clrMapOvr>
-    <a:masterClrMapping/>
-  </p:clrMapOvr>
-</p:sld>
-</file>
-
-<file path=ppt/slides/slide8.xml><?xml version="1.0" encoding="utf-8"?>
-<p:sld xmlns:a="http://schemas.openxmlformats.org/drawingml/2006/main" xmlns:r="http://schemas.openxmlformats.org/officeDocument/2006/relationships" xmlns:p="http://schemas.openxmlformats.org/presentationml/2006/main">
-  <p:cSld>
-    <p:spTree>
-      <p:nvGrpSpPr>
-        <p:cNvPr id="1" name=""/>
-        <p:cNvGrpSpPr/>
-        <p:nvPr/>
-      </p:nvGrpSpPr>
-      <p:grpSpPr>
-        <a:xfrm>
-          <a:off x="0" y="0"/>
-          <a:ext cx="0" cy="0"/>
-          <a:chOff x="0" y="0"/>
-          <a:chExt cx="0" cy="0"/>
-        </a:xfrm>
-      </p:grpSpPr>
-      <p:sp>
-        <p:nvSpPr>
-          <p:cNvPr id="3" name="標題 2">
-            <a:extLst>
-              <a:ext uri="{FF2B5EF4-FFF2-40B4-BE49-F238E27FC236}">
-                <a16:creationId xmlns:a16="http://schemas.microsoft.com/office/drawing/2014/main" id="{EF277299-8610-4660-86B9-EE584C561AB1}"/>
-              </a:ext>
-            </a:extLst>
-          </p:cNvPr>
-          <p:cNvSpPr>
-            <a:spLocks noGrp="1"/>
-          </p:cNvSpPr>
-          <p:nvPr>
-            <p:ph type="title"/>
-          </p:nvPr>
-        </p:nvSpPr>
-        <p:spPr/>
-        <p:txBody>
-          <a:bodyPr/>
-          <a:lstStyle/>
-          <a:p>
-            <a:r>
-              <a:rPr lang="zh-TW" altLang="en-US" dirty="0"/>
-              <a:t>當週進度</a:t>
-            </a:r>
-          </a:p>
-        </p:txBody>
-      </p:sp>
-      <p:sp>
-        <p:nvSpPr>
-          <p:cNvPr id="2" name="投影片編號版面配置區 1">
-            <a:extLst>
-              <a:ext uri="{FF2B5EF4-FFF2-40B4-BE49-F238E27FC236}">
-                <a16:creationId xmlns:a16="http://schemas.microsoft.com/office/drawing/2014/main" id="{93307445-5962-42AE-9A4E-E1C6CD1297BF}"/>
-              </a:ext>
-            </a:extLst>
-          </p:cNvPr>
-          <p:cNvSpPr>
-            <a:spLocks noGrp="1"/>
-          </p:cNvSpPr>
-          <p:nvPr>
-            <p:ph type="sldNum" sz="quarter" idx="12"/>
-          </p:nvPr>
-        </p:nvSpPr>
-        <p:spPr/>
-        <p:txBody>
-          <a:bodyPr/>
-          <a:lstStyle/>
-          <a:p>
-            <a:fld id="{90F9E983-480B-48C5-9E0F-D21C0DFBB5C0}" type="slidenum">
-              <a:rPr lang="zh-TW" altLang="en-US" smtClean="0"/>
-              <a:t>8</a:t>
-            </a:fld>
-            <a:endParaRPr lang="zh-TW" altLang="en-US"/>
-          </a:p>
-        </p:txBody>
-      </p:sp>
-      <p:sp>
-        <p:nvSpPr>
-          <p:cNvPr id="4" name="文字方塊 3">
-            <a:extLst>
-              <a:ext uri="{FF2B5EF4-FFF2-40B4-BE49-F238E27FC236}">
-                <a16:creationId xmlns:a16="http://schemas.microsoft.com/office/drawing/2014/main" id="{227F0923-AA00-4F8D-99BB-3109F6365217}"/>
-              </a:ext>
-            </a:extLst>
-          </p:cNvPr>
-          <p:cNvSpPr txBox="1"/>
-          <p:nvPr/>
-        </p:nvSpPr>
-        <p:spPr>
-          <a:xfrm>
-            <a:off x="838198" y="1190191"/>
-            <a:ext cx="10515599" cy="2585323"/>
-          </a:xfrm>
-          <a:prstGeom prst="rect">
-            <a:avLst/>
-          </a:prstGeom>
-          <a:noFill/>
-        </p:spPr>
-        <p:txBody>
-          <a:bodyPr wrap="square">
-            <a:spAutoFit/>
-          </a:bodyPr>
-          <a:lstStyle/>
-          <a:p>
-            <a:pPr marL="285750" indent="-285750">
-              <a:buFont typeface="Wingdings" panose="05000000000000000000" pitchFamily="2" charset="2"/>
-              <a:buChar char="n"/>
-            </a:pPr>
-            <a:r>
-              <a:rPr lang="zh-TW" altLang="en-US" dirty="0">
-                <a:latin typeface="微軟正黑體" panose="020B0604030504040204" pitchFamily="34" charset="-120"/>
-                <a:ea typeface="微軟正黑體" panose="020B0604030504040204" pitchFamily="34" charset="-120"/>
-              </a:rPr>
-              <a:t>問題記錄</a:t>
-            </a:r>
-            <a:endParaRPr lang="en-US" altLang="zh-TW" dirty="0">
-              <a:latin typeface="微軟正黑體" panose="020B0604030504040204" pitchFamily="34" charset="-120"/>
-              <a:ea typeface="微軟正黑體" panose="020B0604030504040204" pitchFamily="34" charset="-120"/>
-            </a:endParaRPr>
-          </a:p>
-          <a:p>
-            <a:pPr marL="800100" lvl="1" indent="-342900">
-              <a:buFont typeface="+mj-lt"/>
-              <a:buAutoNum type="arabicPeriod"/>
-            </a:pPr>
-            <a:r>
-              <a:rPr lang="zh-TW" altLang="en-US" dirty="0">
-                <a:latin typeface="微軟正黑體" panose="020B0604030504040204" pitchFamily="34" charset="-120"/>
-                <a:ea typeface="微軟正黑體" panose="020B0604030504040204" pitchFamily="34" charset="-120"/>
-              </a:rPr>
-              <a:t>未設計等待獲勝方發球狀態。</a:t>
-            </a:r>
-            <a:endParaRPr lang="en-US" altLang="zh-TW" dirty="0">
-              <a:latin typeface="微軟正黑體" panose="020B0604030504040204" pitchFamily="34" charset="-120"/>
-              <a:ea typeface="微軟正黑體" panose="020B0604030504040204" pitchFamily="34" charset="-120"/>
-            </a:endParaRPr>
-          </a:p>
-          <a:p>
-            <a:pPr marL="800100" lvl="1" indent="-342900">
-              <a:buFont typeface="+mj-lt"/>
-              <a:buAutoNum type="arabicPeriod"/>
-            </a:pPr>
-            <a:endParaRPr lang="en-US" altLang="zh-TW" dirty="0">
-              <a:latin typeface="微軟正黑體" panose="020B0604030504040204" pitchFamily="34" charset="-120"/>
-              <a:ea typeface="微軟正黑體" panose="020B0604030504040204" pitchFamily="34" charset="-120"/>
-            </a:endParaRPr>
-          </a:p>
-          <a:p>
-            <a:pPr marL="800100" lvl="1" indent="-342900">
-              <a:buFont typeface="+mj-lt"/>
-              <a:buAutoNum type="arabicPeriod"/>
-            </a:pPr>
-            <a:r>
-              <a:rPr lang="zh-TW" altLang="en-US" dirty="0">
-                <a:latin typeface="微軟正黑體" panose="020B0604030504040204" pitchFamily="34" charset="-120"/>
-                <a:ea typeface="微軟正黑體" panose="020B0604030504040204" pitchFamily="34" charset="-120"/>
-              </a:rPr>
-              <a:t>當開關提早按下，則</a:t>
-            </a:r>
-            <a:r>
-              <a:rPr lang="en-US" altLang="zh-TW" dirty="0">
-                <a:latin typeface="微軟正黑體" panose="020B0604030504040204" pitchFamily="34" charset="-120"/>
-                <a:ea typeface="微軟正黑體" panose="020B0604030504040204" pitchFamily="34" charset="-120"/>
-              </a:rPr>
-              <a:t>LED</a:t>
-            </a:r>
-            <a:r>
-              <a:rPr lang="zh-TW" altLang="en-US" dirty="0">
-                <a:latin typeface="微軟正黑體" panose="020B0604030504040204" pitchFamily="34" charset="-120"/>
-                <a:ea typeface="微軟正黑體" panose="020B0604030504040204" pitchFamily="34" charset="-120"/>
-              </a:rPr>
-              <a:t>會停下，若再按下發球方按鈕，則</a:t>
-            </a:r>
-            <a:r>
-              <a:rPr lang="en-US" altLang="zh-TW" dirty="0">
-                <a:latin typeface="微軟正黑體" panose="020B0604030504040204" pitchFamily="34" charset="-120"/>
-                <a:ea typeface="微軟正黑體" panose="020B0604030504040204" pitchFamily="34" charset="-120"/>
-              </a:rPr>
-              <a:t>LED</a:t>
-            </a:r>
-            <a:r>
-              <a:rPr lang="zh-TW" altLang="en-US" dirty="0">
-                <a:latin typeface="微軟正黑體" panose="020B0604030504040204" pitchFamily="34" charset="-120"/>
-                <a:ea typeface="微軟正黑體" panose="020B0604030504040204" pitchFamily="34" charset="-120"/>
-              </a:rPr>
-              <a:t>會繼續移動。</a:t>
-            </a:r>
-            <a:endParaRPr lang="en-US" altLang="zh-TW" dirty="0">
-              <a:latin typeface="微軟正黑體" panose="020B0604030504040204" pitchFamily="34" charset="-120"/>
-              <a:ea typeface="微軟正黑體" panose="020B0604030504040204" pitchFamily="34" charset="-120"/>
-            </a:endParaRPr>
-          </a:p>
-          <a:p>
-            <a:pPr marL="800100" lvl="1" indent="-342900">
-              <a:buFont typeface="+mj-lt"/>
-              <a:buAutoNum type="arabicPeriod"/>
-            </a:pPr>
-            <a:endParaRPr lang="en-US" altLang="zh-TW" dirty="0">
-              <a:latin typeface="微軟正黑體" panose="020B0604030504040204" pitchFamily="34" charset="-120"/>
-              <a:ea typeface="微軟正黑體" panose="020B0604030504040204" pitchFamily="34" charset="-120"/>
-            </a:endParaRPr>
-          </a:p>
-          <a:p>
-            <a:pPr marL="800100" lvl="1" indent="-342900">
-              <a:buFont typeface="+mj-lt"/>
-              <a:buAutoNum type="arabicPeriod"/>
-            </a:pPr>
-            <a:r>
-              <a:rPr lang="en-US" altLang="zh-TW" dirty="0">
-                <a:latin typeface="微軟正黑體" panose="020B0604030504040204" pitchFamily="34" charset="-120"/>
-                <a:ea typeface="微軟正黑體" panose="020B0604030504040204" pitchFamily="34" charset="-120"/>
-              </a:rPr>
-              <a:t>Score </a:t>
-            </a:r>
-            <a:r>
-              <a:rPr lang="zh-TW" altLang="en-US" dirty="0">
-                <a:latin typeface="微軟正黑體" panose="020B0604030504040204" pitchFamily="34" charset="-120"/>
-                <a:ea typeface="微軟正黑體" panose="020B0604030504040204" pitchFamily="34" charset="-120"/>
-              </a:rPr>
-              <a:t>腳位數太多，因此先拔掉輸出。</a:t>
-            </a:r>
-            <a:endParaRPr lang="en-US" altLang="zh-TW" dirty="0">
-              <a:latin typeface="微軟正黑體" panose="020B0604030504040204" pitchFamily="34" charset="-120"/>
-              <a:ea typeface="微軟正黑體" panose="020B0604030504040204" pitchFamily="34" charset="-120"/>
-            </a:endParaRPr>
-          </a:p>
-          <a:p>
-            <a:pPr marL="800100" lvl="1" indent="-342900">
-              <a:buFont typeface="+mj-lt"/>
-              <a:buAutoNum type="arabicPeriod"/>
-            </a:pPr>
-            <a:endParaRPr lang="en-US" altLang="zh-TW" dirty="0">
-              <a:latin typeface="微軟正黑體" panose="020B0604030504040204" pitchFamily="34" charset="-120"/>
-              <a:ea typeface="微軟正黑體" panose="020B0604030504040204" pitchFamily="34" charset="-120"/>
-            </a:endParaRPr>
-          </a:p>
-          <a:p>
-            <a:pPr marL="342900" indent="-342900">
-              <a:buFont typeface="Wingdings" panose="05000000000000000000" pitchFamily="2" charset="2"/>
-              <a:buChar char="n"/>
-            </a:pPr>
-            <a:r>
-              <a:rPr lang="zh-TW" altLang="en-US" dirty="0">
-                <a:latin typeface="微軟正黑體" panose="020B0604030504040204" pitchFamily="34" charset="-120"/>
-                <a:ea typeface="微軟正黑體" panose="020B0604030504040204" pitchFamily="34" charset="-120"/>
-              </a:rPr>
-              <a:t>影片展示</a:t>
-            </a:r>
-            <a:endParaRPr lang="en-US" altLang="zh-TW" dirty="0">
-              <a:latin typeface="微軟正黑體" panose="020B0604030504040204" pitchFamily="34" charset="-120"/>
-              <a:ea typeface="微軟正黑體" panose="020B0604030504040204" pitchFamily="34" charset="-120"/>
-            </a:endParaRPr>
-          </a:p>
-          <a:p>
-            <a:pPr marL="800100" lvl="1" indent="-342900">
-              <a:buFont typeface="Arial" panose="020B0604020202020204" pitchFamily="34" charset="0"/>
-              <a:buChar char="•"/>
-            </a:pPr>
-            <a:r>
-              <a:rPr lang="en-US" altLang="zh-TW" dirty="0">
-                <a:hlinkClick r:id="rId3"/>
-              </a:rPr>
-              <a:t>https://drive.google.com/file/d/1nIX1dnGeOrozzZbEsGorforhYJLXbA8w/view?usp=sharing</a:t>
-            </a:r>
-            <a:endParaRPr lang="en-US" altLang="zh-TW" dirty="0"/>
-          </a:p>
-        </p:txBody>
-      </p:sp>
-    </p:spTree>
-    <p:extLst>
-      <p:ext uri="{BB962C8B-B14F-4D97-AF65-F5344CB8AC3E}">
-        <p14:creationId xmlns:p14="http://schemas.microsoft.com/office/powerpoint/2010/main" val="712468063"/>
-      </p:ext>
-    </p:extLst>
-  </p:cSld>
-  <p:clrMapOvr>
-    <a:masterClrMapping/>
-  </p:clrMapOvr>
-</p:sld>
-</file>
-
-<file path=ppt/slides/slide9.xml><?xml version="1.0" encoding="utf-8"?>
-<p:sld xmlns:a="http://schemas.openxmlformats.org/drawingml/2006/main" xmlns:r="http://schemas.openxmlformats.org/officeDocument/2006/relationships" xmlns:p="http://schemas.openxmlformats.org/presentationml/2006/main">
-  <p:cSld>
-    <p:spTree>
-      <p:nvGrpSpPr>
-        <p:cNvPr id="1" name=""/>
-        <p:cNvGrpSpPr/>
-        <p:nvPr/>
-      </p:nvGrpSpPr>
-      <p:grpSpPr>
-        <a:xfrm>
-          <a:off x="0" y="0"/>
-          <a:ext cx="0" cy="0"/>
-          <a:chOff x="0" y="0"/>
-          <a:chExt cx="0" cy="0"/>
-        </a:xfrm>
-      </p:grpSpPr>
-      <p:sp>
-        <p:nvSpPr>
-          <p:cNvPr id="3" name="標題 2">
-            <a:extLst>
-              <a:ext uri="{FF2B5EF4-FFF2-40B4-BE49-F238E27FC236}">
-                <a16:creationId xmlns:a16="http://schemas.microsoft.com/office/drawing/2014/main" id="{EF277299-8610-4660-86B9-EE584C561AB1}"/>
-              </a:ext>
-            </a:extLst>
-          </p:cNvPr>
-          <p:cNvSpPr>
-            <a:spLocks noGrp="1"/>
-          </p:cNvSpPr>
-          <p:nvPr>
-            <p:ph type="title"/>
-          </p:nvPr>
-        </p:nvSpPr>
-        <p:spPr/>
-        <p:txBody>
-          <a:bodyPr/>
-          <a:lstStyle/>
-          <a:p>
-            <a:r>
-              <a:rPr lang="zh-TW" altLang="en-US" dirty="0"/>
-              <a:t>參考資料</a:t>
-            </a:r>
-          </a:p>
-        </p:txBody>
-      </p:sp>
-      <p:sp>
-        <p:nvSpPr>
-          <p:cNvPr id="2" name="投影片編號版面配置區 1">
-            <a:extLst>
-              <a:ext uri="{FF2B5EF4-FFF2-40B4-BE49-F238E27FC236}">
-                <a16:creationId xmlns:a16="http://schemas.microsoft.com/office/drawing/2014/main" id="{B9198658-FE78-44D3-AF3E-A5158F85509F}"/>
-              </a:ext>
-            </a:extLst>
-          </p:cNvPr>
-          <p:cNvSpPr>
-            <a:spLocks noGrp="1"/>
-          </p:cNvSpPr>
-          <p:nvPr>
-            <p:ph type="sldNum" sz="quarter" idx="12"/>
-          </p:nvPr>
-        </p:nvSpPr>
-        <p:spPr/>
-        <p:txBody>
-          <a:bodyPr/>
-          <a:lstStyle/>
-          <a:p>
-            <a:fld id="{90F9E983-480B-48C5-9E0F-D21C0DFBB5C0}" type="slidenum">
-              <a:rPr lang="zh-TW" altLang="en-US" smtClean="0"/>
-              <a:t>9</a:t>
-            </a:fld>
-            <a:endParaRPr lang="zh-TW" altLang="en-US"/>
-          </a:p>
-        </p:txBody>
-      </p:sp>
-    </p:spTree>
-    <p:extLst>
-      <p:ext uri="{BB962C8B-B14F-4D97-AF65-F5344CB8AC3E}">
-        <p14:creationId xmlns:p14="http://schemas.microsoft.com/office/powerpoint/2010/main" val="387894374"/>
       </p:ext>
     </p:extLst>
   </p:cSld>

--- a/DevelopmentLog/Pingpong.pptx
+++ b/DevelopmentLog/Pingpong.pptx
@@ -5,25 +5,30 @@
     <p:sldMasterId id="2147483648" r:id="rId1"/>
   </p:sldMasterIdLst>
   <p:notesMasterIdLst>
-    <p:notesMasterId r:id="rId15"/>
+    <p:notesMasterId r:id="rId20"/>
   </p:notesMasterIdLst>
   <p:handoutMasterIdLst>
-    <p:handoutMasterId r:id="rId16"/>
+    <p:handoutMasterId r:id="rId21"/>
   </p:handoutMasterIdLst>
   <p:sldIdLst>
     <p:sldId id="1269" r:id="rId2"/>
     <p:sldId id="1691" r:id="rId3"/>
     <p:sldId id="1480" r:id="rId4"/>
     <p:sldId id="1909" r:id="rId5"/>
-    <p:sldId id="1912" r:id="rId6"/>
-    <p:sldId id="1913" r:id="rId7"/>
-    <p:sldId id="1910" r:id="rId8"/>
-    <p:sldId id="1911" r:id="rId9"/>
-    <p:sldId id="1900" r:id="rId10"/>
-    <p:sldId id="1908" r:id="rId11"/>
-    <p:sldId id="1679" r:id="rId12"/>
-    <p:sldId id="1689" r:id="rId13"/>
-    <p:sldId id="1905" r:id="rId14"/>
+    <p:sldId id="1916" r:id="rId6"/>
+    <p:sldId id="1915" r:id="rId7"/>
+    <p:sldId id="1917" r:id="rId8"/>
+    <p:sldId id="1919" r:id="rId9"/>
+    <p:sldId id="1912" r:id="rId10"/>
+    <p:sldId id="1913" r:id="rId11"/>
+    <p:sldId id="1910" r:id="rId12"/>
+    <p:sldId id="1911" r:id="rId13"/>
+    <p:sldId id="1900" r:id="rId14"/>
+    <p:sldId id="1908" r:id="rId15"/>
+    <p:sldId id="1679" r:id="rId16"/>
+    <p:sldId id="1914" r:id="rId17"/>
+    <p:sldId id="1689" r:id="rId18"/>
+    <p:sldId id="1905" r:id="rId19"/>
   </p:sldIdLst>
   <p:sldSz cx="12192000" cy="6858000"/>
   <p:notesSz cx="6858000" cy="9144000"/>
@@ -141,6 +146,14 @@
             <p14:sldId id="1909"/>
           </p14:sldIdLst>
         </p14:section>
+        <p14:section name="2022/04/15 ~ 2022/04/22" id="{D018DE32-DDCF-4769-9040-35BEBC8317AE}">
+          <p14:sldIdLst>
+            <p14:sldId id="1916"/>
+            <p14:sldId id="1915"/>
+            <p14:sldId id="1917"/>
+            <p14:sldId id="1919"/>
+          </p14:sldIdLst>
+        </p14:section>
         <p14:section name="2022/04/08 ~ 2022/04/15" id="{8C76B433-4FB0-4D8A-AE09-5D2A74FC3272}">
           <p14:sldIdLst>
             <p14:sldId id="1912"/>
@@ -166,6 +179,7 @@
         </p14:section>
         <p14:section name="控管紀錄" id="{62F68368-A3FC-4474-B641-5FE861CF35CE}">
           <p14:sldIdLst>
+            <p14:sldId id="1914"/>
             <p14:sldId id="1689"/>
             <p14:sldId id="1905"/>
           </p14:sldIdLst>
@@ -287,7 +301,7 @@
           <a:p>
             <a:fld id="{7829F8E0-05F2-4742-BB97-D2E4F51035C8}" type="datetimeFigureOut">
               <a:rPr lang="zh-TW" altLang="en-US" smtClean="0"/>
-              <a:t>2022/4/15</a:t>
+              <a:t>2022/4/24</a:t>
             </a:fld>
             <a:endParaRPr lang="zh-TW" altLang="en-US"/>
           </a:p>
@@ -453,7 +467,7 @@
           <a:p>
             <a:fld id="{2CB905C5-9D54-40E2-B40C-7996280CAB02}" type="datetimeFigureOut">
               <a:rPr lang="zh-TW" altLang="en-US" smtClean="0"/>
-              <a:t>2022/4/15</a:t>
+              <a:t>2022/4/24</a:t>
             </a:fld>
             <a:endParaRPr lang="zh-TW" altLang="en-US"/>
           </a:p>
@@ -870,7 +884,7 @@
           <a:p>
             <a:fld id="{EF8A6B0B-A5FB-4629-B823-69B1A9EB3A43}" type="slidenum">
               <a:rPr lang="zh-TW" altLang="en-US" smtClean="0"/>
-              <a:t>10</a:t>
+              <a:t>12</a:t>
             </a:fld>
             <a:endParaRPr lang="zh-TW" altLang="en-US"/>
           </a:p>
@@ -879,7 +893,7 @@
     </p:spTree>
     <p:extLst>
       <p:ext uri="{BB962C8B-B14F-4D97-AF65-F5344CB8AC3E}">
-        <p14:creationId xmlns:p14="http://schemas.microsoft.com/office/powerpoint/2010/main" val="2076352192"/>
+        <p14:creationId xmlns:p14="http://schemas.microsoft.com/office/powerpoint/2010/main" val="41308122"/>
       </p:ext>
     </p:extLst>
   </p:cSld>
@@ -909,6 +923,120 @@
     </p:spTree>
     <p:extLst>
       <p:ext uri="{BB962C8B-B14F-4D97-AF65-F5344CB8AC3E}">
+        <p14:creationId xmlns:p14="http://schemas.microsoft.com/office/powerpoint/2010/main" val="1156961621"/>
+      </p:ext>
+    </p:extLst>
+  </p:cSld>
+  <p:clrMapOvr>
+    <a:masterClrMapping/>
+  </p:clrMapOvr>
+</p:notes>
+</file>
+
+<file path=ppt/notesSlides/notesSlide12.xml><?xml version="1.0" encoding="utf-8"?>
+<p:notes xmlns:a="http://schemas.openxmlformats.org/drawingml/2006/main" xmlns:r="http://schemas.openxmlformats.org/officeDocument/2006/relationships" xmlns:p="http://schemas.openxmlformats.org/presentationml/2006/main">
+  <p:cSld>
+    <p:spTree>
+      <p:nvGrpSpPr>
+        <p:cNvPr id="1" name=""/>
+        <p:cNvGrpSpPr/>
+        <p:nvPr/>
+      </p:nvGrpSpPr>
+      <p:grpSpPr>
+        <a:xfrm>
+          <a:off x="0" y="0"/>
+          <a:ext cx="0" cy="0"/>
+          <a:chOff x="0" y="0"/>
+          <a:chExt cx="0" cy="0"/>
+        </a:xfrm>
+      </p:grpSpPr>
+      <p:sp>
+        <p:nvSpPr>
+          <p:cNvPr id="2" name="投影片影像版面配置區 1"/>
+          <p:cNvSpPr>
+            <a:spLocks noGrp="1" noRot="1" noChangeAspect="1"/>
+          </p:cNvSpPr>
+          <p:nvPr>
+            <p:ph type="sldImg"/>
+          </p:nvPr>
+        </p:nvSpPr>
+        <p:spPr/>
+      </p:sp>
+      <p:sp>
+        <p:nvSpPr>
+          <p:cNvPr id="3" name="備忘稿版面配置區 2"/>
+          <p:cNvSpPr>
+            <a:spLocks noGrp="1"/>
+          </p:cNvSpPr>
+          <p:nvPr>
+            <p:ph type="body" idx="1"/>
+          </p:nvPr>
+        </p:nvSpPr>
+        <p:spPr/>
+        <p:txBody>
+          <a:bodyPr/>
+          <a:lstStyle/>
+          <a:p>
+            <a:endParaRPr lang="zh-TW" altLang="en-US" dirty="0"/>
+          </a:p>
+        </p:txBody>
+      </p:sp>
+      <p:sp>
+        <p:nvSpPr>
+          <p:cNvPr id="4" name="投影片編號版面配置區 3"/>
+          <p:cNvSpPr>
+            <a:spLocks noGrp="1"/>
+          </p:cNvSpPr>
+          <p:nvPr>
+            <p:ph type="sldNum" sz="quarter" idx="5"/>
+          </p:nvPr>
+        </p:nvSpPr>
+        <p:spPr/>
+        <p:txBody>
+          <a:bodyPr/>
+          <a:lstStyle/>
+          <a:p>
+            <a:fld id="{EF8A6B0B-A5FB-4629-B823-69B1A9EB3A43}" type="slidenum">
+              <a:rPr lang="zh-TW" altLang="en-US" smtClean="0"/>
+              <a:t>14</a:t>
+            </a:fld>
+            <a:endParaRPr lang="zh-TW" altLang="en-US"/>
+          </a:p>
+        </p:txBody>
+      </p:sp>
+    </p:spTree>
+    <p:extLst>
+      <p:ext uri="{BB962C8B-B14F-4D97-AF65-F5344CB8AC3E}">
+        <p14:creationId xmlns:p14="http://schemas.microsoft.com/office/powerpoint/2010/main" val="2076352192"/>
+      </p:ext>
+    </p:extLst>
+  </p:cSld>
+  <p:clrMapOvr>
+    <a:masterClrMapping/>
+  </p:clrMapOvr>
+</p:notes>
+</file>
+
+<file path=ppt/notesSlides/notesSlide13.xml><?xml version="1.0" encoding="utf-8"?>
+<p:notes xmlns:a="http://schemas.openxmlformats.org/drawingml/2006/main" xmlns:r="http://schemas.openxmlformats.org/officeDocument/2006/relationships" xmlns:p="http://schemas.openxmlformats.org/presentationml/2006/main">
+  <p:cSld>
+    <p:spTree>
+      <p:nvGrpSpPr>
+        <p:cNvPr id="1" name=""/>
+        <p:cNvGrpSpPr/>
+        <p:nvPr/>
+      </p:nvGrpSpPr>
+      <p:grpSpPr>
+        <a:xfrm>
+          <a:off x="0" y="0"/>
+          <a:ext cx="0" cy="0"/>
+          <a:chOff x="0" y="0"/>
+          <a:chExt cx="0" cy="0"/>
+        </a:xfrm>
+      </p:grpSpPr>
+    </p:spTree>
+    <p:extLst>
+      <p:ext uri="{BB962C8B-B14F-4D97-AF65-F5344CB8AC3E}">
         <p14:creationId xmlns:p14="http://schemas.microsoft.com/office/powerpoint/2010/main" val="3835190257"/>
       </p:ext>
     </p:extLst>
@@ -919,7 +1047,7 @@
 </p:notes>
 </file>
 
-<file path=ppt/notesSlides/notesSlide12.xml><?xml version="1.0" encoding="utf-8"?>
+<file path=ppt/notesSlides/notesSlide14.xml><?xml version="1.0" encoding="utf-8"?>
 <p:notes xmlns:a="http://schemas.openxmlformats.org/drawingml/2006/main" xmlns:r="http://schemas.openxmlformats.org/officeDocument/2006/relationships" xmlns:p="http://schemas.openxmlformats.org/presentationml/2006/main">
   <p:cSld>
     <p:spTree>
@@ -949,7 +1077,7 @@
 </p:notes>
 </file>
 
-<file path=ppt/notesSlides/notesSlide13.xml><?xml version="1.0" encoding="utf-8"?>
+<file path=ppt/notesSlides/notesSlide15.xml><?xml version="1.0" encoding="utf-8"?>
 <p:notes xmlns:a="http://schemas.openxmlformats.org/drawingml/2006/main" xmlns:r="http://schemas.openxmlformats.org/officeDocument/2006/relationships" xmlns:p="http://schemas.openxmlformats.org/presentationml/2006/main">
   <p:cSld>
     <p:spTree>
@@ -1168,7 +1296,7 @@
     </p:spTree>
     <p:extLst>
       <p:ext uri="{BB962C8B-B14F-4D97-AF65-F5344CB8AC3E}">
-        <p14:creationId xmlns:p14="http://schemas.microsoft.com/office/powerpoint/2010/main" val="3198581036"/>
+        <p14:creationId xmlns:p14="http://schemas.microsoft.com/office/powerpoint/2010/main" val="4078308320"/>
       </p:ext>
     </p:extLst>
   </p:cSld>
@@ -1243,7 +1371,7 @@
           <a:p>
             <a:fld id="{EF8A6B0B-A5FB-4629-B823-69B1A9EB3A43}" type="slidenum">
               <a:rPr lang="zh-TW" altLang="en-US" smtClean="0"/>
-              <a:t>6</a:t>
+              <a:t>8</a:t>
             </a:fld>
             <a:endParaRPr lang="zh-TW" altLang="en-US"/>
           </a:p>
@@ -1252,7 +1380,7 @@
     </p:spTree>
     <p:extLst>
       <p:ext uri="{BB962C8B-B14F-4D97-AF65-F5344CB8AC3E}">
-        <p14:creationId xmlns:p14="http://schemas.microsoft.com/office/powerpoint/2010/main" val="2746108643"/>
+        <p14:creationId xmlns:p14="http://schemas.microsoft.com/office/powerpoint/2010/main" val="785808151"/>
       </p:ext>
     </p:extLst>
   </p:cSld>
@@ -1307,7 +1435,7 @@
     </p:spTree>
     <p:extLst>
       <p:ext uri="{BB962C8B-B14F-4D97-AF65-F5344CB8AC3E}">
-        <p14:creationId xmlns:p14="http://schemas.microsoft.com/office/powerpoint/2010/main" val="3291142940"/>
+        <p14:creationId xmlns:p14="http://schemas.microsoft.com/office/powerpoint/2010/main" val="3198581036"/>
       </p:ext>
     </p:extLst>
   </p:cSld>
@@ -1382,7 +1510,7 @@
           <a:p>
             <a:fld id="{EF8A6B0B-A5FB-4629-B823-69B1A9EB3A43}" type="slidenum">
               <a:rPr lang="zh-TW" altLang="en-US" smtClean="0"/>
-              <a:t>8</a:t>
+              <a:t>10</a:t>
             </a:fld>
             <a:endParaRPr lang="zh-TW" altLang="en-US"/>
           </a:p>
@@ -1391,7 +1519,7 @@
     </p:spTree>
     <p:extLst>
       <p:ext uri="{BB962C8B-B14F-4D97-AF65-F5344CB8AC3E}">
-        <p14:creationId xmlns:p14="http://schemas.microsoft.com/office/powerpoint/2010/main" val="41308122"/>
+        <p14:creationId xmlns:p14="http://schemas.microsoft.com/office/powerpoint/2010/main" val="2746108643"/>
       </p:ext>
     </p:extLst>
   </p:cSld>
@@ -1418,10 +1546,35 @@
           <a:chExt cx="0" cy="0"/>
         </a:xfrm>
       </p:grpSpPr>
+      <p:sp>
+        <p:nvSpPr>
+          <p:cNvPr id="2" name="備忘稿版面配置區 1">
+            <a:extLst>
+              <a:ext uri="{FF2B5EF4-FFF2-40B4-BE49-F238E27FC236}">
+                <a16:creationId xmlns:a16="http://schemas.microsoft.com/office/drawing/2014/main" id="{B20C3A9F-2D6F-488D-9DB9-3C8F7ADD7CF4}"/>
+              </a:ext>
+            </a:extLst>
+          </p:cNvPr>
+          <p:cNvSpPr>
+            <a:spLocks noGrp="1"/>
+          </p:cNvSpPr>
+          <p:nvPr>
+            <p:ph type="body" idx="1"/>
+          </p:nvPr>
+        </p:nvSpPr>
+        <p:spPr/>
+        <p:txBody>
+          <a:bodyPr/>
+          <a:lstStyle/>
+          <a:p>
+            <a:endParaRPr lang="zh-TW" altLang="en-US" dirty="0"/>
+          </a:p>
+        </p:txBody>
+      </p:sp>
     </p:spTree>
     <p:extLst>
       <p:ext uri="{BB962C8B-B14F-4D97-AF65-F5344CB8AC3E}">
-        <p14:creationId xmlns:p14="http://schemas.microsoft.com/office/powerpoint/2010/main" val="1156961621"/>
+        <p14:creationId xmlns:p14="http://schemas.microsoft.com/office/powerpoint/2010/main" val="3291142940"/>
       </p:ext>
     </p:extLst>
   </p:cSld>
@@ -1565,7 +1718,7 @@
           <a:p>
             <a:fld id="{6159871E-D63C-497D-8F95-E4A7E1968E41}" type="datetime1">
               <a:rPr lang="zh-TW" altLang="en-US" smtClean="0"/>
-              <a:t>2022/4/15</a:t>
+              <a:t>2022/4/24</a:t>
             </a:fld>
             <a:endParaRPr lang="zh-TW" altLang="en-US"/>
           </a:p>
@@ -1733,7 +1886,7 @@
           <a:p>
             <a:fld id="{A77C9BCE-B134-412F-AA9E-EF069E9432DF}" type="datetime1">
               <a:rPr lang="zh-TW" altLang="en-US" smtClean="0"/>
-              <a:t>2022/4/15</a:t>
+              <a:t>2022/4/24</a:t>
             </a:fld>
             <a:endParaRPr lang="zh-TW" altLang="en-US"/>
           </a:p>
@@ -1911,7 +2064,7 @@
           <a:p>
             <a:fld id="{323677BD-9BFE-420A-AF3D-81D697864505}" type="datetime1">
               <a:rPr lang="zh-TW" altLang="en-US" smtClean="0"/>
-              <a:t>2022/4/15</a:t>
+              <a:t>2022/4/24</a:t>
             </a:fld>
             <a:endParaRPr lang="zh-TW" altLang="en-US"/>
           </a:p>
@@ -2106,7 +2259,7 @@
           <a:p>
             <a:fld id="{1A45E334-A8B4-4231-9966-8CEF9140F055}" type="datetime1">
               <a:rPr lang="zh-TW" altLang="en-US" smtClean="0"/>
-              <a:t>2022/4/15</a:t>
+              <a:t>2022/4/24</a:t>
             </a:fld>
             <a:endParaRPr lang="zh-TW" altLang="en-US"/>
           </a:p>
@@ -2351,7 +2504,7 @@
           <a:p>
             <a:fld id="{3F3BFEC3-B45F-4FCE-B90B-B7A3BAD0E815}" type="datetime1">
               <a:rPr lang="zh-TW" altLang="en-US" smtClean="0"/>
-              <a:t>2022/4/15</a:t>
+              <a:t>2022/4/24</a:t>
             </a:fld>
             <a:endParaRPr lang="zh-TW" altLang="en-US"/>
           </a:p>
@@ -2580,7 +2733,7 @@
           <a:p>
             <a:fld id="{330F7733-B2DA-4822-A2BA-7F8B570BCEA4}" type="datetime1">
               <a:rPr lang="zh-TW" altLang="en-US" smtClean="0"/>
-              <a:t>2022/4/15</a:t>
+              <a:t>2022/4/24</a:t>
             </a:fld>
             <a:endParaRPr lang="zh-TW" altLang="en-US"/>
           </a:p>
@@ -2944,7 +3097,7 @@
           <a:p>
             <a:fld id="{67668710-0854-41DA-B800-CD53DFA64675}" type="datetime1">
               <a:rPr lang="zh-TW" altLang="en-US" smtClean="0"/>
-              <a:t>2022/4/15</a:t>
+              <a:t>2022/4/24</a:t>
             </a:fld>
             <a:endParaRPr lang="zh-TW" altLang="en-US"/>
           </a:p>
@@ -3061,7 +3214,7 @@
           <a:p>
             <a:fld id="{F3804869-B0AF-4137-A72A-7098933C473A}" type="datetime1">
               <a:rPr lang="zh-TW" altLang="en-US" smtClean="0"/>
-              <a:t>2022/4/15</a:t>
+              <a:t>2022/4/24</a:t>
             </a:fld>
             <a:endParaRPr lang="zh-TW" altLang="en-US"/>
           </a:p>
@@ -3156,7 +3309,7 @@
           <a:p>
             <a:fld id="{FDB5B0B8-23D9-453E-98B2-7DE711E7A867}" type="datetime1">
               <a:rPr lang="zh-TW" altLang="en-US" smtClean="0"/>
-              <a:t>2022/4/15</a:t>
+              <a:t>2022/4/24</a:t>
             </a:fld>
             <a:endParaRPr lang="zh-TW" altLang="en-US"/>
           </a:p>
@@ -3431,7 +3584,7 @@
           <a:p>
             <a:fld id="{03ED102F-296F-4D14-A812-50E354B97527}" type="datetime1">
               <a:rPr lang="zh-TW" altLang="en-US" smtClean="0"/>
-              <a:t>2022/4/15</a:t>
+              <a:t>2022/4/24</a:t>
             </a:fld>
             <a:endParaRPr lang="zh-TW" altLang="en-US"/>
           </a:p>
@@ -3683,7 +3836,7 @@
           <a:p>
             <a:fld id="{6BEC47B9-7618-490E-9D9C-1CAEF400DDF2}" type="datetime1">
               <a:rPr lang="zh-TW" altLang="en-US" smtClean="0"/>
-              <a:t>2022/4/15</a:t>
+              <a:t>2022/4/24</a:t>
             </a:fld>
             <a:endParaRPr lang="zh-TW" altLang="en-US"/>
           </a:p>
@@ -3896,7 +4049,7 @@
           <a:p>
             <a:fld id="{FC308D0F-3EFC-4DEC-A676-0DBC7A663400}" type="datetime1">
               <a:rPr lang="zh-TW" altLang="en-US" smtClean="0"/>
-              <a:t>2022/4/15</a:t>
+              <a:t>2022/4/24</a:t>
             </a:fld>
             <a:endParaRPr lang="zh-TW" altLang="en-US"/>
           </a:p>
@@ -4804,7 +4957,7 @@
         <p:spPr>
           <a:xfrm>
             <a:off x="838198" y="1190191"/>
-            <a:ext cx="10515599" cy="2585323"/>
+            <a:ext cx="10515599" cy="2031325"/>
           </a:xfrm>
           <a:prstGeom prst="rect">
             <a:avLst/>
@@ -4843,7 +4996,7 @@
                 <a:latin typeface="微軟正黑體" panose="020B0604030504040204" pitchFamily="34" charset="-120"/>
                 <a:ea typeface="微軟正黑體" panose="020B0604030504040204" pitchFamily="34" charset="-120"/>
               </a:rPr>
-              <a:t>未設計等待獲勝方發球狀態。</a:t>
+              <a:t>無</a:t>
             </a:r>
             <a:endParaRPr lang="en-US" altLang="zh-TW" dirty="0">
               <a:latin typeface="微軟正黑體" panose="020B0604030504040204" pitchFamily="34" charset="-120"/>
@@ -4861,44 +5014,16 @@
             </a:endParaRPr>
           </a:p>
           <a:p>
-            <a:pPr marL="800100" lvl="1" indent="-342900">
-              <a:buFont typeface="+mj-lt"/>
-              <a:buAutoNum type="arabicPeriod"/>
+            <a:pPr marL="342900" indent="-342900">
+              <a:buFont typeface="Wingdings" panose="05000000000000000000" pitchFamily="2" charset="2"/>
+              <a:buChar char="n"/>
             </a:pPr>
             <a:r>
               <a:rPr lang="zh-TW" altLang="en-US" dirty="0">
                 <a:latin typeface="微軟正黑體" panose="020B0604030504040204" pitchFamily="34" charset="-120"/>
                 <a:ea typeface="微軟正黑體" panose="020B0604030504040204" pitchFamily="34" charset="-120"/>
               </a:rPr>
-              <a:t>當開關提早按下，則</a:t>
-            </a:r>
-            <a:r>
-              <a:rPr lang="en-US" altLang="zh-TW" dirty="0">
-                <a:latin typeface="微軟正黑體" panose="020B0604030504040204" pitchFamily="34" charset="-120"/>
-                <a:ea typeface="微軟正黑體" panose="020B0604030504040204" pitchFamily="34" charset="-120"/>
-              </a:rPr>
-              <a:t>LED</a:t>
-            </a:r>
-            <a:r>
-              <a:rPr lang="zh-TW" altLang="en-US" dirty="0">
-                <a:latin typeface="微軟正黑體" panose="020B0604030504040204" pitchFamily="34" charset="-120"/>
-                <a:ea typeface="微軟正黑體" panose="020B0604030504040204" pitchFamily="34" charset="-120"/>
-              </a:rPr>
-              <a:t>會停下，若再按下發球方按鈕，則</a:t>
-            </a:r>
-            <a:r>
-              <a:rPr lang="en-US" altLang="zh-TW" dirty="0">
-                <a:latin typeface="微軟正黑體" panose="020B0604030504040204" pitchFamily="34" charset="-120"/>
-                <a:ea typeface="微軟正黑體" panose="020B0604030504040204" pitchFamily="34" charset="-120"/>
-              </a:rPr>
-              <a:t>LED</a:t>
-            </a:r>
-            <a:r>
-              <a:rPr lang="zh-TW" altLang="en-US" dirty="0">
-                <a:latin typeface="微軟正黑體" panose="020B0604030504040204" pitchFamily="34" charset="-120"/>
-                <a:ea typeface="微軟正黑體" panose="020B0604030504040204" pitchFamily="34" charset="-120"/>
-              </a:rPr>
-              <a:t>會繼續移動。</a:t>
+              <a:t>影片展示</a:t>
             </a:r>
             <a:endParaRPr lang="en-US" altLang="zh-TW" dirty="0">
               <a:latin typeface="微軟正黑體" panose="020B0604030504040204" pitchFamily="34" charset="-120"/>
@@ -4906,85 +5031,39 @@
             </a:endParaRPr>
           </a:p>
           <a:p>
-            <a:pPr marL="800100" lvl="1" indent="-342900">
-              <a:buFont typeface="+mj-lt"/>
-              <a:buAutoNum type="arabicPeriod"/>
-            </a:pPr>
+            <a:pPr marL="742950" lvl="1" indent="-285750">
+              <a:buFont typeface="Arial" panose="020B0604020202020204" pitchFamily="34" charset="0"/>
+              <a:buChar char="•"/>
+            </a:pPr>
+            <a:r>
+              <a:rPr lang="en-US" altLang="zh-TW" dirty="0">
+                <a:latin typeface="微軟正黑體" panose="020B0604030504040204" pitchFamily="34" charset="-120"/>
+                <a:ea typeface="微軟正黑體" panose="020B0604030504040204" pitchFamily="34" charset="-120"/>
+                <a:hlinkClick r:id="rId3"/>
+              </a:rPr>
+              <a:t>https://drive.google.com/file/d/18gRYrMBCHtoaTZJ8OqSH27_qF-gMOqqg/view?usp=sharing</a:t>
+            </a:r>
             <a:endParaRPr lang="en-US" altLang="zh-TW" dirty="0">
               <a:latin typeface="微軟正黑體" panose="020B0604030504040204" pitchFamily="34" charset="-120"/>
               <a:ea typeface="微軟正黑體" panose="020B0604030504040204" pitchFamily="34" charset="-120"/>
             </a:endParaRPr>
           </a:p>
           <a:p>
-            <a:pPr marL="800100" lvl="1" indent="-342900">
-              <a:buFont typeface="+mj-lt"/>
-              <a:buAutoNum type="arabicPeriod"/>
-            </a:pPr>
-            <a:r>
-              <a:rPr lang="en-US" altLang="zh-TW" dirty="0">
-                <a:latin typeface="微軟正黑體" panose="020B0604030504040204" pitchFamily="34" charset="-120"/>
-                <a:ea typeface="微軟正黑體" panose="020B0604030504040204" pitchFamily="34" charset="-120"/>
-              </a:rPr>
-              <a:t>Score </a:t>
-            </a:r>
-            <a:r>
-              <a:rPr lang="zh-TW" altLang="en-US" dirty="0">
-                <a:latin typeface="微軟正黑體" panose="020B0604030504040204" pitchFamily="34" charset="-120"/>
-                <a:ea typeface="微軟正黑體" panose="020B0604030504040204" pitchFamily="34" charset="-120"/>
-              </a:rPr>
-              <a:t>腳位數太多，因此先拔掉輸出。</a:t>
-            </a:r>
+            <a:pPr marL="742950" lvl="1" indent="-285750">
+              <a:buFont typeface="Arial" panose="020B0604020202020204" pitchFamily="34" charset="0"/>
+              <a:buChar char="•"/>
+            </a:pPr>
             <a:endParaRPr lang="en-US" altLang="zh-TW" dirty="0">
               <a:latin typeface="微軟正黑體" panose="020B0604030504040204" pitchFamily="34" charset="-120"/>
               <a:ea typeface="微軟正黑體" panose="020B0604030504040204" pitchFamily="34" charset="-120"/>
             </a:endParaRPr>
           </a:p>
-          <a:p>
-            <a:pPr marL="800100" lvl="1" indent="-342900">
-              <a:buFont typeface="+mj-lt"/>
-              <a:buAutoNum type="arabicPeriod"/>
-            </a:pPr>
-            <a:endParaRPr lang="en-US" altLang="zh-TW" dirty="0">
-              <a:latin typeface="微軟正黑體" panose="020B0604030504040204" pitchFamily="34" charset="-120"/>
-              <a:ea typeface="微軟正黑體" panose="020B0604030504040204" pitchFamily="34" charset="-120"/>
-            </a:endParaRPr>
-          </a:p>
-          <a:p>
-            <a:pPr marL="342900" indent="-342900">
-              <a:buFont typeface="Wingdings" panose="05000000000000000000" pitchFamily="2" charset="2"/>
-              <a:buChar char="n"/>
-            </a:pPr>
-            <a:r>
-              <a:rPr lang="zh-TW" altLang="en-US" dirty="0">
-                <a:latin typeface="微軟正黑體" panose="020B0604030504040204" pitchFamily="34" charset="-120"/>
-                <a:ea typeface="微軟正黑體" panose="020B0604030504040204" pitchFamily="34" charset="-120"/>
-              </a:rPr>
-              <a:t>影片展示</a:t>
-            </a:r>
-            <a:endParaRPr lang="en-US" altLang="zh-TW" dirty="0">
-              <a:latin typeface="微軟正黑體" panose="020B0604030504040204" pitchFamily="34" charset="-120"/>
-              <a:ea typeface="微軟正黑體" panose="020B0604030504040204" pitchFamily="34" charset="-120"/>
-            </a:endParaRPr>
-          </a:p>
-          <a:p>
-            <a:pPr marL="800100" lvl="1" indent="-342900">
-              <a:buFont typeface="Arial" panose="020B0604020202020204" pitchFamily="34" charset="0"/>
-              <a:buChar char="•"/>
-            </a:pPr>
-            <a:r>
-              <a:rPr lang="en-US" altLang="zh-TW" dirty="0">
-                <a:hlinkClick r:id="rId3"/>
-              </a:rPr>
-              <a:t>https://drive.google.com/file/d/1nIX1dnGeOrozzZbEsGorforhYJLXbA8w/view?usp=sharing</a:t>
-            </a:r>
-            <a:endParaRPr lang="en-US" altLang="zh-TW" dirty="0"/>
-          </a:p>
         </p:txBody>
       </p:sp>
     </p:spTree>
     <p:extLst>
       <p:ext uri="{BB962C8B-B14F-4D97-AF65-F5344CB8AC3E}">
-        <p14:creationId xmlns:p14="http://schemas.microsoft.com/office/powerpoint/2010/main" val="712468063"/>
+        <p14:creationId xmlns:p14="http://schemas.microsoft.com/office/powerpoint/2010/main" val="870849123"/>
       </p:ext>
     </p:extLst>
   </p:cSld>
@@ -5034,7 +5113,7 @@
           <a:p>
             <a:r>
               <a:rPr lang="zh-TW" altLang="en-US" dirty="0"/>
-              <a:t>參考資料</a:t>
+              <a:t>架構圖</a:t>
             </a:r>
           </a:p>
         </p:txBody>
@@ -5044,7 +5123,7 @@
           <p:cNvPr id="2" name="投影片編號版面配置區 1">
             <a:extLst>
               <a:ext uri="{FF2B5EF4-FFF2-40B4-BE49-F238E27FC236}">
-                <a16:creationId xmlns:a16="http://schemas.microsoft.com/office/drawing/2014/main" id="{B9198658-FE78-44D3-AF3E-A5158F85509F}"/>
+                <a16:creationId xmlns:a16="http://schemas.microsoft.com/office/drawing/2014/main" id="{3ABA1C61-B2A2-4D29-8357-2466EE82EA36}"/>
               </a:ext>
             </a:extLst>
           </p:cNvPr>
@@ -5068,10 +5147,536 @@
           </a:p>
         </p:txBody>
       </p:sp>
+      <p:pic>
+        <p:nvPicPr>
+          <p:cNvPr id="5" name="圖片 4">
+            <a:extLst>
+              <a:ext uri="{FF2B5EF4-FFF2-40B4-BE49-F238E27FC236}">
+                <a16:creationId xmlns:a16="http://schemas.microsoft.com/office/drawing/2014/main" id="{15432B41-E0A7-45C1-A25D-8A51BD100040}"/>
+              </a:ext>
+            </a:extLst>
+          </p:cNvPr>
+          <p:cNvPicPr>
+            <a:picLocks noChangeAspect="1"/>
+          </p:cNvPicPr>
+          <p:nvPr/>
+        </p:nvPicPr>
+        <p:blipFill>
+          <a:blip r:embed="rId3">
+            <a:extLst>
+              <a:ext uri="{28A0092B-C50C-407E-A947-70E740481C1C}">
+                <a14:useLocalDpi xmlns:a14="http://schemas.microsoft.com/office/drawing/2010/main" val="0"/>
+              </a:ext>
+            </a:extLst>
+          </a:blip>
+          <a:stretch>
+            <a:fillRect/>
+          </a:stretch>
+        </p:blipFill>
+        <p:spPr>
+          <a:xfrm>
+            <a:off x="6223094" y="1253763"/>
+            <a:ext cx="4775012" cy="4933949"/>
+          </a:xfrm>
+          <a:prstGeom prst="rect">
+            <a:avLst/>
+          </a:prstGeom>
+        </p:spPr>
+      </p:pic>
+      <p:sp>
+        <p:nvSpPr>
+          <p:cNvPr id="7" name="文字方塊 6">
+            <a:extLst>
+              <a:ext uri="{FF2B5EF4-FFF2-40B4-BE49-F238E27FC236}">
+                <a16:creationId xmlns:a16="http://schemas.microsoft.com/office/drawing/2014/main" id="{816D03E9-6F79-4549-AF31-CD49153BFE87}"/>
+              </a:ext>
+            </a:extLst>
+          </p:cNvPr>
+          <p:cNvSpPr txBox="1"/>
+          <p:nvPr/>
+        </p:nvSpPr>
+        <p:spPr>
+          <a:xfrm>
+            <a:off x="838198" y="1190191"/>
+            <a:ext cx="5257802" cy="4893647"/>
+          </a:xfrm>
+          <a:prstGeom prst="rect">
+            <a:avLst/>
+          </a:prstGeom>
+          <a:noFill/>
+        </p:spPr>
+        <p:txBody>
+          <a:bodyPr wrap="square">
+            <a:spAutoFit/>
+          </a:bodyPr>
+          <a:lstStyle/>
+          <a:p>
+            <a:pPr marL="285750" indent="-285750">
+              <a:buFont typeface="Wingdings" panose="05000000000000000000" pitchFamily="2" charset="2"/>
+              <a:buChar char="n"/>
+            </a:pPr>
+            <a:r>
+              <a:rPr lang="en-US" altLang="zh-TW" sz="1200" dirty="0">
+                <a:latin typeface="微軟正黑體" panose="020B0604030504040204" pitchFamily="34" charset="-120"/>
+                <a:ea typeface="微軟正黑體" panose="020B0604030504040204" pitchFamily="34" charset="-120"/>
+              </a:rPr>
+              <a:t>FSM</a:t>
+            </a:r>
+          </a:p>
+          <a:p>
+            <a:pPr marL="742950" lvl="1" indent="-285750">
+              <a:buFont typeface="Arial" panose="020B0604020202020204" pitchFamily="34" charset="0"/>
+              <a:buChar char="•"/>
+            </a:pPr>
+            <a:r>
+              <a:rPr lang="en-US" altLang="zh-TW" sz="1200" dirty="0" err="1">
+                <a:latin typeface="微軟正黑體" panose="020B0604030504040204" pitchFamily="34" charset="-120"/>
+                <a:ea typeface="微軟正黑體" panose="020B0604030504040204" pitchFamily="34" charset="-120"/>
+              </a:rPr>
+              <a:t>idle_left</a:t>
+            </a:r>
+            <a:r>
+              <a:rPr lang="en-US" altLang="zh-TW" sz="1200" dirty="0">
+                <a:latin typeface="微軟正黑體" panose="020B0604030504040204" pitchFamily="34" charset="-120"/>
+                <a:ea typeface="微軟正黑體" panose="020B0604030504040204" pitchFamily="34" charset="-120"/>
+              </a:rPr>
+              <a:t> </a:t>
+            </a:r>
+          </a:p>
+          <a:p>
+            <a:pPr marL="1200150" lvl="2" indent="-285750">
+              <a:buFont typeface="Arial" panose="020B0604020202020204" pitchFamily="34" charset="0"/>
+              <a:buChar char="•"/>
+            </a:pPr>
+            <a:r>
+              <a:rPr lang="zh-TW" altLang="en-US" sz="1200" dirty="0">
+                <a:latin typeface="微軟正黑體" panose="020B0604030504040204" pitchFamily="34" charset="-120"/>
+                <a:ea typeface="微軟正黑體" panose="020B0604030504040204" pitchFamily="34" charset="-120"/>
+              </a:rPr>
+              <a:t>等待左玩家按下按鈕發球</a:t>
+            </a:r>
+            <a:endParaRPr lang="en-US" altLang="zh-TW" sz="1200" dirty="0">
+              <a:latin typeface="微軟正黑體" panose="020B0604030504040204" pitchFamily="34" charset="-120"/>
+              <a:ea typeface="微軟正黑體" panose="020B0604030504040204" pitchFamily="34" charset="-120"/>
+            </a:endParaRPr>
+          </a:p>
+          <a:p>
+            <a:pPr marL="742950" lvl="1" indent="-285750">
+              <a:buFont typeface="Arial" panose="020B0604020202020204" pitchFamily="34" charset="0"/>
+              <a:buChar char="•"/>
+            </a:pPr>
+            <a:r>
+              <a:rPr lang="en-US" altLang="zh-TW" sz="1200" dirty="0" err="1">
+                <a:latin typeface="微軟正黑體" panose="020B0604030504040204" pitchFamily="34" charset="-120"/>
+                <a:ea typeface="微軟正黑體" panose="020B0604030504040204" pitchFamily="34" charset="-120"/>
+              </a:rPr>
+              <a:t>idle_right</a:t>
+            </a:r>
+            <a:endParaRPr lang="en-US" altLang="zh-TW" sz="1200" dirty="0">
+              <a:latin typeface="微軟正黑體" panose="020B0604030504040204" pitchFamily="34" charset="-120"/>
+              <a:ea typeface="微軟正黑體" panose="020B0604030504040204" pitchFamily="34" charset="-120"/>
+            </a:endParaRPr>
+          </a:p>
+          <a:p>
+            <a:pPr marL="1200150" lvl="2" indent="-285750">
+              <a:buFont typeface="Arial" panose="020B0604020202020204" pitchFamily="34" charset="0"/>
+              <a:buChar char="•"/>
+            </a:pPr>
+            <a:r>
+              <a:rPr lang="zh-TW" altLang="en-US" sz="1200" dirty="0">
+                <a:latin typeface="微軟正黑體" panose="020B0604030504040204" pitchFamily="34" charset="-120"/>
+                <a:ea typeface="微軟正黑體" panose="020B0604030504040204" pitchFamily="34" charset="-120"/>
+              </a:rPr>
+              <a:t>等待右玩家按下按鈕發球</a:t>
+            </a:r>
+            <a:endParaRPr lang="en-US" altLang="zh-TW" sz="1200" dirty="0">
+              <a:latin typeface="微軟正黑體" panose="020B0604030504040204" pitchFamily="34" charset="-120"/>
+              <a:ea typeface="微軟正黑體" panose="020B0604030504040204" pitchFamily="34" charset="-120"/>
+            </a:endParaRPr>
+          </a:p>
+          <a:p>
+            <a:pPr marL="742950" lvl="1" indent="-285750">
+              <a:buFont typeface="Arial" panose="020B0604020202020204" pitchFamily="34" charset="0"/>
+              <a:buChar char="•"/>
+            </a:pPr>
+            <a:r>
+              <a:rPr lang="en-US" altLang="zh-TW" sz="1200" dirty="0" err="1">
+                <a:latin typeface="微軟正黑體" panose="020B0604030504040204" pitchFamily="34" charset="-120"/>
+                <a:ea typeface="微軟正黑體" panose="020B0604030504040204" pitchFamily="34" charset="-120"/>
+              </a:rPr>
+              <a:t>serve_left</a:t>
+            </a:r>
+            <a:endParaRPr lang="en-US" altLang="zh-TW" sz="1200" dirty="0">
+              <a:latin typeface="微軟正黑體" panose="020B0604030504040204" pitchFamily="34" charset="-120"/>
+              <a:ea typeface="微軟正黑體" panose="020B0604030504040204" pitchFamily="34" charset="-120"/>
+            </a:endParaRPr>
+          </a:p>
+          <a:p>
+            <a:pPr marL="1200150" lvl="2" indent="-285750">
+              <a:buFont typeface="Arial" panose="020B0604020202020204" pitchFamily="34" charset="0"/>
+              <a:buChar char="•"/>
+            </a:pPr>
+            <a:r>
+              <a:rPr lang="zh-TW" altLang="en-US" sz="1200" dirty="0">
+                <a:latin typeface="微軟正黑體" panose="020B0604030504040204" pitchFamily="34" charset="-120"/>
+                <a:ea typeface="微軟正黑體" panose="020B0604030504040204" pitchFamily="34" charset="-120"/>
+              </a:rPr>
+              <a:t>等待左玩家放開按鈕，開始對打</a:t>
+            </a:r>
+            <a:endParaRPr lang="en-US" altLang="zh-TW" sz="1200" dirty="0">
+              <a:latin typeface="微軟正黑體" panose="020B0604030504040204" pitchFamily="34" charset="-120"/>
+              <a:ea typeface="微軟正黑體" panose="020B0604030504040204" pitchFamily="34" charset="-120"/>
+            </a:endParaRPr>
+          </a:p>
+          <a:p>
+            <a:pPr marL="742950" lvl="1" indent="-285750">
+              <a:buFont typeface="Arial" panose="020B0604020202020204" pitchFamily="34" charset="0"/>
+              <a:buChar char="•"/>
+            </a:pPr>
+            <a:r>
+              <a:rPr lang="en-US" altLang="zh-TW" sz="1200" dirty="0" err="1">
+                <a:latin typeface="微軟正黑體" panose="020B0604030504040204" pitchFamily="34" charset="-120"/>
+                <a:ea typeface="微軟正黑體" panose="020B0604030504040204" pitchFamily="34" charset="-120"/>
+              </a:rPr>
+              <a:t>serve_right</a:t>
+            </a:r>
+            <a:endParaRPr lang="en-US" altLang="zh-TW" sz="1200" dirty="0">
+              <a:latin typeface="微軟正黑體" panose="020B0604030504040204" pitchFamily="34" charset="-120"/>
+              <a:ea typeface="微軟正黑體" panose="020B0604030504040204" pitchFamily="34" charset="-120"/>
+            </a:endParaRPr>
+          </a:p>
+          <a:p>
+            <a:pPr marL="1200150" lvl="2" indent="-285750">
+              <a:buFont typeface="Arial" panose="020B0604020202020204" pitchFamily="34" charset="0"/>
+              <a:buChar char="•"/>
+            </a:pPr>
+            <a:r>
+              <a:rPr lang="zh-TW" altLang="en-US" sz="1200" dirty="0">
+                <a:latin typeface="微軟正黑體" panose="020B0604030504040204" pitchFamily="34" charset="-120"/>
+                <a:ea typeface="微軟正黑體" panose="020B0604030504040204" pitchFamily="34" charset="-120"/>
+              </a:rPr>
+              <a:t>等待右玩家放開按鈕，開始對打</a:t>
+            </a:r>
+            <a:endParaRPr lang="en-US" altLang="zh-TW" sz="1200" dirty="0">
+              <a:latin typeface="微軟正黑體" panose="020B0604030504040204" pitchFamily="34" charset="-120"/>
+              <a:ea typeface="微軟正黑體" panose="020B0604030504040204" pitchFamily="34" charset="-120"/>
+            </a:endParaRPr>
+          </a:p>
+          <a:p>
+            <a:pPr marL="742950" lvl="1" indent="-285750">
+              <a:buFont typeface="Arial" panose="020B0604020202020204" pitchFamily="34" charset="0"/>
+              <a:buChar char="•"/>
+            </a:pPr>
+            <a:r>
+              <a:rPr lang="en-US" altLang="zh-TW" sz="1200" dirty="0" err="1">
+                <a:latin typeface="微軟正黑體" panose="020B0604030504040204" pitchFamily="34" charset="-120"/>
+                <a:ea typeface="微軟正黑體" panose="020B0604030504040204" pitchFamily="34" charset="-120"/>
+              </a:rPr>
+              <a:t>moving_left</a:t>
+            </a:r>
+            <a:endParaRPr lang="en-US" altLang="zh-TW" sz="1200" dirty="0">
+              <a:latin typeface="微軟正黑體" panose="020B0604030504040204" pitchFamily="34" charset="-120"/>
+              <a:ea typeface="微軟正黑體" panose="020B0604030504040204" pitchFamily="34" charset="-120"/>
+            </a:endParaRPr>
+          </a:p>
+          <a:p>
+            <a:pPr marL="1200150" lvl="2" indent="-285750">
+              <a:buFont typeface="Arial" panose="020B0604020202020204" pitchFamily="34" charset="0"/>
+              <a:buChar char="•"/>
+            </a:pPr>
+            <a:r>
+              <a:rPr lang="en-US" altLang="zh-TW" sz="1200" dirty="0">
+                <a:latin typeface="微軟正黑體" panose="020B0604030504040204" pitchFamily="34" charset="-120"/>
+                <a:ea typeface="微軟正黑體" panose="020B0604030504040204" pitchFamily="34" charset="-120"/>
+              </a:rPr>
+              <a:t>LED</a:t>
+            </a:r>
+            <a:r>
+              <a:rPr lang="zh-TW" altLang="en-US" sz="1200" dirty="0">
+                <a:latin typeface="微軟正黑體" panose="020B0604030504040204" pitchFamily="34" charset="-120"/>
+                <a:ea typeface="微軟正黑體" panose="020B0604030504040204" pitchFamily="34" charset="-120"/>
+              </a:rPr>
+              <a:t> 往左移</a:t>
+            </a:r>
+            <a:endParaRPr lang="en-US" altLang="zh-TW" sz="1200" dirty="0">
+              <a:latin typeface="微軟正黑體" panose="020B0604030504040204" pitchFamily="34" charset="-120"/>
+              <a:ea typeface="微軟正黑體" panose="020B0604030504040204" pitchFamily="34" charset="-120"/>
+            </a:endParaRPr>
+          </a:p>
+          <a:p>
+            <a:pPr marL="742950" lvl="1" indent="-285750">
+              <a:buFont typeface="Arial" panose="020B0604020202020204" pitchFamily="34" charset="0"/>
+              <a:buChar char="•"/>
+            </a:pPr>
+            <a:r>
+              <a:rPr lang="en-US" altLang="zh-TW" sz="1200" dirty="0" err="1">
+                <a:latin typeface="微軟正黑體" panose="020B0604030504040204" pitchFamily="34" charset="-120"/>
+                <a:ea typeface="微軟正黑體" panose="020B0604030504040204" pitchFamily="34" charset="-120"/>
+              </a:rPr>
+              <a:t>moving_right</a:t>
+            </a:r>
+            <a:endParaRPr lang="en-US" altLang="zh-TW" sz="1200" dirty="0">
+              <a:latin typeface="微軟正黑體" panose="020B0604030504040204" pitchFamily="34" charset="-120"/>
+              <a:ea typeface="微軟正黑體" panose="020B0604030504040204" pitchFamily="34" charset="-120"/>
+            </a:endParaRPr>
+          </a:p>
+          <a:p>
+            <a:pPr marL="1200150" lvl="2" indent="-285750">
+              <a:buFont typeface="Arial" panose="020B0604020202020204" pitchFamily="34" charset="0"/>
+              <a:buChar char="•"/>
+            </a:pPr>
+            <a:r>
+              <a:rPr lang="en-US" altLang="zh-TW" sz="1200" dirty="0">
+                <a:latin typeface="微軟正黑體" panose="020B0604030504040204" pitchFamily="34" charset="-120"/>
+                <a:ea typeface="微軟正黑體" panose="020B0604030504040204" pitchFamily="34" charset="-120"/>
+              </a:rPr>
+              <a:t>LED</a:t>
+            </a:r>
+            <a:r>
+              <a:rPr lang="zh-TW" altLang="en-US" sz="1200" dirty="0">
+                <a:latin typeface="微軟正黑體" panose="020B0604030504040204" pitchFamily="34" charset="-120"/>
+                <a:ea typeface="微軟正黑體" panose="020B0604030504040204" pitchFamily="34" charset="-120"/>
+              </a:rPr>
+              <a:t> 往右移</a:t>
+            </a:r>
+            <a:endParaRPr lang="en-US" altLang="zh-TW" sz="1200" dirty="0">
+              <a:latin typeface="微軟正黑體" panose="020B0604030504040204" pitchFamily="34" charset="-120"/>
+              <a:ea typeface="微軟正黑體" panose="020B0604030504040204" pitchFamily="34" charset="-120"/>
+            </a:endParaRPr>
+          </a:p>
+          <a:p>
+            <a:pPr marL="742950" lvl="1" indent="-285750">
+              <a:buFont typeface="Arial" panose="020B0604020202020204" pitchFamily="34" charset="0"/>
+              <a:buChar char="•"/>
+            </a:pPr>
+            <a:r>
+              <a:rPr lang="en-US" altLang="zh-TW" sz="1200" dirty="0" err="1">
+                <a:latin typeface="微軟正黑體" panose="020B0604030504040204" pitchFamily="34" charset="-120"/>
+                <a:ea typeface="微軟正黑體" panose="020B0604030504040204" pitchFamily="34" charset="-120"/>
+              </a:rPr>
+              <a:t>left_win</a:t>
+            </a:r>
+            <a:endParaRPr lang="en-US" altLang="zh-TW" sz="1200" dirty="0">
+              <a:latin typeface="微軟正黑體" panose="020B0604030504040204" pitchFamily="34" charset="-120"/>
+              <a:ea typeface="微軟正黑體" panose="020B0604030504040204" pitchFamily="34" charset="-120"/>
+            </a:endParaRPr>
+          </a:p>
+          <a:p>
+            <a:pPr marL="1200150" lvl="2" indent="-285750">
+              <a:buFont typeface="Arial" panose="020B0604020202020204" pitchFamily="34" charset="0"/>
+              <a:buChar char="•"/>
+            </a:pPr>
+            <a:r>
+              <a:rPr lang="zh-TW" altLang="en-US" sz="1200" dirty="0">
+                <a:latin typeface="微軟正黑體" panose="020B0604030504040204" pitchFamily="34" charset="-120"/>
+                <a:ea typeface="微軟正黑體" panose="020B0604030504040204" pitchFamily="34" charset="-120"/>
+              </a:rPr>
+              <a:t>當右玩家，漏接或提早，則左玩家勝利</a:t>
+            </a:r>
+            <a:endParaRPr lang="en-US" altLang="zh-TW" sz="1200" dirty="0">
+              <a:latin typeface="微軟正黑體" panose="020B0604030504040204" pitchFamily="34" charset="-120"/>
+              <a:ea typeface="微軟正黑體" panose="020B0604030504040204" pitchFamily="34" charset="-120"/>
+            </a:endParaRPr>
+          </a:p>
+          <a:p>
+            <a:pPr marL="742950" lvl="1" indent="-285750">
+              <a:buFont typeface="Arial" panose="020B0604020202020204" pitchFamily="34" charset="0"/>
+              <a:buChar char="•"/>
+            </a:pPr>
+            <a:r>
+              <a:rPr lang="en-US" altLang="zh-TW" sz="1200" dirty="0" err="1">
+                <a:latin typeface="微軟正黑體" panose="020B0604030504040204" pitchFamily="34" charset="-120"/>
+                <a:ea typeface="微軟正黑體" panose="020B0604030504040204" pitchFamily="34" charset="-120"/>
+              </a:rPr>
+              <a:t>right_win</a:t>
+            </a:r>
+            <a:endParaRPr lang="en-US" altLang="zh-TW" sz="1200" dirty="0">
+              <a:latin typeface="微軟正黑體" panose="020B0604030504040204" pitchFamily="34" charset="-120"/>
+              <a:ea typeface="微軟正黑體" panose="020B0604030504040204" pitchFamily="34" charset="-120"/>
+            </a:endParaRPr>
+          </a:p>
+          <a:p>
+            <a:pPr marL="1200150" lvl="2" indent="-285750">
+              <a:buFont typeface="Arial" panose="020B0604020202020204" pitchFamily="34" charset="0"/>
+              <a:buChar char="•"/>
+            </a:pPr>
+            <a:r>
+              <a:rPr lang="zh-TW" altLang="en-US" sz="1200" dirty="0">
+                <a:latin typeface="微軟正黑體" panose="020B0604030504040204" pitchFamily="34" charset="-120"/>
+                <a:ea typeface="微軟正黑體" panose="020B0604030504040204" pitchFamily="34" charset="-120"/>
+              </a:rPr>
+              <a:t>當左玩家，漏接或提早，則右玩家勝利</a:t>
+            </a:r>
+            <a:endParaRPr lang="en-US" altLang="zh-TW" sz="1200" dirty="0">
+              <a:latin typeface="微軟正黑體" panose="020B0604030504040204" pitchFamily="34" charset="-120"/>
+              <a:ea typeface="微軟正黑體" panose="020B0604030504040204" pitchFamily="34" charset="-120"/>
+            </a:endParaRPr>
+          </a:p>
+          <a:p>
+            <a:pPr marL="285750" indent="-285750">
+              <a:buFont typeface="Arial" panose="020B0604020202020204" pitchFamily="34" charset="0"/>
+              <a:buChar char="•"/>
+            </a:pPr>
+            <a:endParaRPr lang="en-US" altLang="zh-TW" sz="1200" dirty="0">
+              <a:latin typeface="微軟正黑體" panose="020B0604030504040204" pitchFamily="34" charset="-120"/>
+              <a:ea typeface="微軟正黑體" panose="020B0604030504040204" pitchFamily="34" charset="-120"/>
+            </a:endParaRPr>
+          </a:p>
+          <a:p>
+            <a:pPr marL="285750" indent="-285750">
+              <a:buFont typeface="Arial" panose="020B0604020202020204" pitchFamily="34" charset="0"/>
+              <a:buChar char="•"/>
+            </a:pPr>
+            <a:r>
+              <a:rPr lang="en-US" altLang="zh-TW" sz="1200" dirty="0">
+                <a:latin typeface="微軟正黑體" panose="020B0604030504040204" pitchFamily="34" charset="-120"/>
+                <a:ea typeface="微軟正黑體" panose="020B0604030504040204" pitchFamily="34" charset="-120"/>
+              </a:rPr>
+              <a:t>Action</a:t>
+            </a:r>
+          </a:p>
+          <a:p>
+            <a:pPr marL="742950" lvl="1" indent="-285750">
+              <a:buFont typeface="Arial" panose="020B0604020202020204" pitchFamily="34" charset="0"/>
+              <a:buChar char="•"/>
+            </a:pPr>
+            <a:r>
+              <a:rPr lang="en-US" altLang="zh-TW" sz="1200" dirty="0" err="1">
+                <a:latin typeface="微軟正黑體" panose="020B0604030504040204" pitchFamily="34" charset="-120"/>
+                <a:ea typeface="微軟正黑體" panose="020B0604030504040204" pitchFamily="34" charset="-120"/>
+              </a:rPr>
+              <a:t>DIV_CLK_Action</a:t>
+            </a:r>
+            <a:endParaRPr lang="en-US" altLang="zh-TW" sz="1200" dirty="0">
+              <a:latin typeface="微軟正黑體" panose="020B0604030504040204" pitchFamily="34" charset="-120"/>
+              <a:ea typeface="微軟正黑體" panose="020B0604030504040204" pitchFamily="34" charset="-120"/>
+            </a:endParaRPr>
+          </a:p>
+          <a:p>
+            <a:pPr marL="1200150" lvl="2" indent="-285750">
+              <a:buFont typeface="Arial" panose="020B0604020202020204" pitchFamily="34" charset="0"/>
+              <a:buChar char="•"/>
+            </a:pPr>
+            <a:r>
+              <a:rPr lang="zh-TW" altLang="en-US" sz="1200" dirty="0">
+                <a:latin typeface="微軟正黑體" panose="020B0604030504040204" pitchFamily="34" charset="-120"/>
+                <a:ea typeface="微軟正黑體" panose="020B0604030504040204" pitchFamily="34" charset="-120"/>
+              </a:rPr>
+              <a:t>除頻器，為了在板子上，可以看到</a:t>
+            </a:r>
+            <a:r>
+              <a:rPr lang="en-US" altLang="zh-TW" sz="1200" dirty="0">
+                <a:latin typeface="微軟正黑體" panose="020B0604030504040204" pitchFamily="34" charset="-120"/>
+                <a:ea typeface="微軟正黑體" panose="020B0604030504040204" pitchFamily="34" charset="-120"/>
+              </a:rPr>
+              <a:t>LED</a:t>
+            </a:r>
+            <a:r>
+              <a:rPr lang="zh-TW" altLang="en-US" sz="1200" dirty="0">
+                <a:latin typeface="微軟正黑體" panose="020B0604030504040204" pitchFamily="34" charset="-120"/>
+                <a:ea typeface="微軟正黑體" panose="020B0604030504040204" pitchFamily="34" charset="-120"/>
+              </a:rPr>
+              <a:t>位移</a:t>
+            </a:r>
+            <a:endParaRPr lang="en-US" altLang="zh-TW" sz="1200" dirty="0">
+              <a:latin typeface="微軟正黑體" panose="020B0604030504040204" pitchFamily="34" charset="-120"/>
+              <a:ea typeface="微軟正黑體" panose="020B0604030504040204" pitchFamily="34" charset="-120"/>
+            </a:endParaRPr>
+          </a:p>
+          <a:p>
+            <a:pPr marL="742950" lvl="1" indent="-285750">
+              <a:buFont typeface="Arial" panose="020B0604020202020204" pitchFamily="34" charset="0"/>
+              <a:buChar char="•"/>
+            </a:pPr>
+            <a:r>
+              <a:rPr lang="en-US" altLang="zh-TW" sz="1200" dirty="0" err="1">
+                <a:latin typeface="微軟正黑體" panose="020B0604030504040204" pitchFamily="34" charset="-120"/>
+                <a:ea typeface="微軟正黑體" panose="020B0604030504040204" pitchFamily="34" charset="-120"/>
+              </a:rPr>
+              <a:t>Dealy_Counter_Action</a:t>
+            </a:r>
+            <a:endParaRPr lang="en-US" altLang="zh-TW" sz="1200" dirty="0">
+              <a:latin typeface="微軟正黑體" panose="020B0604030504040204" pitchFamily="34" charset="-120"/>
+              <a:ea typeface="微軟正黑體" panose="020B0604030504040204" pitchFamily="34" charset="-120"/>
+            </a:endParaRPr>
+          </a:p>
+          <a:p>
+            <a:pPr marL="1200150" lvl="2" indent="-285750">
+              <a:buFont typeface="Arial" panose="020B0604020202020204" pitchFamily="34" charset="0"/>
+              <a:buChar char="•"/>
+            </a:pPr>
+            <a:r>
+              <a:rPr lang="zh-TW" altLang="en-US" sz="1200" dirty="0">
+                <a:latin typeface="微軟正黑體" panose="020B0604030504040204" pitchFamily="34" charset="-120"/>
+                <a:ea typeface="微軟正黑體" panose="020B0604030504040204" pitchFamily="34" charset="-120"/>
+              </a:rPr>
+              <a:t>為了讓贏家顯示則延遲四秒顯示</a:t>
+            </a:r>
+            <a:r>
+              <a:rPr lang="en-US" altLang="zh-TW" sz="1200" dirty="0">
+                <a:latin typeface="微軟正黑體" panose="020B0604030504040204" pitchFamily="34" charset="-120"/>
+                <a:ea typeface="微軟正黑體" panose="020B0604030504040204" pitchFamily="34" charset="-120"/>
+              </a:rPr>
+              <a:t>LED</a:t>
+            </a:r>
+          </a:p>
+          <a:p>
+            <a:pPr marL="742950" lvl="1" indent="-285750">
+              <a:buFont typeface="Arial" panose="020B0604020202020204" pitchFamily="34" charset="0"/>
+              <a:buChar char="•"/>
+            </a:pPr>
+            <a:r>
+              <a:rPr lang="en-US" altLang="zh-TW" sz="1200" dirty="0" err="1">
+                <a:latin typeface="微軟正黑體" panose="020B0604030504040204" pitchFamily="34" charset="-120"/>
+                <a:ea typeface="微軟正黑體" panose="020B0604030504040204" pitchFamily="34" charset="-120"/>
+              </a:rPr>
+              <a:t>LED_Action</a:t>
+            </a:r>
+            <a:endParaRPr lang="en-US" altLang="zh-TW" sz="1200" dirty="0">
+              <a:latin typeface="微軟正黑體" panose="020B0604030504040204" pitchFamily="34" charset="-120"/>
+              <a:ea typeface="微軟正黑體" panose="020B0604030504040204" pitchFamily="34" charset="-120"/>
+            </a:endParaRPr>
+          </a:p>
+          <a:p>
+            <a:pPr marL="1200150" lvl="2" indent="-285750">
+              <a:buFont typeface="Arial" panose="020B0604020202020204" pitchFamily="34" charset="0"/>
+              <a:buChar char="•"/>
+            </a:pPr>
+            <a:r>
+              <a:rPr lang="en-US" altLang="zh-TW" sz="1200" dirty="0">
+                <a:latin typeface="微軟正黑體" panose="020B0604030504040204" pitchFamily="34" charset="-120"/>
+                <a:ea typeface="微軟正黑體" panose="020B0604030504040204" pitchFamily="34" charset="-120"/>
+              </a:rPr>
+              <a:t>LED</a:t>
+            </a:r>
+            <a:r>
+              <a:rPr lang="zh-TW" altLang="en-US" sz="1200" dirty="0">
+                <a:latin typeface="微軟正黑體" panose="020B0604030504040204" pitchFamily="34" charset="-120"/>
+                <a:ea typeface="微軟正黑體" panose="020B0604030504040204" pitchFamily="34" charset="-120"/>
+              </a:rPr>
+              <a:t>顯示</a:t>
+            </a:r>
+            <a:endParaRPr lang="en-US" altLang="zh-TW" sz="1200" dirty="0">
+              <a:latin typeface="微軟正黑體" panose="020B0604030504040204" pitchFamily="34" charset="-120"/>
+              <a:ea typeface="微軟正黑體" panose="020B0604030504040204" pitchFamily="34" charset="-120"/>
+            </a:endParaRPr>
+          </a:p>
+          <a:p>
+            <a:pPr marL="742950" lvl="1" indent="-285750">
+              <a:buFont typeface="Wingdings" panose="05000000000000000000" pitchFamily="2" charset="2"/>
+              <a:buChar char="n"/>
+            </a:pPr>
+            <a:endParaRPr lang="en-US" altLang="zh-TW" sz="1200" dirty="0">
+              <a:latin typeface="微軟正黑體" panose="020B0604030504040204" pitchFamily="34" charset="-120"/>
+              <a:ea typeface="微軟正黑體" panose="020B0604030504040204" pitchFamily="34" charset="-120"/>
+            </a:endParaRPr>
+          </a:p>
+        </p:txBody>
+      </p:sp>
     </p:spTree>
     <p:extLst>
       <p:ext uri="{BB962C8B-B14F-4D97-AF65-F5344CB8AC3E}">
-        <p14:creationId xmlns:p14="http://schemas.microsoft.com/office/powerpoint/2010/main" val="387894374"/>
+        <p14:creationId xmlns:p14="http://schemas.microsoft.com/office/powerpoint/2010/main" val="3603340644"/>
       </p:ext>
     </p:extLst>
   </p:cSld>
@@ -5120,6 +5725,904 @@
           <a:lstStyle/>
           <a:p>
             <a:r>
+              <a:rPr lang="zh-TW" altLang="en-US" dirty="0"/>
+              <a:t>當週進度</a:t>
+            </a:r>
+          </a:p>
+        </p:txBody>
+      </p:sp>
+      <p:sp>
+        <p:nvSpPr>
+          <p:cNvPr id="2" name="投影片編號版面配置區 1">
+            <a:extLst>
+              <a:ext uri="{FF2B5EF4-FFF2-40B4-BE49-F238E27FC236}">
+                <a16:creationId xmlns:a16="http://schemas.microsoft.com/office/drawing/2014/main" id="{93307445-5962-42AE-9A4E-E1C6CD1297BF}"/>
+              </a:ext>
+            </a:extLst>
+          </p:cNvPr>
+          <p:cNvSpPr>
+            <a:spLocks noGrp="1"/>
+          </p:cNvSpPr>
+          <p:nvPr>
+            <p:ph type="sldNum" sz="quarter" idx="12"/>
+          </p:nvPr>
+        </p:nvSpPr>
+        <p:spPr/>
+        <p:txBody>
+          <a:bodyPr/>
+          <a:lstStyle/>
+          <a:p>
+            <a:fld id="{90F9E983-480B-48C5-9E0F-D21C0DFBB5C0}" type="slidenum">
+              <a:rPr lang="zh-TW" altLang="en-US" smtClean="0"/>
+              <a:t>12</a:t>
+            </a:fld>
+            <a:endParaRPr lang="zh-TW" altLang="en-US"/>
+          </a:p>
+        </p:txBody>
+      </p:sp>
+      <p:sp>
+        <p:nvSpPr>
+          <p:cNvPr id="4" name="文字方塊 3">
+            <a:extLst>
+              <a:ext uri="{FF2B5EF4-FFF2-40B4-BE49-F238E27FC236}">
+                <a16:creationId xmlns:a16="http://schemas.microsoft.com/office/drawing/2014/main" id="{227F0923-AA00-4F8D-99BB-3109F6365217}"/>
+              </a:ext>
+            </a:extLst>
+          </p:cNvPr>
+          <p:cNvSpPr txBox="1"/>
+          <p:nvPr/>
+        </p:nvSpPr>
+        <p:spPr>
+          <a:xfrm>
+            <a:off x="838198" y="1190191"/>
+            <a:ext cx="10515599" cy="1754326"/>
+          </a:xfrm>
+          <a:prstGeom prst="rect">
+            <a:avLst/>
+          </a:prstGeom>
+          <a:noFill/>
+        </p:spPr>
+        <p:txBody>
+          <a:bodyPr wrap="square">
+            <a:spAutoFit/>
+          </a:bodyPr>
+          <a:lstStyle/>
+          <a:p>
+            <a:pPr marL="285750" indent="-285750">
+              <a:buFont typeface="Wingdings" panose="05000000000000000000" pitchFamily="2" charset="2"/>
+              <a:buChar char="n"/>
+            </a:pPr>
+            <a:r>
+              <a:rPr lang="zh-TW" altLang="en-US" dirty="0">
+                <a:latin typeface="微軟正黑體" panose="020B0604030504040204" pitchFamily="34" charset="-120"/>
+                <a:ea typeface="微軟正黑體" panose="020B0604030504040204" pitchFamily="34" charset="-120"/>
+              </a:rPr>
+              <a:t>問題記錄</a:t>
+            </a:r>
+            <a:endParaRPr lang="en-US" altLang="zh-TW" dirty="0">
+              <a:latin typeface="微軟正黑體" panose="020B0604030504040204" pitchFamily="34" charset="-120"/>
+              <a:ea typeface="微軟正黑體" panose="020B0604030504040204" pitchFamily="34" charset="-120"/>
+            </a:endParaRPr>
+          </a:p>
+          <a:p>
+            <a:pPr marL="800100" lvl="1" indent="-342900">
+              <a:buFont typeface="+mj-lt"/>
+              <a:buAutoNum type="arabicPeriod"/>
+            </a:pPr>
+            <a:r>
+              <a:rPr lang="zh-TW" altLang="en-US" dirty="0">
+                <a:latin typeface="微軟正黑體" panose="020B0604030504040204" pitchFamily="34" charset="-120"/>
+                <a:ea typeface="微軟正黑體" panose="020B0604030504040204" pitchFamily="34" charset="-120"/>
+              </a:rPr>
+              <a:t>無</a:t>
+            </a:r>
+            <a:endParaRPr lang="en-US" altLang="zh-TW" dirty="0">
+              <a:latin typeface="微軟正黑體" panose="020B0604030504040204" pitchFamily="34" charset="-120"/>
+              <a:ea typeface="微軟正黑體" panose="020B0604030504040204" pitchFamily="34" charset="-120"/>
+            </a:endParaRPr>
+          </a:p>
+          <a:p>
+            <a:pPr marL="800100" lvl="1" indent="-342900">
+              <a:buFont typeface="+mj-lt"/>
+              <a:buAutoNum type="arabicPeriod"/>
+            </a:pPr>
+            <a:endParaRPr lang="en-US" altLang="zh-TW" dirty="0">
+              <a:latin typeface="微軟正黑體" panose="020B0604030504040204" pitchFamily="34" charset="-120"/>
+              <a:ea typeface="微軟正黑體" panose="020B0604030504040204" pitchFamily="34" charset="-120"/>
+            </a:endParaRPr>
+          </a:p>
+          <a:p>
+            <a:pPr marL="342900" indent="-342900">
+              <a:buFont typeface="Wingdings" panose="05000000000000000000" pitchFamily="2" charset="2"/>
+              <a:buChar char="n"/>
+            </a:pPr>
+            <a:r>
+              <a:rPr lang="zh-TW" altLang="en-US" dirty="0">
+                <a:latin typeface="微軟正黑體" panose="020B0604030504040204" pitchFamily="34" charset="-120"/>
+                <a:ea typeface="微軟正黑體" panose="020B0604030504040204" pitchFamily="34" charset="-120"/>
+              </a:rPr>
+              <a:t>影片展示</a:t>
+            </a:r>
+            <a:endParaRPr lang="en-US" altLang="zh-TW" dirty="0">
+              <a:latin typeface="微軟正黑體" panose="020B0604030504040204" pitchFamily="34" charset="-120"/>
+              <a:ea typeface="微軟正黑體" panose="020B0604030504040204" pitchFamily="34" charset="-120"/>
+            </a:endParaRPr>
+          </a:p>
+          <a:p>
+            <a:pPr marL="742950" lvl="1" indent="-285750">
+              <a:buFont typeface="Arial" panose="020B0604020202020204" pitchFamily="34" charset="0"/>
+              <a:buChar char="•"/>
+            </a:pPr>
+            <a:r>
+              <a:rPr lang="en-US" altLang="zh-TW" dirty="0">
+                <a:hlinkClick r:id="rId3"/>
+              </a:rPr>
+              <a:t>https://drive.google.com/file/d/1NX1_RaauJDHZa6ektj63UaYN7nSc5CdH/view?usp=sharing</a:t>
+            </a:r>
+            <a:endParaRPr lang="en-US" altLang="zh-TW" dirty="0"/>
+          </a:p>
+          <a:p>
+            <a:pPr marL="742950" lvl="1" indent="-285750">
+              <a:buFont typeface="Arial" panose="020B0604020202020204" pitchFamily="34" charset="0"/>
+              <a:buChar char="•"/>
+            </a:pPr>
+            <a:endParaRPr lang="en-US" altLang="zh-TW" dirty="0">
+              <a:latin typeface="微軟正黑體" panose="020B0604030504040204" pitchFamily="34" charset="-120"/>
+              <a:ea typeface="微軟正黑體" panose="020B0604030504040204" pitchFamily="34" charset="-120"/>
+            </a:endParaRPr>
+          </a:p>
+        </p:txBody>
+      </p:sp>
+    </p:spTree>
+    <p:extLst>
+      <p:ext uri="{BB962C8B-B14F-4D97-AF65-F5344CB8AC3E}">
+        <p14:creationId xmlns:p14="http://schemas.microsoft.com/office/powerpoint/2010/main" val="844402342"/>
+      </p:ext>
+    </p:extLst>
+  </p:cSld>
+  <p:clrMapOvr>
+    <a:masterClrMapping/>
+  </p:clrMapOvr>
+</p:sld>
+</file>
+
+<file path=ppt/slides/slide13.xml><?xml version="1.0" encoding="utf-8"?>
+<p:sld xmlns:a="http://schemas.openxmlformats.org/drawingml/2006/main" xmlns:r="http://schemas.openxmlformats.org/officeDocument/2006/relationships" xmlns:p="http://schemas.openxmlformats.org/presentationml/2006/main">
+  <p:cSld>
+    <p:spTree>
+      <p:nvGrpSpPr>
+        <p:cNvPr id="1" name=""/>
+        <p:cNvGrpSpPr/>
+        <p:nvPr/>
+      </p:nvGrpSpPr>
+      <p:grpSpPr>
+        <a:xfrm>
+          <a:off x="0" y="0"/>
+          <a:ext cx="0" cy="0"/>
+          <a:chOff x="0" y="0"/>
+          <a:chExt cx="0" cy="0"/>
+        </a:xfrm>
+      </p:grpSpPr>
+      <p:sp>
+        <p:nvSpPr>
+          <p:cNvPr id="3" name="標題 2">
+            <a:extLst>
+              <a:ext uri="{FF2B5EF4-FFF2-40B4-BE49-F238E27FC236}">
+                <a16:creationId xmlns:a16="http://schemas.microsoft.com/office/drawing/2014/main" id="{EF277299-8610-4660-86B9-EE584C561AB1}"/>
+              </a:ext>
+            </a:extLst>
+          </p:cNvPr>
+          <p:cNvSpPr>
+            <a:spLocks noGrp="1"/>
+          </p:cNvSpPr>
+          <p:nvPr>
+            <p:ph type="title"/>
+          </p:nvPr>
+        </p:nvSpPr>
+        <p:spPr/>
+        <p:txBody>
+          <a:bodyPr/>
+          <a:lstStyle/>
+          <a:p>
+            <a:r>
+              <a:rPr lang="zh-TW" altLang="en-US" dirty="0"/>
+              <a:t>架構圖</a:t>
+            </a:r>
+          </a:p>
+        </p:txBody>
+      </p:sp>
+      <p:sp>
+        <p:nvSpPr>
+          <p:cNvPr id="2" name="投影片編號版面配置區 1">
+            <a:extLst>
+              <a:ext uri="{FF2B5EF4-FFF2-40B4-BE49-F238E27FC236}">
+                <a16:creationId xmlns:a16="http://schemas.microsoft.com/office/drawing/2014/main" id="{3ABA1C61-B2A2-4D29-8357-2466EE82EA36}"/>
+              </a:ext>
+            </a:extLst>
+          </p:cNvPr>
+          <p:cNvSpPr>
+            <a:spLocks noGrp="1"/>
+          </p:cNvSpPr>
+          <p:nvPr>
+            <p:ph type="sldNum" sz="quarter" idx="12"/>
+          </p:nvPr>
+        </p:nvSpPr>
+        <p:spPr/>
+        <p:txBody>
+          <a:bodyPr/>
+          <a:lstStyle/>
+          <a:p>
+            <a:fld id="{90F9E983-480B-48C5-9E0F-D21C0DFBB5C0}" type="slidenum">
+              <a:rPr lang="zh-TW" altLang="en-US" smtClean="0"/>
+              <a:t>13</a:t>
+            </a:fld>
+            <a:endParaRPr lang="zh-TW" altLang="en-US"/>
+          </a:p>
+        </p:txBody>
+      </p:sp>
+      <p:pic>
+        <p:nvPicPr>
+          <p:cNvPr id="5" name="圖片 4">
+            <a:extLst>
+              <a:ext uri="{FF2B5EF4-FFF2-40B4-BE49-F238E27FC236}">
+                <a16:creationId xmlns:a16="http://schemas.microsoft.com/office/drawing/2014/main" id="{7BBD1109-B03D-481A-9D88-A47836BEC086}"/>
+              </a:ext>
+            </a:extLst>
+          </p:cNvPr>
+          <p:cNvPicPr>
+            <a:picLocks noChangeAspect="1"/>
+          </p:cNvPicPr>
+          <p:nvPr/>
+        </p:nvPicPr>
+        <p:blipFill>
+          <a:blip r:embed="rId3">
+            <a:extLst>
+              <a:ext uri="{28A0092B-C50C-407E-A947-70E740481C1C}">
+                <a14:useLocalDpi xmlns:a14="http://schemas.microsoft.com/office/drawing/2010/main" val="0"/>
+              </a:ext>
+            </a:extLst>
+          </a:blip>
+          <a:stretch>
+            <a:fillRect/>
+          </a:stretch>
+        </p:blipFill>
+        <p:spPr>
+          <a:xfrm>
+            <a:off x="2461281" y="1246414"/>
+            <a:ext cx="7269437" cy="4947557"/>
+          </a:xfrm>
+          <a:prstGeom prst="rect">
+            <a:avLst/>
+          </a:prstGeom>
+        </p:spPr>
+      </p:pic>
+    </p:spTree>
+    <p:extLst>
+      <p:ext uri="{BB962C8B-B14F-4D97-AF65-F5344CB8AC3E}">
+        <p14:creationId xmlns:p14="http://schemas.microsoft.com/office/powerpoint/2010/main" val="131881464"/>
+      </p:ext>
+    </p:extLst>
+  </p:cSld>
+  <p:clrMapOvr>
+    <a:masterClrMapping/>
+  </p:clrMapOvr>
+</p:sld>
+</file>
+
+<file path=ppt/slides/slide14.xml><?xml version="1.0" encoding="utf-8"?>
+<p:sld xmlns:a="http://schemas.openxmlformats.org/drawingml/2006/main" xmlns:r="http://schemas.openxmlformats.org/officeDocument/2006/relationships" xmlns:p="http://schemas.openxmlformats.org/presentationml/2006/main">
+  <p:cSld>
+    <p:spTree>
+      <p:nvGrpSpPr>
+        <p:cNvPr id="1" name=""/>
+        <p:cNvGrpSpPr/>
+        <p:nvPr/>
+      </p:nvGrpSpPr>
+      <p:grpSpPr>
+        <a:xfrm>
+          <a:off x="0" y="0"/>
+          <a:ext cx="0" cy="0"/>
+          <a:chOff x="0" y="0"/>
+          <a:chExt cx="0" cy="0"/>
+        </a:xfrm>
+      </p:grpSpPr>
+      <p:sp>
+        <p:nvSpPr>
+          <p:cNvPr id="3" name="標題 2">
+            <a:extLst>
+              <a:ext uri="{FF2B5EF4-FFF2-40B4-BE49-F238E27FC236}">
+                <a16:creationId xmlns:a16="http://schemas.microsoft.com/office/drawing/2014/main" id="{EF277299-8610-4660-86B9-EE584C561AB1}"/>
+              </a:ext>
+            </a:extLst>
+          </p:cNvPr>
+          <p:cNvSpPr>
+            <a:spLocks noGrp="1"/>
+          </p:cNvSpPr>
+          <p:nvPr>
+            <p:ph type="title"/>
+          </p:nvPr>
+        </p:nvSpPr>
+        <p:spPr/>
+        <p:txBody>
+          <a:bodyPr/>
+          <a:lstStyle/>
+          <a:p>
+            <a:r>
+              <a:rPr lang="zh-TW" altLang="en-US" dirty="0"/>
+              <a:t>當週進度</a:t>
+            </a:r>
+          </a:p>
+        </p:txBody>
+      </p:sp>
+      <p:sp>
+        <p:nvSpPr>
+          <p:cNvPr id="2" name="投影片編號版面配置區 1">
+            <a:extLst>
+              <a:ext uri="{FF2B5EF4-FFF2-40B4-BE49-F238E27FC236}">
+                <a16:creationId xmlns:a16="http://schemas.microsoft.com/office/drawing/2014/main" id="{93307445-5962-42AE-9A4E-E1C6CD1297BF}"/>
+              </a:ext>
+            </a:extLst>
+          </p:cNvPr>
+          <p:cNvSpPr>
+            <a:spLocks noGrp="1"/>
+          </p:cNvSpPr>
+          <p:nvPr>
+            <p:ph type="sldNum" sz="quarter" idx="12"/>
+          </p:nvPr>
+        </p:nvSpPr>
+        <p:spPr/>
+        <p:txBody>
+          <a:bodyPr/>
+          <a:lstStyle/>
+          <a:p>
+            <a:fld id="{90F9E983-480B-48C5-9E0F-D21C0DFBB5C0}" type="slidenum">
+              <a:rPr lang="zh-TW" altLang="en-US" smtClean="0"/>
+              <a:t>14</a:t>
+            </a:fld>
+            <a:endParaRPr lang="zh-TW" altLang="en-US"/>
+          </a:p>
+        </p:txBody>
+      </p:sp>
+      <p:sp>
+        <p:nvSpPr>
+          <p:cNvPr id="4" name="文字方塊 3">
+            <a:extLst>
+              <a:ext uri="{FF2B5EF4-FFF2-40B4-BE49-F238E27FC236}">
+                <a16:creationId xmlns:a16="http://schemas.microsoft.com/office/drawing/2014/main" id="{227F0923-AA00-4F8D-99BB-3109F6365217}"/>
+              </a:ext>
+            </a:extLst>
+          </p:cNvPr>
+          <p:cNvSpPr txBox="1"/>
+          <p:nvPr/>
+        </p:nvSpPr>
+        <p:spPr>
+          <a:xfrm>
+            <a:off x="838198" y="1190191"/>
+            <a:ext cx="10515599" cy="2585323"/>
+          </a:xfrm>
+          <a:prstGeom prst="rect">
+            <a:avLst/>
+          </a:prstGeom>
+          <a:noFill/>
+        </p:spPr>
+        <p:txBody>
+          <a:bodyPr wrap="square">
+            <a:spAutoFit/>
+          </a:bodyPr>
+          <a:lstStyle/>
+          <a:p>
+            <a:pPr marL="285750" indent="-285750">
+              <a:buFont typeface="Wingdings" panose="05000000000000000000" pitchFamily="2" charset="2"/>
+              <a:buChar char="n"/>
+            </a:pPr>
+            <a:r>
+              <a:rPr lang="zh-TW" altLang="en-US" dirty="0">
+                <a:latin typeface="微軟正黑體" panose="020B0604030504040204" pitchFamily="34" charset="-120"/>
+                <a:ea typeface="微軟正黑體" panose="020B0604030504040204" pitchFamily="34" charset="-120"/>
+              </a:rPr>
+              <a:t>問題記錄</a:t>
+            </a:r>
+            <a:endParaRPr lang="en-US" altLang="zh-TW" dirty="0">
+              <a:latin typeface="微軟正黑體" panose="020B0604030504040204" pitchFamily="34" charset="-120"/>
+              <a:ea typeface="微軟正黑體" panose="020B0604030504040204" pitchFamily="34" charset="-120"/>
+            </a:endParaRPr>
+          </a:p>
+          <a:p>
+            <a:pPr marL="800100" lvl="1" indent="-342900">
+              <a:buFont typeface="+mj-lt"/>
+              <a:buAutoNum type="arabicPeriod"/>
+            </a:pPr>
+            <a:r>
+              <a:rPr lang="zh-TW" altLang="en-US" dirty="0">
+                <a:latin typeface="微軟正黑體" panose="020B0604030504040204" pitchFamily="34" charset="-120"/>
+                <a:ea typeface="微軟正黑體" panose="020B0604030504040204" pitchFamily="34" charset="-120"/>
+              </a:rPr>
+              <a:t>未設計等待獲勝方發球狀態。</a:t>
+            </a:r>
+            <a:endParaRPr lang="en-US" altLang="zh-TW" dirty="0">
+              <a:latin typeface="微軟正黑體" panose="020B0604030504040204" pitchFamily="34" charset="-120"/>
+              <a:ea typeface="微軟正黑體" panose="020B0604030504040204" pitchFamily="34" charset="-120"/>
+            </a:endParaRPr>
+          </a:p>
+          <a:p>
+            <a:pPr marL="800100" lvl="1" indent="-342900">
+              <a:buFont typeface="+mj-lt"/>
+              <a:buAutoNum type="arabicPeriod"/>
+            </a:pPr>
+            <a:endParaRPr lang="en-US" altLang="zh-TW" dirty="0">
+              <a:latin typeface="微軟正黑體" panose="020B0604030504040204" pitchFamily="34" charset="-120"/>
+              <a:ea typeface="微軟正黑體" panose="020B0604030504040204" pitchFamily="34" charset="-120"/>
+            </a:endParaRPr>
+          </a:p>
+          <a:p>
+            <a:pPr marL="800100" lvl="1" indent="-342900">
+              <a:buFont typeface="+mj-lt"/>
+              <a:buAutoNum type="arabicPeriod"/>
+            </a:pPr>
+            <a:r>
+              <a:rPr lang="zh-TW" altLang="en-US" dirty="0">
+                <a:latin typeface="微軟正黑體" panose="020B0604030504040204" pitchFamily="34" charset="-120"/>
+                <a:ea typeface="微軟正黑體" panose="020B0604030504040204" pitchFamily="34" charset="-120"/>
+              </a:rPr>
+              <a:t>當開關提早按下，則</a:t>
+            </a:r>
+            <a:r>
+              <a:rPr lang="en-US" altLang="zh-TW" dirty="0">
+                <a:latin typeface="微軟正黑體" panose="020B0604030504040204" pitchFamily="34" charset="-120"/>
+                <a:ea typeface="微軟正黑體" panose="020B0604030504040204" pitchFamily="34" charset="-120"/>
+              </a:rPr>
+              <a:t>LED</a:t>
+            </a:r>
+            <a:r>
+              <a:rPr lang="zh-TW" altLang="en-US" dirty="0">
+                <a:latin typeface="微軟正黑體" panose="020B0604030504040204" pitchFamily="34" charset="-120"/>
+                <a:ea typeface="微軟正黑體" panose="020B0604030504040204" pitchFamily="34" charset="-120"/>
+              </a:rPr>
+              <a:t>會停下，若再按下發球方按鈕，則</a:t>
+            </a:r>
+            <a:r>
+              <a:rPr lang="en-US" altLang="zh-TW" dirty="0">
+                <a:latin typeface="微軟正黑體" panose="020B0604030504040204" pitchFamily="34" charset="-120"/>
+                <a:ea typeface="微軟正黑體" panose="020B0604030504040204" pitchFamily="34" charset="-120"/>
+              </a:rPr>
+              <a:t>LED</a:t>
+            </a:r>
+            <a:r>
+              <a:rPr lang="zh-TW" altLang="en-US" dirty="0">
+                <a:latin typeface="微軟正黑體" panose="020B0604030504040204" pitchFamily="34" charset="-120"/>
+                <a:ea typeface="微軟正黑體" panose="020B0604030504040204" pitchFamily="34" charset="-120"/>
+              </a:rPr>
+              <a:t>會繼續移動。</a:t>
+            </a:r>
+            <a:endParaRPr lang="en-US" altLang="zh-TW" dirty="0">
+              <a:latin typeface="微軟正黑體" panose="020B0604030504040204" pitchFamily="34" charset="-120"/>
+              <a:ea typeface="微軟正黑體" panose="020B0604030504040204" pitchFamily="34" charset="-120"/>
+            </a:endParaRPr>
+          </a:p>
+          <a:p>
+            <a:pPr marL="800100" lvl="1" indent="-342900">
+              <a:buFont typeface="+mj-lt"/>
+              <a:buAutoNum type="arabicPeriod"/>
+            </a:pPr>
+            <a:endParaRPr lang="en-US" altLang="zh-TW" dirty="0">
+              <a:latin typeface="微軟正黑體" panose="020B0604030504040204" pitchFamily="34" charset="-120"/>
+              <a:ea typeface="微軟正黑體" panose="020B0604030504040204" pitchFamily="34" charset="-120"/>
+            </a:endParaRPr>
+          </a:p>
+          <a:p>
+            <a:pPr marL="800100" lvl="1" indent="-342900">
+              <a:buFont typeface="+mj-lt"/>
+              <a:buAutoNum type="arabicPeriod"/>
+            </a:pPr>
+            <a:r>
+              <a:rPr lang="en-US" altLang="zh-TW" dirty="0">
+                <a:latin typeface="微軟正黑體" panose="020B0604030504040204" pitchFamily="34" charset="-120"/>
+                <a:ea typeface="微軟正黑體" panose="020B0604030504040204" pitchFamily="34" charset="-120"/>
+              </a:rPr>
+              <a:t>Score </a:t>
+            </a:r>
+            <a:r>
+              <a:rPr lang="zh-TW" altLang="en-US" dirty="0">
+                <a:latin typeface="微軟正黑體" panose="020B0604030504040204" pitchFamily="34" charset="-120"/>
+                <a:ea typeface="微軟正黑體" panose="020B0604030504040204" pitchFamily="34" charset="-120"/>
+              </a:rPr>
+              <a:t>腳位數太多，因此先拔掉輸出。</a:t>
+            </a:r>
+            <a:endParaRPr lang="en-US" altLang="zh-TW" dirty="0">
+              <a:latin typeface="微軟正黑體" panose="020B0604030504040204" pitchFamily="34" charset="-120"/>
+              <a:ea typeface="微軟正黑體" panose="020B0604030504040204" pitchFamily="34" charset="-120"/>
+            </a:endParaRPr>
+          </a:p>
+          <a:p>
+            <a:pPr marL="800100" lvl="1" indent="-342900">
+              <a:buFont typeface="+mj-lt"/>
+              <a:buAutoNum type="arabicPeriod"/>
+            </a:pPr>
+            <a:endParaRPr lang="en-US" altLang="zh-TW" dirty="0">
+              <a:latin typeface="微軟正黑體" panose="020B0604030504040204" pitchFamily="34" charset="-120"/>
+              <a:ea typeface="微軟正黑體" panose="020B0604030504040204" pitchFamily="34" charset="-120"/>
+            </a:endParaRPr>
+          </a:p>
+          <a:p>
+            <a:pPr marL="342900" indent="-342900">
+              <a:buFont typeface="Wingdings" panose="05000000000000000000" pitchFamily="2" charset="2"/>
+              <a:buChar char="n"/>
+            </a:pPr>
+            <a:r>
+              <a:rPr lang="zh-TW" altLang="en-US" dirty="0">
+                <a:latin typeface="微軟正黑體" panose="020B0604030504040204" pitchFamily="34" charset="-120"/>
+                <a:ea typeface="微軟正黑體" panose="020B0604030504040204" pitchFamily="34" charset="-120"/>
+              </a:rPr>
+              <a:t>影片展示</a:t>
+            </a:r>
+            <a:endParaRPr lang="en-US" altLang="zh-TW" dirty="0">
+              <a:latin typeface="微軟正黑體" panose="020B0604030504040204" pitchFamily="34" charset="-120"/>
+              <a:ea typeface="微軟正黑體" panose="020B0604030504040204" pitchFamily="34" charset="-120"/>
+            </a:endParaRPr>
+          </a:p>
+          <a:p>
+            <a:pPr marL="800100" lvl="1" indent="-342900">
+              <a:buFont typeface="Arial" panose="020B0604020202020204" pitchFamily="34" charset="0"/>
+              <a:buChar char="•"/>
+            </a:pPr>
+            <a:r>
+              <a:rPr lang="en-US" altLang="zh-TW" dirty="0">
+                <a:hlinkClick r:id="rId3"/>
+              </a:rPr>
+              <a:t>https://drive.google.com/file/d/1nIX1dnGeOrozzZbEsGorforhYJLXbA8w/view?usp=sharing</a:t>
+            </a:r>
+            <a:endParaRPr lang="en-US" altLang="zh-TW" dirty="0"/>
+          </a:p>
+        </p:txBody>
+      </p:sp>
+    </p:spTree>
+    <p:extLst>
+      <p:ext uri="{BB962C8B-B14F-4D97-AF65-F5344CB8AC3E}">
+        <p14:creationId xmlns:p14="http://schemas.microsoft.com/office/powerpoint/2010/main" val="712468063"/>
+      </p:ext>
+    </p:extLst>
+  </p:cSld>
+  <p:clrMapOvr>
+    <a:masterClrMapping/>
+  </p:clrMapOvr>
+</p:sld>
+</file>
+
+<file path=ppt/slides/slide15.xml><?xml version="1.0" encoding="utf-8"?>
+<p:sld xmlns:a="http://schemas.openxmlformats.org/drawingml/2006/main" xmlns:r="http://schemas.openxmlformats.org/officeDocument/2006/relationships" xmlns:p="http://schemas.openxmlformats.org/presentationml/2006/main">
+  <p:cSld>
+    <p:spTree>
+      <p:nvGrpSpPr>
+        <p:cNvPr id="1" name=""/>
+        <p:cNvGrpSpPr/>
+        <p:nvPr/>
+      </p:nvGrpSpPr>
+      <p:grpSpPr>
+        <a:xfrm>
+          <a:off x="0" y="0"/>
+          <a:ext cx="0" cy="0"/>
+          <a:chOff x="0" y="0"/>
+          <a:chExt cx="0" cy="0"/>
+        </a:xfrm>
+      </p:grpSpPr>
+      <p:sp>
+        <p:nvSpPr>
+          <p:cNvPr id="3" name="標題 2">
+            <a:extLst>
+              <a:ext uri="{FF2B5EF4-FFF2-40B4-BE49-F238E27FC236}">
+                <a16:creationId xmlns:a16="http://schemas.microsoft.com/office/drawing/2014/main" id="{EF277299-8610-4660-86B9-EE584C561AB1}"/>
+              </a:ext>
+            </a:extLst>
+          </p:cNvPr>
+          <p:cNvSpPr>
+            <a:spLocks noGrp="1"/>
+          </p:cNvSpPr>
+          <p:nvPr>
+            <p:ph type="title"/>
+          </p:nvPr>
+        </p:nvSpPr>
+        <p:spPr/>
+        <p:txBody>
+          <a:bodyPr/>
+          <a:lstStyle/>
+          <a:p>
+            <a:r>
+              <a:rPr lang="zh-TW" altLang="en-US" dirty="0"/>
+              <a:t>參考資料</a:t>
+            </a:r>
+          </a:p>
+        </p:txBody>
+      </p:sp>
+      <p:sp>
+        <p:nvSpPr>
+          <p:cNvPr id="2" name="投影片編號版面配置區 1">
+            <a:extLst>
+              <a:ext uri="{FF2B5EF4-FFF2-40B4-BE49-F238E27FC236}">
+                <a16:creationId xmlns:a16="http://schemas.microsoft.com/office/drawing/2014/main" id="{B9198658-FE78-44D3-AF3E-A5158F85509F}"/>
+              </a:ext>
+            </a:extLst>
+          </p:cNvPr>
+          <p:cNvSpPr>
+            <a:spLocks noGrp="1"/>
+          </p:cNvSpPr>
+          <p:nvPr>
+            <p:ph type="sldNum" sz="quarter" idx="12"/>
+          </p:nvPr>
+        </p:nvSpPr>
+        <p:spPr/>
+        <p:txBody>
+          <a:bodyPr/>
+          <a:lstStyle/>
+          <a:p>
+            <a:fld id="{90F9E983-480B-48C5-9E0F-D21C0DFBB5C0}" type="slidenum">
+              <a:rPr lang="zh-TW" altLang="en-US" smtClean="0"/>
+              <a:t>15</a:t>
+            </a:fld>
+            <a:endParaRPr lang="zh-TW" altLang="en-US"/>
+          </a:p>
+        </p:txBody>
+      </p:sp>
+      <p:sp>
+        <p:nvSpPr>
+          <p:cNvPr id="4" name="矩形 3">
+            <a:extLst>
+              <a:ext uri="{FF2B5EF4-FFF2-40B4-BE49-F238E27FC236}">
+                <a16:creationId xmlns:a16="http://schemas.microsoft.com/office/drawing/2014/main" id="{2CCE2E8B-2BE4-439A-B15D-8F35CF3ED76E}"/>
+              </a:ext>
+            </a:extLst>
+          </p:cNvPr>
+          <p:cNvSpPr/>
+          <p:nvPr/>
+        </p:nvSpPr>
+        <p:spPr>
+          <a:xfrm>
+            <a:off x="838200" y="1241494"/>
+            <a:ext cx="7600947" cy="369332"/>
+          </a:xfrm>
+          <a:prstGeom prst="rect">
+            <a:avLst/>
+          </a:prstGeom>
+        </p:spPr>
+        <p:txBody>
+          <a:bodyPr wrap="square">
+            <a:spAutoFit/>
+          </a:bodyPr>
+          <a:lstStyle/>
+          <a:p>
+            <a:pPr marL="285750" indent="-285750">
+              <a:buFont typeface="Arial" panose="020B0604020202020204" pitchFamily="34" charset="0"/>
+              <a:buChar char="•"/>
+            </a:pPr>
+            <a:r>
+              <a:rPr lang="en-US" altLang="zh-TW" dirty="0">
+                <a:hlinkClick r:id="rId3"/>
+              </a:rPr>
+              <a:t>ANAN030/</a:t>
+            </a:r>
+            <a:r>
+              <a:rPr lang="en-US" altLang="zh-TW" dirty="0" err="1">
+                <a:hlinkClick r:id="rId3"/>
+              </a:rPr>
+              <a:t>Vivado_Basic</a:t>
+            </a:r>
+            <a:r>
+              <a:rPr lang="en-US" altLang="zh-TW" dirty="0">
+                <a:hlinkClick r:id="rId3"/>
+              </a:rPr>
+              <a:t>: </a:t>
+            </a:r>
+            <a:r>
+              <a:rPr lang="en-US" altLang="zh-TW" dirty="0" err="1">
+                <a:hlinkClick r:id="rId3"/>
+              </a:rPr>
+              <a:t>Vivado</a:t>
+            </a:r>
+            <a:r>
+              <a:rPr lang="en-US" altLang="zh-TW" dirty="0">
+                <a:hlinkClick r:id="rId3"/>
+              </a:rPr>
+              <a:t> </a:t>
+            </a:r>
+            <a:r>
+              <a:rPr lang="zh-TW" altLang="en-US" dirty="0">
+                <a:hlinkClick r:id="rId3"/>
+              </a:rPr>
+              <a:t>和 </a:t>
+            </a:r>
+            <a:r>
+              <a:rPr lang="en-US" altLang="zh-TW" dirty="0">
+                <a:hlinkClick r:id="rId3"/>
+              </a:rPr>
+              <a:t>Xilinx SDK </a:t>
+            </a:r>
+            <a:r>
+              <a:rPr lang="zh-TW" altLang="en-US" dirty="0">
+                <a:hlinkClick r:id="rId3"/>
+              </a:rPr>
+              <a:t>基本操作 </a:t>
+            </a:r>
+            <a:r>
+              <a:rPr lang="en-US" altLang="zh-TW" dirty="0">
+                <a:hlinkClick r:id="rId3"/>
+              </a:rPr>
+              <a:t>(github.com)</a:t>
+            </a:r>
+            <a:endParaRPr lang="zh-TW" altLang="en-US" dirty="0"/>
+          </a:p>
+        </p:txBody>
+      </p:sp>
+    </p:spTree>
+    <p:extLst>
+      <p:ext uri="{BB962C8B-B14F-4D97-AF65-F5344CB8AC3E}">
+        <p14:creationId xmlns:p14="http://schemas.microsoft.com/office/powerpoint/2010/main" val="387894374"/>
+      </p:ext>
+    </p:extLst>
+  </p:cSld>
+  <p:clrMapOvr>
+    <a:masterClrMapping/>
+  </p:clrMapOvr>
+</p:sld>
+</file>
+
+<file path=ppt/slides/slide16.xml><?xml version="1.0" encoding="utf-8"?>
+<p:sld xmlns:a="http://schemas.openxmlformats.org/drawingml/2006/main" xmlns:r="http://schemas.openxmlformats.org/officeDocument/2006/relationships" xmlns:p="http://schemas.openxmlformats.org/presentationml/2006/main">
+  <p:cSld>
+    <p:spTree>
+      <p:nvGrpSpPr>
+        <p:cNvPr id="1" name=""/>
+        <p:cNvGrpSpPr/>
+        <p:nvPr/>
+      </p:nvGrpSpPr>
+      <p:grpSpPr>
+        <a:xfrm>
+          <a:off x="0" y="0"/>
+          <a:ext cx="0" cy="0"/>
+          <a:chOff x="0" y="0"/>
+          <a:chExt cx="0" cy="0"/>
+        </a:xfrm>
+      </p:grpSpPr>
+      <p:pic>
+        <p:nvPicPr>
+          <p:cNvPr id="5" name="內容版面配置區 4">
+            <a:extLst>
+              <a:ext uri="{FF2B5EF4-FFF2-40B4-BE49-F238E27FC236}">
+                <a16:creationId xmlns:a16="http://schemas.microsoft.com/office/drawing/2014/main" id="{67BA9D5C-9E35-48A2-BCDA-59612874ADB4}"/>
+              </a:ext>
+            </a:extLst>
+          </p:cNvPr>
+          <p:cNvPicPr>
+            <a:picLocks noGrp="1" noChangeAspect="1"/>
+          </p:cNvPicPr>
+          <p:nvPr>
+            <p:ph idx="1"/>
+          </p:nvPr>
+        </p:nvPicPr>
+        <p:blipFill>
+          <a:blip r:embed="rId2"/>
+          <a:stretch>
+            <a:fillRect/>
+          </a:stretch>
+        </p:blipFill>
+        <p:spPr>
+          <a:xfrm>
+            <a:off x="838200" y="3133566"/>
+            <a:ext cx="10515600" cy="1173480"/>
+          </a:xfrm>
+          <a:prstGeom prst="rect">
+            <a:avLst/>
+          </a:prstGeom>
+        </p:spPr>
+      </p:pic>
+      <p:sp>
+        <p:nvSpPr>
+          <p:cNvPr id="3" name="標題 2">
+            <a:extLst>
+              <a:ext uri="{FF2B5EF4-FFF2-40B4-BE49-F238E27FC236}">
+                <a16:creationId xmlns:a16="http://schemas.microsoft.com/office/drawing/2014/main" id="{2D596D61-BA63-4935-8850-B2DDB5320A75}"/>
+              </a:ext>
+            </a:extLst>
+          </p:cNvPr>
+          <p:cNvSpPr>
+            <a:spLocks noGrp="1"/>
+          </p:cNvSpPr>
+          <p:nvPr>
+            <p:ph type="title"/>
+          </p:nvPr>
+        </p:nvSpPr>
+        <p:spPr/>
+        <p:txBody>
+          <a:bodyPr/>
+          <a:lstStyle/>
+          <a:p>
+            <a:r>
+              <a:rPr lang="en-US" altLang="zh-TW" dirty="0"/>
+              <a:t>2022/04/08 ~ 2022/04/15</a:t>
+            </a:r>
+            <a:endParaRPr lang="zh-TW" altLang="en-US" dirty="0"/>
+          </a:p>
+        </p:txBody>
+      </p:sp>
+      <p:sp>
+        <p:nvSpPr>
+          <p:cNvPr id="4" name="投影片編號版面配置區 3">
+            <a:extLst>
+              <a:ext uri="{FF2B5EF4-FFF2-40B4-BE49-F238E27FC236}">
+                <a16:creationId xmlns:a16="http://schemas.microsoft.com/office/drawing/2014/main" id="{BBD911C3-99AB-4F79-825D-E9C61926F4CB}"/>
+              </a:ext>
+            </a:extLst>
+          </p:cNvPr>
+          <p:cNvSpPr>
+            <a:spLocks noGrp="1"/>
+          </p:cNvSpPr>
+          <p:nvPr>
+            <p:ph type="sldNum" sz="quarter" idx="12"/>
+          </p:nvPr>
+        </p:nvSpPr>
+        <p:spPr/>
+        <p:txBody>
+          <a:bodyPr/>
+          <a:lstStyle/>
+          <a:p>
+            <a:fld id="{90F9E983-480B-48C5-9E0F-D21C0DFBB5C0}" type="slidenum">
+              <a:rPr lang="zh-TW" altLang="en-US" smtClean="0"/>
+              <a:t>16</a:t>
+            </a:fld>
+            <a:endParaRPr lang="zh-TW" altLang="en-US"/>
+          </a:p>
+        </p:txBody>
+      </p:sp>
+    </p:spTree>
+    <p:extLst>
+      <p:ext uri="{BB962C8B-B14F-4D97-AF65-F5344CB8AC3E}">
+        <p14:creationId xmlns:p14="http://schemas.microsoft.com/office/powerpoint/2010/main" val="3810573088"/>
+      </p:ext>
+    </p:extLst>
+  </p:cSld>
+  <p:clrMapOvr>
+    <a:masterClrMapping/>
+  </p:clrMapOvr>
+</p:sld>
+</file>
+
+<file path=ppt/slides/slide17.xml><?xml version="1.0" encoding="utf-8"?>
+<p:sld xmlns:a="http://schemas.openxmlformats.org/drawingml/2006/main" xmlns:r="http://schemas.openxmlformats.org/officeDocument/2006/relationships" xmlns:p="http://schemas.openxmlformats.org/presentationml/2006/main">
+  <p:cSld>
+    <p:spTree>
+      <p:nvGrpSpPr>
+        <p:cNvPr id="1" name=""/>
+        <p:cNvGrpSpPr/>
+        <p:nvPr/>
+      </p:nvGrpSpPr>
+      <p:grpSpPr>
+        <a:xfrm>
+          <a:off x="0" y="0"/>
+          <a:ext cx="0" cy="0"/>
+          <a:chOff x="0" y="0"/>
+          <a:chExt cx="0" cy="0"/>
+        </a:xfrm>
+      </p:grpSpPr>
+      <p:sp>
+        <p:nvSpPr>
+          <p:cNvPr id="3" name="標題 2">
+            <a:extLst>
+              <a:ext uri="{FF2B5EF4-FFF2-40B4-BE49-F238E27FC236}">
+                <a16:creationId xmlns:a16="http://schemas.microsoft.com/office/drawing/2014/main" id="{EF277299-8610-4660-86B9-EE584C561AB1}"/>
+              </a:ext>
+            </a:extLst>
+          </p:cNvPr>
+          <p:cNvSpPr>
+            <a:spLocks noGrp="1"/>
+          </p:cNvSpPr>
+          <p:nvPr>
+            <p:ph type="title"/>
+          </p:nvPr>
+        </p:nvSpPr>
+        <p:spPr/>
+        <p:txBody>
+          <a:bodyPr/>
+          <a:lstStyle/>
+          <a:p>
+            <a:r>
               <a:rPr lang="en-US" altLang="zh-TW" dirty="0"/>
               <a:t>2022/03/11 ~ 2022/03/18</a:t>
             </a:r>
@@ -5150,7 +6653,7 @@
           <a:p>
             <a:fld id="{90F9E983-480B-48C5-9E0F-D21C0DFBB5C0}" type="slidenum">
               <a:rPr lang="zh-TW" altLang="en-US" smtClean="0"/>
-              <a:t>12</a:t>
+              <a:t>17</a:t>
             </a:fld>
             <a:endParaRPr lang="zh-TW" altLang="en-US"/>
           </a:p>
@@ -5199,7 +6702,7 @@
 </p:sld>
 </file>
 
-<file path=ppt/slides/slide13.xml><?xml version="1.0" encoding="utf-8"?>
+<file path=ppt/slides/slide18.xml><?xml version="1.0" encoding="utf-8"?>
 <p:sld xmlns:a="http://schemas.openxmlformats.org/drawingml/2006/main" xmlns:r="http://schemas.openxmlformats.org/officeDocument/2006/relationships" xmlns:p="http://schemas.openxmlformats.org/presentationml/2006/main">
   <p:cSld>
     <p:spTree>
@@ -5268,7 +6771,7 @@
           <a:p>
             <a:fld id="{90F9E983-480B-48C5-9E0F-D21C0DFBB5C0}" type="slidenum">
               <a:rPr lang="zh-TW" altLang="en-US" smtClean="0"/>
-              <a:t>13</a:t>
+              <a:t>18</a:t>
             </a:fld>
             <a:endParaRPr lang="zh-TW" altLang="en-US"/>
           </a:p>
@@ -5393,7 +6896,7 @@
         <p:spPr>
           <a:xfrm>
             <a:off x="838200" y="1224282"/>
-            <a:ext cx="10515599" cy="2308324"/>
+            <a:ext cx="10515599" cy="3139321"/>
           </a:xfrm>
           <a:prstGeom prst="rect">
             <a:avLst/>
@@ -5404,6 +6907,60 @@
             <a:spAutoFit/>
           </a:bodyPr>
           <a:lstStyle/>
+          <a:p>
+            <a:pPr marL="171450" indent="-171450">
+              <a:buFont typeface="Arial" panose="020B0604020202020204" pitchFamily="34" charset="0"/>
+              <a:buChar char="•"/>
+            </a:pPr>
+            <a:r>
+              <a:rPr lang="en-US" altLang="zh-TW" dirty="0">
+                <a:latin typeface="微軟正黑體" panose="020B0604030504040204" pitchFamily="34" charset="-120"/>
+                <a:ea typeface="微軟正黑體" panose="020B0604030504040204" pitchFamily="34" charset="-120"/>
+              </a:rPr>
+              <a:t>2022/04/15 ~ 2022/04/22</a:t>
+            </a:r>
+          </a:p>
+          <a:p>
+            <a:pPr marL="628650" lvl="1" indent="-171450">
+              <a:buFont typeface="Arial" panose="020B0604020202020204" pitchFamily="34" charset="0"/>
+              <a:buChar char="•"/>
+            </a:pPr>
+            <a:r>
+              <a:rPr lang="zh-TW" altLang="en-US" dirty="0">
+                <a:latin typeface="微軟正黑體" panose="020B0604030504040204" pitchFamily="34" charset="-120"/>
+                <a:ea typeface="微軟正黑體" panose="020B0604030504040204" pitchFamily="34" charset="-120"/>
+              </a:rPr>
+              <a:t>新增</a:t>
+            </a:r>
+            <a:r>
+              <a:rPr lang="en-US" altLang="zh-TW" dirty="0">
+                <a:latin typeface="微軟正黑體" panose="020B0604030504040204" pitchFamily="34" charset="-120"/>
+                <a:ea typeface="微軟正黑體" panose="020B0604030504040204" pitchFamily="34" charset="-120"/>
+              </a:rPr>
+              <a:t>SDK_LED</a:t>
+            </a:r>
+            <a:r>
+              <a:rPr lang="zh-TW" altLang="en-US">
+                <a:latin typeface="微軟正黑體" panose="020B0604030504040204" pitchFamily="34" charset="-120"/>
+                <a:ea typeface="微軟正黑體" panose="020B0604030504040204" pitchFamily="34" charset="-120"/>
+              </a:rPr>
+              <a:t>範例控制</a:t>
+            </a:r>
+            <a:endParaRPr lang="en-US" altLang="zh-TW" dirty="0">
+              <a:latin typeface="微軟正黑體" panose="020B0604030504040204" pitchFamily="34" charset="-120"/>
+              <a:ea typeface="微軟正黑體" panose="020B0604030504040204" pitchFamily="34" charset="-120"/>
+            </a:endParaRPr>
+          </a:p>
+          <a:p>
+            <a:pPr marL="171450" indent="-171450">
+              <a:buFont typeface="Arial" panose="020B0604020202020204" pitchFamily="34" charset="0"/>
+              <a:buChar char="•"/>
+            </a:pPr>
+            <a:endParaRPr lang="en-US" altLang="zh-TW" dirty="0">
+              <a:latin typeface="微軟正黑體" panose="020B0604030504040204" pitchFamily="34" charset="-120"/>
+              <a:ea typeface="微軟正黑體" panose="020B0604030504040204" pitchFamily="34" charset="-120"/>
+            </a:endParaRPr>
+          </a:p>
           <a:p>
             <a:pPr marL="171450" indent="-171450">
               <a:buFont typeface="Arial" panose="020B0604020202020204" pitchFamily="34" charset="0"/>
@@ -6746,6 +8303,584 @@
           <p:cNvPr id="3" name="標題 2">
             <a:extLst>
               <a:ext uri="{FF2B5EF4-FFF2-40B4-BE49-F238E27FC236}">
+                <a16:creationId xmlns:a16="http://schemas.microsoft.com/office/drawing/2014/main" id="{543DA034-FE98-461F-8963-6043262D64A9}"/>
+              </a:ext>
+            </a:extLst>
+          </p:cNvPr>
+          <p:cNvSpPr>
+            <a:spLocks noGrp="1"/>
+          </p:cNvSpPr>
+          <p:nvPr>
+            <p:ph type="title"/>
+          </p:nvPr>
+        </p:nvSpPr>
+        <p:spPr/>
+        <p:txBody>
+          <a:bodyPr/>
+          <a:lstStyle/>
+          <a:p>
+            <a:r>
+              <a:rPr lang="en-US" altLang="zh-TW" dirty="0"/>
+              <a:t>EGO-XZ7 Board Files</a:t>
+            </a:r>
+            <a:endParaRPr lang="zh-TW" altLang="en-US" dirty="0"/>
+          </a:p>
+        </p:txBody>
+      </p:sp>
+      <p:sp>
+        <p:nvSpPr>
+          <p:cNvPr id="4" name="投影片編號版面配置區 3">
+            <a:extLst>
+              <a:ext uri="{FF2B5EF4-FFF2-40B4-BE49-F238E27FC236}">
+                <a16:creationId xmlns:a16="http://schemas.microsoft.com/office/drawing/2014/main" id="{447F0940-3A40-46A2-A4EF-9035AD26F59C}"/>
+              </a:ext>
+            </a:extLst>
+          </p:cNvPr>
+          <p:cNvSpPr>
+            <a:spLocks noGrp="1"/>
+          </p:cNvSpPr>
+          <p:nvPr>
+            <p:ph type="sldNum" sz="quarter" idx="12"/>
+          </p:nvPr>
+        </p:nvSpPr>
+        <p:spPr/>
+        <p:txBody>
+          <a:bodyPr/>
+          <a:lstStyle/>
+          <a:p>
+            <a:fld id="{90F9E983-480B-48C5-9E0F-D21C0DFBB5C0}" type="slidenum">
+              <a:rPr lang="zh-TW" altLang="en-US" smtClean="0"/>
+              <a:t>5</a:t>
+            </a:fld>
+            <a:endParaRPr lang="zh-TW" altLang="en-US"/>
+          </a:p>
+        </p:txBody>
+      </p:sp>
+      <p:pic>
+        <p:nvPicPr>
+          <p:cNvPr id="2" name="圖片 1">
+            <a:extLst>
+              <a:ext uri="{FF2B5EF4-FFF2-40B4-BE49-F238E27FC236}">
+                <a16:creationId xmlns:a16="http://schemas.microsoft.com/office/drawing/2014/main" id="{6A8EB3F5-B83C-44B1-8A84-1359F4463632}"/>
+              </a:ext>
+            </a:extLst>
+          </p:cNvPr>
+          <p:cNvPicPr>
+            <a:picLocks noChangeAspect="1"/>
+          </p:cNvPicPr>
+          <p:nvPr/>
+        </p:nvPicPr>
+        <p:blipFill>
+          <a:blip r:embed="rId2"/>
+          <a:stretch>
+            <a:fillRect/>
+          </a:stretch>
+        </p:blipFill>
+        <p:spPr>
+          <a:xfrm>
+            <a:off x="681870" y="2338359"/>
+            <a:ext cx="2534004" cy="2476846"/>
+          </a:xfrm>
+          <a:prstGeom prst="rect">
+            <a:avLst/>
+          </a:prstGeom>
+        </p:spPr>
+      </p:pic>
+      <p:pic>
+        <p:nvPicPr>
+          <p:cNvPr id="5" name="圖片 4">
+            <a:extLst>
+              <a:ext uri="{FF2B5EF4-FFF2-40B4-BE49-F238E27FC236}">
+                <a16:creationId xmlns:a16="http://schemas.microsoft.com/office/drawing/2014/main" id="{AE7181EF-A7FF-49CE-AD7D-F88BC2C7B672}"/>
+              </a:ext>
+            </a:extLst>
+          </p:cNvPr>
+          <p:cNvPicPr>
+            <a:picLocks noChangeAspect="1"/>
+          </p:cNvPicPr>
+          <p:nvPr/>
+        </p:nvPicPr>
+        <p:blipFill>
+          <a:blip r:embed="rId3"/>
+          <a:stretch>
+            <a:fillRect/>
+          </a:stretch>
+        </p:blipFill>
+        <p:spPr>
+          <a:xfrm>
+            <a:off x="4064326" y="1588655"/>
+            <a:ext cx="2286727" cy="4225326"/>
+          </a:xfrm>
+          <a:prstGeom prst="rect">
+            <a:avLst/>
+          </a:prstGeom>
+        </p:spPr>
+      </p:pic>
+      <p:sp>
+        <p:nvSpPr>
+          <p:cNvPr id="6" name="文字方塊 5">
+            <a:extLst>
+              <a:ext uri="{FF2B5EF4-FFF2-40B4-BE49-F238E27FC236}">
+                <a16:creationId xmlns:a16="http://schemas.microsoft.com/office/drawing/2014/main" id="{BC308F10-6AAE-49BE-B892-6007DBFF2AD6}"/>
+              </a:ext>
+            </a:extLst>
+          </p:cNvPr>
+          <p:cNvSpPr txBox="1"/>
+          <p:nvPr/>
+        </p:nvSpPr>
+        <p:spPr>
+          <a:xfrm>
+            <a:off x="884542" y="1893455"/>
+            <a:ext cx="2128660" cy="369332"/>
+          </a:xfrm>
+          <a:prstGeom prst="rect">
+            <a:avLst/>
+          </a:prstGeom>
+          <a:noFill/>
+        </p:spPr>
+        <p:txBody>
+          <a:bodyPr wrap="none" rtlCol="0">
+            <a:spAutoFit/>
+          </a:bodyPr>
+          <a:lstStyle/>
+          <a:p>
+            <a:r>
+              <a:rPr lang="en-US" altLang="zh-TW" dirty="0"/>
+              <a:t>EGO-XZ7</a:t>
+            </a:r>
+            <a:r>
+              <a:rPr lang="zh-TW" altLang="en-US" dirty="0"/>
+              <a:t> </a:t>
+            </a:r>
+            <a:r>
+              <a:rPr lang="en-US" altLang="zh-TW" dirty="0"/>
+              <a:t>DATASHEET</a:t>
+            </a:r>
+            <a:endParaRPr lang="zh-TW" altLang="en-US" dirty="0"/>
+          </a:p>
+        </p:txBody>
+      </p:sp>
+      <p:sp>
+        <p:nvSpPr>
+          <p:cNvPr id="7" name="文字方塊 6">
+            <a:extLst>
+              <a:ext uri="{FF2B5EF4-FFF2-40B4-BE49-F238E27FC236}">
+                <a16:creationId xmlns:a16="http://schemas.microsoft.com/office/drawing/2014/main" id="{5DD05831-8176-4F3C-A28B-B514358C1AFA}"/>
+              </a:ext>
+            </a:extLst>
+          </p:cNvPr>
+          <p:cNvSpPr txBox="1"/>
+          <p:nvPr/>
+        </p:nvSpPr>
+        <p:spPr>
+          <a:xfrm>
+            <a:off x="3607026" y="1198406"/>
+            <a:ext cx="3201326" cy="369332"/>
+          </a:xfrm>
+          <a:prstGeom prst="rect">
+            <a:avLst/>
+          </a:prstGeom>
+          <a:noFill/>
+        </p:spPr>
+        <p:txBody>
+          <a:bodyPr wrap="none" rtlCol="0">
+            <a:spAutoFit/>
+          </a:bodyPr>
+          <a:lstStyle/>
+          <a:p>
+            <a:r>
+              <a:rPr lang="en-US" altLang="zh-TW" dirty="0" err="1"/>
+              <a:t>Vivado</a:t>
+            </a:r>
+            <a:r>
+              <a:rPr lang="en-US" altLang="zh-TW" dirty="0"/>
+              <a:t>/data/boards/</a:t>
+            </a:r>
+            <a:r>
+              <a:rPr lang="en-US" altLang="zh-TW" dirty="0" err="1"/>
+              <a:t>board_files</a:t>
+            </a:r>
+            <a:endParaRPr lang="zh-TW" altLang="en-US" dirty="0"/>
+          </a:p>
+        </p:txBody>
+      </p:sp>
+      <p:sp>
+        <p:nvSpPr>
+          <p:cNvPr id="8" name="矩形 7">
+            <a:extLst>
+              <a:ext uri="{FF2B5EF4-FFF2-40B4-BE49-F238E27FC236}">
+                <a16:creationId xmlns:a16="http://schemas.microsoft.com/office/drawing/2014/main" id="{8FB7A666-F7EA-4509-9E66-762A4C43135B}"/>
+              </a:ext>
+            </a:extLst>
+          </p:cNvPr>
+          <p:cNvSpPr/>
+          <p:nvPr/>
+        </p:nvSpPr>
+        <p:spPr>
+          <a:xfrm>
+            <a:off x="884542" y="2447635"/>
+            <a:ext cx="796475" cy="260055"/>
+          </a:xfrm>
+          <a:prstGeom prst="rect">
+            <a:avLst/>
+          </a:prstGeom>
+          <a:noFill/>
+          <a:ln w="38100">
+            <a:solidFill>
+              <a:srgbClr val="FF0000"/>
+            </a:solidFill>
+          </a:ln>
+        </p:spPr>
+        <p:style>
+          <a:lnRef idx="2">
+            <a:schemeClr val="accent1">
+              <a:shade val="50000"/>
+            </a:schemeClr>
+          </a:lnRef>
+          <a:fillRef idx="1">
+            <a:schemeClr val="accent1"/>
+          </a:fillRef>
+          <a:effectRef idx="0">
+            <a:schemeClr val="accent1"/>
+          </a:effectRef>
+          <a:fontRef idx="minor">
+            <a:schemeClr val="lt1"/>
+          </a:fontRef>
+        </p:style>
+        <p:txBody>
+          <a:bodyPr rtlCol="0" anchor="ctr"/>
+          <a:lstStyle/>
+          <a:p>
+            <a:pPr algn="ctr"/>
+            <a:endParaRPr lang="zh-TW" altLang="en-US"/>
+          </a:p>
+        </p:txBody>
+      </p:sp>
+      <p:sp>
+        <p:nvSpPr>
+          <p:cNvPr id="9" name="矩形 8">
+            <a:extLst>
+              <a:ext uri="{FF2B5EF4-FFF2-40B4-BE49-F238E27FC236}">
+                <a16:creationId xmlns:a16="http://schemas.microsoft.com/office/drawing/2014/main" id="{0867F6F6-681E-4CC2-9516-21162C943EAD}"/>
+              </a:ext>
+            </a:extLst>
+          </p:cNvPr>
+          <p:cNvSpPr/>
+          <p:nvPr/>
+        </p:nvSpPr>
+        <p:spPr>
+          <a:xfrm>
+            <a:off x="4266998" y="2798618"/>
+            <a:ext cx="796475" cy="175181"/>
+          </a:xfrm>
+          <a:prstGeom prst="rect">
+            <a:avLst/>
+          </a:prstGeom>
+          <a:noFill/>
+          <a:ln w="38100">
+            <a:solidFill>
+              <a:srgbClr val="FF0000"/>
+            </a:solidFill>
+          </a:ln>
+        </p:spPr>
+        <p:style>
+          <a:lnRef idx="2">
+            <a:schemeClr val="accent1">
+              <a:shade val="50000"/>
+            </a:schemeClr>
+          </a:lnRef>
+          <a:fillRef idx="1">
+            <a:schemeClr val="accent1"/>
+          </a:fillRef>
+          <a:effectRef idx="0">
+            <a:schemeClr val="accent1"/>
+          </a:effectRef>
+          <a:fontRef idx="minor">
+            <a:schemeClr val="lt1"/>
+          </a:fontRef>
+        </p:style>
+        <p:txBody>
+          <a:bodyPr rtlCol="0" anchor="ctr"/>
+          <a:lstStyle/>
+          <a:p>
+            <a:pPr algn="ctr"/>
+            <a:endParaRPr lang="zh-TW" altLang="en-US"/>
+          </a:p>
+        </p:txBody>
+      </p:sp>
+      <p:cxnSp>
+        <p:nvCxnSpPr>
+          <p:cNvPr id="11" name="直線單箭頭接點 10">
+            <a:extLst>
+              <a:ext uri="{FF2B5EF4-FFF2-40B4-BE49-F238E27FC236}">
+                <a16:creationId xmlns:a16="http://schemas.microsoft.com/office/drawing/2014/main" id="{7A385749-F4B3-4262-ACE5-01F18A3ECEED}"/>
+              </a:ext>
+            </a:extLst>
+          </p:cNvPr>
+          <p:cNvCxnSpPr>
+            <a:cxnSpLocks/>
+          </p:cNvCxnSpPr>
+          <p:nvPr/>
+        </p:nvCxnSpPr>
+        <p:spPr>
+          <a:xfrm>
+            <a:off x="2752436" y="2595418"/>
+            <a:ext cx="1431637" cy="290790"/>
+          </a:xfrm>
+          <a:prstGeom prst="straightConnector1">
+            <a:avLst/>
+          </a:prstGeom>
+          <a:ln w="57150">
+            <a:solidFill>
+              <a:srgbClr val="FF0000"/>
+            </a:solidFill>
+            <a:tailEnd type="triangle"/>
+          </a:ln>
+        </p:spPr>
+        <p:style>
+          <a:lnRef idx="1">
+            <a:schemeClr val="accent1"/>
+          </a:lnRef>
+          <a:fillRef idx="0">
+            <a:schemeClr val="accent1"/>
+          </a:fillRef>
+          <a:effectRef idx="0">
+            <a:schemeClr val="accent1"/>
+          </a:effectRef>
+          <a:fontRef idx="minor">
+            <a:schemeClr val="tx1"/>
+          </a:fontRef>
+        </p:style>
+      </p:cxnSp>
+      <p:sp>
+        <p:nvSpPr>
+          <p:cNvPr id="12" name="文字方塊 11">
+            <a:extLst>
+              <a:ext uri="{FF2B5EF4-FFF2-40B4-BE49-F238E27FC236}">
+                <a16:creationId xmlns:a16="http://schemas.microsoft.com/office/drawing/2014/main" id="{0722DCB2-8BA7-472D-9A9C-B7002A12AAF5}"/>
+              </a:ext>
+            </a:extLst>
+          </p:cNvPr>
+          <p:cNvSpPr txBox="1"/>
+          <p:nvPr/>
+        </p:nvSpPr>
+        <p:spPr>
+          <a:xfrm>
+            <a:off x="3215874" y="2338358"/>
+            <a:ext cx="627223" cy="369332"/>
+          </a:xfrm>
+          <a:prstGeom prst="rect">
+            <a:avLst/>
+          </a:prstGeom>
+          <a:noFill/>
+        </p:spPr>
+        <p:txBody>
+          <a:bodyPr wrap="none" rtlCol="0">
+            <a:spAutoFit/>
+          </a:bodyPr>
+          <a:lstStyle/>
+          <a:p>
+            <a:r>
+              <a:rPr lang="en-US" altLang="zh-TW" dirty="0">
+                <a:solidFill>
+                  <a:srgbClr val="FF0000"/>
+                </a:solidFill>
+              </a:rPr>
+              <a:t>copy</a:t>
+            </a:r>
+            <a:endParaRPr lang="zh-TW" altLang="en-US" dirty="0">
+              <a:solidFill>
+                <a:srgbClr val="FF0000"/>
+              </a:solidFill>
+            </a:endParaRPr>
+          </a:p>
+        </p:txBody>
+      </p:sp>
+      <p:pic>
+        <p:nvPicPr>
+          <p:cNvPr id="14" name="圖片 13">
+            <a:extLst>
+              <a:ext uri="{FF2B5EF4-FFF2-40B4-BE49-F238E27FC236}">
+                <a16:creationId xmlns:a16="http://schemas.microsoft.com/office/drawing/2014/main" id="{D3C7775E-D1E9-4FDC-85A4-CFF5C8E2CC9B}"/>
+              </a:ext>
+            </a:extLst>
+          </p:cNvPr>
+          <p:cNvPicPr>
+            <a:picLocks noChangeAspect="1"/>
+          </p:cNvPicPr>
+          <p:nvPr/>
+        </p:nvPicPr>
+        <p:blipFill>
+          <a:blip r:embed="rId4"/>
+          <a:stretch>
+            <a:fillRect/>
+          </a:stretch>
+        </p:blipFill>
+        <p:spPr>
+          <a:xfrm>
+            <a:off x="6808352" y="1775393"/>
+            <a:ext cx="4941756" cy="3884201"/>
+          </a:xfrm>
+          <a:prstGeom prst="rect">
+            <a:avLst/>
+          </a:prstGeom>
+        </p:spPr>
+      </p:pic>
+      <p:sp>
+        <p:nvSpPr>
+          <p:cNvPr id="15" name="矩形 14">
+            <a:extLst>
+              <a:ext uri="{FF2B5EF4-FFF2-40B4-BE49-F238E27FC236}">
+                <a16:creationId xmlns:a16="http://schemas.microsoft.com/office/drawing/2014/main" id="{5D48915D-542E-4283-87DC-F053EF1EC5CA}"/>
+              </a:ext>
+            </a:extLst>
+          </p:cNvPr>
+          <p:cNvSpPr/>
+          <p:nvPr/>
+        </p:nvSpPr>
+        <p:spPr>
+          <a:xfrm>
+            <a:off x="6885507" y="3800763"/>
+            <a:ext cx="4624623" cy="346364"/>
+          </a:xfrm>
+          <a:prstGeom prst="rect">
+            <a:avLst/>
+          </a:prstGeom>
+          <a:noFill/>
+          <a:ln w="38100">
+            <a:solidFill>
+              <a:srgbClr val="FF0000"/>
+            </a:solidFill>
+          </a:ln>
+        </p:spPr>
+        <p:style>
+          <a:lnRef idx="2">
+            <a:schemeClr val="accent1">
+              <a:shade val="50000"/>
+            </a:schemeClr>
+          </a:lnRef>
+          <a:fillRef idx="1">
+            <a:schemeClr val="accent1"/>
+          </a:fillRef>
+          <a:effectRef idx="0">
+            <a:schemeClr val="accent1"/>
+          </a:effectRef>
+          <a:fontRef idx="minor">
+            <a:schemeClr val="lt1"/>
+          </a:fontRef>
+        </p:style>
+        <p:txBody>
+          <a:bodyPr rtlCol="0" anchor="ctr"/>
+          <a:lstStyle/>
+          <a:p>
+            <a:pPr algn="ctr"/>
+            <a:endParaRPr lang="zh-TW" altLang="en-US"/>
+          </a:p>
+        </p:txBody>
+      </p:sp>
+      <p:sp>
+        <p:nvSpPr>
+          <p:cNvPr id="16" name="文字方塊 15">
+            <a:extLst>
+              <a:ext uri="{FF2B5EF4-FFF2-40B4-BE49-F238E27FC236}">
+                <a16:creationId xmlns:a16="http://schemas.microsoft.com/office/drawing/2014/main" id="{CAF9D40C-E738-4265-AEA2-B377CD6B8DC8}"/>
+              </a:ext>
+            </a:extLst>
+          </p:cNvPr>
+          <p:cNvSpPr txBox="1"/>
+          <p:nvPr/>
+        </p:nvSpPr>
+        <p:spPr>
+          <a:xfrm>
+            <a:off x="7640092" y="3429000"/>
+            <a:ext cx="2083199" cy="369332"/>
+          </a:xfrm>
+          <a:prstGeom prst="rect">
+            <a:avLst/>
+          </a:prstGeom>
+          <a:noFill/>
+        </p:spPr>
+        <p:txBody>
+          <a:bodyPr wrap="none" rtlCol="0">
+            <a:spAutoFit/>
+          </a:bodyPr>
+          <a:lstStyle/>
+          <a:p>
+            <a:r>
+              <a:rPr lang="zh-TW" altLang="en-US" dirty="0">
+                <a:solidFill>
+                  <a:srgbClr val="FF0000"/>
+                </a:solidFill>
+              </a:rPr>
+              <a:t>選擇</a:t>
+            </a:r>
+            <a:r>
+              <a:rPr lang="en-US" altLang="zh-TW" dirty="0">
+                <a:solidFill>
+                  <a:srgbClr val="FF0000"/>
+                </a:solidFill>
+              </a:rPr>
+              <a:t>EGO-EX7</a:t>
+            </a:r>
+            <a:r>
+              <a:rPr lang="zh-TW" altLang="en-US" dirty="0">
+                <a:solidFill>
+                  <a:srgbClr val="FF0000"/>
+                </a:solidFill>
+              </a:rPr>
+              <a:t> </a:t>
+            </a:r>
+            <a:r>
+              <a:rPr lang="en-US" altLang="zh-TW" dirty="0">
+                <a:solidFill>
+                  <a:srgbClr val="FF0000"/>
+                </a:solidFill>
+              </a:rPr>
+              <a:t>Board</a:t>
+            </a:r>
+            <a:endParaRPr lang="zh-TW" altLang="en-US" dirty="0">
+              <a:solidFill>
+                <a:srgbClr val="FF0000"/>
+              </a:solidFill>
+            </a:endParaRPr>
+          </a:p>
+        </p:txBody>
+      </p:sp>
+    </p:spTree>
+    <p:extLst>
+      <p:ext uri="{BB962C8B-B14F-4D97-AF65-F5344CB8AC3E}">
+        <p14:creationId xmlns:p14="http://schemas.microsoft.com/office/powerpoint/2010/main" val="3651422143"/>
+      </p:ext>
+    </p:extLst>
+  </p:cSld>
+  <p:clrMapOvr>
+    <a:masterClrMapping/>
+  </p:clrMapOvr>
+</p:sld>
+</file>
+
+<file path=ppt/slides/slide6.xml><?xml version="1.0" encoding="utf-8"?>
+<p:sld xmlns:a="http://schemas.openxmlformats.org/drawingml/2006/main" xmlns:r="http://schemas.openxmlformats.org/officeDocument/2006/relationships" xmlns:p="http://schemas.openxmlformats.org/presentationml/2006/main">
+  <p:cSld>
+    <p:spTree>
+      <p:nvGrpSpPr>
+        <p:cNvPr id="1" name=""/>
+        <p:cNvGrpSpPr/>
+        <p:nvPr/>
+      </p:nvGrpSpPr>
+      <p:grpSpPr>
+        <a:xfrm>
+          <a:off x="0" y="0"/>
+          <a:ext cx="0" cy="0"/>
+          <a:chOff x="0" y="0"/>
+          <a:chExt cx="0" cy="0"/>
+        </a:xfrm>
+      </p:grpSpPr>
+      <p:sp>
+        <p:nvSpPr>
+          <p:cNvPr id="3" name="標題 2">
+            <a:extLst>
+              <a:ext uri="{FF2B5EF4-FFF2-40B4-BE49-F238E27FC236}">
                 <a16:creationId xmlns:a16="http://schemas.microsoft.com/office/drawing/2014/main" id="{EF277299-8610-4660-86B9-EE584C561AB1}"/>
               </a:ext>
             </a:extLst>
@@ -6763,8 +8898,12 @@
           <a:lstStyle/>
           <a:p>
             <a:r>
+              <a:rPr lang="en-US" altLang="zh-TW" dirty="0"/>
+              <a:t>SDK_LED</a:t>
+            </a:r>
+            <a:r>
               <a:rPr lang="zh-TW" altLang="en-US" dirty="0"/>
-              <a:t>架構圖</a:t>
+              <a:t> 範例</a:t>
             </a:r>
           </a:p>
         </p:txBody>
@@ -6792,7 +8931,921 @@
           <a:p>
             <a:fld id="{90F9E983-480B-48C5-9E0F-D21C0DFBB5C0}" type="slidenum">
               <a:rPr lang="zh-TW" altLang="en-US" smtClean="0"/>
-              <a:t>5</a:t>
+              <a:t>6</a:t>
+            </a:fld>
+            <a:endParaRPr lang="zh-TW" altLang="en-US"/>
+          </a:p>
+        </p:txBody>
+      </p:sp>
+      <p:pic>
+        <p:nvPicPr>
+          <p:cNvPr id="5" name="圖片 4">
+            <a:extLst>
+              <a:ext uri="{FF2B5EF4-FFF2-40B4-BE49-F238E27FC236}">
+                <a16:creationId xmlns:a16="http://schemas.microsoft.com/office/drawing/2014/main" id="{F8941EA3-CF2F-4573-8E90-6FB9755B194B}"/>
+              </a:ext>
+            </a:extLst>
+          </p:cNvPr>
+          <p:cNvPicPr>
+            <a:picLocks noChangeAspect="1"/>
+          </p:cNvPicPr>
+          <p:nvPr/>
+        </p:nvPicPr>
+        <p:blipFill>
+          <a:blip r:embed="rId3"/>
+          <a:stretch>
+            <a:fillRect/>
+          </a:stretch>
+        </p:blipFill>
+        <p:spPr>
+          <a:xfrm>
+            <a:off x="1140928" y="1953477"/>
+            <a:ext cx="9910143" cy="4287197"/>
+          </a:xfrm>
+          <a:prstGeom prst="rect">
+            <a:avLst/>
+          </a:prstGeom>
+        </p:spPr>
+      </p:pic>
+      <p:sp>
+        <p:nvSpPr>
+          <p:cNvPr id="6" name="文字方塊 5">
+            <a:extLst>
+              <a:ext uri="{FF2B5EF4-FFF2-40B4-BE49-F238E27FC236}">
+                <a16:creationId xmlns:a16="http://schemas.microsoft.com/office/drawing/2014/main" id="{6BB8EDF9-FC61-4D97-9C89-13E4D96C1342}"/>
+              </a:ext>
+            </a:extLst>
+          </p:cNvPr>
+          <p:cNvSpPr txBox="1"/>
+          <p:nvPr/>
+        </p:nvSpPr>
+        <p:spPr>
+          <a:xfrm>
+            <a:off x="838198" y="1190191"/>
+            <a:ext cx="5257802" cy="276999"/>
+          </a:xfrm>
+          <a:prstGeom prst="rect">
+            <a:avLst/>
+          </a:prstGeom>
+          <a:noFill/>
+        </p:spPr>
+        <p:txBody>
+          <a:bodyPr wrap="square">
+            <a:spAutoFit/>
+          </a:bodyPr>
+          <a:lstStyle/>
+          <a:p>
+            <a:pPr marL="285750" indent="-285750">
+              <a:buFont typeface="Wingdings" panose="05000000000000000000" pitchFamily="2" charset="2"/>
+              <a:buChar char="n"/>
+            </a:pPr>
+            <a:r>
+              <a:rPr lang="en-US" altLang="zh-TW" sz="1200" dirty="0">
+                <a:latin typeface="微軟正黑體" panose="020B0604030504040204" pitchFamily="34" charset="-120"/>
+                <a:ea typeface="微軟正黑體" panose="020B0604030504040204" pitchFamily="34" charset="-120"/>
+              </a:rPr>
+              <a:t>SDK_LED </a:t>
+            </a:r>
+            <a:r>
+              <a:rPr lang="zh-TW" altLang="en-US" sz="1200" dirty="0">
+                <a:latin typeface="微軟正黑體" panose="020B0604030504040204" pitchFamily="34" charset="-120"/>
+                <a:ea typeface="微軟正黑體" panose="020B0604030504040204" pitchFamily="34" charset="-120"/>
+              </a:rPr>
+              <a:t>範例</a:t>
+            </a:r>
+            <a:endParaRPr lang="en-US" altLang="zh-TW" sz="1200" dirty="0">
+              <a:latin typeface="微軟正黑體" panose="020B0604030504040204" pitchFamily="34" charset="-120"/>
+              <a:ea typeface="微軟正黑體" panose="020B0604030504040204" pitchFamily="34" charset="-120"/>
+            </a:endParaRPr>
+          </a:p>
+        </p:txBody>
+      </p:sp>
+      <p:pic>
+        <p:nvPicPr>
+          <p:cNvPr id="7" name="圖片 6">
+            <a:extLst>
+              <a:ext uri="{FF2B5EF4-FFF2-40B4-BE49-F238E27FC236}">
+                <a16:creationId xmlns:a16="http://schemas.microsoft.com/office/drawing/2014/main" id="{F003CF44-3385-4CD5-BC5D-68DB5C46E066}"/>
+              </a:ext>
+            </a:extLst>
+          </p:cNvPr>
+          <p:cNvPicPr>
+            <a:picLocks noChangeAspect="1"/>
+          </p:cNvPicPr>
+          <p:nvPr/>
+        </p:nvPicPr>
+        <p:blipFill>
+          <a:blip r:embed="rId4"/>
+          <a:stretch>
+            <a:fillRect/>
+          </a:stretch>
+        </p:blipFill>
+        <p:spPr>
+          <a:xfrm>
+            <a:off x="5600280" y="1632573"/>
+            <a:ext cx="6020640" cy="1743318"/>
+          </a:xfrm>
+          <a:prstGeom prst="rect">
+            <a:avLst/>
+          </a:prstGeom>
+        </p:spPr>
+      </p:pic>
+      <p:sp>
+        <p:nvSpPr>
+          <p:cNvPr id="8" name="文字方塊 7">
+            <a:extLst>
+              <a:ext uri="{FF2B5EF4-FFF2-40B4-BE49-F238E27FC236}">
+                <a16:creationId xmlns:a16="http://schemas.microsoft.com/office/drawing/2014/main" id="{A2A319B5-8336-4B7E-8F80-8D400E1179BA}"/>
+              </a:ext>
+            </a:extLst>
+          </p:cNvPr>
+          <p:cNvSpPr txBox="1"/>
+          <p:nvPr/>
+        </p:nvSpPr>
+        <p:spPr>
+          <a:xfrm>
+            <a:off x="6211254" y="3242136"/>
+            <a:ext cx="2633926" cy="369332"/>
+          </a:xfrm>
+          <a:prstGeom prst="rect">
+            <a:avLst/>
+          </a:prstGeom>
+          <a:noFill/>
+        </p:spPr>
+        <p:txBody>
+          <a:bodyPr wrap="none" rtlCol="0">
+            <a:spAutoFit/>
+          </a:bodyPr>
+          <a:lstStyle/>
+          <a:p>
+            <a:r>
+              <a:rPr lang="en-US" altLang="zh-TW" dirty="0">
+                <a:solidFill>
+                  <a:srgbClr val="FF0000"/>
+                </a:solidFill>
+              </a:rPr>
+              <a:t>AXI GPIO</a:t>
+            </a:r>
+            <a:r>
+              <a:rPr lang="zh-TW" altLang="en-US" dirty="0">
+                <a:solidFill>
+                  <a:srgbClr val="FF0000"/>
+                </a:solidFill>
+              </a:rPr>
+              <a:t> </a:t>
+            </a:r>
+            <a:r>
+              <a:rPr lang="en-US" altLang="zh-TW" dirty="0">
+                <a:solidFill>
+                  <a:srgbClr val="FF0000"/>
+                </a:solidFill>
+              </a:rPr>
+              <a:t>-</a:t>
+            </a:r>
+            <a:r>
+              <a:rPr lang="zh-TW" altLang="en-US" dirty="0">
+                <a:solidFill>
+                  <a:srgbClr val="FF0000"/>
+                </a:solidFill>
+              </a:rPr>
+              <a:t> </a:t>
+            </a:r>
+            <a:r>
+              <a:rPr lang="en-US" altLang="zh-TW" dirty="0">
+                <a:solidFill>
+                  <a:srgbClr val="FF0000"/>
+                </a:solidFill>
+              </a:rPr>
+              <a:t>Address Range </a:t>
+            </a:r>
+            <a:endParaRPr lang="zh-TW" altLang="en-US" dirty="0">
+              <a:solidFill>
+                <a:srgbClr val="FF0000"/>
+              </a:solidFill>
+            </a:endParaRPr>
+          </a:p>
+        </p:txBody>
+      </p:sp>
+      <p:sp>
+        <p:nvSpPr>
+          <p:cNvPr id="10" name="矩形 9">
+            <a:extLst>
+              <a:ext uri="{FF2B5EF4-FFF2-40B4-BE49-F238E27FC236}">
+                <a16:creationId xmlns:a16="http://schemas.microsoft.com/office/drawing/2014/main" id="{ECF1171E-0159-47CC-9F21-20AABE391AB9}"/>
+              </a:ext>
+            </a:extLst>
+          </p:cNvPr>
+          <p:cNvSpPr/>
+          <p:nvPr/>
+        </p:nvSpPr>
+        <p:spPr>
+          <a:xfrm>
+            <a:off x="6095999" y="2984263"/>
+            <a:ext cx="5135419" cy="257873"/>
+          </a:xfrm>
+          <a:prstGeom prst="rect">
+            <a:avLst/>
+          </a:prstGeom>
+          <a:noFill/>
+          <a:ln w="38100">
+            <a:solidFill>
+              <a:srgbClr val="FF0000"/>
+            </a:solidFill>
+          </a:ln>
+        </p:spPr>
+        <p:style>
+          <a:lnRef idx="2">
+            <a:schemeClr val="accent1">
+              <a:shade val="50000"/>
+            </a:schemeClr>
+          </a:lnRef>
+          <a:fillRef idx="1">
+            <a:schemeClr val="accent1"/>
+          </a:fillRef>
+          <a:effectRef idx="0">
+            <a:schemeClr val="accent1"/>
+          </a:effectRef>
+          <a:fontRef idx="minor">
+            <a:schemeClr val="lt1"/>
+          </a:fontRef>
+        </p:style>
+        <p:txBody>
+          <a:bodyPr rtlCol="0" anchor="ctr"/>
+          <a:lstStyle/>
+          <a:p>
+            <a:pPr algn="ctr"/>
+            <a:endParaRPr lang="zh-TW" altLang="en-US"/>
+          </a:p>
+        </p:txBody>
+      </p:sp>
+      <p:sp>
+        <p:nvSpPr>
+          <p:cNvPr id="4" name="矩形 3">
+            <a:extLst>
+              <a:ext uri="{FF2B5EF4-FFF2-40B4-BE49-F238E27FC236}">
+                <a16:creationId xmlns:a16="http://schemas.microsoft.com/office/drawing/2014/main" id="{4D24A2B0-FA77-42BF-BFA7-A0D17EC6FF0F}"/>
+              </a:ext>
+            </a:extLst>
+          </p:cNvPr>
+          <p:cNvSpPr/>
+          <p:nvPr/>
+        </p:nvSpPr>
+        <p:spPr>
+          <a:xfrm>
+            <a:off x="268434" y="6376912"/>
+            <a:ext cx="7600947" cy="369332"/>
+          </a:xfrm>
+          <a:prstGeom prst="rect">
+            <a:avLst/>
+          </a:prstGeom>
+        </p:spPr>
+        <p:txBody>
+          <a:bodyPr wrap="square">
+            <a:spAutoFit/>
+          </a:bodyPr>
+          <a:lstStyle/>
+          <a:p>
+            <a:r>
+              <a:rPr lang="en-US" altLang="zh-TW" dirty="0">
+                <a:hlinkClick r:id="rId5"/>
+              </a:rPr>
+              <a:t>ANAN030/</a:t>
+            </a:r>
+            <a:r>
+              <a:rPr lang="en-US" altLang="zh-TW" dirty="0" err="1">
+                <a:hlinkClick r:id="rId5"/>
+              </a:rPr>
+              <a:t>Vivado_Basic</a:t>
+            </a:r>
+            <a:r>
+              <a:rPr lang="en-US" altLang="zh-TW" dirty="0">
+                <a:hlinkClick r:id="rId5"/>
+              </a:rPr>
+              <a:t>: </a:t>
+            </a:r>
+            <a:r>
+              <a:rPr lang="en-US" altLang="zh-TW" dirty="0" err="1">
+                <a:hlinkClick r:id="rId5"/>
+              </a:rPr>
+              <a:t>Vivado</a:t>
+            </a:r>
+            <a:r>
+              <a:rPr lang="en-US" altLang="zh-TW" dirty="0">
+                <a:hlinkClick r:id="rId5"/>
+              </a:rPr>
+              <a:t> </a:t>
+            </a:r>
+            <a:r>
+              <a:rPr lang="zh-TW" altLang="en-US" dirty="0">
+                <a:hlinkClick r:id="rId5"/>
+              </a:rPr>
+              <a:t>和 </a:t>
+            </a:r>
+            <a:r>
+              <a:rPr lang="en-US" altLang="zh-TW" dirty="0">
+                <a:hlinkClick r:id="rId5"/>
+              </a:rPr>
+              <a:t>Xilinx SDK </a:t>
+            </a:r>
+            <a:r>
+              <a:rPr lang="zh-TW" altLang="en-US" dirty="0">
+                <a:hlinkClick r:id="rId5"/>
+              </a:rPr>
+              <a:t>基本操作 </a:t>
+            </a:r>
+            <a:r>
+              <a:rPr lang="en-US" altLang="zh-TW" dirty="0">
+                <a:hlinkClick r:id="rId5"/>
+              </a:rPr>
+              <a:t>(github.com)</a:t>
+            </a:r>
+            <a:endParaRPr lang="zh-TW" altLang="en-US" dirty="0"/>
+          </a:p>
+        </p:txBody>
+      </p:sp>
+    </p:spTree>
+    <p:extLst>
+      <p:ext uri="{BB962C8B-B14F-4D97-AF65-F5344CB8AC3E}">
+        <p14:creationId xmlns:p14="http://schemas.microsoft.com/office/powerpoint/2010/main" val="916392043"/>
+      </p:ext>
+    </p:extLst>
+  </p:cSld>
+  <p:clrMapOvr>
+    <a:masterClrMapping/>
+  </p:clrMapOvr>
+</p:sld>
+</file>
+
+<file path=ppt/slides/slide7.xml><?xml version="1.0" encoding="utf-8"?>
+<p:sld xmlns:a="http://schemas.openxmlformats.org/drawingml/2006/main" xmlns:r="http://schemas.openxmlformats.org/officeDocument/2006/relationships" xmlns:p="http://schemas.openxmlformats.org/presentationml/2006/main">
+  <p:cSld>
+    <p:spTree>
+      <p:nvGrpSpPr>
+        <p:cNvPr id="1" name=""/>
+        <p:cNvGrpSpPr/>
+        <p:nvPr/>
+      </p:nvGrpSpPr>
+      <p:grpSpPr>
+        <a:xfrm>
+          <a:off x="0" y="0"/>
+          <a:ext cx="0" cy="0"/>
+          <a:chOff x="0" y="0"/>
+          <a:chExt cx="0" cy="0"/>
+        </a:xfrm>
+      </p:grpSpPr>
+      <p:sp>
+        <p:nvSpPr>
+          <p:cNvPr id="3" name="標題 2">
+            <a:extLst>
+              <a:ext uri="{FF2B5EF4-FFF2-40B4-BE49-F238E27FC236}">
+                <a16:creationId xmlns:a16="http://schemas.microsoft.com/office/drawing/2014/main" id="{543DA034-FE98-461F-8963-6043262D64A9}"/>
+              </a:ext>
+            </a:extLst>
+          </p:cNvPr>
+          <p:cNvSpPr>
+            <a:spLocks noGrp="1"/>
+          </p:cNvSpPr>
+          <p:nvPr>
+            <p:ph type="title"/>
+          </p:nvPr>
+        </p:nvSpPr>
+        <p:spPr/>
+        <p:txBody>
+          <a:bodyPr/>
+          <a:lstStyle/>
+          <a:p>
+            <a:r>
+              <a:rPr lang="en-US" altLang="zh-TW" dirty="0"/>
+              <a:t>SDK </a:t>
+            </a:r>
+            <a:r>
+              <a:rPr lang="en-US" altLang="zh-TW" dirty="0" err="1"/>
+              <a:t>main.c</a:t>
+            </a:r>
+            <a:endParaRPr lang="zh-TW" altLang="en-US" dirty="0"/>
+          </a:p>
+        </p:txBody>
+      </p:sp>
+      <p:sp>
+        <p:nvSpPr>
+          <p:cNvPr id="4" name="投影片編號版面配置區 3">
+            <a:extLst>
+              <a:ext uri="{FF2B5EF4-FFF2-40B4-BE49-F238E27FC236}">
+                <a16:creationId xmlns:a16="http://schemas.microsoft.com/office/drawing/2014/main" id="{447F0940-3A40-46A2-A4EF-9035AD26F59C}"/>
+              </a:ext>
+            </a:extLst>
+          </p:cNvPr>
+          <p:cNvSpPr>
+            <a:spLocks noGrp="1"/>
+          </p:cNvSpPr>
+          <p:nvPr>
+            <p:ph type="sldNum" sz="quarter" idx="12"/>
+          </p:nvPr>
+        </p:nvSpPr>
+        <p:spPr/>
+        <p:txBody>
+          <a:bodyPr/>
+          <a:lstStyle/>
+          <a:p>
+            <a:fld id="{90F9E983-480B-48C5-9E0F-D21C0DFBB5C0}" type="slidenum">
+              <a:rPr lang="zh-TW" altLang="en-US" smtClean="0"/>
+              <a:t>7</a:t>
+            </a:fld>
+            <a:endParaRPr lang="zh-TW" altLang="en-US"/>
+          </a:p>
+        </p:txBody>
+      </p:sp>
+      <p:pic>
+        <p:nvPicPr>
+          <p:cNvPr id="5" name="圖片 4">
+            <a:extLst>
+              <a:ext uri="{FF2B5EF4-FFF2-40B4-BE49-F238E27FC236}">
+                <a16:creationId xmlns:a16="http://schemas.microsoft.com/office/drawing/2014/main" id="{379E89F1-164A-4F8D-B6AE-8910E9BA60B0}"/>
+              </a:ext>
+            </a:extLst>
+          </p:cNvPr>
+          <p:cNvPicPr>
+            <a:picLocks noChangeAspect="1"/>
+          </p:cNvPicPr>
+          <p:nvPr/>
+        </p:nvPicPr>
+        <p:blipFill>
+          <a:blip r:embed="rId2"/>
+          <a:stretch>
+            <a:fillRect/>
+          </a:stretch>
+        </p:blipFill>
+        <p:spPr>
+          <a:xfrm>
+            <a:off x="6320253" y="2613215"/>
+            <a:ext cx="5363323" cy="1409897"/>
+          </a:xfrm>
+          <a:prstGeom prst="rect">
+            <a:avLst/>
+          </a:prstGeom>
+        </p:spPr>
+      </p:pic>
+      <p:pic>
+        <p:nvPicPr>
+          <p:cNvPr id="7" name="圖片 6">
+            <a:extLst>
+              <a:ext uri="{FF2B5EF4-FFF2-40B4-BE49-F238E27FC236}">
+                <a16:creationId xmlns:a16="http://schemas.microsoft.com/office/drawing/2014/main" id="{7F807EC1-AC1D-4009-A51C-365B17BB0206}"/>
+              </a:ext>
+            </a:extLst>
+          </p:cNvPr>
+          <p:cNvPicPr>
+            <a:picLocks noChangeAspect="1"/>
+          </p:cNvPicPr>
+          <p:nvPr/>
+        </p:nvPicPr>
+        <p:blipFill>
+          <a:blip r:embed="rId3"/>
+          <a:stretch>
+            <a:fillRect/>
+          </a:stretch>
+        </p:blipFill>
+        <p:spPr>
+          <a:xfrm>
+            <a:off x="6317425" y="2575895"/>
+            <a:ext cx="1076475" cy="285790"/>
+          </a:xfrm>
+          <a:prstGeom prst="rect">
+            <a:avLst/>
+          </a:prstGeom>
+        </p:spPr>
+      </p:pic>
+      <p:pic>
+        <p:nvPicPr>
+          <p:cNvPr id="8" name="圖片 7">
+            <a:extLst>
+              <a:ext uri="{FF2B5EF4-FFF2-40B4-BE49-F238E27FC236}">
+                <a16:creationId xmlns:a16="http://schemas.microsoft.com/office/drawing/2014/main" id="{42BC6CB8-6249-4AAC-B1A2-022ADD996E5E}"/>
+              </a:ext>
+            </a:extLst>
+          </p:cNvPr>
+          <p:cNvPicPr>
+            <a:picLocks noChangeAspect="1"/>
+          </p:cNvPicPr>
+          <p:nvPr/>
+        </p:nvPicPr>
+        <p:blipFill>
+          <a:blip r:embed="rId4"/>
+          <a:stretch>
+            <a:fillRect/>
+          </a:stretch>
+        </p:blipFill>
+        <p:spPr>
+          <a:xfrm>
+            <a:off x="327495" y="1230362"/>
+            <a:ext cx="5701271" cy="5009159"/>
+          </a:xfrm>
+          <a:prstGeom prst="rect">
+            <a:avLst/>
+          </a:prstGeom>
+        </p:spPr>
+      </p:pic>
+      <p:sp>
+        <p:nvSpPr>
+          <p:cNvPr id="10" name="矩形 9">
+            <a:extLst>
+              <a:ext uri="{FF2B5EF4-FFF2-40B4-BE49-F238E27FC236}">
+                <a16:creationId xmlns:a16="http://schemas.microsoft.com/office/drawing/2014/main" id="{91E1288B-8A3C-4173-998A-F2ECE67C0BFD}"/>
+              </a:ext>
+            </a:extLst>
+          </p:cNvPr>
+          <p:cNvSpPr/>
+          <p:nvPr/>
+        </p:nvSpPr>
+        <p:spPr>
+          <a:xfrm>
+            <a:off x="2493818" y="3931495"/>
+            <a:ext cx="1607128" cy="257873"/>
+          </a:xfrm>
+          <a:prstGeom prst="rect">
+            <a:avLst/>
+          </a:prstGeom>
+          <a:noFill/>
+          <a:ln w="38100">
+            <a:solidFill>
+              <a:srgbClr val="FF0000"/>
+            </a:solidFill>
+          </a:ln>
+        </p:spPr>
+        <p:style>
+          <a:lnRef idx="2">
+            <a:schemeClr val="accent1">
+              <a:shade val="50000"/>
+            </a:schemeClr>
+          </a:lnRef>
+          <a:fillRef idx="1">
+            <a:schemeClr val="accent1"/>
+          </a:fillRef>
+          <a:effectRef idx="0">
+            <a:schemeClr val="accent1"/>
+          </a:effectRef>
+          <a:fontRef idx="minor">
+            <a:schemeClr val="lt1"/>
+          </a:fontRef>
+        </p:style>
+        <p:txBody>
+          <a:bodyPr rtlCol="0" anchor="ctr"/>
+          <a:lstStyle/>
+          <a:p>
+            <a:pPr algn="ctr"/>
+            <a:endParaRPr lang="zh-TW" altLang="en-US"/>
+          </a:p>
+        </p:txBody>
+      </p:sp>
+      <p:sp>
+        <p:nvSpPr>
+          <p:cNvPr id="11" name="矩形 10">
+            <a:extLst>
+              <a:ext uri="{FF2B5EF4-FFF2-40B4-BE49-F238E27FC236}">
+                <a16:creationId xmlns:a16="http://schemas.microsoft.com/office/drawing/2014/main" id="{C5FF07C5-22AF-4EB9-BC3C-87CD4891B985}"/>
+              </a:ext>
+            </a:extLst>
+          </p:cNvPr>
+          <p:cNvSpPr/>
+          <p:nvPr/>
+        </p:nvSpPr>
+        <p:spPr>
+          <a:xfrm>
+            <a:off x="6317424" y="2899005"/>
+            <a:ext cx="3537775" cy="285790"/>
+          </a:xfrm>
+          <a:prstGeom prst="rect">
+            <a:avLst/>
+          </a:prstGeom>
+          <a:noFill/>
+          <a:ln w="38100">
+            <a:solidFill>
+              <a:srgbClr val="FF0000"/>
+            </a:solidFill>
+          </a:ln>
+        </p:spPr>
+        <p:style>
+          <a:lnRef idx="2">
+            <a:schemeClr val="accent1">
+              <a:shade val="50000"/>
+            </a:schemeClr>
+          </a:lnRef>
+          <a:fillRef idx="1">
+            <a:schemeClr val="accent1"/>
+          </a:fillRef>
+          <a:effectRef idx="0">
+            <a:schemeClr val="accent1"/>
+          </a:effectRef>
+          <a:fontRef idx="minor">
+            <a:schemeClr val="lt1"/>
+          </a:fontRef>
+        </p:style>
+        <p:txBody>
+          <a:bodyPr rtlCol="0" anchor="ctr"/>
+          <a:lstStyle/>
+          <a:p>
+            <a:pPr algn="ctr"/>
+            <a:endParaRPr lang="zh-TW" altLang="en-US"/>
+          </a:p>
+        </p:txBody>
+      </p:sp>
+    </p:spTree>
+    <p:extLst>
+      <p:ext uri="{BB962C8B-B14F-4D97-AF65-F5344CB8AC3E}">
+        <p14:creationId xmlns:p14="http://schemas.microsoft.com/office/powerpoint/2010/main" val="4227041033"/>
+      </p:ext>
+    </p:extLst>
+  </p:cSld>
+  <p:clrMapOvr>
+    <a:masterClrMapping/>
+  </p:clrMapOvr>
+</p:sld>
+</file>
+
+<file path=ppt/slides/slide8.xml><?xml version="1.0" encoding="utf-8"?>
+<p:sld xmlns:a="http://schemas.openxmlformats.org/drawingml/2006/main" xmlns:r="http://schemas.openxmlformats.org/officeDocument/2006/relationships" xmlns:p="http://schemas.openxmlformats.org/presentationml/2006/main">
+  <p:cSld>
+    <p:spTree>
+      <p:nvGrpSpPr>
+        <p:cNvPr id="1" name=""/>
+        <p:cNvGrpSpPr/>
+        <p:nvPr/>
+      </p:nvGrpSpPr>
+      <p:grpSpPr>
+        <a:xfrm>
+          <a:off x="0" y="0"/>
+          <a:ext cx="0" cy="0"/>
+          <a:chOff x="0" y="0"/>
+          <a:chExt cx="0" cy="0"/>
+        </a:xfrm>
+      </p:grpSpPr>
+      <p:sp>
+        <p:nvSpPr>
+          <p:cNvPr id="3" name="標題 2">
+            <a:extLst>
+              <a:ext uri="{FF2B5EF4-FFF2-40B4-BE49-F238E27FC236}">
+                <a16:creationId xmlns:a16="http://schemas.microsoft.com/office/drawing/2014/main" id="{EF277299-8610-4660-86B9-EE584C561AB1}"/>
+              </a:ext>
+            </a:extLst>
+          </p:cNvPr>
+          <p:cNvSpPr>
+            <a:spLocks noGrp="1"/>
+          </p:cNvSpPr>
+          <p:nvPr>
+            <p:ph type="title"/>
+          </p:nvPr>
+        </p:nvSpPr>
+        <p:spPr/>
+        <p:txBody>
+          <a:bodyPr/>
+          <a:lstStyle/>
+          <a:p>
+            <a:r>
+              <a:rPr lang="zh-TW" altLang="en-US" dirty="0"/>
+              <a:t>當週進度</a:t>
+            </a:r>
+          </a:p>
+        </p:txBody>
+      </p:sp>
+      <p:sp>
+        <p:nvSpPr>
+          <p:cNvPr id="2" name="投影片編號版面配置區 1">
+            <a:extLst>
+              <a:ext uri="{FF2B5EF4-FFF2-40B4-BE49-F238E27FC236}">
+                <a16:creationId xmlns:a16="http://schemas.microsoft.com/office/drawing/2014/main" id="{93307445-5962-42AE-9A4E-E1C6CD1297BF}"/>
+              </a:ext>
+            </a:extLst>
+          </p:cNvPr>
+          <p:cNvSpPr>
+            <a:spLocks noGrp="1"/>
+          </p:cNvSpPr>
+          <p:nvPr>
+            <p:ph type="sldNum" sz="quarter" idx="12"/>
+          </p:nvPr>
+        </p:nvSpPr>
+        <p:spPr/>
+        <p:txBody>
+          <a:bodyPr/>
+          <a:lstStyle/>
+          <a:p>
+            <a:fld id="{90F9E983-480B-48C5-9E0F-D21C0DFBB5C0}" type="slidenum">
+              <a:rPr lang="zh-TW" altLang="en-US" smtClean="0"/>
+              <a:t>8</a:t>
+            </a:fld>
+            <a:endParaRPr lang="zh-TW" altLang="en-US"/>
+          </a:p>
+        </p:txBody>
+      </p:sp>
+      <p:sp>
+        <p:nvSpPr>
+          <p:cNvPr id="4" name="文字方塊 3">
+            <a:extLst>
+              <a:ext uri="{FF2B5EF4-FFF2-40B4-BE49-F238E27FC236}">
+                <a16:creationId xmlns:a16="http://schemas.microsoft.com/office/drawing/2014/main" id="{227F0923-AA00-4F8D-99BB-3109F6365217}"/>
+              </a:ext>
+            </a:extLst>
+          </p:cNvPr>
+          <p:cNvSpPr txBox="1"/>
+          <p:nvPr/>
+        </p:nvSpPr>
+        <p:spPr>
+          <a:xfrm>
+            <a:off x="838198" y="1190191"/>
+            <a:ext cx="10515599" cy="2308324"/>
+          </a:xfrm>
+          <a:prstGeom prst="rect">
+            <a:avLst/>
+          </a:prstGeom>
+          <a:noFill/>
+        </p:spPr>
+        <p:txBody>
+          <a:bodyPr wrap="square">
+            <a:spAutoFit/>
+          </a:bodyPr>
+          <a:lstStyle/>
+          <a:p>
+            <a:pPr marL="285750" indent="-285750">
+              <a:buFont typeface="Wingdings" panose="05000000000000000000" pitchFamily="2" charset="2"/>
+              <a:buChar char="n"/>
+            </a:pPr>
+            <a:r>
+              <a:rPr lang="zh-TW" altLang="en-US" dirty="0">
+                <a:latin typeface="微軟正黑體" panose="020B0604030504040204" pitchFamily="34" charset="-120"/>
+                <a:ea typeface="微軟正黑體" panose="020B0604030504040204" pitchFamily="34" charset="-120"/>
+              </a:rPr>
+              <a:t>問題記錄</a:t>
+            </a:r>
+            <a:endParaRPr lang="en-US" altLang="zh-TW" dirty="0">
+              <a:latin typeface="微軟正黑體" panose="020B0604030504040204" pitchFamily="34" charset="-120"/>
+              <a:ea typeface="微軟正黑體" panose="020B0604030504040204" pitchFamily="34" charset="-120"/>
+            </a:endParaRPr>
+          </a:p>
+          <a:p>
+            <a:pPr marL="800100" lvl="1" indent="-342900">
+              <a:buFont typeface="+mj-lt"/>
+              <a:buAutoNum type="arabicPeriod"/>
+            </a:pPr>
+            <a:r>
+              <a:rPr lang="zh-TW" altLang="en-US" dirty="0">
+                <a:latin typeface="微軟正黑體" panose="020B0604030504040204" pitchFamily="34" charset="-120"/>
+                <a:ea typeface="微軟正黑體" panose="020B0604030504040204" pitchFamily="34" charset="-120"/>
+              </a:rPr>
+              <a:t>無</a:t>
+            </a:r>
+            <a:endParaRPr lang="en-US" altLang="zh-TW" dirty="0">
+              <a:latin typeface="微軟正黑體" panose="020B0604030504040204" pitchFamily="34" charset="-120"/>
+              <a:ea typeface="微軟正黑體" panose="020B0604030504040204" pitchFamily="34" charset="-120"/>
+            </a:endParaRPr>
+          </a:p>
+          <a:p>
+            <a:pPr marL="800100" lvl="1" indent="-342900">
+              <a:buFont typeface="+mj-lt"/>
+              <a:buAutoNum type="arabicPeriod"/>
+            </a:pPr>
+            <a:endParaRPr lang="en-US" altLang="zh-TW" dirty="0">
+              <a:latin typeface="微軟正黑體" panose="020B0604030504040204" pitchFamily="34" charset="-120"/>
+              <a:ea typeface="微軟正黑體" panose="020B0604030504040204" pitchFamily="34" charset="-120"/>
+            </a:endParaRPr>
+          </a:p>
+          <a:p>
+            <a:pPr marL="342900" indent="-342900">
+              <a:buFont typeface="Wingdings" panose="05000000000000000000" pitchFamily="2" charset="2"/>
+              <a:buChar char="n"/>
+            </a:pPr>
+            <a:r>
+              <a:rPr lang="zh-TW" altLang="en-US" dirty="0">
+                <a:latin typeface="微軟正黑體" panose="020B0604030504040204" pitchFamily="34" charset="-120"/>
+                <a:ea typeface="微軟正黑體" panose="020B0604030504040204" pitchFamily="34" charset="-120"/>
+              </a:rPr>
+              <a:t>影片展示</a:t>
+            </a:r>
+            <a:endParaRPr lang="en-US" altLang="zh-TW" dirty="0">
+              <a:latin typeface="微軟正黑體" panose="020B0604030504040204" pitchFamily="34" charset="-120"/>
+              <a:ea typeface="微軟正黑體" panose="020B0604030504040204" pitchFamily="34" charset="-120"/>
+            </a:endParaRPr>
+          </a:p>
+          <a:p>
+            <a:pPr marL="800100" lvl="1" indent="-342900">
+              <a:buFont typeface="Arial" panose="020B0604020202020204" pitchFamily="34" charset="0"/>
+              <a:buChar char="•"/>
+            </a:pPr>
+            <a:r>
+              <a:rPr lang="en-US" altLang="zh-TW" dirty="0">
+                <a:latin typeface="微軟正黑體" panose="020B0604030504040204" pitchFamily="34" charset="-120"/>
+                <a:ea typeface="微軟正黑體" panose="020B0604030504040204" pitchFamily="34" charset="-120"/>
+                <a:hlinkClick r:id="rId3"/>
+              </a:rPr>
+              <a:t>https://drive.google.com/drive/folders/186ri1ZWFDvL_-92aNnkIX4_p-QDdo08N?usp=sharing</a:t>
+            </a:r>
+            <a:endParaRPr lang="en-US" altLang="zh-TW" dirty="0">
+              <a:latin typeface="微軟正黑體" panose="020B0604030504040204" pitchFamily="34" charset="-120"/>
+              <a:ea typeface="微軟正黑體" panose="020B0604030504040204" pitchFamily="34" charset="-120"/>
+            </a:endParaRPr>
+          </a:p>
+          <a:p>
+            <a:pPr marL="800100" lvl="1" indent="-342900">
+              <a:buFont typeface="Arial" panose="020B0604020202020204" pitchFamily="34" charset="0"/>
+              <a:buChar char="•"/>
+            </a:pPr>
+            <a:endParaRPr lang="en-US" altLang="zh-TW" dirty="0">
+              <a:latin typeface="微軟正黑體" panose="020B0604030504040204" pitchFamily="34" charset="-120"/>
+              <a:ea typeface="微軟正黑體" panose="020B0604030504040204" pitchFamily="34" charset="-120"/>
+            </a:endParaRPr>
+          </a:p>
+          <a:p>
+            <a:pPr marL="742950" lvl="1" indent="-285750">
+              <a:buFont typeface="Arial" panose="020B0604020202020204" pitchFamily="34" charset="0"/>
+              <a:buChar char="•"/>
+            </a:pPr>
+            <a:endParaRPr lang="en-US" altLang="zh-TW" dirty="0">
+              <a:latin typeface="微軟正黑體" panose="020B0604030504040204" pitchFamily="34" charset="-120"/>
+              <a:ea typeface="微軟正黑體" panose="020B0604030504040204" pitchFamily="34" charset="-120"/>
+            </a:endParaRPr>
+          </a:p>
+        </p:txBody>
+      </p:sp>
+    </p:spTree>
+    <p:extLst>
+      <p:ext uri="{BB962C8B-B14F-4D97-AF65-F5344CB8AC3E}">
+        <p14:creationId xmlns:p14="http://schemas.microsoft.com/office/powerpoint/2010/main" val="852469664"/>
+      </p:ext>
+    </p:extLst>
+  </p:cSld>
+  <p:clrMapOvr>
+    <a:masterClrMapping/>
+  </p:clrMapOvr>
+</p:sld>
+</file>
+
+<file path=ppt/slides/slide9.xml><?xml version="1.0" encoding="utf-8"?>
+<p:sld xmlns:a="http://schemas.openxmlformats.org/drawingml/2006/main" xmlns:r="http://schemas.openxmlformats.org/officeDocument/2006/relationships" xmlns:p="http://schemas.openxmlformats.org/presentationml/2006/main">
+  <p:cSld>
+    <p:spTree>
+      <p:nvGrpSpPr>
+        <p:cNvPr id="1" name=""/>
+        <p:cNvGrpSpPr/>
+        <p:nvPr/>
+      </p:nvGrpSpPr>
+      <p:grpSpPr>
+        <a:xfrm>
+          <a:off x="0" y="0"/>
+          <a:ext cx="0" cy="0"/>
+          <a:chOff x="0" y="0"/>
+          <a:chExt cx="0" cy="0"/>
+        </a:xfrm>
+      </p:grpSpPr>
+      <p:sp>
+        <p:nvSpPr>
+          <p:cNvPr id="3" name="標題 2">
+            <a:extLst>
+              <a:ext uri="{FF2B5EF4-FFF2-40B4-BE49-F238E27FC236}">
+                <a16:creationId xmlns:a16="http://schemas.microsoft.com/office/drawing/2014/main" id="{EF277299-8610-4660-86B9-EE584C561AB1}"/>
+              </a:ext>
+            </a:extLst>
+          </p:cNvPr>
+          <p:cNvSpPr>
+            <a:spLocks noGrp="1"/>
+          </p:cNvSpPr>
+          <p:nvPr>
+            <p:ph type="title"/>
+          </p:nvPr>
+        </p:nvSpPr>
+        <p:spPr/>
+        <p:txBody>
+          <a:bodyPr/>
+          <a:lstStyle/>
+          <a:p>
+            <a:r>
+              <a:rPr lang="zh-TW" altLang="en-US" dirty="0"/>
+              <a:t>架構圖</a:t>
+            </a:r>
+          </a:p>
+        </p:txBody>
+      </p:sp>
+      <p:sp>
+        <p:nvSpPr>
+          <p:cNvPr id="2" name="投影片編號版面配置區 1">
+            <a:extLst>
+              <a:ext uri="{FF2B5EF4-FFF2-40B4-BE49-F238E27FC236}">
+                <a16:creationId xmlns:a16="http://schemas.microsoft.com/office/drawing/2014/main" id="{3ABA1C61-B2A2-4D29-8357-2466EE82EA36}"/>
+              </a:ext>
+            </a:extLst>
+          </p:cNvPr>
+          <p:cNvSpPr>
+            <a:spLocks noGrp="1"/>
+          </p:cNvSpPr>
+          <p:nvPr>
+            <p:ph type="sldNum" sz="quarter" idx="12"/>
+          </p:nvPr>
+        </p:nvSpPr>
+        <p:spPr/>
+        <p:txBody>
+          <a:bodyPr/>
+          <a:lstStyle/>
+          <a:p>
+            <a:fld id="{90F9E983-480B-48C5-9E0F-D21C0DFBB5C0}" type="slidenum">
+              <a:rPr lang="zh-TW" altLang="en-US" smtClean="0"/>
+              <a:t>9</a:t>
             </a:fld>
             <a:endParaRPr lang="zh-TW" altLang="en-US"/>
           </a:p>
@@ -7388,1147 +10441,6 @@
     <p:extLst>
       <p:ext uri="{BB962C8B-B14F-4D97-AF65-F5344CB8AC3E}">
         <p14:creationId xmlns:p14="http://schemas.microsoft.com/office/powerpoint/2010/main" val="3376878689"/>
-      </p:ext>
-    </p:extLst>
-  </p:cSld>
-  <p:clrMapOvr>
-    <a:masterClrMapping/>
-  </p:clrMapOvr>
-</p:sld>
-</file>
-
-<file path=ppt/slides/slide6.xml><?xml version="1.0" encoding="utf-8"?>
-<p:sld xmlns:a="http://schemas.openxmlformats.org/drawingml/2006/main" xmlns:r="http://schemas.openxmlformats.org/officeDocument/2006/relationships" xmlns:p="http://schemas.openxmlformats.org/presentationml/2006/main">
-  <p:cSld>
-    <p:spTree>
-      <p:nvGrpSpPr>
-        <p:cNvPr id="1" name=""/>
-        <p:cNvGrpSpPr/>
-        <p:nvPr/>
-      </p:nvGrpSpPr>
-      <p:grpSpPr>
-        <a:xfrm>
-          <a:off x="0" y="0"/>
-          <a:ext cx="0" cy="0"/>
-          <a:chOff x="0" y="0"/>
-          <a:chExt cx="0" cy="0"/>
-        </a:xfrm>
-      </p:grpSpPr>
-      <p:sp>
-        <p:nvSpPr>
-          <p:cNvPr id="3" name="標題 2">
-            <a:extLst>
-              <a:ext uri="{FF2B5EF4-FFF2-40B4-BE49-F238E27FC236}">
-                <a16:creationId xmlns:a16="http://schemas.microsoft.com/office/drawing/2014/main" id="{EF277299-8610-4660-86B9-EE584C561AB1}"/>
-              </a:ext>
-            </a:extLst>
-          </p:cNvPr>
-          <p:cNvSpPr>
-            <a:spLocks noGrp="1"/>
-          </p:cNvSpPr>
-          <p:nvPr>
-            <p:ph type="title"/>
-          </p:nvPr>
-        </p:nvSpPr>
-        <p:spPr/>
-        <p:txBody>
-          <a:bodyPr/>
-          <a:lstStyle/>
-          <a:p>
-            <a:r>
-              <a:rPr lang="zh-TW" altLang="en-US" dirty="0"/>
-              <a:t>當週進度</a:t>
-            </a:r>
-          </a:p>
-        </p:txBody>
-      </p:sp>
-      <p:sp>
-        <p:nvSpPr>
-          <p:cNvPr id="2" name="投影片編號版面配置區 1">
-            <a:extLst>
-              <a:ext uri="{FF2B5EF4-FFF2-40B4-BE49-F238E27FC236}">
-                <a16:creationId xmlns:a16="http://schemas.microsoft.com/office/drawing/2014/main" id="{93307445-5962-42AE-9A4E-E1C6CD1297BF}"/>
-              </a:ext>
-            </a:extLst>
-          </p:cNvPr>
-          <p:cNvSpPr>
-            <a:spLocks noGrp="1"/>
-          </p:cNvSpPr>
-          <p:nvPr>
-            <p:ph type="sldNum" sz="quarter" idx="12"/>
-          </p:nvPr>
-        </p:nvSpPr>
-        <p:spPr/>
-        <p:txBody>
-          <a:bodyPr/>
-          <a:lstStyle/>
-          <a:p>
-            <a:fld id="{90F9E983-480B-48C5-9E0F-D21C0DFBB5C0}" type="slidenum">
-              <a:rPr lang="zh-TW" altLang="en-US" smtClean="0"/>
-              <a:t>6</a:t>
-            </a:fld>
-            <a:endParaRPr lang="zh-TW" altLang="en-US"/>
-          </a:p>
-        </p:txBody>
-      </p:sp>
-      <p:sp>
-        <p:nvSpPr>
-          <p:cNvPr id="4" name="文字方塊 3">
-            <a:extLst>
-              <a:ext uri="{FF2B5EF4-FFF2-40B4-BE49-F238E27FC236}">
-                <a16:creationId xmlns:a16="http://schemas.microsoft.com/office/drawing/2014/main" id="{227F0923-AA00-4F8D-99BB-3109F6365217}"/>
-              </a:ext>
-            </a:extLst>
-          </p:cNvPr>
-          <p:cNvSpPr txBox="1"/>
-          <p:nvPr/>
-        </p:nvSpPr>
-        <p:spPr>
-          <a:xfrm>
-            <a:off x="838198" y="1190191"/>
-            <a:ext cx="10515599" cy="2031325"/>
-          </a:xfrm>
-          <a:prstGeom prst="rect">
-            <a:avLst/>
-          </a:prstGeom>
-          <a:noFill/>
-        </p:spPr>
-        <p:txBody>
-          <a:bodyPr wrap="square">
-            <a:spAutoFit/>
-          </a:bodyPr>
-          <a:lstStyle/>
-          <a:p>
-            <a:pPr marL="285750" indent="-285750">
-              <a:buFont typeface="Wingdings" panose="05000000000000000000" pitchFamily="2" charset="2"/>
-              <a:buChar char="n"/>
-            </a:pPr>
-            <a:r>
-              <a:rPr lang="zh-TW" altLang="en-US" dirty="0">
-                <a:latin typeface="微軟正黑體" panose="020B0604030504040204" pitchFamily="34" charset="-120"/>
-                <a:ea typeface="微軟正黑體" panose="020B0604030504040204" pitchFamily="34" charset="-120"/>
-              </a:rPr>
-              <a:t>問題記錄</a:t>
-            </a:r>
-            <a:endParaRPr lang="en-US" altLang="zh-TW" dirty="0">
-              <a:latin typeface="微軟正黑體" panose="020B0604030504040204" pitchFamily="34" charset="-120"/>
-              <a:ea typeface="微軟正黑體" panose="020B0604030504040204" pitchFamily="34" charset="-120"/>
-            </a:endParaRPr>
-          </a:p>
-          <a:p>
-            <a:pPr marL="800100" lvl="1" indent="-342900">
-              <a:buFont typeface="+mj-lt"/>
-              <a:buAutoNum type="arabicPeriod"/>
-            </a:pPr>
-            <a:r>
-              <a:rPr lang="zh-TW" altLang="en-US" dirty="0">
-                <a:latin typeface="微軟正黑體" panose="020B0604030504040204" pitchFamily="34" charset="-120"/>
-                <a:ea typeface="微軟正黑體" panose="020B0604030504040204" pitchFamily="34" charset="-120"/>
-              </a:rPr>
-              <a:t>無</a:t>
-            </a:r>
-            <a:endParaRPr lang="en-US" altLang="zh-TW" dirty="0">
-              <a:latin typeface="微軟正黑體" panose="020B0604030504040204" pitchFamily="34" charset="-120"/>
-              <a:ea typeface="微軟正黑體" panose="020B0604030504040204" pitchFamily="34" charset="-120"/>
-            </a:endParaRPr>
-          </a:p>
-          <a:p>
-            <a:pPr marL="800100" lvl="1" indent="-342900">
-              <a:buFont typeface="+mj-lt"/>
-              <a:buAutoNum type="arabicPeriod"/>
-            </a:pPr>
-            <a:endParaRPr lang="en-US" altLang="zh-TW" dirty="0">
-              <a:latin typeface="微軟正黑體" panose="020B0604030504040204" pitchFamily="34" charset="-120"/>
-              <a:ea typeface="微軟正黑體" panose="020B0604030504040204" pitchFamily="34" charset="-120"/>
-            </a:endParaRPr>
-          </a:p>
-          <a:p>
-            <a:pPr marL="342900" indent="-342900">
-              <a:buFont typeface="Wingdings" panose="05000000000000000000" pitchFamily="2" charset="2"/>
-              <a:buChar char="n"/>
-            </a:pPr>
-            <a:r>
-              <a:rPr lang="zh-TW" altLang="en-US" dirty="0">
-                <a:latin typeface="微軟正黑體" panose="020B0604030504040204" pitchFamily="34" charset="-120"/>
-                <a:ea typeface="微軟正黑體" panose="020B0604030504040204" pitchFamily="34" charset="-120"/>
-              </a:rPr>
-              <a:t>影片展示</a:t>
-            </a:r>
-            <a:endParaRPr lang="en-US" altLang="zh-TW" dirty="0">
-              <a:latin typeface="微軟正黑體" panose="020B0604030504040204" pitchFamily="34" charset="-120"/>
-              <a:ea typeface="微軟正黑體" panose="020B0604030504040204" pitchFamily="34" charset="-120"/>
-            </a:endParaRPr>
-          </a:p>
-          <a:p>
-            <a:pPr marL="742950" lvl="1" indent="-285750">
-              <a:buFont typeface="Arial" panose="020B0604020202020204" pitchFamily="34" charset="0"/>
-              <a:buChar char="•"/>
-            </a:pPr>
-            <a:r>
-              <a:rPr lang="en-US" altLang="zh-TW" dirty="0">
-                <a:latin typeface="微軟正黑體" panose="020B0604030504040204" pitchFamily="34" charset="-120"/>
-                <a:ea typeface="微軟正黑體" panose="020B0604030504040204" pitchFamily="34" charset="-120"/>
-                <a:hlinkClick r:id="rId3"/>
-              </a:rPr>
-              <a:t>https://drive.google.com/file/d/18gRYrMBCHtoaTZJ8OqSH27_qF-gMOqqg/view?usp=sharing</a:t>
-            </a:r>
-            <a:endParaRPr lang="en-US" altLang="zh-TW" dirty="0">
-              <a:latin typeface="微軟正黑體" panose="020B0604030504040204" pitchFamily="34" charset="-120"/>
-              <a:ea typeface="微軟正黑體" panose="020B0604030504040204" pitchFamily="34" charset="-120"/>
-            </a:endParaRPr>
-          </a:p>
-          <a:p>
-            <a:pPr marL="742950" lvl="1" indent="-285750">
-              <a:buFont typeface="Arial" panose="020B0604020202020204" pitchFamily="34" charset="0"/>
-              <a:buChar char="•"/>
-            </a:pPr>
-            <a:endParaRPr lang="en-US" altLang="zh-TW" dirty="0">
-              <a:latin typeface="微軟正黑體" panose="020B0604030504040204" pitchFamily="34" charset="-120"/>
-              <a:ea typeface="微軟正黑體" panose="020B0604030504040204" pitchFamily="34" charset="-120"/>
-            </a:endParaRPr>
-          </a:p>
-        </p:txBody>
-      </p:sp>
-    </p:spTree>
-    <p:extLst>
-      <p:ext uri="{BB962C8B-B14F-4D97-AF65-F5344CB8AC3E}">
-        <p14:creationId xmlns:p14="http://schemas.microsoft.com/office/powerpoint/2010/main" val="870849123"/>
-      </p:ext>
-    </p:extLst>
-  </p:cSld>
-  <p:clrMapOvr>
-    <a:masterClrMapping/>
-  </p:clrMapOvr>
-</p:sld>
-</file>
-
-<file path=ppt/slides/slide7.xml><?xml version="1.0" encoding="utf-8"?>
-<p:sld xmlns:a="http://schemas.openxmlformats.org/drawingml/2006/main" xmlns:r="http://schemas.openxmlformats.org/officeDocument/2006/relationships" xmlns:p="http://schemas.openxmlformats.org/presentationml/2006/main">
-  <p:cSld>
-    <p:spTree>
-      <p:nvGrpSpPr>
-        <p:cNvPr id="1" name=""/>
-        <p:cNvGrpSpPr/>
-        <p:nvPr/>
-      </p:nvGrpSpPr>
-      <p:grpSpPr>
-        <a:xfrm>
-          <a:off x="0" y="0"/>
-          <a:ext cx="0" cy="0"/>
-          <a:chOff x="0" y="0"/>
-          <a:chExt cx="0" cy="0"/>
-        </a:xfrm>
-      </p:grpSpPr>
-      <p:sp>
-        <p:nvSpPr>
-          <p:cNvPr id="3" name="標題 2">
-            <a:extLst>
-              <a:ext uri="{FF2B5EF4-FFF2-40B4-BE49-F238E27FC236}">
-                <a16:creationId xmlns:a16="http://schemas.microsoft.com/office/drawing/2014/main" id="{EF277299-8610-4660-86B9-EE584C561AB1}"/>
-              </a:ext>
-            </a:extLst>
-          </p:cNvPr>
-          <p:cNvSpPr>
-            <a:spLocks noGrp="1"/>
-          </p:cNvSpPr>
-          <p:nvPr>
-            <p:ph type="title"/>
-          </p:nvPr>
-        </p:nvSpPr>
-        <p:spPr/>
-        <p:txBody>
-          <a:bodyPr/>
-          <a:lstStyle/>
-          <a:p>
-            <a:r>
-              <a:rPr lang="zh-TW" altLang="en-US" dirty="0"/>
-              <a:t>架構圖</a:t>
-            </a:r>
-          </a:p>
-        </p:txBody>
-      </p:sp>
-      <p:sp>
-        <p:nvSpPr>
-          <p:cNvPr id="2" name="投影片編號版面配置區 1">
-            <a:extLst>
-              <a:ext uri="{FF2B5EF4-FFF2-40B4-BE49-F238E27FC236}">
-                <a16:creationId xmlns:a16="http://schemas.microsoft.com/office/drawing/2014/main" id="{3ABA1C61-B2A2-4D29-8357-2466EE82EA36}"/>
-              </a:ext>
-            </a:extLst>
-          </p:cNvPr>
-          <p:cNvSpPr>
-            <a:spLocks noGrp="1"/>
-          </p:cNvSpPr>
-          <p:nvPr>
-            <p:ph type="sldNum" sz="quarter" idx="12"/>
-          </p:nvPr>
-        </p:nvSpPr>
-        <p:spPr/>
-        <p:txBody>
-          <a:bodyPr/>
-          <a:lstStyle/>
-          <a:p>
-            <a:fld id="{90F9E983-480B-48C5-9E0F-D21C0DFBB5C0}" type="slidenum">
-              <a:rPr lang="zh-TW" altLang="en-US" smtClean="0"/>
-              <a:t>7</a:t>
-            </a:fld>
-            <a:endParaRPr lang="zh-TW" altLang="en-US"/>
-          </a:p>
-        </p:txBody>
-      </p:sp>
-      <p:pic>
-        <p:nvPicPr>
-          <p:cNvPr id="5" name="圖片 4">
-            <a:extLst>
-              <a:ext uri="{FF2B5EF4-FFF2-40B4-BE49-F238E27FC236}">
-                <a16:creationId xmlns:a16="http://schemas.microsoft.com/office/drawing/2014/main" id="{15432B41-E0A7-45C1-A25D-8A51BD100040}"/>
-              </a:ext>
-            </a:extLst>
-          </p:cNvPr>
-          <p:cNvPicPr>
-            <a:picLocks noChangeAspect="1"/>
-          </p:cNvPicPr>
-          <p:nvPr/>
-        </p:nvPicPr>
-        <p:blipFill>
-          <a:blip r:embed="rId3">
-            <a:extLst>
-              <a:ext uri="{28A0092B-C50C-407E-A947-70E740481C1C}">
-                <a14:useLocalDpi xmlns:a14="http://schemas.microsoft.com/office/drawing/2010/main" val="0"/>
-              </a:ext>
-            </a:extLst>
-          </a:blip>
-          <a:stretch>
-            <a:fillRect/>
-          </a:stretch>
-        </p:blipFill>
-        <p:spPr>
-          <a:xfrm>
-            <a:off x="6223094" y="1253763"/>
-            <a:ext cx="4775012" cy="4933949"/>
-          </a:xfrm>
-          <a:prstGeom prst="rect">
-            <a:avLst/>
-          </a:prstGeom>
-        </p:spPr>
-      </p:pic>
-      <p:sp>
-        <p:nvSpPr>
-          <p:cNvPr id="7" name="文字方塊 6">
-            <a:extLst>
-              <a:ext uri="{FF2B5EF4-FFF2-40B4-BE49-F238E27FC236}">
-                <a16:creationId xmlns:a16="http://schemas.microsoft.com/office/drawing/2014/main" id="{816D03E9-6F79-4549-AF31-CD49153BFE87}"/>
-              </a:ext>
-            </a:extLst>
-          </p:cNvPr>
-          <p:cNvSpPr txBox="1"/>
-          <p:nvPr/>
-        </p:nvSpPr>
-        <p:spPr>
-          <a:xfrm>
-            <a:off x="838198" y="1190191"/>
-            <a:ext cx="5257802" cy="4893647"/>
-          </a:xfrm>
-          <a:prstGeom prst="rect">
-            <a:avLst/>
-          </a:prstGeom>
-          <a:noFill/>
-        </p:spPr>
-        <p:txBody>
-          <a:bodyPr wrap="square">
-            <a:spAutoFit/>
-          </a:bodyPr>
-          <a:lstStyle/>
-          <a:p>
-            <a:pPr marL="285750" indent="-285750">
-              <a:buFont typeface="Wingdings" panose="05000000000000000000" pitchFamily="2" charset="2"/>
-              <a:buChar char="n"/>
-            </a:pPr>
-            <a:r>
-              <a:rPr lang="en-US" altLang="zh-TW" sz="1200" dirty="0">
-                <a:latin typeface="微軟正黑體" panose="020B0604030504040204" pitchFamily="34" charset="-120"/>
-                <a:ea typeface="微軟正黑體" panose="020B0604030504040204" pitchFamily="34" charset="-120"/>
-              </a:rPr>
-              <a:t>FSM</a:t>
-            </a:r>
-          </a:p>
-          <a:p>
-            <a:pPr marL="742950" lvl="1" indent="-285750">
-              <a:buFont typeface="Arial" panose="020B0604020202020204" pitchFamily="34" charset="0"/>
-              <a:buChar char="•"/>
-            </a:pPr>
-            <a:r>
-              <a:rPr lang="en-US" altLang="zh-TW" sz="1200" dirty="0" err="1">
-                <a:latin typeface="微軟正黑體" panose="020B0604030504040204" pitchFamily="34" charset="-120"/>
-                <a:ea typeface="微軟正黑體" panose="020B0604030504040204" pitchFamily="34" charset="-120"/>
-              </a:rPr>
-              <a:t>idle_left</a:t>
-            </a:r>
-            <a:r>
-              <a:rPr lang="en-US" altLang="zh-TW" sz="1200" dirty="0">
-                <a:latin typeface="微軟正黑體" panose="020B0604030504040204" pitchFamily="34" charset="-120"/>
-                <a:ea typeface="微軟正黑體" panose="020B0604030504040204" pitchFamily="34" charset="-120"/>
-              </a:rPr>
-              <a:t> </a:t>
-            </a:r>
-          </a:p>
-          <a:p>
-            <a:pPr marL="1200150" lvl="2" indent="-285750">
-              <a:buFont typeface="Arial" panose="020B0604020202020204" pitchFamily="34" charset="0"/>
-              <a:buChar char="•"/>
-            </a:pPr>
-            <a:r>
-              <a:rPr lang="zh-TW" altLang="en-US" sz="1200" dirty="0">
-                <a:latin typeface="微軟正黑體" panose="020B0604030504040204" pitchFamily="34" charset="-120"/>
-                <a:ea typeface="微軟正黑體" panose="020B0604030504040204" pitchFamily="34" charset="-120"/>
-              </a:rPr>
-              <a:t>等待左玩家按下按鈕發球</a:t>
-            </a:r>
-            <a:endParaRPr lang="en-US" altLang="zh-TW" sz="1200" dirty="0">
-              <a:latin typeface="微軟正黑體" panose="020B0604030504040204" pitchFamily="34" charset="-120"/>
-              <a:ea typeface="微軟正黑體" panose="020B0604030504040204" pitchFamily="34" charset="-120"/>
-            </a:endParaRPr>
-          </a:p>
-          <a:p>
-            <a:pPr marL="742950" lvl="1" indent="-285750">
-              <a:buFont typeface="Arial" panose="020B0604020202020204" pitchFamily="34" charset="0"/>
-              <a:buChar char="•"/>
-            </a:pPr>
-            <a:r>
-              <a:rPr lang="en-US" altLang="zh-TW" sz="1200" dirty="0" err="1">
-                <a:latin typeface="微軟正黑體" panose="020B0604030504040204" pitchFamily="34" charset="-120"/>
-                <a:ea typeface="微軟正黑體" panose="020B0604030504040204" pitchFamily="34" charset="-120"/>
-              </a:rPr>
-              <a:t>idle_right</a:t>
-            </a:r>
-            <a:endParaRPr lang="en-US" altLang="zh-TW" sz="1200" dirty="0">
-              <a:latin typeface="微軟正黑體" panose="020B0604030504040204" pitchFamily="34" charset="-120"/>
-              <a:ea typeface="微軟正黑體" panose="020B0604030504040204" pitchFamily="34" charset="-120"/>
-            </a:endParaRPr>
-          </a:p>
-          <a:p>
-            <a:pPr marL="1200150" lvl="2" indent="-285750">
-              <a:buFont typeface="Arial" panose="020B0604020202020204" pitchFamily="34" charset="0"/>
-              <a:buChar char="•"/>
-            </a:pPr>
-            <a:r>
-              <a:rPr lang="zh-TW" altLang="en-US" sz="1200" dirty="0">
-                <a:latin typeface="微軟正黑體" panose="020B0604030504040204" pitchFamily="34" charset="-120"/>
-                <a:ea typeface="微軟正黑體" panose="020B0604030504040204" pitchFamily="34" charset="-120"/>
-              </a:rPr>
-              <a:t>等待右玩家按下按鈕發球</a:t>
-            </a:r>
-            <a:endParaRPr lang="en-US" altLang="zh-TW" sz="1200" dirty="0">
-              <a:latin typeface="微軟正黑體" panose="020B0604030504040204" pitchFamily="34" charset="-120"/>
-              <a:ea typeface="微軟正黑體" panose="020B0604030504040204" pitchFamily="34" charset="-120"/>
-            </a:endParaRPr>
-          </a:p>
-          <a:p>
-            <a:pPr marL="742950" lvl="1" indent="-285750">
-              <a:buFont typeface="Arial" panose="020B0604020202020204" pitchFamily="34" charset="0"/>
-              <a:buChar char="•"/>
-            </a:pPr>
-            <a:r>
-              <a:rPr lang="en-US" altLang="zh-TW" sz="1200" dirty="0" err="1">
-                <a:latin typeface="微軟正黑體" panose="020B0604030504040204" pitchFamily="34" charset="-120"/>
-                <a:ea typeface="微軟正黑體" panose="020B0604030504040204" pitchFamily="34" charset="-120"/>
-              </a:rPr>
-              <a:t>serve_left</a:t>
-            </a:r>
-            <a:endParaRPr lang="en-US" altLang="zh-TW" sz="1200" dirty="0">
-              <a:latin typeface="微軟正黑體" panose="020B0604030504040204" pitchFamily="34" charset="-120"/>
-              <a:ea typeface="微軟正黑體" panose="020B0604030504040204" pitchFamily="34" charset="-120"/>
-            </a:endParaRPr>
-          </a:p>
-          <a:p>
-            <a:pPr marL="1200150" lvl="2" indent="-285750">
-              <a:buFont typeface="Arial" panose="020B0604020202020204" pitchFamily="34" charset="0"/>
-              <a:buChar char="•"/>
-            </a:pPr>
-            <a:r>
-              <a:rPr lang="zh-TW" altLang="en-US" sz="1200" dirty="0">
-                <a:latin typeface="微軟正黑體" panose="020B0604030504040204" pitchFamily="34" charset="-120"/>
-                <a:ea typeface="微軟正黑體" panose="020B0604030504040204" pitchFamily="34" charset="-120"/>
-              </a:rPr>
-              <a:t>等待左玩家放開按鈕，開始對打</a:t>
-            </a:r>
-            <a:endParaRPr lang="en-US" altLang="zh-TW" sz="1200" dirty="0">
-              <a:latin typeface="微軟正黑體" panose="020B0604030504040204" pitchFamily="34" charset="-120"/>
-              <a:ea typeface="微軟正黑體" panose="020B0604030504040204" pitchFamily="34" charset="-120"/>
-            </a:endParaRPr>
-          </a:p>
-          <a:p>
-            <a:pPr marL="742950" lvl="1" indent="-285750">
-              <a:buFont typeface="Arial" panose="020B0604020202020204" pitchFamily="34" charset="0"/>
-              <a:buChar char="•"/>
-            </a:pPr>
-            <a:r>
-              <a:rPr lang="en-US" altLang="zh-TW" sz="1200" dirty="0" err="1">
-                <a:latin typeface="微軟正黑體" panose="020B0604030504040204" pitchFamily="34" charset="-120"/>
-                <a:ea typeface="微軟正黑體" panose="020B0604030504040204" pitchFamily="34" charset="-120"/>
-              </a:rPr>
-              <a:t>serve_right</a:t>
-            </a:r>
-            <a:endParaRPr lang="en-US" altLang="zh-TW" sz="1200" dirty="0">
-              <a:latin typeface="微軟正黑體" panose="020B0604030504040204" pitchFamily="34" charset="-120"/>
-              <a:ea typeface="微軟正黑體" panose="020B0604030504040204" pitchFamily="34" charset="-120"/>
-            </a:endParaRPr>
-          </a:p>
-          <a:p>
-            <a:pPr marL="1200150" lvl="2" indent="-285750">
-              <a:buFont typeface="Arial" panose="020B0604020202020204" pitchFamily="34" charset="0"/>
-              <a:buChar char="•"/>
-            </a:pPr>
-            <a:r>
-              <a:rPr lang="zh-TW" altLang="en-US" sz="1200" dirty="0">
-                <a:latin typeface="微軟正黑體" panose="020B0604030504040204" pitchFamily="34" charset="-120"/>
-                <a:ea typeface="微軟正黑體" panose="020B0604030504040204" pitchFamily="34" charset="-120"/>
-              </a:rPr>
-              <a:t>等待右玩家放開按鈕，開始對打</a:t>
-            </a:r>
-            <a:endParaRPr lang="en-US" altLang="zh-TW" sz="1200" dirty="0">
-              <a:latin typeface="微軟正黑體" panose="020B0604030504040204" pitchFamily="34" charset="-120"/>
-              <a:ea typeface="微軟正黑體" panose="020B0604030504040204" pitchFamily="34" charset="-120"/>
-            </a:endParaRPr>
-          </a:p>
-          <a:p>
-            <a:pPr marL="742950" lvl="1" indent="-285750">
-              <a:buFont typeface="Arial" panose="020B0604020202020204" pitchFamily="34" charset="0"/>
-              <a:buChar char="•"/>
-            </a:pPr>
-            <a:r>
-              <a:rPr lang="en-US" altLang="zh-TW" sz="1200" dirty="0" err="1">
-                <a:latin typeface="微軟正黑體" panose="020B0604030504040204" pitchFamily="34" charset="-120"/>
-                <a:ea typeface="微軟正黑體" panose="020B0604030504040204" pitchFamily="34" charset="-120"/>
-              </a:rPr>
-              <a:t>moving_left</a:t>
-            </a:r>
-            <a:endParaRPr lang="en-US" altLang="zh-TW" sz="1200" dirty="0">
-              <a:latin typeface="微軟正黑體" panose="020B0604030504040204" pitchFamily="34" charset="-120"/>
-              <a:ea typeface="微軟正黑體" panose="020B0604030504040204" pitchFamily="34" charset="-120"/>
-            </a:endParaRPr>
-          </a:p>
-          <a:p>
-            <a:pPr marL="1200150" lvl="2" indent="-285750">
-              <a:buFont typeface="Arial" panose="020B0604020202020204" pitchFamily="34" charset="0"/>
-              <a:buChar char="•"/>
-            </a:pPr>
-            <a:r>
-              <a:rPr lang="en-US" altLang="zh-TW" sz="1200" dirty="0">
-                <a:latin typeface="微軟正黑體" panose="020B0604030504040204" pitchFamily="34" charset="-120"/>
-                <a:ea typeface="微軟正黑體" panose="020B0604030504040204" pitchFamily="34" charset="-120"/>
-              </a:rPr>
-              <a:t>LED</a:t>
-            </a:r>
-            <a:r>
-              <a:rPr lang="zh-TW" altLang="en-US" sz="1200" dirty="0">
-                <a:latin typeface="微軟正黑體" panose="020B0604030504040204" pitchFamily="34" charset="-120"/>
-                <a:ea typeface="微軟正黑體" panose="020B0604030504040204" pitchFamily="34" charset="-120"/>
-              </a:rPr>
-              <a:t> 往左移</a:t>
-            </a:r>
-            <a:endParaRPr lang="en-US" altLang="zh-TW" sz="1200" dirty="0">
-              <a:latin typeface="微軟正黑體" panose="020B0604030504040204" pitchFamily="34" charset="-120"/>
-              <a:ea typeface="微軟正黑體" panose="020B0604030504040204" pitchFamily="34" charset="-120"/>
-            </a:endParaRPr>
-          </a:p>
-          <a:p>
-            <a:pPr marL="742950" lvl="1" indent="-285750">
-              <a:buFont typeface="Arial" panose="020B0604020202020204" pitchFamily="34" charset="0"/>
-              <a:buChar char="•"/>
-            </a:pPr>
-            <a:r>
-              <a:rPr lang="en-US" altLang="zh-TW" sz="1200" dirty="0" err="1">
-                <a:latin typeface="微軟正黑體" panose="020B0604030504040204" pitchFamily="34" charset="-120"/>
-                <a:ea typeface="微軟正黑體" panose="020B0604030504040204" pitchFamily="34" charset="-120"/>
-              </a:rPr>
-              <a:t>moving_right</a:t>
-            </a:r>
-            <a:endParaRPr lang="en-US" altLang="zh-TW" sz="1200" dirty="0">
-              <a:latin typeface="微軟正黑體" panose="020B0604030504040204" pitchFamily="34" charset="-120"/>
-              <a:ea typeface="微軟正黑體" panose="020B0604030504040204" pitchFamily="34" charset="-120"/>
-            </a:endParaRPr>
-          </a:p>
-          <a:p>
-            <a:pPr marL="1200150" lvl="2" indent="-285750">
-              <a:buFont typeface="Arial" panose="020B0604020202020204" pitchFamily="34" charset="0"/>
-              <a:buChar char="•"/>
-            </a:pPr>
-            <a:r>
-              <a:rPr lang="en-US" altLang="zh-TW" sz="1200" dirty="0">
-                <a:latin typeface="微軟正黑體" panose="020B0604030504040204" pitchFamily="34" charset="-120"/>
-                <a:ea typeface="微軟正黑體" panose="020B0604030504040204" pitchFamily="34" charset="-120"/>
-              </a:rPr>
-              <a:t>LED</a:t>
-            </a:r>
-            <a:r>
-              <a:rPr lang="zh-TW" altLang="en-US" sz="1200" dirty="0">
-                <a:latin typeface="微軟正黑體" panose="020B0604030504040204" pitchFamily="34" charset="-120"/>
-                <a:ea typeface="微軟正黑體" panose="020B0604030504040204" pitchFamily="34" charset="-120"/>
-              </a:rPr>
-              <a:t> 往右移</a:t>
-            </a:r>
-            <a:endParaRPr lang="en-US" altLang="zh-TW" sz="1200" dirty="0">
-              <a:latin typeface="微軟正黑體" panose="020B0604030504040204" pitchFamily="34" charset="-120"/>
-              <a:ea typeface="微軟正黑體" panose="020B0604030504040204" pitchFamily="34" charset="-120"/>
-            </a:endParaRPr>
-          </a:p>
-          <a:p>
-            <a:pPr marL="742950" lvl="1" indent="-285750">
-              <a:buFont typeface="Arial" panose="020B0604020202020204" pitchFamily="34" charset="0"/>
-              <a:buChar char="•"/>
-            </a:pPr>
-            <a:r>
-              <a:rPr lang="en-US" altLang="zh-TW" sz="1200" dirty="0" err="1">
-                <a:latin typeface="微軟正黑體" panose="020B0604030504040204" pitchFamily="34" charset="-120"/>
-                <a:ea typeface="微軟正黑體" panose="020B0604030504040204" pitchFamily="34" charset="-120"/>
-              </a:rPr>
-              <a:t>left_win</a:t>
-            </a:r>
-            <a:endParaRPr lang="en-US" altLang="zh-TW" sz="1200" dirty="0">
-              <a:latin typeface="微軟正黑體" panose="020B0604030504040204" pitchFamily="34" charset="-120"/>
-              <a:ea typeface="微軟正黑體" panose="020B0604030504040204" pitchFamily="34" charset="-120"/>
-            </a:endParaRPr>
-          </a:p>
-          <a:p>
-            <a:pPr marL="1200150" lvl="2" indent="-285750">
-              <a:buFont typeface="Arial" panose="020B0604020202020204" pitchFamily="34" charset="0"/>
-              <a:buChar char="•"/>
-            </a:pPr>
-            <a:r>
-              <a:rPr lang="zh-TW" altLang="en-US" sz="1200" dirty="0">
-                <a:latin typeface="微軟正黑體" panose="020B0604030504040204" pitchFamily="34" charset="-120"/>
-                <a:ea typeface="微軟正黑體" panose="020B0604030504040204" pitchFamily="34" charset="-120"/>
-              </a:rPr>
-              <a:t>當右玩家，漏接或提早，則左玩家勝利</a:t>
-            </a:r>
-            <a:endParaRPr lang="en-US" altLang="zh-TW" sz="1200" dirty="0">
-              <a:latin typeface="微軟正黑體" panose="020B0604030504040204" pitchFamily="34" charset="-120"/>
-              <a:ea typeface="微軟正黑體" panose="020B0604030504040204" pitchFamily="34" charset="-120"/>
-            </a:endParaRPr>
-          </a:p>
-          <a:p>
-            <a:pPr marL="742950" lvl="1" indent="-285750">
-              <a:buFont typeface="Arial" panose="020B0604020202020204" pitchFamily="34" charset="0"/>
-              <a:buChar char="•"/>
-            </a:pPr>
-            <a:r>
-              <a:rPr lang="en-US" altLang="zh-TW" sz="1200" dirty="0" err="1">
-                <a:latin typeface="微軟正黑體" panose="020B0604030504040204" pitchFamily="34" charset="-120"/>
-                <a:ea typeface="微軟正黑體" panose="020B0604030504040204" pitchFamily="34" charset="-120"/>
-              </a:rPr>
-              <a:t>right_win</a:t>
-            </a:r>
-            <a:endParaRPr lang="en-US" altLang="zh-TW" sz="1200" dirty="0">
-              <a:latin typeface="微軟正黑體" panose="020B0604030504040204" pitchFamily="34" charset="-120"/>
-              <a:ea typeface="微軟正黑體" panose="020B0604030504040204" pitchFamily="34" charset="-120"/>
-            </a:endParaRPr>
-          </a:p>
-          <a:p>
-            <a:pPr marL="1200150" lvl="2" indent="-285750">
-              <a:buFont typeface="Arial" panose="020B0604020202020204" pitchFamily="34" charset="0"/>
-              <a:buChar char="•"/>
-            </a:pPr>
-            <a:r>
-              <a:rPr lang="zh-TW" altLang="en-US" sz="1200" dirty="0">
-                <a:latin typeface="微軟正黑體" panose="020B0604030504040204" pitchFamily="34" charset="-120"/>
-                <a:ea typeface="微軟正黑體" panose="020B0604030504040204" pitchFamily="34" charset="-120"/>
-              </a:rPr>
-              <a:t>當左玩家，漏接或提早，則右玩家勝利</a:t>
-            </a:r>
-            <a:endParaRPr lang="en-US" altLang="zh-TW" sz="1200" dirty="0">
-              <a:latin typeface="微軟正黑體" panose="020B0604030504040204" pitchFamily="34" charset="-120"/>
-              <a:ea typeface="微軟正黑體" panose="020B0604030504040204" pitchFamily="34" charset="-120"/>
-            </a:endParaRPr>
-          </a:p>
-          <a:p>
-            <a:pPr marL="285750" indent="-285750">
-              <a:buFont typeface="Arial" panose="020B0604020202020204" pitchFamily="34" charset="0"/>
-              <a:buChar char="•"/>
-            </a:pPr>
-            <a:endParaRPr lang="en-US" altLang="zh-TW" sz="1200" dirty="0">
-              <a:latin typeface="微軟正黑體" panose="020B0604030504040204" pitchFamily="34" charset="-120"/>
-              <a:ea typeface="微軟正黑體" panose="020B0604030504040204" pitchFamily="34" charset="-120"/>
-            </a:endParaRPr>
-          </a:p>
-          <a:p>
-            <a:pPr marL="285750" indent="-285750">
-              <a:buFont typeface="Arial" panose="020B0604020202020204" pitchFamily="34" charset="0"/>
-              <a:buChar char="•"/>
-            </a:pPr>
-            <a:r>
-              <a:rPr lang="en-US" altLang="zh-TW" sz="1200" dirty="0">
-                <a:latin typeface="微軟正黑體" panose="020B0604030504040204" pitchFamily="34" charset="-120"/>
-                <a:ea typeface="微軟正黑體" panose="020B0604030504040204" pitchFamily="34" charset="-120"/>
-              </a:rPr>
-              <a:t>Action</a:t>
-            </a:r>
-          </a:p>
-          <a:p>
-            <a:pPr marL="742950" lvl="1" indent="-285750">
-              <a:buFont typeface="Arial" panose="020B0604020202020204" pitchFamily="34" charset="0"/>
-              <a:buChar char="•"/>
-            </a:pPr>
-            <a:r>
-              <a:rPr lang="en-US" altLang="zh-TW" sz="1200" dirty="0" err="1">
-                <a:latin typeface="微軟正黑體" panose="020B0604030504040204" pitchFamily="34" charset="-120"/>
-                <a:ea typeface="微軟正黑體" panose="020B0604030504040204" pitchFamily="34" charset="-120"/>
-              </a:rPr>
-              <a:t>DIV_CLK_Action</a:t>
-            </a:r>
-            <a:endParaRPr lang="en-US" altLang="zh-TW" sz="1200" dirty="0">
-              <a:latin typeface="微軟正黑體" panose="020B0604030504040204" pitchFamily="34" charset="-120"/>
-              <a:ea typeface="微軟正黑體" panose="020B0604030504040204" pitchFamily="34" charset="-120"/>
-            </a:endParaRPr>
-          </a:p>
-          <a:p>
-            <a:pPr marL="1200150" lvl="2" indent="-285750">
-              <a:buFont typeface="Arial" panose="020B0604020202020204" pitchFamily="34" charset="0"/>
-              <a:buChar char="•"/>
-            </a:pPr>
-            <a:r>
-              <a:rPr lang="zh-TW" altLang="en-US" sz="1200" dirty="0">
-                <a:latin typeface="微軟正黑體" panose="020B0604030504040204" pitchFamily="34" charset="-120"/>
-                <a:ea typeface="微軟正黑體" panose="020B0604030504040204" pitchFamily="34" charset="-120"/>
-              </a:rPr>
-              <a:t>除頻器，為了在板子上，可以看到</a:t>
-            </a:r>
-            <a:r>
-              <a:rPr lang="en-US" altLang="zh-TW" sz="1200" dirty="0">
-                <a:latin typeface="微軟正黑體" panose="020B0604030504040204" pitchFamily="34" charset="-120"/>
-                <a:ea typeface="微軟正黑體" panose="020B0604030504040204" pitchFamily="34" charset="-120"/>
-              </a:rPr>
-              <a:t>LED</a:t>
-            </a:r>
-            <a:r>
-              <a:rPr lang="zh-TW" altLang="en-US" sz="1200" dirty="0">
-                <a:latin typeface="微軟正黑體" panose="020B0604030504040204" pitchFamily="34" charset="-120"/>
-                <a:ea typeface="微軟正黑體" panose="020B0604030504040204" pitchFamily="34" charset="-120"/>
-              </a:rPr>
-              <a:t>位移</a:t>
-            </a:r>
-            <a:endParaRPr lang="en-US" altLang="zh-TW" sz="1200" dirty="0">
-              <a:latin typeface="微軟正黑體" panose="020B0604030504040204" pitchFamily="34" charset="-120"/>
-              <a:ea typeface="微軟正黑體" panose="020B0604030504040204" pitchFamily="34" charset="-120"/>
-            </a:endParaRPr>
-          </a:p>
-          <a:p>
-            <a:pPr marL="742950" lvl="1" indent="-285750">
-              <a:buFont typeface="Arial" panose="020B0604020202020204" pitchFamily="34" charset="0"/>
-              <a:buChar char="•"/>
-            </a:pPr>
-            <a:r>
-              <a:rPr lang="en-US" altLang="zh-TW" sz="1200" dirty="0" err="1">
-                <a:latin typeface="微軟正黑體" panose="020B0604030504040204" pitchFamily="34" charset="-120"/>
-                <a:ea typeface="微軟正黑體" panose="020B0604030504040204" pitchFamily="34" charset="-120"/>
-              </a:rPr>
-              <a:t>Dealy_Counter_Action</a:t>
-            </a:r>
-            <a:endParaRPr lang="en-US" altLang="zh-TW" sz="1200" dirty="0">
-              <a:latin typeface="微軟正黑體" panose="020B0604030504040204" pitchFamily="34" charset="-120"/>
-              <a:ea typeface="微軟正黑體" panose="020B0604030504040204" pitchFamily="34" charset="-120"/>
-            </a:endParaRPr>
-          </a:p>
-          <a:p>
-            <a:pPr marL="1200150" lvl="2" indent="-285750">
-              <a:buFont typeface="Arial" panose="020B0604020202020204" pitchFamily="34" charset="0"/>
-              <a:buChar char="•"/>
-            </a:pPr>
-            <a:r>
-              <a:rPr lang="zh-TW" altLang="en-US" sz="1200" dirty="0">
-                <a:latin typeface="微軟正黑體" panose="020B0604030504040204" pitchFamily="34" charset="-120"/>
-                <a:ea typeface="微軟正黑體" panose="020B0604030504040204" pitchFamily="34" charset="-120"/>
-              </a:rPr>
-              <a:t>為了讓贏家顯示則延遲四秒顯示</a:t>
-            </a:r>
-            <a:r>
-              <a:rPr lang="en-US" altLang="zh-TW" sz="1200" dirty="0">
-                <a:latin typeface="微軟正黑體" panose="020B0604030504040204" pitchFamily="34" charset="-120"/>
-                <a:ea typeface="微軟正黑體" panose="020B0604030504040204" pitchFamily="34" charset="-120"/>
-              </a:rPr>
-              <a:t>LED</a:t>
-            </a:r>
-          </a:p>
-          <a:p>
-            <a:pPr marL="742950" lvl="1" indent="-285750">
-              <a:buFont typeface="Arial" panose="020B0604020202020204" pitchFamily="34" charset="0"/>
-              <a:buChar char="•"/>
-            </a:pPr>
-            <a:r>
-              <a:rPr lang="en-US" altLang="zh-TW" sz="1200" dirty="0" err="1">
-                <a:latin typeface="微軟正黑體" panose="020B0604030504040204" pitchFamily="34" charset="-120"/>
-                <a:ea typeface="微軟正黑體" panose="020B0604030504040204" pitchFamily="34" charset="-120"/>
-              </a:rPr>
-              <a:t>LED_Action</a:t>
-            </a:r>
-            <a:endParaRPr lang="en-US" altLang="zh-TW" sz="1200" dirty="0">
-              <a:latin typeface="微軟正黑體" panose="020B0604030504040204" pitchFamily="34" charset="-120"/>
-              <a:ea typeface="微軟正黑體" panose="020B0604030504040204" pitchFamily="34" charset="-120"/>
-            </a:endParaRPr>
-          </a:p>
-          <a:p>
-            <a:pPr marL="1200150" lvl="2" indent="-285750">
-              <a:buFont typeface="Arial" panose="020B0604020202020204" pitchFamily="34" charset="0"/>
-              <a:buChar char="•"/>
-            </a:pPr>
-            <a:r>
-              <a:rPr lang="en-US" altLang="zh-TW" sz="1200" dirty="0">
-                <a:latin typeface="微軟正黑體" panose="020B0604030504040204" pitchFamily="34" charset="-120"/>
-                <a:ea typeface="微軟正黑體" panose="020B0604030504040204" pitchFamily="34" charset="-120"/>
-              </a:rPr>
-              <a:t>LED</a:t>
-            </a:r>
-            <a:r>
-              <a:rPr lang="zh-TW" altLang="en-US" sz="1200" dirty="0">
-                <a:latin typeface="微軟正黑體" panose="020B0604030504040204" pitchFamily="34" charset="-120"/>
-                <a:ea typeface="微軟正黑體" panose="020B0604030504040204" pitchFamily="34" charset="-120"/>
-              </a:rPr>
-              <a:t>顯示</a:t>
-            </a:r>
-            <a:endParaRPr lang="en-US" altLang="zh-TW" sz="1200" dirty="0">
-              <a:latin typeface="微軟正黑體" panose="020B0604030504040204" pitchFamily="34" charset="-120"/>
-              <a:ea typeface="微軟正黑體" panose="020B0604030504040204" pitchFamily="34" charset="-120"/>
-            </a:endParaRPr>
-          </a:p>
-          <a:p>
-            <a:pPr marL="742950" lvl="1" indent="-285750">
-              <a:buFont typeface="Wingdings" panose="05000000000000000000" pitchFamily="2" charset="2"/>
-              <a:buChar char="n"/>
-            </a:pPr>
-            <a:endParaRPr lang="en-US" altLang="zh-TW" sz="1200" dirty="0">
-              <a:latin typeface="微軟正黑體" panose="020B0604030504040204" pitchFamily="34" charset="-120"/>
-              <a:ea typeface="微軟正黑體" panose="020B0604030504040204" pitchFamily="34" charset="-120"/>
-            </a:endParaRPr>
-          </a:p>
-        </p:txBody>
-      </p:sp>
-    </p:spTree>
-    <p:extLst>
-      <p:ext uri="{BB962C8B-B14F-4D97-AF65-F5344CB8AC3E}">
-        <p14:creationId xmlns:p14="http://schemas.microsoft.com/office/powerpoint/2010/main" val="3603340644"/>
-      </p:ext>
-    </p:extLst>
-  </p:cSld>
-  <p:clrMapOvr>
-    <a:masterClrMapping/>
-  </p:clrMapOvr>
-</p:sld>
-</file>
-
-<file path=ppt/slides/slide8.xml><?xml version="1.0" encoding="utf-8"?>
-<p:sld xmlns:a="http://schemas.openxmlformats.org/drawingml/2006/main" xmlns:r="http://schemas.openxmlformats.org/officeDocument/2006/relationships" xmlns:p="http://schemas.openxmlformats.org/presentationml/2006/main">
-  <p:cSld>
-    <p:spTree>
-      <p:nvGrpSpPr>
-        <p:cNvPr id="1" name=""/>
-        <p:cNvGrpSpPr/>
-        <p:nvPr/>
-      </p:nvGrpSpPr>
-      <p:grpSpPr>
-        <a:xfrm>
-          <a:off x="0" y="0"/>
-          <a:ext cx="0" cy="0"/>
-          <a:chOff x="0" y="0"/>
-          <a:chExt cx="0" cy="0"/>
-        </a:xfrm>
-      </p:grpSpPr>
-      <p:sp>
-        <p:nvSpPr>
-          <p:cNvPr id="3" name="標題 2">
-            <a:extLst>
-              <a:ext uri="{FF2B5EF4-FFF2-40B4-BE49-F238E27FC236}">
-                <a16:creationId xmlns:a16="http://schemas.microsoft.com/office/drawing/2014/main" id="{EF277299-8610-4660-86B9-EE584C561AB1}"/>
-              </a:ext>
-            </a:extLst>
-          </p:cNvPr>
-          <p:cNvSpPr>
-            <a:spLocks noGrp="1"/>
-          </p:cNvSpPr>
-          <p:nvPr>
-            <p:ph type="title"/>
-          </p:nvPr>
-        </p:nvSpPr>
-        <p:spPr/>
-        <p:txBody>
-          <a:bodyPr/>
-          <a:lstStyle/>
-          <a:p>
-            <a:r>
-              <a:rPr lang="zh-TW" altLang="en-US" dirty="0"/>
-              <a:t>當週進度</a:t>
-            </a:r>
-          </a:p>
-        </p:txBody>
-      </p:sp>
-      <p:sp>
-        <p:nvSpPr>
-          <p:cNvPr id="2" name="投影片編號版面配置區 1">
-            <a:extLst>
-              <a:ext uri="{FF2B5EF4-FFF2-40B4-BE49-F238E27FC236}">
-                <a16:creationId xmlns:a16="http://schemas.microsoft.com/office/drawing/2014/main" id="{93307445-5962-42AE-9A4E-E1C6CD1297BF}"/>
-              </a:ext>
-            </a:extLst>
-          </p:cNvPr>
-          <p:cNvSpPr>
-            <a:spLocks noGrp="1"/>
-          </p:cNvSpPr>
-          <p:nvPr>
-            <p:ph type="sldNum" sz="quarter" idx="12"/>
-          </p:nvPr>
-        </p:nvSpPr>
-        <p:spPr/>
-        <p:txBody>
-          <a:bodyPr/>
-          <a:lstStyle/>
-          <a:p>
-            <a:fld id="{90F9E983-480B-48C5-9E0F-D21C0DFBB5C0}" type="slidenum">
-              <a:rPr lang="zh-TW" altLang="en-US" smtClean="0"/>
-              <a:t>8</a:t>
-            </a:fld>
-            <a:endParaRPr lang="zh-TW" altLang="en-US"/>
-          </a:p>
-        </p:txBody>
-      </p:sp>
-      <p:sp>
-        <p:nvSpPr>
-          <p:cNvPr id="4" name="文字方塊 3">
-            <a:extLst>
-              <a:ext uri="{FF2B5EF4-FFF2-40B4-BE49-F238E27FC236}">
-                <a16:creationId xmlns:a16="http://schemas.microsoft.com/office/drawing/2014/main" id="{227F0923-AA00-4F8D-99BB-3109F6365217}"/>
-              </a:ext>
-            </a:extLst>
-          </p:cNvPr>
-          <p:cNvSpPr txBox="1"/>
-          <p:nvPr/>
-        </p:nvSpPr>
-        <p:spPr>
-          <a:xfrm>
-            <a:off x="838198" y="1190191"/>
-            <a:ext cx="10515599" cy="1754326"/>
-          </a:xfrm>
-          <a:prstGeom prst="rect">
-            <a:avLst/>
-          </a:prstGeom>
-          <a:noFill/>
-        </p:spPr>
-        <p:txBody>
-          <a:bodyPr wrap="square">
-            <a:spAutoFit/>
-          </a:bodyPr>
-          <a:lstStyle/>
-          <a:p>
-            <a:pPr marL="285750" indent="-285750">
-              <a:buFont typeface="Wingdings" panose="05000000000000000000" pitchFamily="2" charset="2"/>
-              <a:buChar char="n"/>
-            </a:pPr>
-            <a:r>
-              <a:rPr lang="zh-TW" altLang="en-US" dirty="0">
-                <a:latin typeface="微軟正黑體" panose="020B0604030504040204" pitchFamily="34" charset="-120"/>
-                <a:ea typeface="微軟正黑體" panose="020B0604030504040204" pitchFamily="34" charset="-120"/>
-              </a:rPr>
-              <a:t>問題記錄</a:t>
-            </a:r>
-            <a:endParaRPr lang="en-US" altLang="zh-TW" dirty="0">
-              <a:latin typeface="微軟正黑體" panose="020B0604030504040204" pitchFamily="34" charset="-120"/>
-              <a:ea typeface="微軟正黑體" panose="020B0604030504040204" pitchFamily="34" charset="-120"/>
-            </a:endParaRPr>
-          </a:p>
-          <a:p>
-            <a:pPr marL="800100" lvl="1" indent="-342900">
-              <a:buFont typeface="+mj-lt"/>
-              <a:buAutoNum type="arabicPeriod"/>
-            </a:pPr>
-            <a:r>
-              <a:rPr lang="zh-TW" altLang="en-US" dirty="0">
-                <a:latin typeface="微軟正黑體" panose="020B0604030504040204" pitchFamily="34" charset="-120"/>
-                <a:ea typeface="微軟正黑體" panose="020B0604030504040204" pitchFamily="34" charset="-120"/>
-              </a:rPr>
-              <a:t>無</a:t>
-            </a:r>
-            <a:endParaRPr lang="en-US" altLang="zh-TW" dirty="0">
-              <a:latin typeface="微軟正黑體" panose="020B0604030504040204" pitchFamily="34" charset="-120"/>
-              <a:ea typeface="微軟正黑體" panose="020B0604030504040204" pitchFamily="34" charset="-120"/>
-            </a:endParaRPr>
-          </a:p>
-          <a:p>
-            <a:pPr marL="800100" lvl="1" indent="-342900">
-              <a:buFont typeface="+mj-lt"/>
-              <a:buAutoNum type="arabicPeriod"/>
-            </a:pPr>
-            <a:endParaRPr lang="en-US" altLang="zh-TW" dirty="0">
-              <a:latin typeface="微軟正黑體" panose="020B0604030504040204" pitchFamily="34" charset="-120"/>
-              <a:ea typeface="微軟正黑體" panose="020B0604030504040204" pitchFamily="34" charset="-120"/>
-            </a:endParaRPr>
-          </a:p>
-          <a:p>
-            <a:pPr marL="342900" indent="-342900">
-              <a:buFont typeface="Wingdings" panose="05000000000000000000" pitchFamily="2" charset="2"/>
-              <a:buChar char="n"/>
-            </a:pPr>
-            <a:r>
-              <a:rPr lang="zh-TW" altLang="en-US" dirty="0">
-                <a:latin typeface="微軟正黑體" panose="020B0604030504040204" pitchFamily="34" charset="-120"/>
-                <a:ea typeface="微軟正黑體" panose="020B0604030504040204" pitchFamily="34" charset="-120"/>
-              </a:rPr>
-              <a:t>影片展示</a:t>
-            </a:r>
-            <a:endParaRPr lang="en-US" altLang="zh-TW" dirty="0">
-              <a:latin typeface="微軟正黑體" panose="020B0604030504040204" pitchFamily="34" charset="-120"/>
-              <a:ea typeface="微軟正黑體" panose="020B0604030504040204" pitchFamily="34" charset="-120"/>
-            </a:endParaRPr>
-          </a:p>
-          <a:p>
-            <a:pPr marL="742950" lvl="1" indent="-285750">
-              <a:buFont typeface="Arial" panose="020B0604020202020204" pitchFamily="34" charset="0"/>
-              <a:buChar char="•"/>
-            </a:pPr>
-            <a:r>
-              <a:rPr lang="en-US" altLang="zh-TW" dirty="0">
-                <a:hlinkClick r:id="rId3"/>
-              </a:rPr>
-              <a:t>https://drive.google.com/file/d/1NX1_RaauJDHZa6ektj63UaYN7nSc5CdH/view?usp=sharing</a:t>
-            </a:r>
-            <a:endParaRPr lang="en-US" altLang="zh-TW" dirty="0"/>
-          </a:p>
-          <a:p>
-            <a:pPr marL="742950" lvl="1" indent="-285750">
-              <a:buFont typeface="Arial" panose="020B0604020202020204" pitchFamily="34" charset="0"/>
-              <a:buChar char="•"/>
-            </a:pPr>
-            <a:endParaRPr lang="en-US" altLang="zh-TW" dirty="0">
-              <a:latin typeface="微軟正黑體" panose="020B0604030504040204" pitchFamily="34" charset="-120"/>
-              <a:ea typeface="微軟正黑體" panose="020B0604030504040204" pitchFamily="34" charset="-120"/>
-            </a:endParaRPr>
-          </a:p>
-        </p:txBody>
-      </p:sp>
-    </p:spTree>
-    <p:extLst>
-      <p:ext uri="{BB962C8B-B14F-4D97-AF65-F5344CB8AC3E}">
-        <p14:creationId xmlns:p14="http://schemas.microsoft.com/office/powerpoint/2010/main" val="844402342"/>
-      </p:ext>
-    </p:extLst>
-  </p:cSld>
-  <p:clrMapOvr>
-    <a:masterClrMapping/>
-  </p:clrMapOvr>
-</p:sld>
-</file>
-
-<file path=ppt/slides/slide9.xml><?xml version="1.0" encoding="utf-8"?>
-<p:sld xmlns:a="http://schemas.openxmlformats.org/drawingml/2006/main" xmlns:r="http://schemas.openxmlformats.org/officeDocument/2006/relationships" xmlns:p="http://schemas.openxmlformats.org/presentationml/2006/main">
-  <p:cSld>
-    <p:spTree>
-      <p:nvGrpSpPr>
-        <p:cNvPr id="1" name=""/>
-        <p:cNvGrpSpPr/>
-        <p:nvPr/>
-      </p:nvGrpSpPr>
-      <p:grpSpPr>
-        <a:xfrm>
-          <a:off x="0" y="0"/>
-          <a:ext cx="0" cy="0"/>
-          <a:chOff x="0" y="0"/>
-          <a:chExt cx="0" cy="0"/>
-        </a:xfrm>
-      </p:grpSpPr>
-      <p:sp>
-        <p:nvSpPr>
-          <p:cNvPr id="3" name="標題 2">
-            <a:extLst>
-              <a:ext uri="{FF2B5EF4-FFF2-40B4-BE49-F238E27FC236}">
-                <a16:creationId xmlns:a16="http://schemas.microsoft.com/office/drawing/2014/main" id="{EF277299-8610-4660-86B9-EE584C561AB1}"/>
-              </a:ext>
-            </a:extLst>
-          </p:cNvPr>
-          <p:cNvSpPr>
-            <a:spLocks noGrp="1"/>
-          </p:cNvSpPr>
-          <p:nvPr>
-            <p:ph type="title"/>
-          </p:nvPr>
-        </p:nvSpPr>
-        <p:spPr/>
-        <p:txBody>
-          <a:bodyPr/>
-          <a:lstStyle/>
-          <a:p>
-            <a:r>
-              <a:rPr lang="zh-TW" altLang="en-US" dirty="0"/>
-              <a:t>架構圖</a:t>
-            </a:r>
-          </a:p>
-        </p:txBody>
-      </p:sp>
-      <p:sp>
-        <p:nvSpPr>
-          <p:cNvPr id="2" name="投影片編號版面配置區 1">
-            <a:extLst>
-              <a:ext uri="{FF2B5EF4-FFF2-40B4-BE49-F238E27FC236}">
-                <a16:creationId xmlns:a16="http://schemas.microsoft.com/office/drawing/2014/main" id="{3ABA1C61-B2A2-4D29-8357-2466EE82EA36}"/>
-              </a:ext>
-            </a:extLst>
-          </p:cNvPr>
-          <p:cNvSpPr>
-            <a:spLocks noGrp="1"/>
-          </p:cNvSpPr>
-          <p:nvPr>
-            <p:ph type="sldNum" sz="quarter" idx="12"/>
-          </p:nvPr>
-        </p:nvSpPr>
-        <p:spPr/>
-        <p:txBody>
-          <a:bodyPr/>
-          <a:lstStyle/>
-          <a:p>
-            <a:fld id="{90F9E983-480B-48C5-9E0F-D21C0DFBB5C0}" type="slidenum">
-              <a:rPr lang="zh-TW" altLang="en-US" smtClean="0"/>
-              <a:t>9</a:t>
-            </a:fld>
-            <a:endParaRPr lang="zh-TW" altLang="en-US"/>
-          </a:p>
-        </p:txBody>
-      </p:sp>
-      <p:pic>
-        <p:nvPicPr>
-          <p:cNvPr id="5" name="圖片 4">
-            <a:extLst>
-              <a:ext uri="{FF2B5EF4-FFF2-40B4-BE49-F238E27FC236}">
-                <a16:creationId xmlns:a16="http://schemas.microsoft.com/office/drawing/2014/main" id="{7BBD1109-B03D-481A-9D88-A47836BEC086}"/>
-              </a:ext>
-            </a:extLst>
-          </p:cNvPr>
-          <p:cNvPicPr>
-            <a:picLocks noChangeAspect="1"/>
-          </p:cNvPicPr>
-          <p:nvPr/>
-        </p:nvPicPr>
-        <p:blipFill>
-          <a:blip r:embed="rId3">
-            <a:extLst>
-              <a:ext uri="{28A0092B-C50C-407E-A947-70E740481C1C}">
-                <a14:useLocalDpi xmlns:a14="http://schemas.microsoft.com/office/drawing/2010/main" val="0"/>
-              </a:ext>
-            </a:extLst>
-          </a:blip>
-          <a:stretch>
-            <a:fillRect/>
-          </a:stretch>
-        </p:blipFill>
-        <p:spPr>
-          <a:xfrm>
-            <a:off x="2461281" y="1246414"/>
-            <a:ext cx="7269437" cy="4947557"/>
-          </a:xfrm>
-          <a:prstGeom prst="rect">
-            <a:avLst/>
-          </a:prstGeom>
-        </p:spPr>
-      </p:pic>
-    </p:spTree>
-    <p:extLst>
-      <p:ext uri="{BB962C8B-B14F-4D97-AF65-F5344CB8AC3E}">
-        <p14:creationId xmlns:p14="http://schemas.microsoft.com/office/powerpoint/2010/main" val="131881464"/>
       </p:ext>
     </p:extLst>
   </p:cSld>

--- a/DevelopmentLog/Pingpong.pptx
+++ b/DevelopmentLog/Pingpong.pptx
@@ -5,10 +5,10 @@
     <p:sldMasterId id="2147483648" r:id="rId1"/>
   </p:sldMasterIdLst>
   <p:notesMasterIdLst>
-    <p:notesMasterId r:id="rId20"/>
+    <p:notesMasterId r:id="rId21"/>
   </p:notesMasterIdLst>
   <p:handoutMasterIdLst>
-    <p:handoutMasterId r:id="rId21"/>
+    <p:handoutMasterId r:id="rId22"/>
   </p:handoutMasterIdLst>
   <p:sldIdLst>
     <p:sldId id="1269" r:id="rId2"/>
@@ -26,9 +26,10 @@
     <p:sldId id="1900" r:id="rId14"/>
     <p:sldId id="1908" r:id="rId15"/>
     <p:sldId id="1679" r:id="rId16"/>
-    <p:sldId id="1914" r:id="rId17"/>
-    <p:sldId id="1689" r:id="rId18"/>
-    <p:sldId id="1905" r:id="rId19"/>
+    <p:sldId id="1920" r:id="rId17"/>
+    <p:sldId id="1914" r:id="rId18"/>
+    <p:sldId id="1689" r:id="rId19"/>
+    <p:sldId id="1905" r:id="rId20"/>
   </p:sldIdLst>
   <p:sldSz cx="12192000" cy="6858000"/>
   <p:notesSz cx="6858000" cy="9144000"/>
@@ -179,6 +180,7 @@
         </p14:section>
         <p14:section name="控管紀錄" id="{62F68368-A3FC-4474-B641-5FE861CF35CE}">
           <p14:sldIdLst>
+            <p14:sldId id="1920"/>
             <p14:sldId id="1914"/>
             <p14:sldId id="1689"/>
             <p14:sldId id="1905"/>
@@ -301,7 +303,7 @@
           <a:p>
             <a:fld id="{7829F8E0-05F2-4742-BB97-D2E4F51035C8}" type="datetimeFigureOut">
               <a:rPr lang="zh-TW" altLang="en-US" smtClean="0"/>
-              <a:t>2022/4/24</a:t>
+              <a:t>2022/4/29</a:t>
             </a:fld>
             <a:endParaRPr lang="zh-TW" altLang="en-US"/>
           </a:p>
@@ -467,7 +469,7 @@
           <a:p>
             <a:fld id="{2CB905C5-9D54-40E2-B40C-7996280CAB02}" type="datetimeFigureOut">
               <a:rPr lang="zh-TW" altLang="en-US" smtClean="0"/>
-              <a:t>2022/4/24</a:t>
+              <a:t>2022/4/29</a:t>
             </a:fld>
             <a:endParaRPr lang="zh-TW" altLang="en-US"/>
           </a:p>
@@ -1718,7 +1720,7 @@
           <a:p>
             <a:fld id="{6159871E-D63C-497D-8F95-E4A7E1968E41}" type="datetime1">
               <a:rPr lang="zh-TW" altLang="en-US" smtClean="0"/>
-              <a:t>2022/4/24</a:t>
+              <a:t>2022/4/29</a:t>
             </a:fld>
             <a:endParaRPr lang="zh-TW" altLang="en-US"/>
           </a:p>
@@ -1886,7 +1888,7 @@
           <a:p>
             <a:fld id="{A77C9BCE-B134-412F-AA9E-EF069E9432DF}" type="datetime1">
               <a:rPr lang="zh-TW" altLang="en-US" smtClean="0"/>
-              <a:t>2022/4/24</a:t>
+              <a:t>2022/4/29</a:t>
             </a:fld>
             <a:endParaRPr lang="zh-TW" altLang="en-US"/>
           </a:p>
@@ -2064,7 +2066,7 @@
           <a:p>
             <a:fld id="{323677BD-9BFE-420A-AF3D-81D697864505}" type="datetime1">
               <a:rPr lang="zh-TW" altLang="en-US" smtClean="0"/>
-              <a:t>2022/4/24</a:t>
+              <a:t>2022/4/29</a:t>
             </a:fld>
             <a:endParaRPr lang="zh-TW" altLang="en-US"/>
           </a:p>
@@ -2259,7 +2261,7 @@
           <a:p>
             <a:fld id="{1A45E334-A8B4-4231-9966-8CEF9140F055}" type="datetime1">
               <a:rPr lang="zh-TW" altLang="en-US" smtClean="0"/>
-              <a:t>2022/4/24</a:t>
+              <a:t>2022/4/29</a:t>
             </a:fld>
             <a:endParaRPr lang="zh-TW" altLang="en-US"/>
           </a:p>
@@ -2504,7 +2506,7 @@
           <a:p>
             <a:fld id="{3F3BFEC3-B45F-4FCE-B90B-B7A3BAD0E815}" type="datetime1">
               <a:rPr lang="zh-TW" altLang="en-US" smtClean="0"/>
-              <a:t>2022/4/24</a:t>
+              <a:t>2022/4/29</a:t>
             </a:fld>
             <a:endParaRPr lang="zh-TW" altLang="en-US"/>
           </a:p>
@@ -2733,7 +2735,7 @@
           <a:p>
             <a:fld id="{330F7733-B2DA-4822-A2BA-7F8B570BCEA4}" type="datetime1">
               <a:rPr lang="zh-TW" altLang="en-US" smtClean="0"/>
-              <a:t>2022/4/24</a:t>
+              <a:t>2022/4/29</a:t>
             </a:fld>
             <a:endParaRPr lang="zh-TW" altLang="en-US"/>
           </a:p>
@@ -3097,7 +3099,7 @@
           <a:p>
             <a:fld id="{67668710-0854-41DA-B800-CD53DFA64675}" type="datetime1">
               <a:rPr lang="zh-TW" altLang="en-US" smtClean="0"/>
-              <a:t>2022/4/24</a:t>
+              <a:t>2022/4/29</a:t>
             </a:fld>
             <a:endParaRPr lang="zh-TW" altLang="en-US"/>
           </a:p>
@@ -3214,7 +3216,7 @@
           <a:p>
             <a:fld id="{F3804869-B0AF-4137-A72A-7098933C473A}" type="datetime1">
               <a:rPr lang="zh-TW" altLang="en-US" smtClean="0"/>
-              <a:t>2022/4/24</a:t>
+              <a:t>2022/4/29</a:t>
             </a:fld>
             <a:endParaRPr lang="zh-TW" altLang="en-US"/>
           </a:p>
@@ -3309,7 +3311,7 @@
           <a:p>
             <a:fld id="{FDB5B0B8-23D9-453E-98B2-7DE711E7A867}" type="datetime1">
               <a:rPr lang="zh-TW" altLang="en-US" smtClean="0"/>
-              <a:t>2022/4/24</a:t>
+              <a:t>2022/4/29</a:t>
             </a:fld>
             <a:endParaRPr lang="zh-TW" altLang="en-US"/>
           </a:p>
@@ -3584,7 +3586,7 @@
           <a:p>
             <a:fld id="{03ED102F-296F-4D14-A812-50E354B97527}" type="datetime1">
               <a:rPr lang="zh-TW" altLang="en-US" smtClean="0"/>
-              <a:t>2022/4/24</a:t>
+              <a:t>2022/4/29</a:t>
             </a:fld>
             <a:endParaRPr lang="zh-TW" altLang="en-US"/>
           </a:p>
@@ -3836,7 +3838,7 @@
           <a:p>
             <a:fld id="{6BEC47B9-7618-490E-9D9C-1CAEF400DDF2}" type="datetime1">
               <a:rPr lang="zh-TW" altLang="en-US" smtClean="0"/>
-              <a:t>2022/4/24</a:t>
+              <a:t>2022/4/29</a:t>
             </a:fld>
             <a:endParaRPr lang="zh-TW" altLang="en-US"/>
           </a:p>
@@ -4049,7 +4051,7 @@
           <a:p>
             <a:fld id="{FC308D0F-3EFC-4DEC-A676-0DBC7A663400}" type="datetime1">
               <a:rPr lang="zh-TW" altLang="en-US" smtClean="0"/>
-              <a:t>2022/4/24</a:t>
+              <a:t>2022/4/29</a:t>
             </a:fld>
             <a:endParaRPr lang="zh-TW" altLang="en-US"/>
           </a:p>
@@ -6486,7 +6488,7 @@
           <p:cNvPr id="5" name="內容版面配置區 4">
             <a:extLst>
               <a:ext uri="{FF2B5EF4-FFF2-40B4-BE49-F238E27FC236}">
-                <a16:creationId xmlns:a16="http://schemas.microsoft.com/office/drawing/2014/main" id="{67BA9D5C-9E35-48A2-BCDA-59612874ADB4}"/>
+                <a16:creationId xmlns:a16="http://schemas.microsoft.com/office/drawing/2014/main" id="{6D47BB14-8D48-4FA4-86B3-84085E9C8CB7}"/>
               </a:ext>
             </a:extLst>
           </p:cNvPr>
@@ -6505,8 +6507,8 @@
         </p:blipFill>
         <p:spPr>
           <a:xfrm>
-            <a:off x="838200" y="3133566"/>
-            <a:ext cx="10515600" cy="1173480"/>
+            <a:off x="838200" y="3149266"/>
+            <a:ext cx="10515600" cy="1142080"/>
           </a:xfrm>
           <a:prstGeom prst="rect">
             <a:avLst/>
@@ -6518,7 +6520,7 @@
           <p:cNvPr id="3" name="標題 2">
             <a:extLst>
               <a:ext uri="{FF2B5EF4-FFF2-40B4-BE49-F238E27FC236}">
-                <a16:creationId xmlns:a16="http://schemas.microsoft.com/office/drawing/2014/main" id="{2D596D61-BA63-4935-8850-B2DDB5320A75}"/>
+                <a16:creationId xmlns:a16="http://schemas.microsoft.com/office/drawing/2014/main" id="{6147A46B-62C6-4290-9FF3-E70031F19672}"/>
               </a:ext>
             </a:extLst>
           </p:cNvPr>
@@ -6536,7 +6538,7 @@
           <a:p>
             <a:r>
               <a:rPr lang="en-US" altLang="zh-TW" dirty="0"/>
-              <a:t>2022/04/08 ~ 2022/04/15</a:t>
+              <a:t>2022/04/15 ~ 2022/04/22</a:t>
             </a:r>
             <a:endParaRPr lang="zh-TW" altLang="en-US" dirty="0"/>
           </a:p>
@@ -6547,7 +6549,7 @@
           <p:cNvPr id="4" name="投影片編號版面配置區 3">
             <a:extLst>
               <a:ext uri="{FF2B5EF4-FFF2-40B4-BE49-F238E27FC236}">
-                <a16:creationId xmlns:a16="http://schemas.microsoft.com/office/drawing/2014/main" id="{BBD911C3-99AB-4F79-825D-E9C61926F4CB}"/>
+                <a16:creationId xmlns:a16="http://schemas.microsoft.com/office/drawing/2014/main" id="{18D6E14B-0DB0-41D5-923E-84B085EECF13}"/>
               </a:ext>
             </a:extLst>
           </p:cNvPr>
@@ -6574,7 +6576,7 @@
     </p:spTree>
     <p:extLst>
       <p:ext uri="{BB962C8B-B14F-4D97-AF65-F5344CB8AC3E}">
-        <p14:creationId xmlns:p14="http://schemas.microsoft.com/office/powerpoint/2010/main" val="3810573088"/>
+        <p14:creationId xmlns:p14="http://schemas.microsoft.com/office/powerpoint/2010/main" val="1720080269"/>
       </p:ext>
     </p:extLst>
   </p:cSld>
@@ -6601,6 +6603,126 @@
           <a:chExt cx="0" cy="0"/>
         </a:xfrm>
       </p:grpSpPr>
+      <p:pic>
+        <p:nvPicPr>
+          <p:cNvPr id="5" name="內容版面配置區 4">
+            <a:extLst>
+              <a:ext uri="{FF2B5EF4-FFF2-40B4-BE49-F238E27FC236}">
+                <a16:creationId xmlns:a16="http://schemas.microsoft.com/office/drawing/2014/main" id="{67BA9D5C-9E35-48A2-BCDA-59612874ADB4}"/>
+              </a:ext>
+            </a:extLst>
+          </p:cNvPr>
+          <p:cNvPicPr>
+            <a:picLocks noGrp="1" noChangeAspect="1"/>
+          </p:cNvPicPr>
+          <p:nvPr>
+            <p:ph idx="1"/>
+          </p:nvPr>
+        </p:nvPicPr>
+        <p:blipFill>
+          <a:blip r:embed="rId2"/>
+          <a:stretch>
+            <a:fillRect/>
+          </a:stretch>
+        </p:blipFill>
+        <p:spPr>
+          <a:xfrm>
+            <a:off x="838200" y="3133566"/>
+            <a:ext cx="10515600" cy="1173480"/>
+          </a:xfrm>
+          <a:prstGeom prst="rect">
+            <a:avLst/>
+          </a:prstGeom>
+        </p:spPr>
+      </p:pic>
+      <p:sp>
+        <p:nvSpPr>
+          <p:cNvPr id="3" name="標題 2">
+            <a:extLst>
+              <a:ext uri="{FF2B5EF4-FFF2-40B4-BE49-F238E27FC236}">
+                <a16:creationId xmlns:a16="http://schemas.microsoft.com/office/drawing/2014/main" id="{2D596D61-BA63-4935-8850-B2DDB5320A75}"/>
+              </a:ext>
+            </a:extLst>
+          </p:cNvPr>
+          <p:cNvSpPr>
+            <a:spLocks noGrp="1"/>
+          </p:cNvSpPr>
+          <p:nvPr>
+            <p:ph type="title"/>
+          </p:nvPr>
+        </p:nvSpPr>
+        <p:spPr/>
+        <p:txBody>
+          <a:bodyPr/>
+          <a:lstStyle/>
+          <a:p>
+            <a:r>
+              <a:rPr lang="en-US" altLang="zh-TW" dirty="0"/>
+              <a:t>2022/04/08 ~ 2022/04/15</a:t>
+            </a:r>
+            <a:endParaRPr lang="zh-TW" altLang="en-US" dirty="0"/>
+          </a:p>
+        </p:txBody>
+      </p:sp>
+      <p:sp>
+        <p:nvSpPr>
+          <p:cNvPr id="4" name="投影片編號版面配置區 3">
+            <a:extLst>
+              <a:ext uri="{FF2B5EF4-FFF2-40B4-BE49-F238E27FC236}">
+                <a16:creationId xmlns:a16="http://schemas.microsoft.com/office/drawing/2014/main" id="{BBD911C3-99AB-4F79-825D-E9C61926F4CB}"/>
+              </a:ext>
+            </a:extLst>
+          </p:cNvPr>
+          <p:cNvSpPr>
+            <a:spLocks noGrp="1"/>
+          </p:cNvSpPr>
+          <p:nvPr>
+            <p:ph type="sldNum" sz="quarter" idx="12"/>
+          </p:nvPr>
+        </p:nvSpPr>
+        <p:spPr/>
+        <p:txBody>
+          <a:bodyPr/>
+          <a:lstStyle/>
+          <a:p>
+            <a:fld id="{90F9E983-480B-48C5-9E0F-D21C0DFBB5C0}" type="slidenum">
+              <a:rPr lang="zh-TW" altLang="en-US" smtClean="0"/>
+              <a:t>17</a:t>
+            </a:fld>
+            <a:endParaRPr lang="zh-TW" altLang="en-US"/>
+          </a:p>
+        </p:txBody>
+      </p:sp>
+    </p:spTree>
+    <p:extLst>
+      <p:ext uri="{BB962C8B-B14F-4D97-AF65-F5344CB8AC3E}">
+        <p14:creationId xmlns:p14="http://schemas.microsoft.com/office/powerpoint/2010/main" val="3810573088"/>
+      </p:ext>
+    </p:extLst>
+  </p:cSld>
+  <p:clrMapOvr>
+    <a:masterClrMapping/>
+  </p:clrMapOvr>
+</p:sld>
+</file>
+
+<file path=ppt/slides/slide18.xml><?xml version="1.0" encoding="utf-8"?>
+<p:sld xmlns:a="http://schemas.openxmlformats.org/drawingml/2006/main" xmlns:r="http://schemas.openxmlformats.org/officeDocument/2006/relationships" xmlns:p="http://schemas.openxmlformats.org/presentationml/2006/main">
+  <p:cSld>
+    <p:spTree>
+      <p:nvGrpSpPr>
+        <p:cNvPr id="1" name=""/>
+        <p:cNvGrpSpPr/>
+        <p:nvPr/>
+      </p:nvGrpSpPr>
+      <p:grpSpPr>
+        <a:xfrm>
+          <a:off x="0" y="0"/>
+          <a:ext cx="0" cy="0"/>
+          <a:chOff x="0" y="0"/>
+          <a:chExt cx="0" cy="0"/>
+        </a:xfrm>
+      </p:grpSpPr>
       <p:sp>
         <p:nvSpPr>
           <p:cNvPr id="3" name="標題 2">
@@ -6653,7 +6775,7 @@
           <a:p>
             <a:fld id="{90F9E983-480B-48C5-9E0F-D21C0DFBB5C0}" type="slidenum">
               <a:rPr lang="zh-TW" altLang="en-US" smtClean="0"/>
-              <a:t>17</a:t>
+              <a:t>18</a:t>
             </a:fld>
             <a:endParaRPr lang="zh-TW" altLang="en-US"/>
           </a:p>
@@ -6702,7 +6824,7 @@
 </p:sld>
 </file>
 
-<file path=ppt/slides/slide18.xml><?xml version="1.0" encoding="utf-8"?>
+<file path=ppt/slides/slide19.xml><?xml version="1.0" encoding="utf-8"?>
 <p:sld xmlns:a="http://schemas.openxmlformats.org/drawingml/2006/main" xmlns:r="http://schemas.openxmlformats.org/officeDocument/2006/relationships" xmlns:p="http://schemas.openxmlformats.org/presentationml/2006/main">
   <p:cSld>
     <p:spTree>
@@ -6771,7 +6893,7 @@
           <a:p>
             <a:fld id="{90F9E983-480B-48C5-9E0F-D21C0DFBB5C0}" type="slidenum">
               <a:rPr lang="zh-TW" altLang="en-US" smtClean="0"/>
-              <a:t>18</a:t>
+              <a:t>19</a:t>
             </a:fld>
             <a:endParaRPr lang="zh-TW" altLang="en-US"/>
           </a:p>

--- a/DevelopmentLog/Pingpong.pptx
+++ b/DevelopmentLog/Pingpong.pptx
@@ -5,10 +5,10 @@
     <p:sldMasterId id="2147483648" r:id="rId1"/>
   </p:sldMasterIdLst>
   <p:notesMasterIdLst>
-    <p:notesMasterId r:id="rId31"/>
+    <p:notesMasterId r:id="rId35"/>
   </p:notesMasterIdLst>
   <p:handoutMasterIdLst>
-    <p:handoutMasterId r:id="rId32"/>
+    <p:handoutMasterId r:id="rId36"/>
   </p:handoutMasterIdLst>
   <p:sldIdLst>
     <p:sldId id="1269" r:id="rId2"/>
@@ -22,24 +22,28 @@
     <p:sldId id="1922" r:id="rId10"/>
     <p:sldId id="1923" r:id="rId11"/>
     <p:sldId id="1929" r:id="rId12"/>
-    <p:sldId id="1930" r:id="rId13"/>
-    <p:sldId id="1931" r:id="rId14"/>
-    <p:sldId id="1932" r:id="rId15"/>
-    <p:sldId id="1916" r:id="rId16"/>
-    <p:sldId id="1915" r:id="rId17"/>
-    <p:sldId id="1917" r:id="rId18"/>
-    <p:sldId id="1919" r:id="rId19"/>
-    <p:sldId id="1912" r:id="rId20"/>
-    <p:sldId id="1913" r:id="rId21"/>
-    <p:sldId id="1910" r:id="rId22"/>
-    <p:sldId id="1911" r:id="rId23"/>
-    <p:sldId id="1900" r:id="rId24"/>
-    <p:sldId id="1908" r:id="rId25"/>
-    <p:sldId id="1679" r:id="rId26"/>
-    <p:sldId id="1920" r:id="rId27"/>
-    <p:sldId id="1914" r:id="rId28"/>
-    <p:sldId id="1689" r:id="rId29"/>
-    <p:sldId id="1905" r:id="rId30"/>
+    <p:sldId id="1937" r:id="rId13"/>
+    <p:sldId id="1936" r:id="rId14"/>
+    <p:sldId id="1938" r:id="rId15"/>
+    <p:sldId id="1930" r:id="rId16"/>
+    <p:sldId id="1931" r:id="rId17"/>
+    <p:sldId id="1932" r:id="rId18"/>
+    <p:sldId id="1916" r:id="rId19"/>
+    <p:sldId id="1915" r:id="rId20"/>
+    <p:sldId id="1917" r:id="rId21"/>
+    <p:sldId id="1919" r:id="rId22"/>
+    <p:sldId id="1912" r:id="rId23"/>
+    <p:sldId id="1913" r:id="rId24"/>
+    <p:sldId id="1910" r:id="rId25"/>
+    <p:sldId id="1911" r:id="rId26"/>
+    <p:sldId id="1900" r:id="rId27"/>
+    <p:sldId id="1908" r:id="rId28"/>
+    <p:sldId id="1679" r:id="rId29"/>
+    <p:sldId id="1935" r:id="rId30"/>
+    <p:sldId id="1920" r:id="rId31"/>
+    <p:sldId id="1914" r:id="rId32"/>
+    <p:sldId id="1689" r:id="rId33"/>
+    <p:sldId id="1905" r:id="rId34"/>
   </p:sldIdLst>
   <p:sldSz cx="12192000" cy="6858000"/>
   <p:notesSz cx="6858000" cy="9144000"/>
@@ -166,6 +170,9 @@
             <p14:sldId id="1922"/>
             <p14:sldId id="1923"/>
             <p14:sldId id="1929"/>
+            <p14:sldId id="1937"/>
+            <p14:sldId id="1936"/>
+            <p14:sldId id="1938"/>
             <p14:sldId id="1930"/>
             <p14:sldId id="1931"/>
             <p14:sldId id="1932"/>
@@ -204,6 +211,7 @@
         </p14:section>
         <p14:section name="控管紀錄" id="{62F68368-A3FC-4474-B641-5FE861CF35CE}">
           <p14:sldIdLst>
+            <p14:sldId id="1935"/>
             <p14:sldId id="1920"/>
             <p14:sldId id="1914"/>
             <p14:sldId id="1689"/>
@@ -910,7 +918,7 @@
           <a:p>
             <a:fld id="{EF8A6B0B-A5FB-4629-B823-69B1A9EB3A43}" type="slidenum">
               <a:rPr lang="zh-TW" altLang="en-US" smtClean="0"/>
-              <a:t>22</a:t>
+              <a:t>25</a:t>
             </a:fld>
             <a:endParaRPr lang="zh-TW" altLang="en-US"/>
           </a:p>
@@ -1024,7 +1032,7 @@
           <a:p>
             <a:fld id="{EF8A6B0B-A5FB-4629-B823-69B1A9EB3A43}" type="slidenum">
               <a:rPr lang="zh-TW" altLang="en-US" smtClean="0"/>
-              <a:t>24</a:t>
+              <a:t>27</a:t>
             </a:fld>
             <a:endParaRPr lang="zh-TW" altLang="en-US"/>
           </a:p>
@@ -1397,7 +1405,7 @@
           <a:p>
             <a:fld id="{EF8A6B0B-A5FB-4629-B823-69B1A9EB3A43}" type="slidenum">
               <a:rPr lang="zh-TW" altLang="en-US" smtClean="0"/>
-              <a:t>18</a:t>
+              <a:t>21</a:t>
             </a:fld>
             <a:endParaRPr lang="zh-TW" altLang="en-US"/>
           </a:p>
@@ -1536,7 +1544,7 @@
           <a:p>
             <a:fld id="{EF8A6B0B-A5FB-4629-B823-69B1A9EB3A43}" type="slidenum">
               <a:rPr lang="zh-TW" altLang="en-US" smtClean="0"/>
-              <a:t>20</a:t>
+              <a:t>23</a:t>
             </a:fld>
             <a:endParaRPr lang="zh-TW" altLang="en-US"/>
           </a:p>
@@ -4972,7 +4980,7 @@
             </a:r>
             <a:r>
               <a:rPr lang="en-US" altLang="zh-TW" dirty="0"/>
-              <a:t>(6/10)</a:t>
+              <a:t>(6/13)</a:t>
             </a:r>
             <a:endParaRPr lang="zh-TW" altLang="en-US" dirty="0"/>
           </a:p>
@@ -5276,7 +5284,7 @@
             </a:r>
             <a:r>
               <a:rPr lang="en-US" altLang="zh-TW" dirty="0"/>
-              <a:t>(7/10)</a:t>
+              <a:t>(7/13)</a:t>
             </a:r>
             <a:endParaRPr lang="zh-TW" altLang="en-US" dirty="0"/>
           </a:p>
@@ -5987,6 +5995,907 @@
           <a:chExt cx="0" cy="0"/>
         </a:xfrm>
       </p:grpSpPr>
+      <p:sp>
+        <p:nvSpPr>
+          <p:cNvPr id="3" name="標題 2">
+            <a:extLst>
+              <a:ext uri="{FF2B5EF4-FFF2-40B4-BE49-F238E27FC236}">
+                <a16:creationId xmlns:a16="http://schemas.microsoft.com/office/drawing/2014/main" id="{D0E69C56-5E39-45AA-A018-B9E679278F88}"/>
+              </a:ext>
+            </a:extLst>
+          </p:cNvPr>
+          <p:cNvSpPr>
+            <a:spLocks noGrp="1"/>
+          </p:cNvSpPr>
+          <p:nvPr>
+            <p:ph type="title"/>
+          </p:nvPr>
+        </p:nvSpPr>
+        <p:spPr/>
+        <p:txBody>
+          <a:bodyPr/>
+          <a:lstStyle/>
+          <a:p>
+            <a:r>
+              <a:rPr lang="en-US" altLang="zh-TW" dirty="0"/>
+              <a:t>Interrupt</a:t>
+            </a:r>
+            <a:r>
+              <a:rPr lang="zh-TW" altLang="en-US" dirty="0"/>
+              <a:t>範例 </a:t>
+            </a:r>
+            <a:r>
+              <a:rPr lang="en-US" altLang="zh-TW" dirty="0"/>
+              <a:t>(8/13)</a:t>
+            </a:r>
+            <a:endParaRPr lang="zh-TW" altLang="en-US" dirty="0"/>
+          </a:p>
+        </p:txBody>
+      </p:sp>
+      <p:sp>
+        <p:nvSpPr>
+          <p:cNvPr id="4" name="投影片編號版面配置區 3">
+            <a:extLst>
+              <a:ext uri="{FF2B5EF4-FFF2-40B4-BE49-F238E27FC236}">
+                <a16:creationId xmlns:a16="http://schemas.microsoft.com/office/drawing/2014/main" id="{ECF1839E-E8B1-48F3-9A10-E40DC562E555}"/>
+              </a:ext>
+            </a:extLst>
+          </p:cNvPr>
+          <p:cNvSpPr>
+            <a:spLocks noGrp="1"/>
+          </p:cNvSpPr>
+          <p:nvPr>
+            <p:ph type="sldNum" sz="quarter" idx="12"/>
+          </p:nvPr>
+        </p:nvSpPr>
+        <p:spPr>
+          <a:xfrm>
+            <a:off x="8610600" y="6356350"/>
+            <a:ext cx="2743200" cy="365125"/>
+          </a:xfrm>
+        </p:spPr>
+        <p:txBody>
+          <a:bodyPr/>
+          <a:lstStyle/>
+          <a:p>
+            <a:fld id="{90F9E983-480B-48C5-9E0F-D21C0DFBB5C0}" type="slidenum">
+              <a:rPr lang="zh-TW" altLang="en-US" smtClean="0"/>
+              <a:t>12</a:t>
+            </a:fld>
+            <a:endParaRPr lang="zh-TW" altLang="en-US" dirty="0"/>
+          </a:p>
+        </p:txBody>
+      </p:sp>
+      <p:pic>
+        <p:nvPicPr>
+          <p:cNvPr id="5" name="圖片 4">
+            <a:extLst>
+              <a:ext uri="{FF2B5EF4-FFF2-40B4-BE49-F238E27FC236}">
+                <a16:creationId xmlns:a16="http://schemas.microsoft.com/office/drawing/2014/main" id="{6F026F8D-A1C1-4498-9C62-E96A46504573}"/>
+              </a:ext>
+            </a:extLst>
+          </p:cNvPr>
+          <p:cNvPicPr>
+            <a:picLocks noChangeAspect="1"/>
+          </p:cNvPicPr>
+          <p:nvPr/>
+        </p:nvPicPr>
+        <p:blipFill>
+          <a:blip r:embed="rId2"/>
+          <a:stretch>
+            <a:fillRect/>
+          </a:stretch>
+        </p:blipFill>
+        <p:spPr>
+          <a:xfrm>
+            <a:off x="3281994" y="1660497"/>
+            <a:ext cx="5212178" cy="4653433"/>
+          </a:xfrm>
+          <a:prstGeom prst="rect">
+            <a:avLst/>
+          </a:prstGeom>
+        </p:spPr>
+      </p:pic>
+      <p:sp>
+        <p:nvSpPr>
+          <p:cNvPr id="6" name="矩形 5">
+            <a:extLst>
+              <a:ext uri="{FF2B5EF4-FFF2-40B4-BE49-F238E27FC236}">
+                <a16:creationId xmlns:a16="http://schemas.microsoft.com/office/drawing/2014/main" id="{D7F2E588-677D-4964-B327-801CE607A54E}"/>
+              </a:ext>
+            </a:extLst>
+          </p:cNvPr>
+          <p:cNvSpPr/>
+          <p:nvPr/>
+        </p:nvSpPr>
+        <p:spPr>
+          <a:xfrm>
+            <a:off x="3281993" y="3221976"/>
+            <a:ext cx="4088625" cy="434109"/>
+          </a:xfrm>
+          <a:prstGeom prst="rect">
+            <a:avLst/>
+          </a:prstGeom>
+          <a:noFill/>
+          <a:ln w="19050">
+            <a:solidFill>
+              <a:srgbClr val="FF0000"/>
+            </a:solidFill>
+          </a:ln>
+        </p:spPr>
+        <p:style>
+          <a:lnRef idx="2">
+            <a:schemeClr val="accent1">
+              <a:shade val="50000"/>
+            </a:schemeClr>
+          </a:lnRef>
+          <a:fillRef idx="1">
+            <a:schemeClr val="accent1"/>
+          </a:fillRef>
+          <a:effectRef idx="0">
+            <a:schemeClr val="accent1"/>
+          </a:effectRef>
+          <a:fontRef idx="minor">
+            <a:schemeClr val="lt1"/>
+          </a:fontRef>
+        </p:style>
+        <p:txBody>
+          <a:bodyPr rtlCol="0" anchor="ctr"/>
+          <a:lstStyle/>
+          <a:p>
+            <a:pPr algn="ctr"/>
+            <a:endParaRPr lang="zh-TW" altLang="en-US"/>
+          </a:p>
+        </p:txBody>
+      </p:sp>
+      <p:sp>
+        <p:nvSpPr>
+          <p:cNvPr id="7" name="文字方塊 6">
+            <a:extLst>
+              <a:ext uri="{FF2B5EF4-FFF2-40B4-BE49-F238E27FC236}">
+                <a16:creationId xmlns:a16="http://schemas.microsoft.com/office/drawing/2014/main" id="{CBF73DE5-B8C8-482E-9456-84E15E450267}"/>
+              </a:ext>
+            </a:extLst>
+          </p:cNvPr>
+          <p:cNvSpPr txBox="1"/>
+          <p:nvPr/>
+        </p:nvSpPr>
+        <p:spPr>
+          <a:xfrm>
+            <a:off x="2927857" y="1475831"/>
+            <a:ext cx="6336286" cy="369332"/>
+          </a:xfrm>
+          <a:prstGeom prst="rect">
+            <a:avLst/>
+          </a:prstGeom>
+          <a:noFill/>
+        </p:spPr>
+        <p:txBody>
+          <a:bodyPr wrap="none" rtlCol="0">
+            <a:spAutoFit/>
+          </a:bodyPr>
+          <a:lstStyle/>
+          <a:p>
+            <a:r>
+              <a:rPr lang="en-US" altLang="zh-TW" dirty="0">
+                <a:solidFill>
+                  <a:srgbClr val="FF0000"/>
+                </a:solidFill>
+                <a:latin typeface="-apple-system"/>
+              </a:rPr>
+              <a:t>\ps7_cortexa9_0\</a:t>
+            </a:r>
+            <a:r>
+              <a:rPr lang="en-US" altLang="zh-TW" dirty="0" err="1">
+                <a:solidFill>
+                  <a:srgbClr val="FF0000"/>
+                </a:solidFill>
+                <a:latin typeface="-apple-system"/>
+              </a:rPr>
+              <a:t>libsrc</a:t>
+            </a:r>
+            <a:r>
+              <a:rPr lang="en-US" altLang="zh-TW" dirty="0">
+                <a:solidFill>
+                  <a:srgbClr val="FF0000"/>
+                </a:solidFill>
+                <a:latin typeface="-apple-system"/>
+              </a:rPr>
+              <a:t>\standalone_v5_2\include\ </a:t>
+            </a:r>
+            <a:r>
+              <a:rPr lang="en-US" altLang="zh-TW" dirty="0" err="1">
+                <a:solidFill>
+                  <a:srgbClr val="FF0000"/>
+                </a:solidFill>
+                <a:latin typeface="-apple-system"/>
+              </a:rPr>
+              <a:t>xscugic_hw.h</a:t>
+            </a:r>
+            <a:endParaRPr lang="zh-TW" altLang="en-US" dirty="0">
+              <a:solidFill>
+                <a:srgbClr val="FF0000"/>
+              </a:solidFill>
+              <a:latin typeface="-apple-system"/>
+            </a:endParaRPr>
+          </a:p>
+        </p:txBody>
+      </p:sp>
+      <p:sp>
+        <p:nvSpPr>
+          <p:cNvPr id="8" name="文字方塊 7">
+            <a:extLst>
+              <a:ext uri="{FF2B5EF4-FFF2-40B4-BE49-F238E27FC236}">
+                <a16:creationId xmlns:a16="http://schemas.microsoft.com/office/drawing/2014/main" id="{E61D1197-B03A-4282-A6DD-BAAD65B38724}"/>
+              </a:ext>
+            </a:extLst>
+          </p:cNvPr>
+          <p:cNvSpPr txBox="1"/>
+          <p:nvPr/>
+        </p:nvSpPr>
+        <p:spPr>
+          <a:xfrm>
+            <a:off x="838198" y="1190191"/>
+            <a:ext cx="3577307" cy="369332"/>
+          </a:xfrm>
+          <a:prstGeom prst="rect">
+            <a:avLst/>
+          </a:prstGeom>
+          <a:noFill/>
+        </p:spPr>
+        <p:txBody>
+          <a:bodyPr wrap="square">
+            <a:spAutoFit/>
+          </a:bodyPr>
+          <a:lstStyle/>
+          <a:p>
+            <a:pPr marL="285750" indent="-285750">
+              <a:buFont typeface="Wingdings" panose="05000000000000000000" pitchFamily="2" charset="2"/>
+              <a:buChar char="n"/>
+            </a:pPr>
+            <a:r>
+              <a:rPr lang="en-US" altLang="zh-TW" dirty="0"/>
+              <a:t>GIC pending</a:t>
+            </a:r>
+            <a:endParaRPr lang="en-US" altLang="zh-TW" dirty="0">
+              <a:latin typeface="標楷體" panose="03000509000000000000" pitchFamily="65" charset="-120"/>
+              <a:ea typeface="標楷體" panose="03000509000000000000" pitchFamily="65" charset="-120"/>
+            </a:endParaRPr>
+          </a:p>
+        </p:txBody>
+      </p:sp>
+    </p:spTree>
+    <p:extLst>
+      <p:ext uri="{BB962C8B-B14F-4D97-AF65-F5344CB8AC3E}">
+        <p14:creationId xmlns:p14="http://schemas.microsoft.com/office/powerpoint/2010/main" val="910254930"/>
+      </p:ext>
+    </p:extLst>
+  </p:cSld>
+  <p:clrMapOvr>
+    <a:masterClrMapping/>
+  </p:clrMapOvr>
+</p:sld>
+</file>
+
+<file path=ppt/slides/slide13.xml><?xml version="1.0" encoding="utf-8"?>
+<p:sld xmlns:a="http://schemas.openxmlformats.org/drawingml/2006/main" xmlns:r="http://schemas.openxmlformats.org/officeDocument/2006/relationships" xmlns:p="http://schemas.openxmlformats.org/presentationml/2006/main">
+  <p:cSld>
+    <p:spTree>
+      <p:nvGrpSpPr>
+        <p:cNvPr id="1" name=""/>
+        <p:cNvGrpSpPr/>
+        <p:nvPr/>
+      </p:nvGrpSpPr>
+      <p:grpSpPr>
+        <a:xfrm>
+          <a:off x="0" y="0"/>
+          <a:ext cx="0" cy="0"/>
+          <a:chOff x="0" y="0"/>
+          <a:chExt cx="0" cy="0"/>
+        </a:xfrm>
+      </p:grpSpPr>
+      <p:sp>
+        <p:nvSpPr>
+          <p:cNvPr id="3" name="標題 2">
+            <a:extLst>
+              <a:ext uri="{FF2B5EF4-FFF2-40B4-BE49-F238E27FC236}">
+                <a16:creationId xmlns:a16="http://schemas.microsoft.com/office/drawing/2014/main" id="{D0E69C56-5E39-45AA-A018-B9E679278F88}"/>
+              </a:ext>
+            </a:extLst>
+          </p:cNvPr>
+          <p:cNvSpPr>
+            <a:spLocks noGrp="1"/>
+          </p:cNvSpPr>
+          <p:nvPr>
+            <p:ph type="title"/>
+          </p:nvPr>
+        </p:nvSpPr>
+        <p:spPr/>
+        <p:txBody>
+          <a:bodyPr/>
+          <a:lstStyle/>
+          <a:p>
+            <a:r>
+              <a:rPr lang="en-US" altLang="zh-TW" dirty="0"/>
+              <a:t>Interrupt</a:t>
+            </a:r>
+            <a:r>
+              <a:rPr lang="zh-TW" altLang="en-US" dirty="0"/>
+              <a:t>範例 </a:t>
+            </a:r>
+            <a:r>
+              <a:rPr lang="en-US" altLang="zh-TW" dirty="0"/>
+              <a:t>(9/13)</a:t>
+            </a:r>
+            <a:endParaRPr lang="zh-TW" altLang="en-US" dirty="0"/>
+          </a:p>
+        </p:txBody>
+      </p:sp>
+      <p:sp>
+        <p:nvSpPr>
+          <p:cNvPr id="4" name="投影片編號版面配置區 3">
+            <a:extLst>
+              <a:ext uri="{FF2B5EF4-FFF2-40B4-BE49-F238E27FC236}">
+                <a16:creationId xmlns:a16="http://schemas.microsoft.com/office/drawing/2014/main" id="{ECF1839E-E8B1-48F3-9A10-E40DC562E555}"/>
+              </a:ext>
+            </a:extLst>
+          </p:cNvPr>
+          <p:cNvSpPr>
+            <a:spLocks noGrp="1"/>
+          </p:cNvSpPr>
+          <p:nvPr>
+            <p:ph type="sldNum" sz="quarter" idx="12"/>
+          </p:nvPr>
+        </p:nvSpPr>
+        <p:spPr/>
+        <p:txBody>
+          <a:bodyPr/>
+          <a:lstStyle/>
+          <a:p>
+            <a:fld id="{90F9E983-480B-48C5-9E0F-D21C0DFBB5C0}" type="slidenum">
+              <a:rPr lang="zh-TW" altLang="en-US" smtClean="0"/>
+              <a:t>13</a:t>
+            </a:fld>
+            <a:endParaRPr lang="zh-TW" altLang="en-US"/>
+          </a:p>
+        </p:txBody>
+      </p:sp>
+      <p:pic>
+        <p:nvPicPr>
+          <p:cNvPr id="6" name="圖片 5">
+            <a:extLst>
+              <a:ext uri="{FF2B5EF4-FFF2-40B4-BE49-F238E27FC236}">
+                <a16:creationId xmlns:a16="http://schemas.microsoft.com/office/drawing/2014/main" id="{7B798361-FCCB-463F-922D-A229511F081E}"/>
+              </a:ext>
+            </a:extLst>
+          </p:cNvPr>
+          <p:cNvPicPr>
+            <a:picLocks noChangeAspect="1"/>
+          </p:cNvPicPr>
+          <p:nvPr/>
+        </p:nvPicPr>
+        <p:blipFill>
+          <a:blip r:embed="rId2"/>
+          <a:stretch>
+            <a:fillRect/>
+          </a:stretch>
+        </p:blipFill>
+        <p:spPr>
+          <a:xfrm>
+            <a:off x="593935" y="2560394"/>
+            <a:ext cx="11004130" cy="2205570"/>
+          </a:xfrm>
+          <a:prstGeom prst="rect">
+            <a:avLst/>
+          </a:prstGeom>
+        </p:spPr>
+      </p:pic>
+      <p:sp>
+        <p:nvSpPr>
+          <p:cNvPr id="7" name="矩形 6">
+            <a:extLst>
+              <a:ext uri="{FF2B5EF4-FFF2-40B4-BE49-F238E27FC236}">
+                <a16:creationId xmlns:a16="http://schemas.microsoft.com/office/drawing/2014/main" id="{E9937CFD-BD23-4C8F-A60F-275722FD778D}"/>
+              </a:ext>
+            </a:extLst>
+          </p:cNvPr>
+          <p:cNvSpPr/>
+          <p:nvPr/>
+        </p:nvSpPr>
+        <p:spPr>
+          <a:xfrm>
+            <a:off x="1103664" y="4119418"/>
+            <a:ext cx="8917791" cy="434109"/>
+          </a:xfrm>
+          <a:prstGeom prst="rect">
+            <a:avLst/>
+          </a:prstGeom>
+          <a:noFill/>
+          <a:ln w="19050">
+            <a:solidFill>
+              <a:srgbClr val="FF0000"/>
+            </a:solidFill>
+          </a:ln>
+        </p:spPr>
+        <p:style>
+          <a:lnRef idx="2">
+            <a:schemeClr val="accent1">
+              <a:shade val="50000"/>
+            </a:schemeClr>
+          </a:lnRef>
+          <a:fillRef idx="1">
+            <a:schemeClr val="accent1"/>
+          </a:fillRef>
+          <a:effectRef idx="0">
+            <a:schemeClr val="accent1"/>
+          </a:effectRef>
+          <a:fontRef idx="minor">
+            <a:schemeClr val="lt1"/>
+          </a:fontRef>
+        </p:style>
+        <p:txBody>
+          <a:bodyPr rtlCol="0" anchor="ctr"/>
+          <a:lstStyle/>
+          <a:p>
+            <a:pPr algn="ctr"/>
+            <a:endParaRPr lang="zh-TW" altLang="en-US"/>
+          </a:p>
+        </p:txBody>
+      </p:sp>
+      <p:sp>
+        <p:nvSpPr>
+          <p:cNvPr id="8" name="文字方塊 7">
+            <a:extLst>
+              <a:ext uri="{FF2B5EF4-FFF2-40B4-BE49-F238E27FC236}">
+                <a16:creationId xmlns:a16="http://schemas.microsoft.com/office/drawing/2014/main" id="{1F3AF44D-1604-4A24-A8D7-A266AB28CC17}"/>
+              </a:ext>
+            </a:extLst>
+          </p:cNvPr>
+          <p:cNvSpPr txBox="1"/>
+          <p:nvPr/>
+        </p:nvSpPr>
+        <p:spPr>
+          <a:xfrm>
+            <a:off x="1653831" y="2637222"/>
+            <a:ext cx="6336286" cy="369332"/>
+          </a:xfrm>
+          <a:prstGeom prst="rect">
+            <a:avLst/>
+          </a:prstGeom>
+          <a:noFill/>
+        </p:spPr>
+        <p:txBody>
+          <a:bodyPr wrap="none" rtlCol="0">
+            <a:spAutoFit/>
+          </a:bodyPr>
+          <a:lstStyle/>
+          <a:p>
+            <a:r>
+              <a:rPr lang="en-US" altLang="zh-TW" dirty="0">
+                <a:solidFill>
+                  <a:srgbClr val="FF0000"/>
+                </a:solidFill>
+                <a:latin typeface="-apple-system"/>
+              </a:rPr>
+              <a:t>\ps7_cortexa9_0\</a:t>
+            </a:r>
+            <a:r>
+              <a:rPr lang="en-US" altLang="zh-TW" dirty="0" err="1">
+                <a:solidFill>
+                  <a:srgbClr val="FF0000"/>
+                </a:solidFill>
+                <a:latin typeface="-apple-system"/>
+              </a:rPr>
+              <a:t>libsrc</a:t>
+            </a:r>
+            <a:r>
+              <a:rPr lang="en-US" altLang="zh-TW" dirty="0">
+                <a:solidFill>
+                  <a:srgbClr val="FF0000"/>
+                </a:solidFill>
+                <a:latin typeface="-apple-system"/>
+              </a:rPr>
+              <a:t>\standalone_v5_2\include\ </a:t>
+            </a:r>
+            <a:r>
+              <a:rPr lang="en-US" altLang="zh-TW" dirty="0" err="1">
+                <a:solidFill>
+                  <a:srgbClr val="FF0000"/>
+                </a:solidFill>
+                <a:latin typeface="-apple-system"/>
+              </a:rPr>
+              <a:t>xscugic_hw.h</a:t>
+            </a:r>
+            <a:endParaRPr lang="zh-TW" altLang="en-US" dirty="0">
+              <a:solidFill>
+                <a:srgbClr val="FF0000"/>
+              </a:solidFill>
+              <a:latin typeface="-apple-system"/>
+            </a:endParaRPr>
+          </a:p>
+        </p:txBody>
+      </p:sp>
+      <p:sp>
+        <p:nvSpPr>
+          <p:cNvPr id="9" name="文字方塊 8">
+            <a:extLst>
+              <a:ext uri="{FF2B5EF4-FFF2-40B4-BE49-F238E27FC236}">
+                <a16:creationId xmlns:a16="http://schemas.microsoft.com/office/drawing/2014/main" id="{370A3087-8A21-4252-9E23-2AE5AD8CF0BD}"/>
+              </a:ext>
+            </a:extLst>
+          </p:cNvPr>
+          <p:cNvSpPr txBox="1"/>
+          <p:nvPr/>
+        </p:nvSpPr>
+        <p:spPr>
+          <a:xfrm>
+            <a:off x="838198" y="1190191"/>
+            <a:ext cx="10515600" cy="369332"/>
+          </a:xfrm>
+          <a:prstGeom prst="rect">
+            <a:avLst/>
+          </a:prstGeom>
+          <a:noFill/>
+        </p:spPr>
+        <p:txBody>
+          <a:bodyPr wrap="square">
+            <a:spAutoFit/>
+          </a:bodyPr>
+          <a:lstStyle/>
+          <a:p>
+            <a:pPr marL="285750" indent="-285750">
+              <a:buFont typeface="Wingdings" panose="05000000000000000000" pitchFamily="2" charset="2"/>
+              <a:buChar char="n"/>
+            </a:pPr>
+            <a:r>
+              <a:rPr lang="en-US" altLang="zh-TW" dirty="0"/>
+              <a:t>GIC MASK</a:t>
+            </a:r>
+            <a:r>
+              <a:rPr lang="zh-TW" altLang="en-US" dirty="0">
+                <a:latin typeface="標楷體" panose="03000509000000000000" pitchFamily="65" charset="-120"/>
+                <a:ea typeface="標楷體" panose="03000509000000000000" pitchFamily="65" charset="-120"/>
+              </a:rPr>
+              <a:t>暫存器</a:t>
+            </a:r>
+            <a:endParaRPr lang="en-US" altLang="zh-TW" dirty="0">
+              <a:latin typeface="標楷體" panose="03000509000000000000" pitchFamily="65" charset="-120"/>
+              <a:ea typeface="標楷體" panose="03000509000000000000" pitchFamily="65" charset="-120"/>
+            </a:endParaRPr>
+          </a:p>
+        </p:txBody>
+      </p:sp>
+    </p:spTree>
+    <p:extLst>
+      <p:ext uri="{BB962C8B-B14F-4D97-AF65-F5344CB8AC3E}">
+        <p14:creationId xmlns:p14="http://schemas.microsoft.com/office/powerpoint/2010/main" val="3983371403"/>
+      </p:ext>
+    </p:extLst>
+  </p:cSld>
+  <p:clrMapOvr>
+    <a:masterClrMapping/>
+  </p:clrMapOvr>
+</p:sld>
+</file>
+
+<file path=ppt/slides/slide14.xml><?xml version="1.0" encoding="utf-8"?>
+<p:sld xmlns:a="http://schemas.openxmlformats.org/drawingml/2006/main" xmlns:r="http://schemas.openxmlformats.org/officeDocument/2006/relationships" xmlns:p="http://schemas.openxmlformats.org/presentationml/2006/main">
+  <p:cSld>
+    <p:spTree>
+      <p:nvGrpSpPr>
+        <p:cNvPr id="1" name=""/>
+        <p:cNvGrpSpPr/>
+        <p:nvPr/>
+      </p:nvGrpSpPr>
+      <p:grpSpPr>
+        <a:xfrm>
+          <a:off x="0" y="0"/>
+          <a:ext cx="0" cy="0"/>
+          <a:chOff x="0" y="0"/>
+          <a:chExt cx="0" cy="0"/>
+        </a:xfrm>
+      </p:grpSpPr>
+      <p:sp>
+        <p:nvSpPr>
+          <p:cNvPr id="3" name="標題 2">
+            <a:extLst>
+              <a:ext uri="{FF2B5EF4-FFF2-40B4-BE49-F238E27FC236}">
+                <a16:creationId xmlns:a16="http://schemas.microsoft.com/office/drawing/2014/main" id="{D0E69C56-5E39-45AA-A018-B9E679278F88}"/>
+              </a:ext>
+            </a:extLst>
+          </p:cNvPr>
+          <p:cNvSpPr>
+            <a:spLocks noGrp="1"/>
+          </p:cNvSpPr>
+          <p:nvPr>
+            <p:ph type="title"/>
+          </p:nvPr>
+        </p:nvSpPr>
+        <p:spPr/>
+        <p:txBody>
+          <a:bodyPr/>
+          <a:lstStyle/>
+          <a:p>
+            <a:r>
+              <a:rPr lang="en-US" altLang="zh-TW" dirty="0"/>
+              <a:t>Interrupt</a:t>
+            </a:r>
+            <a:r>
+              <a:rPr lang="zh-TW" altLang="en-US" dirty="0"/>
+              <a:t>範例 </a:t>
+            </a:r>
+            <a:r>
+              <a:rPr lang="en-US" altLang="zh-TW" dirty="0"/>
+              <a:t>(10/13)</a:t>
+            </a:r>
+            <a:endParaRPr lang="zh-TW" altLang="en-US" dirty="0"/>
+          </a:p>
+        </p:txBody>
+      </p:sp>
+      <p:sp>
+        <p:nvSpPr>
+          <p:cNvPr id="4" name="投影片編號版面配置區 3">
+            <a:extLst>
+              <a:ext uri="{FF2B5EF4-FFF2-40B4-BE49-F238E27FC236}">
+                <a16:creationId xmlns:a16="http://schemas.microsoft.com/office/drawing/2014/main" id="{ECF1839E-E8B1-48F3-9A10-E40DC562E555}"/>
+              </a:ext>
+            </a:extLst>
+          </p:cNvPr>
+          <p:cNvSpPr>
+            <a:spLocks noGrp="1"/>
+          </p:cNvSpPr>
+          <p:nvPr>
+            <p:ph type="sldNum" sz="quarter" idx="12"/>
+          </p:nvPr>
+        </p:nvSpPr>
+        <p:spPr/>
+        <p:txBody>
+          <a:bodyPr/>
+          <a:lstStyle/>
+          <a:p>
+            <a:fld id="{90F9E983-480B-48C5-9E0F-D21C0DFBB5C0}" type="slidenum">
+              <a:rPr lang="zh-TW" altLang="en-US" smtClean="0"/>
+              <a:t>14</a:t>
+            </a:fld>
+            <a:endParaRPr lang="zh-TW" altLang="en-US"/>
+          </a:p>
+        </p:txBody>
+      </p:sp>
+      <p:pic>
+        <p:nvPicPr>
+          <p:cNvPr id="2" name="圖片 1">
+            <a:extLst>
+              <a:ext uri="{FF2B5EF4-FFF2-40B4-BE49-F238E27FC236}">
+                <a16:creationId xmlns:a16="http://schemas.microsoft.com/office/drawing/2014/main" id="{B8DB12EE-F73E-4165-A2DE-38D9DAB2FB69}"/>
+              </a:ext>
+            </a:extLst>
+          </p:cNvPr>
+          <p:cNvPicPr>
+            <a:picLocks noChangeAspect="1"/>
+          </p:cNvPicPr>
+          <p:nvPr/>
+        </p:nvPicPr>
+        <p:blipFill>
+          <a:blip r:embed="rId2"/>
+          <a:stretch>
+            <a:fillRect/>
+          </a:stretch>
+        </p:blipFill>
+        <p:spPr>
+          <a:xfrm>
+            <a:off x="2149471" y="1994606"/>
+            <a:ext cx="7893058" cy="3560778"/>
+          </a:xfrm>
+          <a:prstGeom prst="rect">
+            <a:avLst/>
+          </a:prstGeom>
+        </p:spPr>
+      </p:pic>
+      <p:sp>
+        <p:nvSpPr>
+          <p:cNvPr id="6" name="矩形 5">
+            <a:extLst>
+              <a:ext uri="{FF2B5EF4-FFF2-40B4-BE49-F238E27FC236}">
+                <a16:creationId xmlns:a16="http://schemas.microsoft.com/office/drawing/2014/main" id="{CA7E3AFD-332E-4C41-BE73-CEA9F571729B}"/>
+              </a:ext>
+            </a:extLst>
+          </p:cNvPr>
+          <p:cNvSpPr/>
+          <p:nvPr/>
+        </p:nvSpPr>
+        <p:spPr>
+          <a:xfrm>
+            <a:off x="2221264" y="3666836"/>
+            <a:ext cx="7821265" cy="230909"/>
+          </a:xfrm>
+          <a:prstGeom prst="rect">
+            <a:avLst/>
+          </a:prstGeom>
+          <a:noFill/>
+          <a:ln w="19050">
+            <a:solidFill>
+              <a:srgbClr val="FF0000"/>
+            </a:solidFill>
+          </a:ln>
+        </p:spPr>
+        <p:style>
+          <a:lnRef idx="2">
+            <a:schemeClr val="accent1">
+              <a:shade val="50000"/>
+            </a:schemeClr>
+          </a:lnRef>
+          <a:fillRef idx="1">
+            <a:schemeClr val="accent1"/>
+          </a:fillRef>
+          <a:effectRef idx="0">
+            <a:schemeClr val="accent1"/>
+          </a:effectRef>
+          <a:fontRef idx="minor">
+            <a:schemeClr val="lt1"/>
+          </a:fontRef>
+        </p:style>
+        <p:txBody>
+          <a:bodyPr rtlCol="0" anchor="ctr"/>
+          <a:lstStyle/>
+          <a:p>
+            <a:pPr algn="ctr"/>
+            <a:endParaRPr lang="zh-TW" altLang="en-US"/>
+          </a:p>
+        </p:txBody>
+      </p:sp>
+      <p:sp>
+        <p:nvSpPr>
+          <p:cNvPr id="7" name="文字方塊 6">
+            <a:extLst>
+              <a:ext uri="{FF2B5EF4-FFF2-40B4-BE49-F238E27FC236}">
+                <a16:creationId xmlns:a16="http://schemas.microsoft.com/office/drawing/2014/main" id="{4A1B081B-E346-41D0-B70F-F4BF2B41BDBE}"/>
+              </a:ext>
+            </a:extLst>
+          </p:cNvPr>
+          <p:cNvSpPr txBox="1"/>
+          <p:nvPr/>
+        </p:nvSpPr>
+        <p:spPr>
+          <a:xfrm>
+            <a:off x="2927857" y="1516759"/>
+            <a:ext cx="6336286" cy="369332"/>
+          </a:xfrm>
+          <a:prstGeom prst="rect">
+            <a:avLst/>
+          </a:prstGeom>
+          <a:noFill/>
+        </p:spPr>
+        <p:txBody>
+          <a:bodyPr wrap="none" rtlCol="0">
+            <a:spAutoFit/>
+          </a:bodyPr>
+          <a:lstStyle/>
+          <a:p>
+            <a:r>
+              <a:rPr lang="en-US" altLang="zh-TW" dirty="0">
+                <a:solidFill>
+                  <a:srgbClr val="FF0000"/>
+                </a:solidFill>
+                <a:latin typeface="-apple-system"/>
+              </a:rPr>
+              <a:t>\ps7_cortexa9_0\</a:t>
+            </a:r>
+            <a:r>
+              <a:rPr lang="en-US" altLang="zh-TW" dirty="0" err="1">
+                <a:solidFill>
+                  <a:srgbClr val="FF0000"/>
+                </a:solidFill>
+                <a:latin typeface="-apple-system"/>
+              </a:rPr>
+              <a:t>libsrc</a:t>
+            </a:r>
+            <a:r>
+              <a:rPr lang="en-US" altLang="zh-TW" dirty="0">
+                <a:solidFill>
+                  <a:srgbClr val="FF0000"/>
+                </a:solidFill>
+                <a:latin typeface="-apple-system"/>
+              </a:rPr>
+              <a:t>\standalone_v5_2\include\ </a:t>
+            </a:r>
+            <a:r>
+              <a:rPr lang="en-US" altLang="zh-TW" dirty="0" err="1">
+                <a:solidFill>
+                  <a:srgbClr val="FF0000"/>
+                </a:solidFill>
+                <a:latin typeface="-apple-system"/>
+              </a:rPr>
+              <a:t>xscugic_hw.h</a:t>
+            </a:r>
+            <a:endParaRPr lang="zh-TW" altLang="en-US" dirty="0">
+              <a:solidFill>
+                <a:srgbClr val="FF0000"/>
+              </a:solidFill>
+              <a:latin typeface="-apple-system"/>
+            </a:endParaRPr>
+          </a:p>
+        </p:txBody>
+      </p:sp>
+      <p:sp>
+        <p:nvSpPr>
+          <p:cNvPr id="8" name="文字方塊 7">
+            <a:extLst>
+              <a:ext uri="{FF2B5EF4-FFF2-40B4-BE49-F238E27FC236}">
+                <a16:creationId xmlns:a16="http://schemas.microsoft.com/office/drawing/2014/main" id="{D116117E-07F7-4BEC-97D3-D004DA8872F0}"/>
+              </a:ext>
+            </a:extLst>
+          </p:cNvPr>
+          <p:cNvSpPr txBox="1"/>
+          <p:nvPr/>
+        </p:nvSpPr>
+        <p:spPr>
+          <a:xfrm>
+            <a:off x="838198" y="1190191"/>
+            <a:ext cx="10515600" cy="369332"/>
+          </a:xfrm>
+          <a:prstGeom prst="rect">
+            <a:avLst/>
+          </a:prstGeom>
+          <a:noFill/>
+        </p:spPr>
+        <p:txBody>
+          <a:bodyPr wrap="square">
+            <a:spAutoFit/>
+          </a:bodyPr>
+          <a:lstStyle/>
+          <a:p>
+            <a:pPr marL="285750" indent="-285750">
+              <a:buFont typeface="Wingdings" panose="05000000000000000000" pitchFamily="2" charset="2"/>
+              <a:buChar char="n"/>
+            </a:pPr>
+            <a:r>
+              <a:rPr lang="en-US" altLang="zh-TW" dirty="0"/>
+              <a:t>GIC </a:t>
+            </a:r>
+            <a:r>
+              <a:rPr lang="zh-TW" altLang="en-US" dirty="0">
+                <a:latin typeface="標楷體" panose="03000509000000000000" pitchFamily="65" charset="-120"/>
+                <a:ea typeface="標楷體" panose="03000509000000000000" pitchFamily="65" charset="-120"/>
+              </a:rPr>
+              <a:t>中斷編號暫存器</a:t>
+            </a:r>
+            <a:endParaRPr lang="en-US" altLang="zh-TW" dirty="0">
+              <a:latin typeface="標楷體" panose="03000509000000000000" pitchFamily="65" charset="-120"/>
+              <a:ea typeface="標楷體" panose="03000509000000000000" pitchFamily="65" charset="-120"/>
+            </a:endParaRPr>
+          </a:p>
+        </p:txBody>
+      </p:sp>
+    </p:spTree>
+    <p:extLst>
+      <p:ext uri="{BB962C8B-B14F-4D97-AF65-F5344CB8AC3E}">
+        <p14:creationId xmlns:p14="http://schemas.microsoft.com/office/powerpoint/2010/main" val="55823651"/>
+      </p:ext>
+    </p:extLst>
+  </p:cSld>
+  <p:clrMapOvr>
+    <a:masterClrMapping/>
+  </p:clrMapOvr>
+</p:sld>
+</file>
+
+<file path=ppt/slides/slide15.xml><?xml version="1.0" encoding="utf-8"?>
+<p:sld xmlns:a="http://schemas.openxmlformats.org/drawingml/2006/main" xmlns:r="http://schemas.openxmlformats.org/officeDocument/2006/relationships" xmlns:p="http://schemas.openxmlformats.org/presentationml/2006/main">
+  <p:cSld>
+    <p:spTree>
+      <p:nvGrpSpPr>
+        <p:cNvPr id="1" name=""/>
+        <p:cNvGrpSpPr/>
+        <p:nvPr/>
+      </p:nvGrpSpPr>
+      <p:grpSpPr>
+        <a:xfrm>
+          <a:off x="0" y="0"/>
+          <a:ext cx="0" cy="0"/>
+          <a:chOff x="0" y="0"/>
+          <a:chExt cx="0" cy="0"/>
+        </a:xfrm>
+      </p:grpSpPr>
       <p:pic>
         <p:nvPicPr>
           <p:cNvPr id="8" name="圖片 7">
@@ -6048,7 +6957,7 @@
             </a:r>
             <a:r>
               <a:rPr lang="en-US" altLang="zh-TW" dirty="0"/>
-              <a:t>(8/10)</a:t>
+              <a:t>(11/13)</a:t>
             </a:r>
             <a:endParaRPr lang="zh-TW" altLang="en-US" dirty="0"/>
           </a:p>
@@ -6077,7 +6986,7 @@
           <a:p>
             <a:fld id="{90F9E983-480B-48C5-9E0F-D21C0DFBB5C0}" type="slidenum">
               <a:rPr lang="zh-TW" altLang="en-US" smtClean="0"/>
-              <a:t>12</a:t>
+              <a:t>15</a:t>
             </a:fld>
             <a:endParaRPr lang="zh-TW" altLang="en-US"/>
           </a:p>
@@ -7215,7 +8124,7 @@
 </p:sld>
 </file>
 
-<file path=ppt/slides/slide13.xml><?xml version="1.0" encoding="utf-8"?>
+<file path=ppt/slides/slide16.xml><?xml version="1.0" encoding="utf-8"?>
 <p:sld xmlns:a="http://schemas.openxmlformats.org/drawingml/2006/main" xmlns:r="http://schemas.openxmlformats.org/officeDocument/2006/relationships" xmlns:p="http://schemas.openxmlformats.org/presentationml/2006/main">
   <p:cSld>
     <p:spTree>
@@ -7263,7 +8172,7 @@
             </a:r>
             <a:r>
               <a:rPr lang="en-US" altLang="zh-TW" dirty="0"/>
-              <a:t>(9/10)</a:t>
+              <a:t>(12/13)</a:t>
             </a:r>
             <a:endParaRPr lang="zh-TW" altLang="en-US" dirty="0"/>
           </a:p>
@@ -7292,7 +8201,7 @@
           <a:p>
             <a:fld id="{90F9E983-480B-48C5-9E0F-D21C0DFBB5C0}" type="slidenum">
               <a:rPr lang="zh-TW" altLang="en-US" smtClean="0"/>
-              <a:t>13</a:t>
+              <a:t>16</a:t>
             </a:fld>
             <a:endParaRPr lang="zh-TW" altLang="en-US"/>
           </a:p>
@@ -7555,7 +8464,7 @@
 </p:sld>
 </file>
 
-<file path=ppt/slides/slide14.xml><?xml version="1.0" encoding="utf-8"?>
+<file path=ppt/slides/slide17.xml><?xml version="1.0" encoding="utf-8"?>
 <p:sld xmlns:a="http://schemas.openxmlformats.org/drawingml/2006/main" xmlns:r="http://schemas.openxmlformats.org/officeDocument/2006/relationships" xmlns:p="http://schemas.openxmlformats.org/presentationml/2006/main">
   <p:cSld>
     <p:spTree>
@@ -7602,8 +8511,8 @@
               <a:t>範例 </a:t>
             </a:r>
             <a:r>
-              <a:rPr lang="en-US" altLang="zh-TW" dirty="0"/>
-              <a:t>(10/10)</a:t>
+              <a:rPr lang="en-US" altLang="zh-TW"/>
+              <a:t>(13/13)</a:t>
             </a:r>
             <a:endParaRPr lang="zh-TW" altLang="en-US" dirty="0"/>
           </a:p>
@@ -7632,7 +8541,7 @@
           <a:p>
             <a:fld id="{90F9E983-480B-48C5-9E0F-D21C0DFBB5C0}" type="slidenum">
               <a:rPr lang="zh-TW" altLang="en-US" smtClean="0"/>
-              <a:t>14</a:t>
+              <a:t>17</a:t>
             </a:fld>
             <a:endParaRPr lang="zh-TW" altLang="en-US"/>
           </a:p>
@@ -7769,7 +8678,7 @@
 </p:sld>
 </file>
 
-<file path=ppt/slides/slide15.xml><?xml version="1.0" encoding="utf-8"?>
+<file path=ppt/slides/slide18.xml><?xml version="1.0" encoding="utf-8"?>
 <p:sld xmlns:a="http://schemas.openxmlformats.org/drawingml/2006/main" xmlns:r="http://schemas.openxmlformats.org/officeDocument/2006/relationships" xmlns:p="http://schemas.openxmlformats.org/presentationml/2006/main">
   <p:cSld>
     <p:spTree>
@@ -7838,7 +8747,7 @@
           <a:p>
             <a:fld id="{90F9E983-480B-48C5-9E0F-D21C0DFBB5C0}" type="slidenum">
               <a:rPr lang="zh-TW" altLang="en-US" smtClean="0"/>
-              <a:t>15</a:t>
+              <a:t>18</a:t>
             </a:fld>
             <a:endParaRPr lang="zh-TW" altLang="en-US"/>
           </a:p>
@@ -8347,7 +9256,7 @@
 </p:sld>
 </file>
 
-<file path=ppt/slides/slide16.xml><?xml version="1.0" encoding="utf-8"?>
+<file path=ppt/slides/slide19.xml><?xml version="1.0" encoding="utf-8"?>
 <p:sld xmlns:a="http://schemas.openxmlformats.org/drawingml/2006/main" xmlns:r="http://schemas.openxmlformats.org/officeDocument/2006/relationships" xmlns:p="http://schemas.openxmlformats.org/presentationml/2006/main">
   <p:cSld>
     <p:spTree>
@@ -8419,7 +9328,7 @@
           <a:p>
             <a:fld id="{90F9E983-480B-48C5-9E0F-D21C0DFBB5C0}" type="slidenum">
               <a:rPr lang="zh-TW" altLang="en-US" smtClean="0"/>
-              <a:t>16</a:t>
+              <a:t>19</a:t>
             </a:fld>
             <a:endParaRPr lang="zh-TW" altLang="en-US"/>
           </a:p>
@@ -8764,7 +9673,7 @@
 </p:sld>
 </file>
 
-<file path=ppt/slides/slide17.xml><?xml version="1.0" encoding="utf-8"?>
+<file path=ppt/slides/slide2.xml><?xml version="1.0" encoding="utf-8"?>
 <p:sld xmlns:a="http://schemas.openxmlformats.org/drawingml/2006/main" xmlns:r="http://schemas.openxmlformats.org/officeDocument/2006/relationships" xmlns:p="http://schemas.openxmlformats.org/presentationml/2006/main">
   <p:cSld>
     <p:spTree>
@@ -8786,7 +9695,7 @@
           <p:cNvPr id="3" name="標題 2">
             <a:extLst>
               <a:ext uri="{FF2B5EF4-FFF2-40B4-BE49-F238E27FC236}">
-                <a16:creationId xmlns:a16="http://schemas.microsoft.com/office/drawing/2014/main" id="{543DA034-FE98-461F-8963-6043262D64A9}"/>
+                <a16:creationId xmlns:a16="http://schemas.microsoft.com/office/drawing/2014/main" id="{EF277299-8610-4660-86B9-EE584C561AB1}"/>
               </a:ext>
             </a:extLst>
           </p:cNvPr>
@@ -8804,11 +9713,23 @@
           <a:p>
             <a:r>
               <a:rPr lang="en-US" altLang="zh-TW" dirty="0"/>
-              <a:t>SDK </a:t>
-            </a:r>
-            <a:r>
-              <a:rPr lang="en-US" altLang="zh-TW" dirty="0" err="1"/>
-              <a:t>main.c</a:t>
+              <a:t>TO</a:t>
+            </a:r>
+            <a:r>
+              <a:rPr lang="zh-TW" altLang="en-US" dirty="0"/>
+              <a:t> </a:t>
+            </a:r>
+            <a:r>
+              <a:rPr lang="en-US" altLang="zh-TW" dirty="0"/>
+              <a:t>DO</a:t>
+            </a:r>
+            <a:r>
+              <a:rPr lang="zh-TW" altLang="en-US" dirty="0"/>
+              <a:t> </a:t>
+            </a:r>
+            <a:r>
+              <a:rPr lang="en-US" altLang="zh-TW" dirty="0"/>
+              <a:t>LIST</a:t>
             </a:r>
             <a:endParaRPr lang="zh-TW" altLang="en-US" dirty="0"/>
           </a:p>
@@ -8816,10 +9737,308 @@
       </p:sp>
       <p:sp>
         <p:nvSpPr>
-          <p:cNvPr id="4" name="投影片編號版面配置區 3">
-            <a:extLst>
-              <a:ext uri="{FF2B5EF4-FFF2-40B4-BE49-F238E27FC236}">
-                <a16:creationId xmlns:a16="http://schemas.microsoft.com/office/drawing/2014/main" id="{447F0940-3A40-46A2-A4EF-9035AD26F59C}"/>
+          <p:cNvPr id="4" name="矩形 3">
+            <a:extLst>
+              <a:ext uri="{FF2B5EF4-FFF2-40B4-BE49-F238E27FC236}">
+                <a16:creationId xmlns:a16="http://schemas.microsoft.com/office/drawing/2014/main" id="{3D52E025-269C-47AF-8999-23E11D4E93F3}"/>
+              </a:ext>
+            </a:extLst>
+          </p:cNvPr>
+          <p:cNvSpPr/>
+          <p:nvPr/>
+        </p:nvSpPr>
+        <p:spPr>
+          <a:xfrm>
+            <a:off x="838200" y="1224282"/>
+            <a:ext cx="10515599" cy="3970318"/>
+          </a:xfrm>
+          <a:prstGeom prst="rect">
+            <a:avLst/>
+          </a:prstGeom>
+        </p:spPr>
+        <p:txBody>
+          <a:bodyPr wrap="square">
+            <a:spAutoFit/>
+          </a:bodyPr>
+          <a:lstStyle/>
+          <a:p>
+            <a:pPr marL="171450" indent="-171450">
+              <a:buFont typeface="Arial" panose="020B0604020202020204" pitchFamily="34" charset="0"/>
+              <a:buChar char="•"/>
+            </a:pPr>
+            <a:r>
+              <a:rPr lang="en-US" altLang="zh-TW" dirty="0">
+                <a:latin typeface="微軟正黑體" panose="020B0604030504040204" pitchFamily="34" charset="-120"/>
+                <a:ea typeface="微軟正黑體" panose="020B0604030504040204" pitchFamily="34" charset="-120"/>
+              </a:rPr>
+              <a:t>2022/05/13 ~ 2022/05/20</a:t>
+            </a:r>
+          </a:p>
+          <a:p>
+            <a:pPr marL="628650" lvl="1" indent="-171450">
+              <a:buFont typeface="Arial" panose="020B0604020202020204" pitchFamily="34" charset="0"/>
+              <a:buChar char="•"/>
+            </a:pPr>
+            <a:r>
+              <a:rPr lang="en-US" altLang="zh-TW" dirty="0">
+                <a:latin typeface="微軟正黑體" panose="020B0604030504040204" pitchFamily="34" charset="-120"/>
+                <a:ea typeface="微軟正黑體" panose="020B0604030504040204" pitchFamily="34" charset="-120"/>
+              </a:rPr>
+              <a:t>GPIO </a:t>
+            </a:r>
+            <a:r>
+              <a:rPr lang="en-US" altLang="zh-TW" dirty="0" err="1">
+                <a:latin typeface="微軟正黑體" panose="020B0604030504040204" pitchFamily="34" charset="-120"/>
+                <a:ea typeface="微軟正黑體" panose="020B0604030504040204" pitchFamily="34" charset="-120"/>
+              </a:rPr>
+              <a:t>Interupt</a:t>
+            </a:r>
+            <a:endParaRPr lang="en-US" altLang="zh-TW" dirty="0">
+              <a:latin typeface="微軟正黑體" panose="020B0604030504040204" pitchFamily="34" charset="-120"/>
+              <a:ea typeface="微軟正黑體" panose="020B0604030504040204" pitchFamily="34" charset="-120"/>
+            </a:endParaRPr>
+          </a:p>
+          <a:p>
+            <a:pPr marL="171450" indent="-171450">
+              <a:buFont typeface="Arial" panose="020B0604020202020204" pitchFamily="34" charset="0"/>
+              <a:buChar char="•"/>
+            </a:pPr>
+            <a:endParaRPr lang="en-US" altLang="zh-TW" dirty="0">
+              <a:latin typeface="微軟正黑體" panose="020B0604030504040204" pitchFamily="34" charset="-120"/>
+              <a:ea typeface="微軟正黑體" panose="020B0604030504040204" pitchFamily="34" charset="-120"/>
+            </a:endParaRPr>
+          </a:p>
+          <a:p>
+            <a:pPr marL="171450" indent="-171450">
+              <a:buFont typeface="Arial" panose="020B0604020202020204" pitchFamily="34" charset="0"/>
+              <a:buChar char="•"/>
+            </a:pPr>
+            <a:r>
+              <a:rPr lang="en-US" altLang="zh-TW" dirty="0">
+                <a:latin typeface="微軟正黑體" panose="020B0604030504040204" pitchFamily="34" charset="-120"/>
+                <a:ea typeface="微軟正黑體" panose="020B0604030504040204" pitchFamily="34" charset="-120"/>
+              </a:rPr>
+              <a:t>2022/04/15 ~ 2022/04/22</a:t>
+            </a:r>
+          </a:p>
+          <a:p>
+            <a:pPr marL="628650" lvl="1" indent="-171450">
+              <a:buFont typeface="Arial" panose="020B0604020202020204" pitchFamily="34" charset="0"/>
+              <a:buChar char="•"/>
+            </a:pPr>
+            <a:r>
+              <a:rPr lang="zh-TW" altLang="en-US" dirty="0">
+                <a:latin typeface="微軟正黑體" panose="020B0604030504040204" pitchFamily="34" charset="-120"/>
+                <a:ea typeface="微軟正黑體" panose="020B0604030504040204" pitchFamily="34" charset="-120"/>
+              </a:rPr>
+              <a:t>新增</a:t>
+            </a:r>
+            <a:r>
+              <a:rPr lang="en-US" altLang="zh-TW" dirty="0">
+                <a:latin typeface="微軟正黑體" panose="020B0604030504040204" pitchFamily="34" charset="-120"/>
+                <a:ea typeface="微軟正黑體" panose="020B0604030504040204" pitchFamily="34" charset="-120"/>
+              </a:rPr>
+              <a:t>SDK_LED</a:t>
+            </a:r>
+            <a:r>
+              <a:rPr lang="zh-TW" altLang="en-US" dirty="0">
+                <a:latin typeface="微軟正黑體" panose="020B0604030504040204" pitchFamily="34" charset="-120"/>
+                <a:ea typeface="微軟正黑體" panose="020B0604030504040204" pitchFamily="34" charset="-120"/>
+              </a:rPr>
+              <a:t>範例控制</a:t>
+            </a:r>
+            <a:endParaRPr lang="en-US" altLang="zh-TW" dirty="0">
+              <a:latin typeface="微軟正黑體" panose="020B0604030504040204" pitchFamily="34" charset="-120"/>
+              <a:ea typeface="微軟正黑體" panose="020B0604030504040204" pitchFamily="34" charset="-120"/>
+            </a:endParaRPr>
+          </a:p>
+          <a:p>
+            <a:pPr marL="171450" indent="-171450">
+              <a:buFont typeface="Arial" panose="020B0604020202020204" pitchFamily="34" charset="0"/>
+              <a:buChar char="•"/>
+            </a:pPr>
+            <a:endParaRPr lang="en-US" altLang="zh-TW" dirty="0">
+              <a:latin typeface="微軟正黑體" panose="020B0604030504040204" pitchFamily="34" charset="-120"/>
+              <a:ea typeface="微軟正黑體" panose="020B0604030504040204" pitchFamily="34" charset="-120"/>
+            </a:endParaRPr>
+          </a:p>
+          <a:p>
+            <a:pPr marL="171450" indent="-171450">
+              <a:buFont typeface="Arial" panose="020B0604020202020204" pitchFamily="34" charset="0"/>
+              <a:buChar char="•"/>
+            </a:pPr>
+            <a:r>
+              <a:rPr lang="en-US" altLang="zh-TW" dirty="0">
+                <a:latin typeface="微軟正黑體" panose="020B0604030504040204" pitchFamily="34" charset="-120"/>
+                <a:ea typeface="微軟正黑體" panose="020B0604030504040204" pitchFamily="34" charset="-120"/>
+              </a:rPr>
+              <a:t>2022/04/08 ~ 2022/04/15</a:t>
+            </a:r>
+          </a:p>
+          <a:p>
+            <a:pPr marL="628650" lvl="1" indent="-171450">
+              <a:buFont typeface="Arial" panose="020B0604020202020204" pitchFamily="34" charset="0"/>
+              <a:buChar char="•"/>
+            </a:pPr>
+            <a:r>
+              <a:rPr lang="zh-TW" altLang="en-US" dirty="0">
+                <a:latin typeface="微軟正黑體" panose="020B0604030504040204" pitchFamily="34" charset="-120"/>
+                <a:ea typeface="微軟正黑體" panose="020B0604030504040204" pitchFamily="34" charset="-120"/>
+              </a:rPr>
+              <a:t>新增</a:t>
+            </a:r>
+            <a:r>
+              <a:rPr lang="en-US" altLang="zh-TW" dirty="0">
+                <a:latin typeface="微軟正黑體" panose="020B0604030504040204" pitchFamily="34" charset="-120"/>
+                <a:ea typeface="微軟正黑體" panose="020B0604030504040204" pitchFamily="34" charset="-120"/>
+              </a:rPr>
+              <a:t>CRC3</a:t>
+            </a:r>
+            <a:r>
+              <a:rPr lang="zh-TW" altLang="en-US" dirty="0">
+                <a:latin typeface="微軟正黑體" panose="020B0604030504040204" pitchFamily="34" charset="-120"/>
+                <a:ea typeface="微軟正黑體" panose="020B0604030504040204" pitchFamily="34" charset="-120"/>
+              </a:rPr>
+              <a:t>來控制</a:t>
+            </a:r>
+            <a:r>
+              <a:rPr lang="en-US" altLang="zh-TW" dirty="0">
+                <a:latin typeface="微軟正黑體" panose="020B0604030504040204" pitchFamily="34" charset="-120"/>
+                <a:ea typeface="微軟正黑體" panose="020B0604030504040204" pitchFamily="34" charset="-120"/>
+              </a:rPr>
+              <a:t>LED</a:t>
+            </a:r>
+            <a:r>
+              <a:rPr lang="zh-TW" altLang="en-US" dirty="0">
+                <a:latin typeface="微軟正黑體" panose="020B0604030504040204" pitchFamily="34" charset="-120"/>
+                <a:ea typeface="微軟正黑體" panose="020B0604030504040204" pitchFamily="34" charset="-120"/>
+              </a:rPr>
+              <a:t>變速功能</a:t>
+            </a:r>
+            <a:endParaRPr lang="en-US" altLang="zh-TW" dirty="0">
+              <a:latin typeface="微軟正黑體" panose="020B0604030504040204" pitchFamily="34" charset="-120"/>
+              <a:ea typeface="微軟正黑體" panose="020B0604030504040204" pitchFamily="34" charset="-120"/>
+            </a:endParaRPr>
+          </a:p>
+          <a:p>
+            <a:pPr marL="171450" indent="-171450">
+              <a:buFont typeface="Arial" panose="020B0604020202020204" pitchFamily="34" charset="0"/>
+              <a:buChar char="•"/>
+            </a:pPr>
+            <a:endParaRPr lang="en-US" altLang="zh-TW" dirty="0">
+              <a:latin typeface="微軟正黑體" panose="020B0604030504040204" pitchFamily="34" charset="-120"/>
+              <a:ea typeface="微軟正黑體" panose="020B0604030504040204" pitchFamily="34" charset="-120"/>
+            </a:endParaRPr>
+          </a:p>
+          <a:p>
+            <a:pPr marL="171450" indent="-171450">
+              <a:buFont typeface="Arial" panose="020B0604020202020204" pitchFamily="34" charset="0"/>
+              <a:buChar char="•"/>
+            </a:pPr>
+            <a:r>
+              <a:rPr lang="en-US" altLang="zh-TW" dirty="0">
+                <a:latin typeface="微軟正黑體" panose="020B0604030504040204" pitchFamily="34" charset="-120"/>
+                <a:ea typeface="微軟正黑體" panose="020B0604030504040204" pitchFamily="34" charset="-120"/>
+              </a:rPr>
+              <a:t>2022/03/11 ~ 2022/03/18</a:t>
+            </a:r>
+          </a:p>
+          <a:p>
+            <a:pPr marL="628650" lvl="1" indent="-171450">
+              <a:buFont typeface="Arial" panose="020B0604020202020204" pitchFamily="34" charset="0"/>
+              <a:buChar char="•"/>
+            </a:pPr>
+            <a:r>
+              <a:rPr lang="zh-TW" altLang="en-US" dirty="0">
+                <a:latin typeface="微軟正黑體" panose="020B0604030504040204" pitchFamily="34" charset="-120"/>
+                <a:ea typeface="微軟正黑體" panose="020B0604030504040204" pitchFamily="34" charset="-120"/>
+              </a:rPr>
+              <a:t>完成 </a:t>
+            </a:r>
+            <a:r>
+              <a:rPr lang="en-US" altLang="zh-TW" dirty="0" err="1">
+                <a:latin typeface="微軟正黑體" panose="020B0604030504040204" pitchFamily="34" charset="-120"/>
+                <a:ea typeface="微軟正黑體" panose="020B0604030504040204" pitchFamily="34" charset="-120"/>
+              </a:rPr>
+              <a:t>PingPong</a:t>
+            </a:r>
+            <a:r>
+              <a:rPr lang="en-US" altLang="zh-TW" dirty="0">
+                <a:latin typeface="微軟正黑體" panose="020B0604030504040204" pitchFamily="34" charset="-120"/>
+                <a:ea typeface="微軟正黑體" panose="020B0604030504040204" pitchFamily="34" charset="-120"/>
+              </a:rPr>
+              <a:t> Game</a:t>
+            </a:r>
+          </a:p>
+          <a:p>
+            <a:pPr marL="628650" lvl="1" indent="-171450">
+              <a:buFont typeface="Arial" panose="020B0604020202020204" pitchFamily="34" charset="0"/>
+              <a:buChar char="•"/>
+            </a:pPr>
+            <a:endParaRPr lang="en-US" altLang="zh-TW" dirty="0">
+              <a:latin typeface="微軟正黑體" panose="020B0604030504040204" pitchFamily="34" charset="-120"/>
+              <a:ea typeface="微軟正黑體" panose="020B0604030504040204" pitchFamily="34" charset="-120"/>
+            </a:endParaRPr>
+          </a:p>
+          <a:p>
+            <a:pPr marL="171450" indent="-171450">
+              <a:buFont typeface="Arial" panose="020B0604020202020204" pitchFamily="34" charset="0"/>
+              <a:buChar char="•"/>
+            </a:pPr>
+            <a:r>
+              <a:rPr lang="en-US" altLang="zh-TW" dirty="0">
+                <a:latin typeface="微軟正黑體" panose="020B0604030504040204" pitchFamily="34" charset="-120"/>
+                <a:ea typeface="微軟正黑體" panose="020B0604030504040204" pitchFamily="34" charset="-120"/>
+              </a:rPr>
+              <a:t>2022/03/03 ~ 2022/03/11</a:t>
+            </a:r>
+          </a:p>
+          <a:p>
+            <a:pPr marL="628650" lvl="1" indent="-171450">
+              <a:buFont typeface="Arial" panose="020B0604020202020204" pitchFamily="34" charset="0"/>
+              <a:buChar char="•"/>
+            </a:pPr>
+            <a:r>
+              <a:rPr lang="zh-TW" altLang="en-US" dirty="0">
+                <a:latin typeface="微軟正黑體" panose="020B0604030504040204" pitchFamily="34" charset="-120"/>
+                <a:ea typeface="微軟正黑體" panose="020B0604030504040204" pitchFamily="34" charset="-120"/>
+              </a:rPr>
+              <a:t>分析 </a:t>
+            </a:r>
+            <a:r>
+              <a:rPr lang="en-US" altLang="zh-TW" dirty="0" err="1">
+                <a:latin typeface="微軟正黑體" panose="020B0604030504040204" pitchFamily="34" charset="-120"/>
+                <a:ea typeface="微軟正黑體" panose="020B0604030504040204" pitchFamily="34" charset="-120"/>
+              </a:rPr>
+              <a:t>PingPong</a:t>
+            </a:r>
+            <a:r>
+              <a:rPr lang="en-US" altLang="zh-TW" dirty="0">
+                <a:latin typeface="微軟正黑體" panose="020B0604030504040204" pitchFamily="34" charset="-120"/>
+                <a:ea typeface="微軟正黑體" panose="020B0604030504040204" pitchFamily="34" charset="-120"/>
+              </a:rPr>
+              <a:t> FSM</a:t>
+            </a:r>
+            <a:r>
+              <a:rPr lang="zh-TW" altLang="en-US" dirty="0">
+                <a:latin typeface="微軟正黑體" panose="020B0604030504040204" pitchFamily="34" charset="-120"/>
+                <a:ea typeface="微軟正黑體" panose="020B0604030504040204" pitchFamily="34" charset="-120"/>
+              </a:rPr>
+              <a:t>設計</a:t>
+            </a:r>
+            <a:endParaRPr lang="en-US" altLang="zh-TW" dirty="0">
+              <a:latin typeface="微軟正黑體" panose="020B0604030504040204" pitchFamily="34" charset="-120"/>
+              <a:ea typeface="微軟正黑體" panose="020B0604030504040204" pitchFamily="34" charset="-120"/>
+            </a:endParaRPr>
+          </a:p>
+        </p:txBody>
+      </p:sp>
+      <p:sp>
+        <p:nvSpPr>
+          <p:cNvPr id="2" name="投影片編號版面配置區 1">
+            <a:extLst>
+              <a:ext uri="{FF2B5EF4-FFF2-40B4-BE49-F238E27FC236}">
+                <a16:creationId xmlns:a16="http://schemas.microsoft.com/office/drawing/2014/main" id="{39CA12FA-821F-487F-8749-8247622B284C}"/>
               </a:ext>
             </a:extLst>
           </p:cNvPr>
@@ -8837,7 +10056,99 @@
           <a:p>
             <a:fld id="{90F9E983-480B-48C5-9E0F-D21C0DFBB5C0}" type="slidenum">
               <a:rPr lang="zh-TW" altLang="en-US" smtClean="0"/>
-              <a:t>17</a:t>
+              <a:t>2</a:t>
+            </a:fld>
+            <a:endParaRPr lang="zh-TW" altLang="en-US"/>
+          </a:p>
+        </p:txBody>
+      </p:sp>
+    </p:spTree>
+    <p:extLst>
+      <p:ext uri="{BB962C8B-B14F-4D97-AF65-F5344CB8AC3E}">
+        <p14:creationId xmlns:p14="http://schemas.microsoft.com/office/powerpoint/2010/main" val="1052860566"/>
+      </p:ext>
+    </p:extLst>
+  </p:cSld>
+  <p:clrMapOvr>
+    <a:masterClrMapping/>
+  </p:clrMapOvr>
+</p:sld>
+</file>
+
+<file path=ppt/slides/slide20.xml><?xml version="1.0" encoding="utf-8"?>
+<p:sld xmlns:a="http://schemas.openxmlformats.org/drawingml/2006/main" xmlns:r="http://schemas.openxmlformats.org/officeDocument/2006/relationships" xmlns:p="http://schemas.openxmlformats.org/presentationml/2006/main">
+  <p:cSld>
+    <p:spTree>
+      <p:nvGrpSpPr>
+        <p:cNvPr id="1" name=""/>
+        <p:cNvGrpSpPr/>
+        <p:nvPr/>
+      </p:nvGrpSpPr>
+      <p:grpSpPr>
+        <a:xfrm>
+          <a:off x="0" y="0"/>
+          <a:ext cx="0" cy="0"/>
+          <a:chOff x="0" y="0"/>
+          <a:chExt cx="0" cy="0"/>
+        </a:xfrm>
+      </p:grpSpPr>
+      <p:sp>
+        <p:nvSpPr>
+          <p:cNvPr id="3" name="標題 2">
+            <a:extLst>
+              <a:ext uri="{FF2B5EF4-FFF2-40B4-BE49-F238E27FC236}">
+                <a16:creationId xmlns:a16="http://schemas.microsoft.com/office/drawing/2014/main" id="{543DA034-FE98-461F-8963-6043262D64A9}"/>
+              </a:ext>
+            </a:extLst>
+          </p:cNvPr>
+          <p:cNvSpPr>
+            <a:spLocks noGrp="1"/>
+          </p:cNvSpPr>
+          <p:nvPr>
+            <p:ph type="title"/>
+          </p:nvPr>
+        </p:nvSpPr>
+        <p:spPr/>
+        <p:txBody>
+          <a:bodyPr/>
+          <a:lstStyle/>
+          <a:p>
+            <a:r>
+              <a:rPr lang="en-US" altLang="zh-TW" dirty="0"/>
+              <a:t>SDK </a:t>
+            </a:r>
+            <a:r>
+              <a:rPr lang="en-US" altLang="zh-TW" dirty="0" err="1"/>
+              <a:t>main.c</a:t>
+            </a:r>
+            <a:endParaRPr lang="zh-TW" altLang="en-US" dirty="0"/>
+          </a:p>
+        </p:txBody>
+      </p:sp>
+      <p:sp>
+        <p:nvSpPr>
+          <p:cNvPr id="4" name="投影片編號版面配置區 3">
+            <a:extLst>
+              <a:ext uri="{FF2B5EF4-FFF2-40B4-BE49-F238E27FC236}">
+                <a16:creationId xmlns:a16="http://schemas.microsoft.com/office/drawing/2014/main" id="{447F0940-3A40-46A2-A4EF-9035AD26F59C}"/>
+              </a:ext>
+            </a:extLst>
+          </p:cNvPr>
+          <p:cNvSpPr>
+            <a:spLocks noGrp="1"/>
+          </p:cNvSpPr>
+          <p:nvPr>
+            <p:ph type="sldNum" sz="quarter" idx="12"/>
+          </p:nvPr>
+        </p:nvSpPr>
+        <p:spPr/>
+        <p:txBody>
+          <a:bodyPr/>
+          <a:lstStyle/>
+          <a:p>
+            <a:fld id="{90F9E983-480B-48C5-9E0F-D21C0DFBB5C0}" type="slidenum">
+              <a:rPr lang="zh-TW" altLang="en-US" smtClean="0"/>
+              <a:t>20</a:t>
             </a:fld>
             <a:endParaRPr lang="zh-TW" altLang="en-US"/>
           </a:p>
@@ -9050,7 +10361,7 @@
 </p:sld>
 </file>
 
-<file path=ppt/slides/slide18.xml><?xml version="1.0" encoding="utf-8"?>
+<file path=ppt/slides/slide21.xml><?xml version="1.0" encoding="utf-8"?>
 <p:sld xmlns:a="http://schemas.openxmlformats.org/drawingml/2006/main" xmlns:r="http://schemas.openxmlformats.org/officeDocument/2006/relationships" xmlns:p="http://schemas.openxmlformats.org/presentationml/2006/main">
   <p:cSld>
     <p:spTree>
@@ -9118,7 +10429,7 @@
           <a:p>
             <a:fld id="{90F9E983-480B-48C5-9E0F-D21C0DFBB5C0}" type="slidenum">
               <a:rPr lang="zh-TW" altLang="en-US" smtClean="0"/>
-              <a:t>18</a:t>
+              <a:t>21</a:t>
             </a:fld>
             <a:endParaRPr lang="zh-TW" altLang="en-US"/>
           </a:p>
@@ -9265,7 +10576,7 @@
 </p:sld>
 </file>
 
-<file path=ppt/slides/slide19.xml><?xml version="1.0" encoding="utf-8"?>
+<file path=ppt/slides/slide22.xml><?xml version="1.0" encoding="utf-8"?>
 <p:sld xmlns:a="http://schemas.openxmlformats.org/drawingml/2006/main" xmlns:r="http://schemas.openxmlformats.org/officeDocument/2006/relationships" xmlns:p="http://schemas.openxmlformats.org/presentationml/2006/main">
   <p:cSld>
     <p:spTree>
@@ -9333,7 +10644,7 @@
           <a:p>
             <a:fld id="{90F9E983-480B-48C5-9E0F-D21C0DFBB5C0}" type="slidenum">
               <a:rPr lang="zh-TW" altLang="en-US" smtClean="0"/>
-              <a:t>19</a:t>
+              <a:t>22</a:t>
             </a:fld>
             <a:endParaRPr lang="zh-TW" altLang="en-US"/>
           </a:p>
@@ -9938,1426 +11249,6 @@
 </p:sld>
 </file>
 
-<file path=ppt/slides/slide2.xml><?xml version="1.0" encoding="utf-8"?>
-<p:sld xmlns:a="http://schemas.openxmlformats.org/drawingml/2006/main" xmlns:r="http://schemas.openxmlformats.org/officeDocument/2006/relationships" xmlns:p="http://schemas.openxmlformats.org/presentationml/2006/main">
-  <p:cSld>
-    <p:spTree>
-      <p:nvGrpSpPr>
-        <p:cNvPr id="1" name=""/>
-        <p:cNvGrpSpPr/>
-        <p:nvPr/>
-      </p:nvGrpSpPr>
-      <p:grpSpPr>
-        <a:xfrm>
-          <a:off x="0" y="0"/>
-          <a:ext cx="0" cy="0"/>
-          <a:chOff x="0" y="0"/>
-          <a:chExt cx="0" cy="0"/>
-        </a:xfrm>
-      </p:grpSpPr>
-      <p:sp>
-        <p:nvSpPr>
-          <p:cNvPr id="3" name="標題 2">
-            <a:extLst>
-              <a:ext uri="{FF2B5EF4-FFF2-40B4-BE49-F238E27FC236}">
-                <a16:creationId xmlns:a16="http://schemas.microsoft.com/office/drawing/2014/main" id="{EF277299-8610-4660-86B9-EE584C561AB1}"/>
-              </a:ext>
-            </a:extLst>
-          </p:cNvPr>
-          <p:cNvSpPr>
-            <a:spLocks noGrp="1"/>
-          </p:cNvSpPr>
-          <p:nvPr>
-            <p:ph type="title"/>
-          </p:nvPr>
-        </p:nvSpPr>
-        <p:spPr/>
-        <p:txBody>
-          <a:bodyPr/>
-          <a:lstStyle/>
-          <a:p>
-            <a:r>
-              <a:rPr lang="en-US" altLang="zh-TW" dirty="0"/>
-              <a:t>TO</a:t>
-            </a:r>
-            <a:r>
-              <a:rPr lang="zh-TW" altLang="en-US" dirty="0"/>
-              <a:t> </a:t>
-            </a:r>
-            <a:r>
-              <a:rPr lang="en-US" altLang="zh-TW" dirty="0"/>
-              <a:t>DO</a:t>
-            </a:r>
-            <a:r>
-              <a:rPr lang="zh-TW" altLang="en-US" dirty="0"/>
-              <a:t> </a:t>
-            </a:r>
-            <a:r>
-              <a:rPr lang="en-US" altLang="zh-TW" dirty="0"/>
-              <a:t>LIST</a:t>
-            </a:r>
-            <a:endParaRPr lang="zh-TW" altLang="en-US" dirty="0"/>
-          </a:p>
-        </p:txBody>
-      </p:sp>
-      <p:sp>
-        <p:nvSpPr>
-          <p:cNvPr id="4" name="矩形 3">
-            <a:extLst>
-              <a:ext uri="{FF2B5EF4-FFF2-40B4-BE49-F238E27FC236}">
-                <a16:creationId xmlns:a16="http://schemas.microsoft.com/office/drawing/2014/main" id="{3D52E025-269C-47AF-8999-23E11D4E93F3}"/>
-              </a:ext>
-            </a:extLst>
-          </p:cNvPr>
-          <p:cNvSpPr/>
-          <p:nvPr/>
-        </p:nvSpPr>
-        <p:spPr>
-          <a:xfrm>
-            <a:off x="838200" y="1224282"/>
-            <a:ext cx="10515599" cy="3970318"/>
-          </a:xfrm>
-          <a:prstGeom prst="rect">
-            <a:avLst/>
-          </a:prstGeom>
-        </p:spPr>
-        <p:txBody>
-          <a:bodyPr wrap="square">
-            <a:spAutoFit/>
-          </a:bodyPr>
-          <a:lstStyle/>
-          <a:p>
-            <a:pPr marL="171450" indent="-171450">
-              <a:buFont typeface="Arial" panose="020B0604020202020204" pitchFamily="34" charset="0"/>
-              <a:buChar char="•"/>
-            </a:pPr>
-            <a:r>
-              <a:rPr lang="en-US" altLang="zh-TW" dirty="0">
-                <a:latin typeface="微軟正黑體" panose="020B0604030504040204" pitchFamily="34" charset="-120"/>
-                <a:ea typeface="微軟正黑體" panose="020B0604030504040204" pitchFamily="34" charset="-120"/>
-              </a:rPr>
-              <a:t>2022/05/13 ~ 2022/05/20</a:t>
-            </a:r>
-          </a:p>
-          <a:p>
-            <a:pPr marL="628650" lvl="1" indent="-171450">
-              <a:buFont typeface="Arial" panose="020B0604020202020204" pitchFamily="34" charset="0"/>
-              <a:buChar char="•"/>
-            </a:pPr>
-            <a:r>
-              <a:rPr lang="en-US" altLang="zh-TW" dirty="0">
-                <a:latin typeface="微軟正黑體" panose="020B0604030504040204" pitchFamily="34" charset="-120"/>
-                <a:ea typeface="微軟正黑體" panose="020B0604030504040204" pitchFamily="34" charset="-120"/>
-              </a:rPr>
-              <a:t>GPIO </a:t>
-            </a:r>
-            <a:r>
-              <a:rPr lang="en-US" altLang="zh-TW" dirty="0" err="1">
-                <a:latin typeface="微軟正黑體" panose="020B0604030504040204" pitchFamily="34" charset="-120"/>
-                <a:ea typeface="微軟正黑體" panose="020B0604030504040204" pitchFamily="34" charset="-120"/>
-              </a:rPr>
-              <a:t>Interupt</a:t>
-            </a:r>
-            <a:endParaRPr lang="en-US" altLang="zh-TW" dirty="0">
-              <a:latin typeface="微軟正黑體" panose="020B0604030504040204" pitchFamily="34" charset="-120"/>
-              <a:ea typeface="微軟正黑體" panose="020B0604030504040204" pitchFamily="34" charset="-120"/>
-            </a:endParaRPr>
-          </a:p>
-          <a:p>
-            <a:pPr marL="171450" indent="-171450">
-              <a:buFont typeface="Arial" panose="020B0604020202020204" pitchFamily="34" charset="0"/>
-              <a:buChar char="•"/>
-            </a:pPr>
-            <a:endParaRPr lang="en-US" altLang="zh-TW" dirty="0">
-              <a:latin typeface="微軟正黑體" panose="020B0604030504040204" pitchFamily="34" charset="-120"/>
-              <a:ea typeface="微軟正黑體" panose="020B0604030504040204" pitchFamily="34" charset="-120"/>
-            </a:endParaRPr>
-          </a:p>
-          <a:p>
-            <a:pPr marL="171450" indent="-171450">
-              <a:buFont typeface="Arial" panose="020B0604020202020204" pitchFamily="34" charset="0"/>
-              <a:buChar char="•"/>
-            </a:pPr>
-            <a:r>
-              <a:rPr lang="en-US" altLang="zh-TW" dirty="0">
-                <a:latin typeface="微軟正黑體" panose="020B0604030504040204" pitchFamily="34" charset="-120"/>
-                <a:ea typeface="微軟正黑體" panose="020B0604030504040204" pitchFamily="34" charset="-120"/>
-              </a:rPr>
-              <a:t>2022/04/15 ~ 2022/04/22</a:t>
-            </a:r>
-          </a:p>
-          <a:p>
-            <a:pPr marL="628650" lvl="1" indent="-171450">
-              <a:buFont typeface="Arial" panose="020B0604020202020204" pitchFamily="34" charset="0"/>
-              <a:buChar char="•"/>
-            </a:pPr>
-            <a:r>
-              <a:rPr lang="zh-TW" altLang="en-US" dirty="0">
-                <a:latin typeface="微軟正黑體" panose="020B0604030504040204" pitchFamily="34" charset="-120"/>
-                <a:ea typeface="微軟正黑體" panose="020B0604030504040204" pitchFamily="34" charset="-120"/>
-              </a:rPr>
-              <a:t>新增</a:t>
-            </a:r>
-            <a:r>
-              <a:rPr lang="en-US" altLang="zh-TW" dirty="0">
-                <a:latin typeface="微軟正黑體" panose="020B0604030504040204" pitchFamily="34" charset="-120"/>
-                <a:ea typeface="微軟正黑體" panose="020B0604030504040204" pitchFamily="34" charset="-120"/>
-              </a:rPr>
-              <a:t>SDK_LED</a:t>
-            </a:r>
-            <a:r>
-              <a:rPr lang="zh-TW" altLang="en-US" dirty="0">
-                <a:latin typeface="微軟正黑體" panose="020B0604030504040204" pitchFamily="34" charset="-120"/>
-                <a:ea typeface="微軟正黑體" panose="020B0604030504040204" pitchFamily="34" charset="-120"/>
-              </a:rPr>
-              <a:t>範例控制</a:t>
-            </a:r>
-            <a:endParaRPr lang="en-US" altLang="zh-TW" dirty="0">
-              <a:latin typeface="微軟正黑體" panose="020B0604030504040204" pitchFamily="34" charset="-120"/>
-              <a:ea typeface="微軟正黑體" panose="020B0604030504040204" pitchFamily="34" charset="-120"/>
-            </a:endParaRPr>
-          </a:p>
-          <a:p>
-            <a:pPr marL="171450" indent="-171450">
-              <a:buFont typeface="Arial" panose="020B0604020202020204" pitchFamily="34" charset="0"/>
-              <a:buChar char="•"/>
-            </a:pPr>
-            <a:endParaRPr lang="en-US" altLang="zh-TW" dirty="0">
-              <a:latin typeface="微軟正黑體" panose="020B0604030504040204" pitchFamily="34" charset="-120"/>
-              <a:ea typeface="微軟正黑體" panose="020B0604030504040204" pitchFamily="34" charset="-120"/>
-            </a:endParaRPr>
-          </a:p>
-          <a:p>
-            <a:pPr marL="171450" indent="-171450">
-              <a:buFont typeface="Arial" panose="020B0604020202020204" pitchFamily="34" charset="0"/>
-              <a:buChar char="•"/>
-            </a:pPr>
-            <a:r>
-              <a:rPr lang="en-US" altLang="zh-TW" dirty="0">
-                <a:latin typeface="微軟正黑體" panose="020B0604030504040204" pitchFamily="34" charset="-120"/>
-                <a:ea typeface="微軟正黑體" panose="020B0604030504040204" pitchFamily="34" charset="-120"/>
-              </a:rPr>
-              <a:t>2022/04/08 ~ 2022/04/15</a:t>
-            </a:r>
-          </a:p>
-          <a:p>
-            <a:pPr marL="628650" lvl="1" indent="-171450">
-              <a:buFont typeface="Arial" panose="020B0604020202020204" pitchFamily="34" charset="0"/>
-              <a:buChar char="•"/>
-            </a:pPr>
-            <a:r>
-              <a:rPr lang="zh-TW" altLang="en-US" dirty="0">
-                <a:latin typeface="微軟正黑體" panose="020B0604030504040204" pitchFamily="34" charset="-120"/>
-                <a:ea typeface="微軟正黑體" panose="020B0604030504040204" pitchFamily="34" charset="-120"/>
-              </a:rPr>
-              <a:t>新增</a:t>
-            </a:r>
-            <a:r>
-              <a:rPr lang="en-US" altLang="zh-TW" dirty="0">
-                <a:latin typeface="微軟正黑體" panose="020B0604030504040204" pitchFamily="34" charset="-120"/>
-                <a:ea typeface="微軟正黑體" panose="020B0604030504040204" pitchFamily="34" charset="-120"/>
-              </a:rPr>
-              <a:t>CRC3</a:t>
-            </a:r>
-            <a:r>
-              <a:rPr lang="zh-TW" altLang="en-US" dirty="0">
-                <a:latin typeface="微軟正黑體" panose="020B0604030504040204" pitchFamily="34" charset="-120"/>
-                <a:ea typeface="微軟正黑體" panose="020B0604030504040204" pitchFamily="34" charset="-120"/>
-              </a:rPr>
-              <a:t>來控制</a:t>
-            </a:r>
-            <a:r>
-              <a:rPr lang="en-US" altLang="zh-TW" dirty="0">
-                <a:latin typeface="微軟正黑體" panose="020B0604030504040204" pitchFamily="34" charset="-120"/>
-                <a:ea typeface="微軟正黑體" panose="020B0604030504040204" pitchFamily="34" charset="-120"/>
-              </a:rPr>
-              <a:t>LED</a:t>
-            </a:r>
-            <a:r>
-              <a:rPr lang="zh-TW" altLang="en-US" dirty="0">
-                <a:latin typeface="微軟正黑體" panose="020B0604030504040204" pitchFamily="34" charset="-120"/>
-                <a:ea typeface="微軟正黑體" panose="020B0604030504040204" pitchFamily="34" charset="-120"/>
-              </a:rPr>
-              <a:t>變速功能</a:t>
-            </a:r>
-            <a:endParaRPr lang="en-US" altLang="zh-TW" dirty="0">
-              <a:latin typeface="微軟正黑體" panose="020B0604030504040204" pitchFamily="34" charset="-120"/>
-              <a:ea typeface="微軟正黑體" panose="020B0604030504040204" pitchFamily="34" charset="-120"/>
-            </a:endParaRPr>
-          </a:p>
-          <a:p>
-            <a:pPr marL="171450" indent="-171450">
-              <a:buFont typeface="Arial" panose="020B0604020202020204" pitchFamily="34" charset="0"/>
-              <a:buChar char="•"/>
-            </a:pPr>
-            <a:endParaRPr lang="en-US" altLang="zh-TW" dirty="0">
-              <a:latin typeface="微軟正黑體" panose="020B0604030504040204" pitchFamily="34" charset="-120"/>
-              <a:ea typeface="微軟正黑體" panose="020B0604030504040204" pitchFamily="34" charset="-120"/>
-            </a:endParaRPr>
-          </a:p>
-          <a:p>
-            <a:pPr marL="171450" indent="-171450">
-              <a:buFont typeface="Arial" panose="020B0604020202020204" pitchFamily="34" charset="0"/>
-              <a:buChar char="•"/>
-            </a:pPr>
-            <a:r>
-              <a:rPr lang="en-US" altLang="zh-TW" dirty="0">
-                <a:latin typeface="微軟正黑體" panose="020B0604030504040204" pitchFamily="34" charset="-120"/>
-                <a:ea typeface="微軟正黑體" panose="020B0604030504040204" pitchFamily="34" charset="-120"/>
-              </a:rPr>
-              <a:t>2022/03/11 ~ 2022/03/18</a:t>
-            </a:r>
-          </a:p>
-          <a:p>
-            <a:pPr marL="628650" lvl="1" indent="-171450">
-              <a:buFont typeface="Arial" panose="020B0604020202020204" pitchFamily="34" charset="0"/>
-              <a:buChar char="•"/>
-            </a:pPr>
-            <a:r>
-              <a:rPr lang="zh-TW" altLang="en-US" dirty="0">
-                <a:latin typeface="微軟正黑體" panose="020B0604030504040204" pitchFamily="34" charset="-120"/>
-                <a:ea typeface="微軟正黑體" panose="020B0604030504040204" pitchFamily="34" charset="-120"/>
-              </a:rPr>
-              <a:t>完成 </a:t>
-            </a:r>
-            <a:r>
-              <a:rPr lang="en-US" altLang="zh-TW" dirty="0" err="1">
-                <a:latin typeface="微軟正黑體" panose="020B0604030504040204" pitchFamily="34" charset="-120"/>
-                <a:ea typeface="微軟正黑體" panose="020B0604030504040204" pitchFamily="34" charset="-120"/>
-              </a:rPr>
-              <a:t>PingPong</a:t>
-            </a:r>
-            <a:r>
-              <a:rPr lang="en-US" altLang="zh-TW" dirty="0">
-                <a:latin typeface="微軟正黑體" panose="020B0604030504040204" pitchFamily="34" charset="-120"/>
-                <a:ea typeface="微軟正黑體" panose="020B0604030504040204" pitchFamily="34" charset="-120"/>
-              </a:rPr>
-              <a:t> Game</a:t>
-            </a:r>
-          </a:p>
-          <a:p>
-            <a:pPr marL="628650" lvl="1" indent="-171450">
-              <a:buFont typeface="Arial" panose="020B0604020202020204" pitchFamily="34" charset="0"/>
-              <a:buChar char="•"/>
-            </a:pPr>
-            <a:endParaRPr lang="en-US" altLang="zh-TW" dirty="0">
-              <a:latin typeface="微軟正黑體" panose="020B0604030504040204" pitchFamily="34" charset="-120"/>
-              <a:ea typeface="微軟正黑體" panose="020B0604030504040204" pitchFamily="34" charset="-120"/>
-            </a:endParaRPr>
-          </a:p>
-          <a:p>
-            <a:pPr marL="171450" indent="-171450">
-              <a:buFont typeface="Arial" panose="020B0604020202020204" pitchFamily="34" charset="0"/>
-              <a:buChar char="•"/>
-            </a:pPr>
-            <a:r>
-              <a:rPr lang="en-US" altLang="zh-TW" dirty="0">
-                <a:latin typeface="微軟正黑體" panose="020B0604030504040204" pitchFamily="34" charset="-120"/>
-                <a:ea typeface="微軟正黑體" panose="020B0604030504040204" pitchFamily="34" charset="-120"/>
-              </a:rPr>
-              <a:t>2022/03/03 ~ 2022/03/11</a:t>
-            </a:r>
-          </a:p>
-          <a:p>
-            <a:pPr marL="628650" lvl="1" indent="-171450">
-              <a:buFont typeface="Arial" panose="020B0604020202020204" pitchFamily="34" charset="0"/>
-              <a:buChar char="•"/>
-            </a:pPr>
-            <a:r>
-              <a:rPr lang="zh-TW" altLang="en-US" dirty="0">
-                <a:latin typeface="微軟正黑體" panose="020B0604030504040204" pitchFamily="34" charset="-120"/>
-                <a:ea typeface="微軟正黑體" panose="020B0604030504040204" pitchFamily="34" charset="-120"/>
-              </a:rPr>
-              <a:t>分析 </a:t>
-            </a:r>
-            <a:r>
-              <a:rPr lang="en-US" altLang="zh-TW" dirty="0" err="1">
-                <a:latin typeface="微軟正黑體" panose="020B0604030504040204" pitchFamily="34" charset="-120"/>
-                <a:ea typeface="微軟正黑體" panose="020B0604030504040204" pitchFamily="34" charset="-120"/>
-              </a:rPr>
-              <a:t>PingPong</a:t>
-            </a:r>
-            <a:r>
-              <a:rPr lang="en-US" altLang="zh-TW" dirty="0">
-                <a:latin typeface="微軟正黑體" panose="020B0604030504040204" pitchFamily="34" charset="-120"/>
-                <a:ea typeface="微軟正黑體" panose="020B0604030504040204" pitchFamily="34" charset="-120"/>
-              </a:rPr>
-              <a:t> FSM</a:t>
-            </a:r>
-            <a:r>
-              <a:rPr lang="zh-TW" altLang="en-US" dirty="0">
-                <a:latin typeface="微軟正黑體" panose="020B0604030504040204" pitchFamily="34" charset="-120"/>
-                <a:ea typeface="微軟正黑體" panose="020B0604030504040204" pitchFamily="34" charset="-120"/>
-              </a:rPr>
-              <a:t>設計</a:t>
-            </a:r>
-            <a:endParaRPr lang="en-US" altLang="zh-TW" dirty="0">
-              <a:latin typeface="微軟正黑體" panose="020B0604030504040204" pitchFamily="34" charset="-120"/>
-              <a:ea typeface="微軟正黑體" panose="020B0604030504040204" pitchFamily="34" charset="-120"/>
-            </a:endParaRPr>
-          </a:p>
-        </p:txBody>
-      </p:sp>
-      <p:sp>
-        <p:nvSpPr>
-          <p:cNvPr id="2" name="投影片編號版面配置區 1">
-            <a:extLst>
-              <a:ext uri="{FF2B5EF4-FFF2-40B4-BE49-F238E27FC236}">
-                <a16:creationId xmlns:a16="http://schemas.microsoft.com/office/drawing/2014/main" id="{39CA12FA-821F-487F-8749-8247622B284C}"/>
-              </a:ext>
-            </a:extLst>
-          </p:cNvPr>
-          <p:cNvSpPr>
-            <a:spLocks noGrp="1"/>
-          </p:cNvSpPr>
-          <p:nvPr>
-            <p:ph type="sldNum" sz="quarter" idx="12"/>
-          </p:nvPr>
-        </p:nvSpPr>
-        <p:spPr/>
-        <p:txBody>
-          <a:bodyPr/>
-          <a:lstStyle/>
-          <a:p>
-            <a:fld id="{90F9E983-480B-48C5-9E0F-D21C0DFBB5C0}" type="slidenum">
-              <a:rPr lang="zh-TW" altLang="en-US" smtClean="0"/>
-              <a:t>2</a:t>
-            </a:fld>
-            <a:endParaRPr lang="zh-TW" altLang="en-US"/>
-          </a:p>
-        </p:txBody>
-      </p:sp>
-    </p:spTree>
-    <p:extLst>
-      <p:ext uri="{BB962C8B-B14F-4D97-AF65-F5344CB8AC3E}">
-        <p14:creationId xmlns:p14="http://schemas.microsoft.com/office/powerpoint/2010/main" val="1052860566"/>
-      </p:ext>
-    </p:extLst>
-  </p:cSld>
-  <p:clrMapOvr>
-    <a:masterClrMapping/>
-  </p:clrMapOvr>
-</p:sld>
-</file>
-
-<file path=ppt/slides/slide20.xml><?xml version="1.0" encoding="utf-8"?>
-<p:sld xmlns:a="http://schemas.openxmlformats.org/drawingml/2006/main" xmlns:r="http://schemas.openxmlformats.org/officeDocument/2006/relationships" xmlns:p="http://schemas.openxmlformats.org/presentationml/2006/main">
-  <p:cSld>
-    <p:spTree>
-      <p:nvGrpSpPr>
-        <p:cNvPr id="1" name=""/>
-        <p:cNvGrpSpPr/>
-        <p:nvPr/>
-      </p:nvGrpSpPr>
-      <p:grpSpPr>
-        <a:xfrm>
-          <a:off x="0" y="0"/>
-          <a:ext cx="0" cy="0"/>
-          <a:chOff x="0" y="0"/>
-          <a:chExt cx="0" cy="0"/>
-        </a:xfrm>
-      </p:grpSpPr>
-      <p:sp>
-        <p:nvSpPr>
-          <p:cNvPr id="3" name="標題 2">
-            <a:extLst>
-              <a:ext uri="{FF2B5EF4-FFF2-40B4-BE49-F238E27FC236}">
-                <a16:creationId xmlns:a16="http://schemas.microsoft.com/office/drawing/2014/main" id="{EF277299-8610-4660-86B9-EE584C561AB1}"/>
-              </a:ext>
-            </a:extLst>
-          </p:cNvPr>
-          <p:cNvSpPr>
-            <a:spLocks noGrp="1"/>
-          </p:cNvSpPr>
-          <p:nvPr>
-            <p:ph type="title"/>
-          </p:nvPr>
-        </p:nvSpPr>
-        <p:spPr/>
-        <p:txBody>
-          <a:bodyPr/>
-          <a:lstStyle/>
-          <a:p>
-            <a:r>
-              <a:rPr lang="zh-TW" altLang="en-US" dirty="0"/>
-              <a:t>當週進度</a:t>
-            </a:r>
-          </a:p>
-        </p:txBody>
-      </p:sp>
-      <p:sp>
-        <p:nvSpPr>
-          <p:cNvPr id="2" name="投影片編號版面配置區 1">
-            <a:extLst>
-              <a:ext uri="{FF2B5EF4-FFF2-40B4-BE49-F238E27FC236}">
-                <a16:creationId xmlns:a16="http://schemas.microsoft.com/office/drawing/2014/main" id="{93307445-5962-42AE-9A4E-E1C6CD1297BF}"/>
-              </a:ext>
-            </a:extLst>
-          </p:cNvPr>
-          <p:cNvSpPr>
-            <a:spLocks noGrp="1"/>
-          </p:cNvSpPr>
-          <p:nvPr>
-            <p:ph type="sldNum" sz="quarter" idx="12"/>
-          </p:nvPr>
-        </p:nvSpPr>
-        <p:spPr/>
-        <p:txBody>
-          <a:bodyPr/>
-          <a:lstStyle/>
-          <a:p>
-            <a:fld id="{90F9E983-480B-48C5-9E0F-D21C0DFBB5C0}" type="slidenum">
-              <a:rPr lang="zh-TW" altLang="en-US" smtClean="0"/>
-              <a:t>20</a:t>
-            </a:fld>
-            <a:endParaRPr lang="zh-TW" altLang="en-US"/>
-          </a:p>
-        </p:txBody>
-      </p:sp>
-      <p:sp>
-        <p:nvSpPr>
-          <p:cNvPr id="4" name="文字方塊 3">
-            <a:extLst>
-              <a:ext uri="{FF2B5EF4-FFF2-40B4-BE49-F238E27FC236}">
-                <a16:creationId xmlns:a16="http://schemas.microsoft.com/office/drawing/2014/main" id="{227F0923-AA00-4F8D-99BB-3109F6365217}"/>
-              </a:ext>
-            </a:extLst>
-          </p:cNvPr>
-          <p:cNvSpPr txBox="1"/>
-          <p:nvPr/>
-        </p:nvSpPr>
-        <p:spPr>
-          <a:xfrm>
-            <a:off x="838198" y="1190191"/>
-            <a:ext cx="10515599" cy="2031325"/>
-          </a:xfrm>
-          <a:prstGeom prst="rect">
-            <a:avLst/>
-          </a:prstGeom>
-          <a:noFill/>
-        </p:spPr>
-        <p:txBody>
-          <a:bodyPr wrap="square">
-            <a:spAutoFit/>
-          </a:bodyPr>
-          <a:lstStyle/>
-          <a:p>
-            <a:pPr marL="285750" indent="-285750">
-              <a:buFont typeface="Wingdings" panose="05000000000000000000" pitchFamily="2" charset="2"/>
-              <a:buChar char="n"/>
-            </a:pPr>
-            <a:r>
-              <a:rPr lang="zh-TW" altLang="en-US" dirty="0">
-                <a:latin typeface="微軟正黑體" panose="020B0604030504040204" pitchFamily="34" charset="-120"/>
-                <a:ea typeface="微軟正黑體" panose="020B0604030504040204" pitchFamily="34" charset="-120"/>
-              </a:rPr>
-              <a:t>問題記錄</a:t>
-            </a:r>
-            <a:endParaRPr lang="en-US" altLang="zh-TW" dirty="0">
-              <a:latin typeface="微軟正黑體" panose="020B0604030504040204" pitchFamily="34" charset="-120"/>
-              <a:ea typeface="微軟正黑體" panose="020B0604030504040204" pitchFamily="34" charset="-120"/>
-            </a:endParaRPr>
-          </a:p>
-          <a:p>
-            <a:pPr marL="800100" lvl="1" indent="-342900">
-              <a:buFont typeface="+mj-lt"/>
-              <a:buAutoNum type="arabicPeriod"/>
-            </a:pPr>
-            <a:r>
-              <a:rPr lang="zh-TW" altLang="en-US" dirty="0">
-                <a:latin typeface="微軟正黑體" panose="020B0604030504040204" pitchFamily="34" charset="-120"/>
-                <a:ea typeface="微軟正黑體" panose="020B0604030504040204" pitchFamily="34" charset="-120"/>
-              </a:rPr>
-              <a:t>無</a:t>
-            </a:r>
-            <a:endParaRPr lang="en-US" altLang="zh-TW" dirty="0">
-              <a:latin typeface="微軟正黑體" panose="020B0604030504040204" pitchFamily="34" charset="-120"/>
-              <a:ea typeface="微軟正黑體" panose="020B0604030504040204" pitchFamily="34" charset="-120"/>
-            </a:endParaRPr>
-          </a:p>
-          <a:p>
-            <a:pPr marL="800100" lvl="1" indent="-342900">
-              <a:buFont typeface="+mj-lt"/>
-              <a:buAutoNum type="arabicPeriod"/>
-            </a:pPr>
-            <a:endParaRPr lang="en-US" altLang="zh-TW" dirty="0">
-              <a:latin typeface="微軟正黑體" panose="020B0604030504040204" pitchFamily="34" charset="-120"/>
-              <a:ea typeface="微軟正黑體" panose="020B0604030504040204" pitchFamily="34" charset="-120"/>
-            </a:endParaRPr>
-          </a:p>
-          <a:p>
-            <a:pPr marL="342900" indent="-342900">
-              <a:buFont typeface="Wingdings" panose="05000000000000000000" pitchFamily="2" charset="2"/>
-              <a:buChar char="n"/>
-            </a:pPr>
-            <a:r>
-              <a:rPr lang="zh-TW" altLang="en-US" dirty="0">
-                <a:latin typeface="微軟正黑體" panose="020B0604030504040204" pitchFamily="34" charset="-120"/>
-                <a:ea typeface="微軟正黑體" panose="020B0604030504040204" pitchFamily="34" charset="-120"/>
-              </a:rPr>
-              <a:t>影片展示</a:t>
-            </a:r>
-            <a:endParaRPr lang="en-US" altLang="zh-TW" dirty="0">
-              <a:latin typeface="微軟正黑體" panose="020B0604030504040204" pitchFamily="34" charset="-120"/>
-              <a:ea typeface="微軟正黑體" panose="020B0604030504040204" pitchFamily="34" charset="-120"/>
-            </a:endParaRPr>
-          </a:p>
-          <a:p>
-            <a:pPr marL="742950" lvl="1" indent="-285750">
-              <a:buFont typeface="Arial" panose="020B0604020202020204" pitchFamily="34" charset="0"/>
-              <a:buChar char="•"/>
-            </a:pPr>
-            <a:r>
-              <a:rPr lang="en-US" altLang="zh-TW" dirty="0">
-                <a:latin typeface="微軟正黑體" panose="020B0604030504040204" pitchFamily="34" charset="-120"/>
-                <a:ea typeface="微軟正黑體" panose="020B0604030504040204" pitchFamily="34" charset="-120"/>
-                <a:hlinkClick r:id="rId3"/>
-              </a:rPr>
-              <a:t>https://drive.google.com/file/d/18gRYrMBCHtoaTZJ8OqSH27_qF-gMOqqg/view?usp=sharing</a:t>
-            </a:r>
-            <a:endParaRPr lang="en-US" altLang="zh-TW" dirty="0">
-              <a:latin typeface="微軟正黑體" panose="020B0604030504040204" pitchFamily="34" charset="-120"/>
-              <a:ea typeface="微軟正黑體" panose="020B0604030504040204" pitchFamily="34" charset="-120"/>
-            </a:endParaRPr>
-          </a:p>
-          <a:p>
-            <a:pPr marL="742950" lvl="1" indent="-285750">
-              <a:buFont typeface="Arial" panose="020B0604020202020204" pitchFamily="34" charset="0"/>
-              <a:buChar char="•"/>
-            </a:pPr>
-            <a:endParaRPr lang="en-US" altLang="zh-TW" dirty="0">
-              <a:latin typeface="微軟正黑體" panose="020B0604030504040204" pitchFamily="34" charset="-120"/>
-              <a:ea typeface="微軟正黑體" panose="020B0604030504040204" pitchFamily="34" charset="-120"/>
-            </a:endParaRPr>
-          </a:p>
-        </p:txBody>
-      </p:sp>
-    </p:spTree>
-    <p:extLst>
-      <p:ext uri="{BB962C8B-B14F-4D97-AF65-F5344CB8AC3E}">
-        <p14:creationId xmlns:p14="http://schemas.microsoft.com/office/powerpoint/2010/main" val="870849123"/>
-      </p:ext>
-    </p:extLst>
-  </p:cSld>
-  <p:clrMapOvr>
-    <a:masterClrMapping/>
-  </p:clrMapOvr>
-</p:sld>
-</file>
-
-<file path=ppt/slides/slide21.xml><?xml version="1.0" encoding="utf-8"?>
-<p:sld xmlns:a="http://schemas.openxmlformats.org/drawingml/2006/main" xmlns:r="http://schemas.openxmlformats.org/officeDocument/2006/relationships" xmlns:p="http://schemas.openxmlformats.org/presentationml/2006/main">
-  <p:cSld>
-    <p:spTree>
-      <p:nvGrpSpPr>
-        <p:cNvPr id="1" name=""/>
-        <p:cNvGrpSpPr/>
-        <p:nvPr/>
-      </p:nvGrpSpPr>
-      <p:grpSpPr>
-        <a:xfrm>
-          <a:off x="0" y="0"/>
-          <a:ext cx="0" cy="0"/>
-          <a:chOff x="0" y="0"/>
-          <a:chExt cx="0" cy="0"/>
-        </a:xfrm>
-      </p:grpSpPr>
-      <p:sp>
-        <p:nvSpPr>
-          <p:cNvPr id="3" name="標題 2">
-            <a:extLst>
-              <a:ext uri="{FF2B5EF4-FFF2-40B4-BE49-F238E27FC236}">
-                <a16:creationId xmlns:a16="http://schemas.microsoft.com/office/drawing/2014/main" id="{EF277299-8610-4660-86B9-EE584C561AB1}"/>
-              </a:ext>
-            </a:extLst>
-          </p:cNvPr>
-          <p:cNvSpPr>
-            <a:spLocks noGrp="1"/>
-          </p:cNvSpPr>
-          <p:nvPr>
-            <p:ph type="title"/>
-          </p:nvPr>
-        </p:nvSpPr>
-        <p:spPr/>
-        <p:txBody>
-          <a:bodyPr/>
-          <a:lstStyle/>
-          <a:p>
-            <a:r>
-              <a:rPr lang="zh-TW" altLang="en-US" dirty="0"/>
-              <a:t>架構圖</a:t>
-            </a:r>
-          </a:p>
-        </p:txBody>
-      </p:sp>
-      <p:sp>
-        <p:nvSpPr>
-          <p:cNvPr id="2" name="投影片編號版面配置區 1">
-            <a:extLst>
-              <a:ext uri="{FF2B5EF4-FFF2-40B4-BE49-F238E27FC236}">
-                <a16:creationId xmlns:a16="http://schemas.microsoft.com/office/drawing/2014/main" id="{3ABA1C61-B2A2-4D29-8357-2466EE82EA36}"/>
-              </a:ext>
-            </a:extLst>
-          </p:cNvPr>
-          <p:cNvSpPr>
-            <a:spLocks noGrp="1"/>
-          </p:cNvSpPr>
-          <p:nvPr>
-            <p:ph type="sldNum" sz="quarter" idx="12"/>
-          </p:nvPr>
-        </p:nvSpPr>
-        <p:spPr/>
-        <p:txBody>
-          <a:bodyPr/>
-          <a:lstStyle/>
-          <a:p>
-            <a:fld id="{90F9E983-480B-48C5-9E0F-D21C0DFBB5C0}" type="slidenum">
-              <a:rPr lang="zh-TW" altLang="en-US" smtClean="0"/>
-              <a:t>21</a:t>
-            </a:fld>
-            <a:endParaRPr lang="zh-TW" altLang="en-US"/>
-          </a:p>
-        </p:txBody>
-      </p:sp>
-      <p:pic>
-        <p:nvPicPr>
-          <p:cNvPr id="5" name="圖片 4">
-            <a:extLst>
-              <a:ext uri="{FF2B5EF4-FFF2-40B4-BE49-F238E27FC236}">
-                <a16:creationId xmlns:a16="http://schemas.microsoft.com/office/drawing/2014/main" id="{15432B41-E0A7-45C1-A25D-8A51BD100040}"/>
-              </a:ext>
-            </a:extLst>
-          </p:cNvPr>
-          <p:cNvPicPr>
-            <a:picLocks noChangeAspect="1"/>
-          </p:cNvPicPr>
-          <p:nvPr/>
-        </p:nvPicPr>
-        <p:blipFill>
-          <a:blip r:embed="rId3">
-            <a:extLst>
-              <a:ext uri="{28A0092B-C50C-407E-A947-70E740481C1C}">
-                <a14:useLocalDpi xmlns:a14="http://schemas.microsoft.com/office/drawing/2010/main" val="0"/>
-              </a:ext>
-            </a:extLst>
-          </a:blip>
-          <a:stretch>
-            <a:fillRect/>
-          </a:stretch>
-        </p:blipFill>
-        <p:spPr>
-          <a:xfrm>
-            <a:off x="6223094" y="1253763"/>
-            <a:ext cx="4775012" cy="4933949"/>
-          </a:xfrm>
-          <a:prstGeom prst="rect">
-            <a:avLst/>
-          </a:prstGeom>
-        </p:spPr>
-      </p:pic>
-      <p:sp>
-        <p:nvSpPr>
-          <p:cNvPr id="7" name="文字方塊 6">
-            <a:extLst>
-              <a:ext uri="{FF2B5EF4-FFF2-40B4-BE49-F238E27FC236}">
-                <a16:creationId xmlns:a16="http://schemas.microsoft.com/office/drawing/2014/main" id="{816D03E9-6F79-4549-AF31-CD49153BFE87}"/>
-              </a:ext>
-            </a:extLst>
-          </p:cNvPr>
-          <p:cNvSpPr txBox="1"/>
-          <p:nvPr/>
-        </p:nvSpPr>
-        <p:spPr>
-          <a:xfrm>
-            <a:off x="838198" y="1190191"/>
-            <a:ext cx="5257802" cy="4893647"/>
-          </a:xfrm>
-          <a:prstGeom prst="rect">
-            <a:avLst/>
-          </a:prstGeom>
-          <a:noFill/>
-        </p:spPr>
-        <p:txBody>
-          <a:bodyPr wrap="square">
-            <a:spAutoFit/>
-          </a:bodyPr>
-          <a:lstStyle/>
-          <a:p>
-            <a:pPr marL="285750" indent="-285750">
-              <a:buFont typeface="Wingdings" panose="05000000000000000000" pitchFamily="2" charset="2"/>
-              <a:buChar char="n"/>
-            </a:pPr>
-            <a:r>
-              <a:rPr lang="en-US" altLang="zh-TW" sz="1200" dirty="0">
-                <a:latin typeface="微軟正黑體" panose="020B0604030504040204" pitchFamily="34" charset="-120"/>
-                <a:ea typeface="微軟正黑體" panose="020B0604030504040204" pitchFamily="34" charset="-120"/>
-              </a:rPr>
-              <a:t>FSM</a:t>
-            </a:r>
-          </a:p>
-          <a:p>
-            <a:pPr marL="742950" lvl="1" indent="-285750">
-              <a:buFont typeface="Arial" panose="020B0604020202020204" pitchFamily="34" charset="0"/>
-              <a:buChar char="•"/>
-            </a:pPr>
-            <a:r>
-              <a:rPr lang="en-US" altLang="zh-TW" sz="1200" dirty="0" err="1">
-                <a:latin typeface="微軟正黑體" panose="020B0604030504040204" pitchFamily="34" charset="-120"/>
-                <a:ea typeface="微軟正黑體" panose="020B0604030504040204" pitchFamily="34" charset="-120"/>
-              </a:rPr>
-              <a:t>idle_left</a:t>
-            </a:r>
-            <a:r>
-              <a:rPr lang="en-US" altLang="zh-TW" sz="1200" dirty="0">
-                <a:latin typeface="微軟正黑體" panose="020B0604030504040204" pitchFamily="34" charset="-120"/>
-                <a:ea typeface="微軟正黑體" panose="020B0604030504040204" pitchFamily="34" charset="-120"/>
-              </a:rPr>
-              <a:t> </a:t>
-            </a:r>
-          </a:p>
-          <a:p>
-            <a:pPr marL="1200150" lvl="2" indent="-285750">
-              <a:buFont typeface="Arial" panose="020B0604020202020204" pitchFamily="34" charset="0"/>
-              <a:buChar char="•"/>
-            </a:pPr>
-            <a:r>
-              <a:rPr lang="zh-TW" altLang="en-US" sz="1200" dirty="0">
-                <a:latin typeface="微軟正黑體" panose="020B0604030504040204" pitchFamily="34" charset="-120"/>
-                <a:ea typeface="微軟正黑體" panose="020B0604030504040204" pitchFamily="34" charset="-120"/>
-              </a:rPr>
-              <a:t>等待左玩家按下按鈕發球</a:t>
-            </a:r>
-            <a:endParaRPr lang="en-US" altLang="zh-TW" sz="1200" dirty="0">
-              <a:latin typeface="微軟正黑體" panose="020B0604030504040204" pitchFamily="34" charset="-120"/>
-              <a:ea typeface="微軟正黑體" panose="020B0604030504040204" pitchFamily="34" charset="-120"/>
-            </a:endParaRPr>
-          </a:p>
-          <a:p>
-            <a:pPr marL="742950" lvl="1" indent="-285750">
-              <a:buFont typeface="Arial" panose="020B0604020202020204" pitchFamily="34" charset="0"/>
-              <a:buChar char="•"/>
-            </a:pPr>
-            <a:r>
-              <a:rPr lang="en-US" altLang="zh-TW" sz="1200" dirty="0" err="1">
-                <a:latin typeface="微軟正黑體" panose="020B0604030504040204" pitchFamily="34" charset="-120"/>
-                <a:ea typeface="微軟正黑體" panose="020B0604030504040204" pitchFamily="34" charset="-120"/>
-              </a:rPr>
-              <a:t>idle_right</a:t>
-            </a:r>
-            <a:endParaRPr lang="en-US" altLang="zh-TW" sz="1200" dirty="0">
-              <a:latin typeface="微軟正黑體" panose="020B0604030504040204" pitchFamily="34" charset="-120"/>
-              <a:ea typeface="微軟正黑體" panose="020B0604030504040204" pitchFamily="34" charset="-120"/>
-            </a:endParaRPr>
-          </a:p>
-          <a:p>
-            <a:pPr marL="1200150" lvl="2" indent="-285750">
-              <a:buFont typeface="Arial" panose="020B0604020202020204" pitchFamily="34" charset="0"/>
-              <a:buChar char="•"/>
-            </a:pPr>
-            <a:r>
-              <a:rPr lang="zh-TW" altLang="en-US" sz="1200" dirty="0">
-                <a:latin typeface="微軟正黑體" panose="020B0604030504040204" pitchFamily="34" charset="-120"/>
-                <a:ea typeface="微軟正黑體" panose="020B0604030504040204" pitchFamily="34" charset="-120"/>
-              </a:rPr>
-              <a:t>等待右玩家按下按鈕發球</a:t>
-            </a:r>
-            <a:endParaRPr lang="en-US" altLang="zh-TW" sz="1200" dirty="0">
-              <a:latin typeface="微軟正黑體" panose="020B0604030504040204" pitchFamily="34" charset="-120"/>
-              <a:ea typeface="微軟正黑體" panose="020B0604030504040204" pitchFamily="34" charset="-120"/>
-            </a:endParaRPr>
-          </a:p>
-          <a:p>
-            <a:pPr marL="742950" lvl="1" indent="-285750">
-              <a:buFont typeface="Arial" panose="020B0604020202020204" pitchFamily="34" charset="0"/>
-              <a:buChar char="•"/>
-            </a:pPr>
-            <a:r>
-              <a:rPr lang="en-US" altLang="zh-TW" sz="1200" dirty="0" err="1">
-                <a:latin typeface="微軟正黑體" panose="020B0604030504040204" pitchFamily="34" charset="-120"/>
-                <a:ea typeface="微軟正黑體" panose="020B0604030504040204" pitchFamily="34" charset="-120"/>
-              </a:rPr>
-              <a:t>serve_left</a:t>
-            </a:r>
-            <a:endParaRPr lang="en-US" altLang="zh-TW" sz="1200" dirty="0">
-              <a:latin typeface="微軟正黑體" panose="020B0604030504040204" pitchFamily="34" charset="-120"/>
-              <a:ea typeface="微軟正黑體" panose="020B0604030504040204" pitchFamily="34" charset="-120"/>
-            </a:endParaRPr>
-          </a:p>
-          <a:p>
-            <a:pPr marL="1200150" lvl="2" indent="-285750">
-              <a:buFont typeface="Arial" panose="020B0604020202020204" pitchFamily="34" charset="0"/>
-              <a:buChar char="•"/>
-            </a:pPr>
-            <a:r>
-              <a:rPr lang="zh-TW" altLang="en-US" sz="1200" dirty="0">
-                <a:latin typeface="微軟正黑體" panose="020B0604030504040204" pitchFamily="34" charset="-120"/>
-                <a:ea typeface="微軟正黑體" panose="020B0604030504040204" pitchFamily="34" charset="-120"/>
-              </a:rPr>
-              <a:t>等待左玩家放開按鈕，開始對打</a:t>
-            </a:r>
-            <a:endParaRPr lang="en-US" altLang="zh-TW" sz="1200" dirty="0">
-              <a:latin typeface="微軟正黑體" panose="020B0604030504040204" pitchFamily="34" charset="-120"/>
-              <a:ea typeface="微軟正黑體" panose="020B0604030504040204" pitchFamily="34" charset="-120"/>
-            </a:endParaRPr>
-          </a:p>
-          <a:p>
-            <a:pPr marL="742950" lvl="1" indent="-285750">
-              <a:buFont typeface="Arial" panose="020B0604020202020204" pitchFamily="34" charset="0"/>
-              <a:buChar char="•"/>
-            </a:pPr>
-            <a:r>
-              <a:rPr lang="en-US" altLang="zh-TW" sz="1200" dirty="0" err="1">
-                <a:latin typeface="微軟正黑體" panose="020B0604030504040204" pitchFamily="34" charset="-120"/>
-                <a:ea typeface="微軟正黑體" panose="020B0604030504040204" pitchFamily="34" charset="-120"/>
-              </a:rPr>
-              <a:t>serve_right</a:t>
-            </a:r>
-            <a:endParaRPr lang="en-US" altLang="zh-TW" sz="1200" dirty="0">
-              <a:latin typeface="微軟正黑體" panose="020B0604030504040204" pitchFamily="34" charset="-120"/>
-              <a:ea typeface="微軟正黑體" panose="020B0604030504040204" pitchFamily="34" charset="-120"/>
-            </a:endParaRPr>
-          </a:p>
-          <a:p>
-            <a:pPr marL="1200150" lvl="2" indent="-285750">
-              <a:buFont typeface="Arial" panose="020B0604020202020204" pitchFamily="34" charset="0"/>
-              <a:buChar char="•"/>
-            </a:pPr>
-            <a:r>
-              <a:rPr lang="zh-TW" altLang="en-US" sz="1200" dirty="0">
-                <a:latin typeface="微軟正黑體" panose="020B0604030504040204" pitchFamily="34" charset="-120"/>
-                <a:ea typeface="微軟正黑體" panose="020B0604030504040204" pitchFamily="34" charset="-120"/>
-              </a:rPr>
-              <a:t>等待右玩家放開按鈕，開始對打</a:t>
-            </a:r>
-            <a:endParaRPr lang="en-US" altLang="zh-TW" sz="1200" dirty="0">
-              <a:latin typeface="微軟正黑體" panose="020B0604030504040204" pitchFamily="34" charset="-120"/>
-              <a:ea typeface="微軟正黑體" panose="020B0604030504040204" pitchFamily="34" charset="-120"/>
-            </a:endParaRPr>
-          </a:p>
-          <a:p>
-            <a:pPr marL="742950" lvl="1" indent="-285750">
-              <a:buFont typeface="Arial" panose="020B0604020202020204" pitchFamily="34" charset="0"/>
-              <a:buChar char="•"/>
-            </a:pPr>
-            <a:r>
-              <a:rPr lang="en-US" altLang="zh-TW" sz="1200" dirty="0" err="1">
-                <a:latin typeface="微軟正黑體" panose="020B0604030504040204" pitchFamily="34" charset="-120"/>
-                <a:ea typeface="微軟正黑體" panose="020B0604030504040204" pitchFamily="34" charset="-120"/>
-              </a:rPr>
-              <a:t>moving_left</a:t>
-            </a:r>
-            <a:endParaRPr lang="en-US" altLang="zh-TW" sz="1200" dirty="0">
-              <a:latin typeface="微軟正黑體" panose="020B0604030504040204" pitchFamily="34" charset="-120"/>
-              <a:ea typeface="微軟正黑體" panose="020B0604030504040204" pitchFamily="34" charset="-120"/>
-            </a:endParaRPr>
-          </a:p>
-          <a:p>
-            <a:pPr marL="1200150" lvl="2" indent="-285750">
-              <a:buFont typeface="Arial" panose="020B0604020202020204" pitchFamily="34" charset="0"/>
-              <a:buChar char="•"/>
-            </a:pPr>
-            <a:r>
-              <a:rPr lang="en-US" altLang="zh-TW" sz="1200" dirty="0">
-                <a:latin typeface="微軟正黑體" panose="020B0604030504040204" pitchFamily="34" charset="-120"/>
-                <a:ea typeface="微軟正黑體" panose="020B0604030504040204" pitchFamily="34" charset="-120"/>
-              </a:rPr>
-              <a:t>LED</a:t>
-            </a:r>
-            <a:r>
-              <a:rPr lang="zh-TW" altLang="en-US" sz="1200" dirty="0">
-                <a:latin typeface="微軟正黑體" panose="020B0604030504040204" pitchFamily="34" charset="-120"/>
-                <a:ea typeface="微軟正黑體" panose="020B0604030504040204" pitchFamily="34" charset="-120"/>
-              </a:rPr>
-              <a:t> 往左移</a:t>
-            </a:r>
-            <a:endParaRPr lang="en-US" altLang="zh-TW" sz="1200" dirty="0">
-              <a:latin typeface="微軟正黑體" panose="020B0604030504040204" pitchFamily="34" charset="-120"/>
-              <a:ea typeface="微軟正黑體" panose="020B0604030504040204" pitchFamily="34" charset="-120"/>
-            </a:endParaRPr>
-          </a:p>
-          <a:p>
-            <a:pPr marL="742950" lvl="1" indent="-285750">
-              <a:buFont typeface="Arial" panose="020B0604020202020204" pitchFamily="34" charset="0"/>
-              <a:buChar char="•"/>
-            </a:pPr>
-            <a:r>
-              <a:rPr lang="en-US" altLang="zh-TW" sz="1200" dirty="0" err="1">
-                <a:latin typeface="微軟正黑體" panose="020B0604030504040204" pitchFamily="34" charset="-120"/>
-                <a:ea typeface="微軟正黑體" panose="020B0604030504040204" pitchFamily="34" charset="-120"/>
-              </a:rPr>
-              <a:t>moving_right</a:t>
-            </a:r>
-            <a:endParaRPr lang="en-US" altLang="zh-TW" sz="1200" dirty="0">
-              <a:latin typeface="微軟正黑體" panose="020B0604030504040204" pitchFamily="34" charset="-120"/>
-              <a:ea typeface="微軟正黑體" panose="020B0604030504040204" pitchFamily="34" charset="-120"/>
-            </a:endParaRPr>
-          </a:p>
-          <a:p>
-            <a:pPr marL="1200150" lvl="2" indent="-285750">
-              <a:buFont typeface="Arial" panose="020B0604020202020204" pitchFamily="34" charset="0"/>
-              <a:buChar char="•"/>
-            </a:pPr>
-            <a:r>
-              <a:rPr lang="en-US" altLang="zh-TW" sz="1200" dirty="0">
-                <a:latin typeface="微軟正黑體" panose="020B0604030504040204" pitchFamily="34" charset="-120"/>
-                <a:ea typeface="微軟正黑體" panose="020B0604030504040204" pitchFamily="34" charset="-120"/>
-              </a:rPr>
-              <a:t>LED</a:t>
-            </a:r>
-            <a:r>
-              <a:rPr lang="zh-TW" altLang="en-US" sz="1200" dirty="0">
-                <a:latin typeface="微軟正黑體" panose="020B0604030504040204" pitchFamily="34" charset="-120"/>
-                <a:ea typeface="微軟正黑體" panose="020B0604030504040204" pitchFamily="34" charset="-120"/>
-              </a:rPr>
-              <a:t> 往右移</a:t>
-            </a:r>
-            <a:endParaRPr lang="en-US" altLang="zh-TW" sz="1200" dirty="0">
-              <a:latin typeface="微軟正黑體" panose="020B0604030504040204" pitchFamily="34" charset="-120"/>
-              <a:ea typeface="微軟正黑體" panose="020B0604030504040204" pitchFamily="34" charset="-120"/>
-            </a:endParaRPr>
-          </a:p>
-          <a:p>
-            <a:pPr marL="742950" lvl="1" indent="-285750">
-              <a:buFont typeface="Arial" panose="020B0604020202020204" pitchFamily="34" charset="0"/>
-              <a:buChar char="•"/>
-            </a:pPr>
-            <a:r>
-              <a:rPr lang="en-US" altLang="zh-TW" sz="1200" dirty="0" err="1">
-                <a:latin typeface="微軟正黑體" panose="020B0604030504040204" pitchFamily="34" charset="-120"/>
-                <a:ea typeface="微軟正黑體" panose="020B0604030504040204" pitchFamily="34" charset="-120"/>
-              </a:rPr>
-              <a:t>left_win</a:t>
-            </a:r>
-            <a:endParaRPr lang="en-US" altLang="zh-TW" sz="1200" dirty="0">
-              <a:latin typeface="微軟正黑體" panose="020B0604030504040204" pitchFamily="34" charset="-120"/>
-              <a:ea typeface="微軟正黑體" panose="020B0604030504040204" pitchFamily="34" charset="-120"/>
-            </a:endParaRPr>
-          </a:p>
-          <a:p>
-            <a:pPr marL="1200150" lvl="2" indent="-285750">
-              <a:buFont typeface="Arial" panose="020B0604020202020204" pitchFamily="34" charset="0"/>
-              <a:buChar char="•"/>
-            </a:pPr>
-            <a:r>
-              <a:rPr lang="zh-TW" altLang="en-US" sz="1200" dirty="0">
-                <a:latin typeface="微軟正黑體" panose="020B0604030504040204" pitchFamily="34" charset="-120"/>
-                <a:ea typeface="微軟正黑體" panose="020B0604030504040204" pitchFamily="34" charset="-120"/>
-              </a:rPr>
-              <a:t>當右玩家，漏接或提早，則左玩家勝利</a:t>
-            </a:r>
-            <a:endParaRPr lang="en-US" altLang="zh-TW" sz="1200" dirty="0">
-              <a:latin typeface="微軟正黑體" panose="020B0604030504040204" pitchFamily="34" charset="-120"/>
-              <a:ea typeface="微軟正黑體" panose="020B0604030504040204" pitchFamily="34" charset="-120"/>
-            </a:endParaRPr>
-          </a:p>
-          <a:p>
-            <a:pPr marL="742950" lvl="1" indent="-285750">
-              <a:buFont typeface="Arial" panose="020B0604020202020204" pitchFamily="34" charset="0"/>
-              <a:buChar char="•"/>
-            </a:pPr>
-            <a:r>
-              <a:rPr lang="en-US" altLang="zh-TW" sz="1200" dirty="0" err="1">
-                <a:latin typeface="微軟正黑體" panose="020B0604030504040204" pitchFamily="34" charset="-120"/>
-                <a:ea typeface="微軟正黑體" panose="020B0604030504040204" pitchFamily="34" charset="-120"/>
-              </a:rPr>
-              <a:t>right_win</a:t>
-            </a:r>
-            <a:endParaRPr lang="en-US" altLang="zh-TW" sz="1200" dirty="0">
-              <a:latin typeface="微軟正黑體" panose="020B0604030504040204" pitchFamily="34" charset="-120"/>
-              <a:ea typeface="微軟正黑體" panose="020B0604030504040204" pitchFamily="34" charset="-120"/>
-            </a:endParaRPr>
-          </a:p>
-          <a:p>
-            <a:pPr marL="1200150" lvl="2" indent="-285750">
-              <a:buFont typeface="Arial" panose="020B0604020202020204" pitchFamily="34" charset="0"/>
-              <a:buChar char="•"/>
-            </a:pPr>
-            <a:r>
-              <a:rPr lang="zh-TW" altLang="en-US" sz="1200" dirty="0">
-                <a:latin typeface="微軟正黑體" panose="020B0604030504040204" pitchFamily="34" charset="-120"/>
-                <a:ea typeface="微軟正黑體" panose="020B0604030504040204" pitchFamily="34" charset="-120"/>
-              </a:rPr>
-              <a:t>當左玩家，漏接或提早，則右玩家勝利</a:t>
-            </a:r>
-            <a:endParaRPr lang="en-US" altLang="zh-TW" sz="1200" dirty="0">
-              <a:latin typeface="微軟正黑體" panose="020B0604030504040204" pitchFamily="34" charset="-120"/>
-              <a:ea typeface="微軟正黑體" panose="020B0604030504040204" pitchFamily="34" charset="-120"/>
-            </a:endParaRPr>
-          </a:p>
-          <a:p>
-            <a:pPr marL="285750" indent="-285750">
-              <a:buFont typeface="Arial" panose="020B0604020202020204" pitchFamily="34" charset="0"/>
-              <a:buChar char="•"/>
-            </a:pPr>
-            <a:endParaRPr lang="en-US" altLang="zh-TW" sz="1200" dirty="0">
-              <a:latin typeface="微軟正黑體" panose="020B0604030504040204" pitchFamily="34" charset="-120"/>
-              <a:ea typeface="微軟正黑體" panose="020B0604030504040204" pitchFamily="34" charset="-120"/>
-            </a:endParaRPr>
-          </a:p>
-          <a:p>
-            <a:pPr marL="285750" indent="-285750">
-              <a:buFont typeface="Arial" panose="020B0604020202020204" pitchFamily="34" charset="0"/>
-              <a:buChar char="•"/>
-            </a:pPr>
-            <a:r>
-              <a:rPr lang="en-US" altLang="zh-TW" sz="1200" dirty="0">
-                <a:latin typeface="微軟正黑體" panose="020B0604030504040204" pitchFamily="34" charset="-120"/>
-                <a:ea typeface="微軟正黑體" panose="020B0604030504040204" pitchFamily="34" charset="-120"/>
-              </a:rPr>
-              <a:t>Action</a:t>
-            </a:r>
-          </a:p>
-          <a:p>
-            <a:pPr marL="742950" lvl="1" indent="-285750">
-              <a:buFont typeface="Arial" panose="020B0604020202020204" pitchFamily="34" charset="0"/>
-              <a:buChar char="•"/>
-            </a:pPr>
-            <a:r>
-              <a:rPr lang="en-US" altLang="zh-TW" sz="1200" dirty="0" err="1">
-                <a:latin typeface="微軟正黑體" panose="020B0604030504040204" pitchFamily="34" charset="-120"/>
-                <a:ea typeface="微軟正黑體" panose="020B0604030504040204" pitchFamily="34" charset="-120"/>
-              </a:rPr>
-              <a:t>DIV_CLK_Action</a:t>
-            </a:r>
-            <a:endParaRPr lang="en-US" altLang="zh-TW" sz="1200" dirty="0">
-              <a:latin typeface="微軟正黑體" panose="020B0604030504040204" pitchFamily="34" charset="-120"/>
-              <a:ea typeface="微軟正黑體" panose="020B0604030504040204" pitchFamily="34" charset="-120"/>
-            </a:endParaRPr>
-          </a:p>
-          <a:p>
-            <a:pPr marL="1200150" lvl="2" indent="-285750">
-              <a:buFont typeface="Arial" panose="020B0604020202020204" pitchFamily="34" charset="0"/>
-              <a:buChar char="•"/>
-            </a:pPr>
-            <a:r>
-              <a:rPr lang="zh-TW" altLang="en-US" sz="1200" dirty="0">
-                <a:latin typeface="微軟正黑體" panose="020B0604030504040204" pitchFamily="34" charset="-120"/>
-                <a:ea typeface="微軟正黑體" panose="020B0604030504040204" pitchFamily="34" charset="-120"/>
-              </a:rPr>
-              <a:t>除頻器，為了在板子上，可以看到</a:t>
-            </a:r>
-            <a:r>
-              <a:rPr lang="en-US" altLang="zh-TW" sz="1200" dirty="0">
-                <a:latin typeface="微軟正黑體" panose="020B0604030504040204" pitchFamily="34" charset="-120"/>
-                <a:ea typeface="微軟正黑體" panose="020B0604030504040204" pitchFamily="34" charset="-120"/>
-              </a:rPr>
-              <a:t>LED</a:t>
-            </a:r>
-            <a:r>
-              <a:rPr lang="zh-TW" altLang="en-US" sz="1200" dirty="0">
-                <a:latin typeface="微軟正黑體" panose="020B0604030504040204" pitchFamily="34" charset="-120"/>
-                <a:ea typeface="微軟正黑體" panose="020B0604030504040204" pitchFamily="34" charset="-120"/>
-              </a:rPr>
-              <a:t>位移</a:t>
-            </a:r>
-            <a:endParaRPr lang="en-US" altLang="zh-TW" sz="1200" dirty="0">
-              <a:latin typeface="微軟正黑體" panose="020B0604030504040204" pitchFamily="34" charset="-120"/>
-              <a:ea typeface="微軟正黑體" panose="020B0604030504040204" pitchFamily="34" charset="-120"/>
-            </a:endParaRPr>
-          </a:p>
-          <a:p>
-            <a:pPr marL="742950" lvl="1" indent="-285750">
-              <a:buFont typeface="Arial" panose="020B0604020202020204" pitchFamily="34" charset="0"/>
-              <a:buChar char="•"/>
-            </a:pPr>
-            <a:r>
-              <a:rPr lang="en-US" altLang="zh-TW" sz="1200" dirty="0" err="1">
-                <a:latin typeface="微軟正黑體" panose="020B0604030504040204" pitchFamily="34" charset="-120"/>
-                <a:ea typeface="微軟正黑體" panose="020B0604030504040204" pitchFamily="34" charset="-120"/>
-              </a:rPr>
-              <a:t>Dealy_Counter_Action</a:t>
-            </a:r>
-            <a:endParaRPr lang="en-US" altLang="zh-TW" sz="1200" dirty="0">
-              <a:latin typeface="微軟正黑體" panose="020B0604030504040204" pitchFamily="34" charset="-120"/>
-              <a:ea typeface="微軟正黑體" panose="020B0604030504040204" pitchFamily="34" charset="-120"/>
-            </a:endParaRPr>
-          </a:p>
-          <a:p>
-            <a:pPr marL="1200150" lvl="2" indent="-285750">
-              <a:buFont typeface="Arial" panose="020B0604020202020204" pitchFamily="34" charset="0"/>
-              <a:buChar char="•"/>
-            </a:pPr>
-            <a:r>
-              <a:rPr lang="zh-TW" altLang="en-US" sz="1200" dirty="0">
-                <a:latin typeface="微軟正黑體" panose="020B0604030504040204" pitchFamily="34" charset="-120"/>
-                <a:ea typeface="微軟正黑體" panose="020B0604030504040204" pitchFamily="34" charset="-120"/>
-              </a:rPr>
-              <a:t>為了讓贏家顯示則延遲四秒顯示</a:t>
-            </a:r>
-            <a:r>
-              <a:rPr lang="en-US" altLang="zh-TW" sz="1200" dirty="0">
-                <a:latin typeface="微軟正黑體" panose="020B0604030504040204" pitchFamily="34" charset="-120"/>
-                <a:ea typeface="微軟正黑體" panose="020B0604030504040204" pitchFamily="34" charset="-120"/>
-              </a:rPr>
-              <a:t>LED</a:t>
-            </a:r>
-          </a:p>
-          <a:p>
-            <a:pPr marL="742950" lvl="1" indent="-285750">
-              <a:buFont typeface="Arial" panose="020B0604020202020204" pitchFamily="34" charset="0"/>
-              <a:buChar char="•"/>
-            </a:pPr>
-            <a:r>
-              <a:rPr lang="en-US" altLang="zh-TW" sz="1200" dirty="0" err="1">
-                <a:latin typeface="微軟正黑體" panose="020B0604030504040204" pitchFamily="34" charset="-120"/>
-                <a:ea typeface="微軟正黑體" panose="020B0604030504040204" pitchFamily="34" charset="-120"/>
-              </a:rPr>
-              <a:t>LED_Action</a:t>
-            </a:r>
-            <a:endParaRPr lang="en-US" altLang="zh-TW" sz="1200" dirty="0">
-              <a:latin typeface="微軟正黑體" panose="020B0604030504040204" pitchFamily="34" charset="-120"/>
-              <a:ea typeface="微軟正黑體" panose="020B0604030504040204" pitchFamily="34" charset="-120"/>
-            </a:endParaRPr>
-          </a:p>
-          <a:p>
-            <a:pPr marL="1200150" lvl="2" indent="-285750">
-              <a:buFont typeface="Arial" panose="020B0604020202020204" pitchFamily="34" charset="0"/>
-              <a:buChar char="•"/>
-            </a:pPr>
-            <a:r>
-              <a:rPr lang="en-US" altLang="zh-TW" sz="1200" dirty="0">
-                <a:latin typeface="微軟正黑體" panose="020B0604030504040204" pitchFamily="34" charset="-120"/>
-                <a:ea typeface="微軟正黑體" panose="020B0604030504040204" pitchFamily="34" charset="-120"/>
-              </a:rPr>
-              <a:t>LED</a:t>
-            </a:r>
-            <a:r>
-              <a:rPr lang="zh-TW" altLang="en-US" sz="1200" dirty="0">
-                <a:latin typeface="微軟正黑體" panose="020B0604030504040204" pitchFamily="34" charset="-120"/>
-                <a:ea typeface="微軟正黑體" panose="020B0604030504040204" pitchFamily="34" charset="-120"/>
-              </a:rPr>
-              <a:t>顯示</a:t>
-            </a:r>
-            <a:endParaRPr lang="en-US" altLang="zh-TW" sz="1200" dirty="0">
-              <a:latin typeface="微軟正黑體" panose="020B0604030504040204" pitchFamily="34" charset="-120"/>
-              <a:ea typeface="微軟正黑體" panose="020B0604030504040204" pitchFamily="34" charset="-120"/>
-            </a:endParaRPr>
-          </a:p>
-          <a:p>
-            <a:pPr marL="742950" lvl="1" indent="-285750">
-              <a:buFont typeface="Wingdings" panose="05000000000000000000" pitchFamily="2" charset="2"/>
-              <a:buChar char="n"/>
-            </a:pPr>
-            <a:endParaRPr lang="en-US" altLang="zh-TW" sz="1200" dirty="0">
-              <a:latin typeface="微軟正黑體" panose="020B0604030504040204" pitchFamily="34" charset="-120"/>
-              <a:ea typeface="微軟正黑體" panose="020B0604030504040204" pitchFamily="34" charset="-120"/>
-            </a:endParaRPr>
-          </a:p>
-        </p:txBody>
-      </p:sp>
-    </p:spTree>
-    <p:extLst>
-      <p:ext uri="{BB962C8B-B14F-4D97-AF65-F5344CB8AC3E}">
-        <p14:creationId xmlns:p14="http://schemas.microsoft.com/office/powerpoint/2010/main" val="3603340644"/>
-      </p:ext>
-    </p:extLst>
-  </p:cSld>
-  <p:clrMapOvr>
-    <a:masterClrMapping/>
-  </p:clrMapOvr>
-</p:sld>
-</file>
-
-<file path=ppt/slides/slide22.xml><?xml version="1.0" encoding="utf-8"?>
-<p:sld xmlns:a="http://schemas.openxmlformats.org/drawingml/2006/main" xmlns:r="http://schemas.openxmlformats.org/officeDocument/2006/relationships" xmlns:p="http://schemas.openxmlformats.org/presentationml/2006/main">
-  <p:cSld>
-    <p:spTree>
-      <p:nvGrpSpPr>
-        <p:cNvPr id="1" name=""/>
-        <p:cNvGrpSpPr/>
-        <p:nvPr/>
-      </p:nvGrpSpPr>
-      <p:grpSpPr>
-        <a:xfrm>
-          <a:off x="0" y="0"/>
-          <a:ext cx="0" cy="0"/>
-          <a:chOff x="0" y="0"/>
-          <a:chExt cx="0" cy="0"/>
-        </a:xfrm>
-      </p:grpSpPr>
-      <p:sp>
-        <p:nvSpPr>
-          <p:cNvPr id="3" name="標題 2">
-            <a:extLst>
-              <a:ext uri="{FF2B5EF4-FFF2-40B4-BE49-F238E27FC236}">
-                <a16:creationId xmlns:a16="http://schemas.microsoft.com/office/drawing/2014/main" id="{EF277299-8610-4660-86B9-EE584C561AB1}"/>
-              </a:ext>
-            </a:extLst>
-          </p:cNvPr>
-          <p:cNvSpPr>
-            <a:spLocks noGrp="1"/>
-          </p:cNvSpPr>
-          <p:nvPr>
-            <p:ph type="title"/>
-          </p:nvPr>
-        </p:nvSpPr>
-        <p:spPr/>
-        <p:txBody>
-          <a:bodyPr/>
-          <a:lstStyle/>
-          <a:p>
-            <a:r>
-              <a:rPr lang="zh-TW" altLang="en-US" dirty="0"/>
-              <a:t>當週進度</a:t>
-            </a:r>
-          </a:p>
-        </p:txBody>
-      </p:sp>
-      <p:sp>
-        <p:nvSpPr>
-          <p:cNvPr id="2" name="投影片編號版面配置區 1">
-            <a:extLst>
-              <a:ext uri="{FF2B5EF4-FFF2-40B4-BE49-F238E27FC236}">
-                <a16:creationId xmlns:a16="http://schemas.microsoft.com/office/drawing/2014/main" id="{93307445-5962-42AE-9A4E-E1C6CD1297BF}"/>
-              </a:ext>
-            </a:extLst>
-          </p:cNvPr>
-          <p:cNvSpPr>
-            <a:spLocks noGrp="1"/>
-          </p:cNvSpPr>
-          <p:nvPr>
-            <p:ph type="sldNum" sz="quarter" idx="12"/>
-          </p:nvPr>
-        </p:nvSpPr>
-        <p:spPr/>
-        <p:txBody>
-          <a:bodyPr/>
-          <a:lstStyle/>
-          <a:p>
-            <a:fld id="{90F9E983-480B-48C5-9E0F-D21C0DFBB5C0}" type="slidenum">
-              <a:rPr lang="zh-TW" altLang="en-US" smtClean="0"/>
-              <a:t>22</a:t>
-            </a:fld>
-            <a:endParaRPr lang="zh-TW" altLang="en-US"/>
-          </a:p>
-        </p:txBody>
-      </p:sp>
-      <p:sp>
-        <p:nvSpPr>
-          <p:cNvPr id="4" name="文字方塊 3">
-            <a:extLst>
-              <a:ext uri="{FF2B5EF4-FFF2-40B4-BE49-F238E27FC236}">
-                <a16:creationId xmlns:a16="http://schemas.microsoft.com/office/drawing/2014/main" id="{227F0923-AA00-4F8D-99BB-3109F6365217}"/>
-              </a:ext>
-            </a:extLst>
-          </p:cNvPr>
-          <p:cNvSpPr txBox="1"/>
-          <p:nvPr/>
-        </p:nvSpPr>
-        <p:spPr>
-          <a:xfrm>
-            <a:off x="838198" y="1190191"/>
-            <a:ext cx="10515599" cy="1754326"/>
-          </a:xfrm>
-          <a:prstGeom prst="rect">
-            <a:avLst/>
-          </a:prstGeom>
-          <a:noFill/>
-        </p:spPr>
-        <p:txBody>
-          <a:bodyPr wrap="square">
-            <a:spAutoFit/>
-          </a:bodyPr>
-          <a:lstStyle/>
-          <a:p>
-            <a:pPr marL="285750" indent="-285750">
-              <a:buFont typeface="Wingdings" panose="05000000000000000000" pitchFamily="2" charset="2"/>
-              <a:buChar char="n"/>
-            </a:pPr>
-            <a:r>
-              <a:rPr lang="zh-TW" altLang="en-US" dirty="0">
-                <a:latin typeface="微軟正黑體" panose="020B0604030504040204" pitchFamily="34" charset="-120"/>
-                <a:ea typeface="微軟正黑體" panose="020B0604030504040204" pitchFamily="34" charset="-120"/>
-              </a:rPr>
-              <a:t>問題記錄</a:t>
-            </a:r>
-            <a:endParaRPr lang="en-US" altLang="zh-TW" dirty="0">
-              <a:latin typeface="微軟正黑體" panose="020B0604030504040204" pitchFamily="34" charset="-120"/>
-              <a:ea typeface="微軟正黑體" panose="020B0604030504040204" pitchFamily="34" charset="-120"/>
-            </a:endParaRPr>
-          </a:p>
-          <a:p>
-            <a:pPr marL="800100" lvl="1" indent="-342900">
-              <a:buFont typeface="+mj-lt"/>
-              <a:buAutoNum type="arabicPeriod"/>
-            </a:pPr>
-            <a:r>
-              <a:rPr lang="zh-TW" altLang="en-US" dirty="0">
-                <a:latin typeface="微軟正黑體" panose="020B0604030504040204" pitchFamily="34" charset="-120"/>
-                <a:ea typeface="微軟正黑體" panose="020B0604030504040204" pitchFamily="34" charset="-120"/>
-              </a:rPr>
-              <a:t>無</a:t>
-            </a:r>
-            <a:endParaRPr lang="en-US" altLang="zh-TW" dirty="0">
-              <a:latin typeface="微軟正黑體" panose="020B0604030504040204" pitchFamily="34" charset="-120"/>
-              <a:ea typeface="微軟正黑體" panose="020B0604030504040204" pitchFamily="34" charset="-120"/>
-            </a:endParaRPr>
-          </a:p>
-          <a:p>
-            <a:pPr marL="800100" lvl="1" indent="-342900">
-              <a:buFont typeface="+mj-lt"/>
-              <a:buAutoNum type="arabicPeriod"/>
-            </a:pPr>
-            <a:endParaRPr lang="en-US" altLang="zh-TW" dirty="0">
-              <a:latin typeface="微軟正黑體" panose="020B0604030504040204" pitchFamily="34" charset="-120"/>
-              <a:ea typeface="微軟正黑體" panose="020B0604030504040204" pitchFamily="34" charset="-120"/>
-            </a:endParaRPr>
-          </a:p>
-          <a:p>
-            <a:pPr marL="342900" indent="-342900">
-              <a:buFont typeface="Wingdings" panose="05000000000000000000" pitchFamily="2" charset="2"/>
-              <a:buChar char="n"/>
-            </a:pPr>
-            <a:r>
-              <a:rPr lang="zh-TW" altLang="en-US" dirty="0">
-                <a:latin typeface="微軟正黑體" panose="020B0604030504040204" pitchFamily="34" charset="-120"/>
-                <a:ea typeface="微軟正黑體" panose="020B0604030504040204" pitchFamily="34" charset="-120"/>
-              </a:rPr>
-              <a:t>影片展示</a:t>
-            </a:r>
-            <a:endParaRPr lang="en-US" altLang="zh-TW" dirty="0">
-              <a:latin typeface="微軟正黑體" panose="020B0604030504040204" pitchFamily="34" charset="-120"/>
-              <a:ea typeface="微軟正黑體" panose="020B0604030504040204" pitchFamily="34" charset="-120"/>
-            </a:endParaRPr>
-          </a:p>
-          <a:p>
-            <a:pPr marL="742950" lvl="1" indent="-285750">
-              <a:buFont typeface="Arial" panose="020B0604020202020204" pitchFamily="34" charset="0"/>
-              <a:buChar char="•"/>
-            </a:pPr>
-            <a:r>
-              <a:rPr lang="en-US" altLang="zh-TW" dirty="0">
-                <a:hlinkClick r:id="rId3"/>
-              </a:rPr>
-              <a:t>https://drive.google.com/file/d/1NX1_RaauJDHZa6ektj63UaYN7nSc5CdH/view?usp=sharing</a:t>
-            </a:r>
-            <a:endParaRPr lang="en-US" altLang="zh-TW" dirty="0"/>
-          </a:p>
-          <a:p>
-            <a:pPr marL="742950" lvl="1" indent="-285750">
-              <a:buFont typeface="Arial" panose="020B0604020202020204" pitchFamily="34" charset="0"/>
-              <a:buChar char="•"/>
-            </a:pPr>
-            <a:endParaRPr lang="en-US" altLang="zh-TW" dirty="0">
-              <a:latin typeface="微軟正黑體" panose="020B0604030504040204" pitchFamily="34" charset="-120"/>
-              <a:ea typeface="微軟正黑體" panose="020B0604030504040204" pitchFamily="34" charset="-120"/>
-            </a:endParaRPr>
-          </a:p>
-        </p:txBody>
-      </p:sp>
-    </p:spTree>
-    <p:extLst>
-      <p:ext uri="{BB962C8B-B14F-4D97-AF65-F5344CB8AC3E}">
-        <p14:creationId xmlns:p14="http://schemas.microsoft.com/office/powerpoint/2010/main" val="844402342"/>
-      </p:ext>
-    </p:extLst>
-  </p:cSld>
-  <p:clrMapOvr>
-    <a:masterClrMapping/>
-  </p:clrMapOvr>
-</p:sld>
-</file>
-
 <file path=ppt/slides/slide23.xml><?xml version="1.0" encoding="utf-8"?>
 <p:sld xmlns:a="http://schemas.openxmlformats.org/drawingml/2006/main" xmlns:r="http://schemas.openxmlformats.org/officeDocument/2006/relationships" xmlns:p="http://schemas.openxmlformats.org/presentationml/2006/main">
   <p:cSld>
@@ -11398,7 +11289,7 @@
           <a:p>
             <a:r>
               <a:rPr lang="zh-TW" altLang="en-US" dirty="0"/>
-              <a:t>架構圖</a:t>
+              <a:t>當週進度</a:t>
             </a:r>
           </a:p>
         </p:txBody>
@@ -11408,7 +11299,7 @@
           <p:cNvPr id="2" name="投影片編號版面配置區 1">
             <a:extLst>
               <a:ext uri="{FF2B5EF4-FFF2-40B4-BE49-F238E27FC236}">
-                <a16:creationId xmlns:a16="http://schemas.microsoft.com/office/drawing/2014/main" id="{3ABA1C61-B2A2-4D29-8357-2466EE82EA36}"/>
+                <a16:creationId xmlns:a16="http://schemas.microsoft.com/office/drawing/2014/main" id="{93307445-5962-42AE-9A4E-E1C6CD1297BF}"/>
               </a:ext>
             </a:extLst>
           </p:cNvPr>
@@ -11427,6 +11318,1024 @@
             <a:fld id="{90F9E983-480B-48C5-9E0F-D21C0DFBB5C0}" type="slidenum">
               <a:rPr lang="zh-TW" altLang="en-US" smtClean="0"/>
               <a:t>23</a:t>
+            </a:fld>
+            <a:endParaRPr lang="zh-TW" altLang="en-US"/>
+          </a:p>
+        </p:txBody>
+      </p:sp>
+      <p:sp>
+        <p:nvSpPr>
+          <p:cNvPr id="4" name="文字方塊 3">
+            <a:extLst>
+              <a:ext uri="{FF2B5EF4-FFF2-40B4-BE49-F238E27FC236}">
+                <a16:creationId xmlns:a16="http://schemas.microsoft.com/office/drawing/2014/main" id="{227F0923-AA00-4F8D-99BB-3109F6365217}"/>
+              </a:ext>
+            </a:extLst>
+          </p:cNvPr>
+          <p:cNvSpPr txBox="1"/>
+          <p:nvPr/>
+        </p:nvSpPr>
+        <p:spPr>
+          <a:xfrm>
+            <a:off x="838198" y="1190191"/>
+            <a:ext cx="10515599" cy="2031325"/>
+          </a:xfrm>
+          <a:prstGeom prst="rect">
+            <a:avLst/>
+          </a:prstGeom>
+          <a:noFill/>
+        </p:spPr>
+        <p:txBody>
+          <a:bodyPr wrap="square">
+            <a:spAutoFit/>
+          </a:bodyPr>
+          <a:lstStyle/>
+          <a:p>
+            <a:pPr marL="285750" indent="-285750">
+              <a:buFont typeface="Wingdings" panose="05000000000000000000" pitchFamily="2" charset="2"/>
+              <a:buChar char="n"/>
+            </a:pPr>
+            <a:r>
+              <a:rPr lang="zh-TW" altLang="en-US" dirty="0">
+                <a:latin typeface="微軟正黑體" panose="020B0604030504040204" pitchFamily="34" charset="-120"/>
+                <a:ea typeface="微軟正黑體" panose="020B0604030504040204" pitchFamily="34" charset="-120"/>
+              </a:rPr>
+              <a:t>問題記錄</a:t>
+            </a:r>
+            <a:endParaRPr lang="en-US" altLang="zh-TW" dirty="0">
+              <a:latin typeface="微軟正黑體" panose="020B0604030504040204" pitchFamily="34" charset="-120"/>
+              <a:ea typeface="微軟正黑體" panose="020B0604030504040204" pitchFamily="34" charset="-120"/>
+            </a:endParaRPr>
+          </a:p>
+          <a:p>
+            <a:pPr marL="800100" lvl="1" indent="-342900">
+              <a:buFont typeface="+mj-lt"/>
+              <a:buAutoNum type="arabicPeriod"/>
+            </a:pPr>
+            <a:r>
+              <a:rPr lang="zh-TW" altLang="en-US" dirty="0">
+                <a:latin typeface="微軟正黑體" panose="020B0604030504040204" pitchFamily="34" charset="-120"/>
+                <a:ea typeface="微軟正黑體" panose="020B0604030504040204" pitchFamily="34" charset="-120"/>
+              </a:rPr>
+              <a:t>無</a:t>
+            </a:r>
+            <a:endParaRPr lang="en-US" altLang="zh-TW" dirty="0">
+              <a:latin typeface="微軟正黑體" panose="020B0604030504040204" pitchFamily="34" charset="-120"/>
+              <a:ea typeface="微軟正黑體" panose="020B0604030504040204" pitchFamily="34" charset="-120"/>
+            </a:endParaRPr>
+          </a:p>
+          <a:p>
+            <a:pPr marL="800100" lvl="1" indent="-342900">
+              <a:buFont typeface="+mj-lt"/>
+              <a:buAutoNum type="arabicPeriod"/>
+            </a:pPr>
+            <a:endParaRPr lang="en-US" altLang="zh-TW" dirty="0">
+              <a:latin typeface="微軟正黑體" panose="020B0604030504040204" pitchFamily="34" charset="-120"/>
+              <a:ea typeface="微軟正黑體" panose="020B0604030504040204" pitchFamily="34" charset="-120"/>
+            </a:endParaRPr>
+          </a:p>
+          <a:p>
+            <a:pPr marL="342900" indent="-342900">
+              <a:buFont typeface="Wingdings" panose="05000000000000000000" pitchFamily="2" charset="2"/>
+              <a:buChar char="n"/>
+            </a:pPr>
+            <a:r>
+              <a:rPr lang="zh-TW" altLang="en-US" dirty="0">
+                <a:latin typeface="微軟正黑體" panose="020B0604030504040204" pitchFamily="34" charset="-120"/>
+                <a:ea typeface="微軟正黑體" panose="020B0604030504040204" pitchFamily="34" charset="-120"/>
+              </a:rPr>
+              <a:t>影片展示</a:t>
+            </a:r>
+            <a:endParaRPr lang="en-US" altLang="zh-TW" dirty="0">
+              <a:latin typeface="微軟正黑體" panose="020B0604030504040204" pitchFamily="34" charset="-120"/>
+              <a:ea typeface="微軟正黑體" panose="020B0604030504040204" pitchFamily="34" charset="-120"/>
+            </a:endParaRPr>
+          </a:p>
+          <a:p>
+            <a:pPr marL="742950" lvl="1" indent="-285750">
+              <a:buFont typeface="Arial" panose="020B0604020202020204" pitchFamily="34" charset="0"/>
+              <a:buChar char="•"/>
+            </a:pPr>
+            <a:r>
+              <a:rPr lang="en-US" altLang="zh-TW" dirty="0">
+                <a:latin typeface="微軟正黑體" panose="020B0604030504040204" pitchFamily="34" charset="-120"/>
+                <a:ea typeface="微軟正黑體" panose="020B0604030504040204" pitchFamily="34" charset="-120"/>
+                <a:hlinkClick r:id="rId3"/>
+              </a:rPr>
+              <a:t>https://drive.google.com/file/d/18gRYrMBCHtoaTZJ8OqSH27_qF-gMOqqg/view?usp=sharing</a:t>
+            </a:r>
+            <a:endParaRPr lang="en-US" altLang="zh-TW" dirty="0">
+              <a:latin typeface="微軟正黑體" panose="020B0604030504040204" pitchFamily="34" charset="-120"/>
+              <a:ea typeface="微軟正黑體" panose="020B0604030504040204" pitchFamily="34" charset="-120"/>
+            </a:endParaRPr>
+          </a:p>
+          <a:p>
+            <a:pPr marL="742950" lvl="1" indent="-285750">
+              <a:buFont typeface="Arial" panose="020B0604020202020204" pitchFamily="34" charset="0"/>
+              <a:buChar char="•"/>
+            </a:pPr>
+            <a:endParaRPr lang="en-US" altLang="zh-TW" dirty="0">
+              <a:latin typeface="微軟正黑體" panose="020B0604030504040204" pitchFamily="34" charset="-120"/>
+              <a:ea typeface="微軟正黑體" panose="020B0604030504040204" pitchFamily="34" charset="-120"/>
+            </a:endParaRPr>
+          </a:p>
+        </p:txBody>
+      </p:sp>
+    </p:spTree>
+    <p:extLst>
+      <p:ext uri="{BB962C8B-B14F-4D97-AF65-F5344CB8AC3E}">
+        <p14:creationId xmlns:p14="http://schemas.microsoft.com/office/powerpoint/2010/main" val="870849123"/>
+      </p:ext>
+    </p:extLst>
+  </p:cSld>
+  <p:clrMapOvr>
+    <a:masterClrMapping/>
+  </p:clrMapOvr>
+</p:sld>
+</file>
+
+<file path=ppt/slides/slide24.xml><?xml version="1.0" encoding="utf-8"?>
+<p:sld xmlns:a="http://schemas.openxmlformats.org/drawingml/2006/main" xmlns:r="http://schemas.openxmlformats.org/officeDocument/2006/relationships" xmlns:p="http://schemas.openxmlformats.org/presentationml/2006/main">
+  <p:cSld>
+    <p:spTree>
+      <p:nvGrpSpPr>
+        <p:cNvPr id="1" name=""/>
+        <p:cNvGrpSpPr/>
+        <p:nvPr/>
+      </p:nvGrpSpPr>
+      <p:grpSpPr>
+        <a:xfrm>
+          <a:off x="0" y="0"/>
+          <a:ext cx="0" cy="0"/>
+          <a:chOff x="0" y="0"/>
+          <a:chExt cx="0" cy="0"/>
+        </a:xfrm>
+      </p:grpSpPr>
+      <p:sp>
+        <p:nvSpPr>
+          <p:cNvPr id="3" name="標題 2">
+            <a:extLst>
+              <a:ext uri="{FF2B5EF4-FFF2-40B4-BE49-F238E27FC236}">
+                <a16:creationId xmlns:a16="http://schemas.microsoft.com/office/drawing/2014/main" id="{EF277299-8610-4660-86B9-EE584C561AB1}"/>
+              </a:ext>
+            </a:extLst>
+          </p:cNvPr>
+          <p:cNvSpPr>
+            <a:spLocks noGrp="1"/>
+          </p:cNvSpPr>
+          <p:nvPr>
+            <p:ph type="title"/>
+          </p:nvPr>
+        </p:nvSpPr>
+        <p:spPr/>
+        <p:txBody>
+          <a:bodyPr/>
+          <a:lstStyle/>
+          <a:p>
+            <a:r>
+              <a:rPr lang="zh-TW" altLang="en-US" dirty="0"/>
+              <a:t>架構圖</a:t>
+            </a:r>
+          </a:p>
+        </p:txBody>
+      </p:sp>
+      <p:sp>
+        <p:nvSpPr>
+          <p:cNvPr id="2" name="投影片編號版面配置區 1">
+            <a:extLst>
+              <a:ext uri="{FF2B5EF4-FFF2-40B4-BE49-F238E27FC236}">
+                <a16:creationId xmlns:a16="http://schemas.microsoft.com/office/drawing/2014/main" id="{3ABA1C61-B2A2-4D29-8357-2466EE82EA36}"/>
+              </a:ext>
+            </a:extLst>
+          </p:cNvPr>
+          <p:cNvSpPr>
+            <a:spLocks noGrp="1"/>
+          </p:cNvSpPr>
+          <p:nvPr>
+            <p:ph type="sldNum" sz="quarter" idx="12"/>
+          </p:nvPr>
+        </p:nvSpPr>
+        <p:spPr/>
+        <p:txBody>
+          <a:bodyPr/>
+          <a:lstStyle/>
+          <a:p>
+            <a:fld id="{90F9E983-480B-48C5-9E0F-D21C0DFBB5C0}" type="slidenum">
+              <a:rPr lang="zh-TW" altLang="en-US" smtClean="0"/>
+              <a:t>24</a:t>
+            </a:fld>
+            <a:endParaRPr lang="zh-TW" altLang="en-US"/>
+          </a:p>
+        </p:txBody>
+      </p:sp>
+      <p:pic>
+        <p:nvPicPr>
+          <p:cNvPr id="5" name="圖片 4">
+            <a:extLst>
+              <a:ext uri="{FF2B5EF4-FFF2-40B4-BE49-F238E27FC236}">
+                <a16:creationId xmlns:a16="http://schemas.microsoft.com/office/drawing/2014/main" id="{15432B41-E0A7-45C1-A25D-8A51BD100040}"/>
+              </a:ext>
+            </a:extLst>
+          </p:cNvPr>
+          <p:cNvPicPr>
+            <a:picLocks noChangeAspect="1"/>
+          </p:cNvPicPr>
+          <p:nvPr/>
+        </p:nvPicPr>
+        <p:blipFill>
+          <a:blip r:embed="rId3">
+            <a:extLst>
+              <a:ext uri="{28A0092B-C50C-407E-A947-70E740481C1C}">
+                <a14:useLocalDpi xmlns:a14="http://schemas.microsoft.com/office/drawing/2010/main" val="0"/>
+              </a:ext>
+            </a:extLst>
+          </a:blip>
+          <a:stretch>
+            <a:fillRect/>
+          </a:stretch>
+        </p:blipFill>
+        <p:spPr>
+          <a:xfrm>
+            <a:off x="6223094" y="1253763"/>
+            <a:ext cx="4775012" cy="4933949"/>
+          </a:xfrm>
+          <a:prstGeom prst="rect">
+            <a:avLst/>
+          </a:prstGeom>
+        </p:spPr>
+      </p:pic>
+      <p:sp>
+        <p:nvSpPr>
+          <p:cNvPr id="7" name="文字方塊 6">
+            <a:extLst>
+              <a:ext uri="{FF2B5EF4-FFF2-40B4-BE49-F238E27FC236}">
+                <a16:creationId xmlns:a16="http://schemas.microsoft.com/office/drawing/2014/main" id="{816D03E9-6F79-4549-AF31-CD49153BFE87}"/>
+              </a:ext>
+            </a:extLst>
+          </p:cNvPr>
+          <p:cNvSpPr txBox="1"/>
+          <p:nvPr/>
+        </p:nvSpPr>
+        <p:spPr>
+          <a:xfrm>
+            <a:off x="838198" y="1190191"/>
+            <a:ext cx="5257802" cy="4893647"/>
+          </a:xfrm>
+          <a:prstGeom prst="rect">
+            <a:avLst/>
+          </a:prstGeom>
+          <a:noFill/>
+        </p:spPr>
+        <p:txBody>
+          <a:bodyPr wrap="square">
+            <a:spAutoFit/>
+          </a:bodyPr>
+          <a:lstStyle/>
+          <a:p>
+            <a:pPr marL="285750" indent="-285750">
+              <a:buFont typeface="Wingdings" panose="05000000000000000000" pitchFamily="2" charset="2"/>
+              <a:buChar char="n"/>
+            </a:pPr>
+            <a:r>
+              <a:rPr lang="en-US" altLang="zh-TW" sz="1200" dirty="0">
+                <a:latin typeface="微軟正黑體" panose="020B0604030504040204" pitchFamily="34" charset="-120"/>
+                <a:ea typeface="微軟正黑體" panose="020B0604030504040204" pitchFamily="34" charset="-120"/>
+              </a:rPr>
+              <a:t>FSM</a:t>
+            </a:r>
+          </a:p>
+          <a:p>
+            <a:pPr marL="742950" lvl="1" indent="-285750">
+              <a:buFont typeface="Arial" panose="020B0604020202020204" pitchFamily="34" charset="0"/>
+              <a:buChar char="•"/>
+            </a:pPr>
+            <a:r>
+              <a:rPr lang="en-US" altLang="zh-TW" sz="1200" dirty="0" err="1">
+                <a:latin typeface="微軟正黑體" panose="020B0604030504040204" pitchFamily="34" charset="-120"/>
+                <a:ea typeface="微軟正黑體" panose="020B0604030504040204" pitchFamily="34" charset="-120"/>
+              </a:rPr>
+              <a:t>idle_left</a:t>
+            </a:r>
+            <a:r>
+              <a:rPr lang="en-US" altLang="zh-TW" sz="1200" dirty="0">
+                <a:latin typeface="微軟正黑體" panose="020B0604030504040204" pitchFamily="34" charset="-120"/>
+                <a:ea typeface="微軟正黑體" panose="020B0604030504040204" pitchFamily="34" charset="-120"/>
+              </a:rPr>
+              <a:t> </a:t>
+            </a:r>
+          </a:p>
+          <a:p>
+            <a:pPr marL="1200150" lvl="2" indent="-285750">
+              <a:buFont typeface="Arial" panose="020B0604020202020204" pitchFamily="34" charset="0"/>
+              <a:buChar char="•"/>
+            </a:pPr>
+            <a:r>
+              <a:rPr lang="zh-TW" altLang="en-US" sz="1200" dirty="0">
+                <a:latin typeface="微軟正黑體" panose="020B0604030504040204" pitchFamily="34" charset="-120"/>
+                <a:ea typeface="微軟正黑體" panose="020B0604030504040204" pitchFamily="34" charset="-120"/>
+              </a:rPr>
+              <a:t>等待左玩家按下按鈕發球</a:t>
+            </a:r>
+            <a:endParaRPr lang="en-US" altLang="zh-TW" sz="1200" dirty="0">
+              <a:latin typeface="微軟正黑體" panose="020B0604030504040204" pitchFamily="34" charset="-120"/>
+              <a:ea typeface="微軟正黑體" panose="020B0604030504040204" pitchFamily="34" charset="-120"/>
+            </a:endParaRPr>
+          </a:p>
+          <a:p>
+            <a:pPr marL="742950" lvl="1" indent="-285750">
+              <a:buFont typeface="Arial" panose="020B0604020202020204" pitchFamily="34" charset="0"/>
+              <a:buChar char="•"/>
+            </a:pPr>
+            <a:r>
+              <a:rPr lang="en-US" altLang="zh-TW" sz="1200" dirty="0" err="1">
+                <a:latin typeface="微軟正黑體" panose="020B0604030504040204" pitchFamily="34" charset="-120"/>
+                <a:ea typeface="微軟正黑體" panose="020B0604030504040204" pitchFamily="34" charset="-120"/>
+              </a:rPr>
+              <a:t>idle_right</a:t>
+            </a:r>
+            <a:endParaRPr lang="en-US" altLang="zh-TW" sz="1200" dirty="0">
+              <a:latin typeface="微軟正黑體" panose="020B0604030504040204" pitchFamily="34" charset="-120"/>
+              <a:ea typeface="微軟正黑體" panose="020B0604030504040204" pitchFamily="34" charset="-120"/>
+            </a:endParaRPr>
+          </a:p>
+          <a:p>
+            <a:pPr marL="1200150" lvl="2" indent="-285750">
+              <a:buFont typeface="Arial" panose="020B0604020202020204" pitchFamily="34" charset="0"/>
+              <a:buChar char="•"/>
+            </a:pPr>
+            <a:r>
+              <a:rPr lang="zh-TW" altLang="en-US" sz="1200" dirty="0">
+                <a:latin typeface="微軟正黑體" panose="020B0604030504040204" pitchFamily="34" charset="-120"/>
+                <a:ea typeface="微軟正黑體" panose="020B0604030504040204" pitchFamily="34" charset="-120"/>
+              </a:rPr>
+              <a:t>等待右玩家按下按鈕發球</a:t>
+            </a:r>
+            <a:endParaRPr lang="en-US" altLang="zh-TW" sz="1200" dirty="0">
+              <a:latin typeface="微軟正黑體" panose="020B0604030504040204" pitchFamily="34" charset="-120"/>
+              <a:ea typeface="微軟正黑體" panose="020B0604030504040204" pitchFamily="34" charset="-120"/>
+            </a:endParaRPr>
+          </a:p>
+          <a:p>
+            <a:pPr marL="742950" lvl="1" indent="-285750">
+              <a:buFont typeface="Arial" panose="020B0604020202020204" pitchFamily="34" charset="0"/>
+              <a:buChar char="•"/>
+            </a:pPr>
+            <a:r>
+              <a:rPr lang="en-US" altLang="zh-TW" sz="1200" dirty="0" err="1">
+                <a:latin typeface="微軟正黑體" panose="020B0604030504040204" pitchFamily="34" charset="-120"/>
+                <a:ea typeface="微軟正黑體" panose="020B0604030504040204" pitchFamily="34" charset="-120"/>
+              </a:rPr>
+              <a:t>serve_left</a:t>
+            </a:r>
+            <a:endParaRPr lang="en-US" altLang="zh-TW" sz="1200" dirty="0">
+              <a:latin typeface="微軟正黑體" panose="020B0604030504040204" pitchFamily="34" charset="-120"/>
+              <a:ea typeface="微軟正黑體" panose="020B0604030504040204" pitchFamily="34" charset="-120"/>
+            </a:endParaRPr>
+          </a:p>
+          <a:p>
+            <a:pPr marL="1200150" lvl="2" indent="-285750">
+              <a:buFont typeface="Arial" panose="020B0604020202020204" pitchFamily="34" charset="0"/>
+              <a:buChar char="•"/>
+            </a:pPr>
+            <a:r>
+              <a:rPr lang="zh-TW" altLang="en-US" sz="1200" dirty="0">
+                <a:latin typeface="微軟正黑體" panose="020B0604030504040204" pitchFamily="34" charset="-120"/>
+                <a:ea typeface="微軟正黑體" panose="020B0604030504040204" pitchFamily="34" charset="-120"/>
+              </a:rPr>
+              <a:t>等待左玩家放開按鈕，開始對打</a:t>
+            </a:r>
+            <a:endParaRPr lang="en-US" altLang="zh-TW" sz="1200" dirty="0">
+              <a:latin typeface="微軟正黑體" panose="020B0604030504040204" pitchFamily="34" charset="-120"/>
+              <a:ea typeface="微軟正黑體" panose="020B0604030504040204" pitchFamily="34" charset="-120"/>
+            </a:endParaRPr>
+          </a:p>
+          <a:p>
+            <a:pPr marL="742950" lvl="1" indent="-285750">
+              <a:buFont typeface="Arial" panose="020B0604020202020204" pitchFamily="34" charset="0"/>
+              <a:buChar char="•"/>
+            </a:pPr>
+            <a:r>
+              <a:rPr lang="en-US" altLang="zh-TW" sz="1200" dirty="0" err="1">
+                <a:latin typeface="微軟正黑體" panose="020B0604030504040204" pitchFamily="34" charset="-120"/>
+                <a:ea typeface="微軟正黑體" panose="020B0604030504040204" pitchFamily="34" charset="-120"/>
+              </a:rPr>
+              <a:t>serve_right</a:t>
+            </a:r>
+            <a:endParaRPr lang="en-US" altLang="zh-TW" sz="1200" dirty="0">
+              <a:latin typeface="微軟正黑體" panose="020B0604030504040204" pitchFamily="34" charset="-120"/>
+              <a:ea typeface="微軟正黑體" panose="020B0604030504040204" pitchFamily="34" charset="-120"/>
+            </a:endParaRPr>
+          </a:p>
+          <a:p>
+            <a:pPr marL="1200150" lvl="2" indent="-285750">
+              <a:buFont typeface="Arial" panose="020B0604020202020204" pitchFamily="34" charset="0"/>
+              <a:buChar char="•"/>
+            </a:pPr>
+            <a:r>
+              <a:rPr lang="zh-TW" altLang="en-US" sz="1200" dirty="0">
+                <a:latin typeface="微軟正黑體" panose="020B0604030504040204" pitchFamily="34" charset="-120"/>
+                <a:ea typeface="微軟正黑體" panose="020B0604030504040204" pitchFamily="34" charset="-120"/>
+              </a:rPr>
+              <a:t>等待右玩家放開按鈕，開始對打</a:t>
+            </a:r>
+            <a:endParaRPr lang="en-US" altLang="zh-TW" sz="1200" dirty="0">
+              <a:latin typeface="微軟正黑體" panose="020B0604030504040204" pitchFamily="34" charset="-120"/>
+              <a:ea typeface="微軟正黑體" panose="020B0604030504040204" pitchFamily="34" charset="-120"/>
+            </a:endParaRPr>
+          </a:p>
+          <a:p>
+            <a:pPr marL="742950" lvl="1" indent="-285750">
+              <a:buFont typeface="Arial" panose="020B0604020202020204" pitchFamily="34" charset="0"/>
+              <a:buChar char="•"/>
+            </a:pPr>
+            <a:r>
+              <a:rPr lang="en-US" altLang="zh-TW" sz="1200" dirty="0" err="1">
+                <a:latin typeface="微軟正黑體" panose="020B0604030504040204" pitchFamily="34" charset="-120"/>
+                <a:ea typeface="微軟正黑體" panose="020B0604030504040204" pitchFamily="34" charset="-120"/>
+              </a:rPr>
+              <a:t>moving_left</a:t>
+            </a:r>
+            <a:endParaRPr lang="en-US" altLang="zh-TW" sz="1200" dirty="0">
+              <a:latin typeface="微軟正黑體" panose="020B0604030504040204" pitchFamily="34" charset="-120"/>
+              <a:ea typeface="微軟正黑體" panose="020B0604030504040204" pitchFamily="34" charset="-120"/>
+            </a:endParaRPr>
+          </a:p>
+          <a:p>
+            <a:pPr marL="1200150" lvl="2" indent="-285750">
+              <a:buFont typeface="Arial" panose="020B0604020202020204" pitchFamily="34" charset="0"/>
+              <a:buChar char="•"/>
+            </a:pPr>
+            <a:r>
+              <a:rPr lang="en-US" altLang="zh-TW" sz="1200" dirty="0">
+                <a:latin typeface="微軟正黑體" panose="020B0604030504040204" pitchFamily="34" charset="-120"/>
+                <a:ea typeface="微軟正黑體" panose="020B0604030504040204" pitchFamily="34" charset="-120"/>
+              </a:rPr>
+              <a:t>LED</a:t>
+            </a:r>
+            <a:r>
+              <a:rPr lang="zh-TW" altLang="en-US" sz="1200" dirty="0">
+                <a:latin typeface="微軟正黑體" panose="020B0604030504040204" pitchFamily="34" charset="-120"/>
+                <a:ea typeface="微軟正黑體" panose="020B0604030504040204" pitchFamily="34" charset="-120"/>
+              </a:rPr>
+              <a:t> 往左移</a:t>
+            </a:r>
+            <a:endParaRPr lang="en-US" altLang="zh-TW" sz="1200" dirty="0">
+              <a:latin typeface="微軟正黑體" panose="020B0604030504040204" pitchFamily="34" charset="-120"/>
+              <a:ea typeface="微軟正黑體" panose="020B0604030504040204" pitchFamily="34" charset="-120"/>
+            </a:endParaRPr>
+          </a:p>
+          <a:p>
+            <a:pPr marL="742950" lvl="1" indent="-285750">
+              <a:buFont typeface="Arial" panose="020B0604020202020204" pitchFamily="34" charset="0"/>
+              <a:buChar char="•"/>
+            </a:pPr>
+            <a:r>
+              <a:rPr lang="en-US" altLang="zh-TW" sz="1200" dirty="0" err="1">
+                <a:latin typeface="微軟正黑體" panose="020B0604030504040204" pitchFamily="34" charset="-120"/>
+                <a:ea typeface="微軟正黑體" panose="020B0604030504040204" pitchFamily="34" charset="-120"/>
+              </a:rPr>
+              <a:t>moving_right</a:t>
+            </a:r>
+            <a:endParaRPr lang="en-US" altLang="zh-TW" sz="1200" dirty="0">
+              <a:latin typeface="微軟正黑體" panose="020B0604030504040204" pitchFamily="34" charset="-120"/>
+              <a:ea typeface="微軟正黑體" panose="020B0604030504040204" pitchFamily="34" charset="-120"/>
+            </a:endParaRPr>
+          </a:p>
+          <a:p>
+            <a:pPr marL="1200150" lvl="2" indent="-285750">
+              <a:buFont typeface="Arial" panose="020B0604020202020204" pitchFamily="34" charset="0"/>
+              <a:buChar char="•"/>
+            </a:pPr>
+            <a:r>
+              <a:rPr lang="en-US" altLang="zh-TW" sz="1200" dirty="0">
+                <a:latin typeface="微軟正黑體" panose="020B0604030504040204" pitchFamily="34" charset="-120"/>
+                <a:ea typeface="微軟正黑體" panose="020B0604030504040204" pitchFamily="34" charset="-120"/>
+              </a:rPr>
+              <a:t>LED</a:t>
+            </a:r>
+            <a:r>
+              <a:rPr lang="zh-TW" altLang="en-US" sz="1200" dirty="0">
+                <a:latin typeface="微軟正黑體" panose="020B0604030504040204" pitchFamily="34" charset="-120"/>
+                <a:ea typeface="微軟正黑體" panose="020B0604030504040204" pitchFamily="34" charset="-120"/>
+              </a:rPr>
+              <a:t> 往右移</a:t>
+            </a:r>
+            <a:endParaRPr lang="en-US" altLang="zh-TW" sz="1200" dirty="0">
+              <a:latin typeface="微軟正黑體" panose="020B0604030504040204" pitchFamily="34" charset="-120"/>
+              <a:ea typeface="微軟正黑體" panose="020B0604030504040204" pitchFamily="34" charset="-120"/>
+            </a:endParaRPr>
+          </a:p>
+          <a:p>
+            <a:pPr marL="742950" lvl="1" indent="-285750">
+              <a:buFont typeface="Arial" panose="020B0604020202020204" pitchFamily="34" charset="0"/>
+              <a:buChar char="•"/>
+            </a:pPr>
+            <a:r>
+              <a:rPr lang="en-US" altLang="zh-TW" sz="1200" dirty="0" err="1">
+                <a:latin typeface="微軟正黑體" panose="020B0604030504040204" pitchFamily="34" charset="-120"/>
+                <a:ea typeface="微軟正黑體" panose="020B0604030504040204" pitchFamily="34" charset="-120"/>
+              </a:rPr>
+              <a:t>left_win</a:t>
+            </a:r>
+            <a:endParaRPr lang="en-US" altLang="zh-TW" sz="1200" dirty="0">
+              <a:latin typeface="微軟正黑體" panose="020B0604030504040204" pitchFamily="34" charset="-120"/>
+              <a:ea typeface="微軟正黑體" panose="020B0604030504040204" pitchFamily="34" charset="-120"/>
+            </a:endParaRPr>
+          </a:p>
+          <a:p>
+            <a:pPr marL="1200150" lvl="2" indent="-285750">
+              <a:buFont typeface="Arial" panose="020B0604020202020204" pitchFamily="34" charset="0"/>
+              <a:buChar char="•"/>
+            </a:pPr>
+            <a:r>
+              <a:rPr lang="zh-TW" altLang="en-US" sz="1200" dirty="0">
+                <a:latin typeface="微軟正黑體" panose="020B0604030504040204" pitchFamily="34" charset="-120"/>
+                <a:ea typeface="微軟正黑體" panose="020B0604030504040204" pitchFamily="34" charset="-120"/>
+              </a:rPr>
+              <a:t>當右玩家，漏接或提早，則左玩家勝利</a:t>
+            </a:r>
+            <a:endParaRPr lang="en-US" altLang="zh-TW" sz="1200" dirty="0">
+              <a:latin typeface="微軟正黑體" panose="020B0604030504040204" pitchFamily="34" charset="-120"/>
+              <a:ea typeface="微軟正黑體" panose="020B0604030504040204" pitchFamily="34" charset="-120"/>
+            </a:endParaRPr>
+          </a:p>
+          <a:p>
+            <a:pPr marL="742950" lvl="1" indent="-285750">
+              <a:buFont typeface="Arial" panose="020B0604020202020204" pitchFamily="34" charset="0"/>
+              <a:buChar char="•"/>
+            </a:pPr>
+            <a:r>
+              <a:rPr lang="en-US" altLang="zh-TW" sz="1200" dirty="0" err="1">
+                <a:latin typeface="微軟正黑體" panose="020B0604030504040204" pitchFamily="34" charset="-120"/>
+                <a:ea typeface="微軟正黑體" panose="020B0604030504040204" pitchFamily="34" charset="-120"/>
+              </a:rPr>
+              <a:t>right_win</a:t>
+            </a:r>
+            <a:endParaRPr lang="en-US" altLang="zh-TW" sz="1200" dirty="0">
+              <a:latin typeface="微軟正黑體" panose="020B0604030504040204" pitchFamily="34" charset="-120"/>
+              <a:ea typeface="微軟正黑體" panose="020B0604030504040204" pitchFamily="34" charset="-120"/>
+            </a:endParaRPr>
+          </a:p>
+          <a:p>
+            <a:pPr marL="1200150" lvl="2" indent="-285750">
+              <a:buFont typeface="Arial" panose="020B0604020202020204" pitchFamily="34" charset="0"/>
+              <a:buChar char="•"/>
+            </a:pPr>
+            <a:r>
+              <a:rPr lang="zh-TW" altLang="en-US" sz="1200" dirty="0">
+                <a:latin typeface="微軟正黑體" panose="020B0604030504040204" pitchFamily="34" charset="-120"/>
+                <a:ea typeface="微軟正黑體" panose="020B0604030504040204" pitchFamily="34" charset="-120"/>
+              </a:rPr>
+              <a:t>當左玩家，漏接或提早，則右玩家勝利</a:t>
+            </a:r>
+            <a:endParaRPr lang="en-US" altLang="zh-TW" sz="1200" dirty="0">
+              <a:latin typeface="微軟正黑體" panose="020B0604030504040204" pitchFamily="34" charset="-120"/>
+              <a:ea typeface="微軟正黑體" panose="020B0604030504040204" pitchFamily="34" charset="-120"/>
+            </a:endParaRPr>
+          </a:p>
+          <a:p>
+            <a:pPr marL="285750" indent="-285750">
+              <a:buFont typeface="Arial" panose="020B0604020202020204" pitchFamily="34" charset="0"/>
+              <a:buChar char="•"/>
+            </a:pPr>
+            <a:endParaRPr lang="en-US" altLang="zh-TW" sz="1200" dirty="0">
+              <a:latin typeface="微軟正黑體" panose="020B0604030504040204" pitchFamily="34" charset="-120"/>
+              <a:ea typeface="微軟正黑體" panose="020B0604030504040204" pitchFamily="34" charset="-120"/>
+            </a:endParaRPr>
+          </a:p>
+          <a:p>
+            <a:pPr marL="285750" indent="-285750">
+              <a:buFont typeface="Arial" panose="020B0604020202020204" pitchFamily="34" charset="0"/>
+              <a:buChar char="•"/>
+            </a:pPr>
+            <a:r>
+              <a:rPr lang="en-US" altLang="zh-TW" sz="1200" dirty="0">
+                <a:latin typeface="微軟正黑體" panose="020B0604030504040204" pitchFamily="34" charset="-120"/>
+                <a:ea typeface="微軟正黑體" panose="020B0604030504040204" pitchFamily="34" charset="-120"/>
+              </a:rPr>
+              <a:t>Action</a:t>
+            </a:r>
+          </a:p>
+          <a:p>
+            <a:pPr marL="742950" lvl="1" indent="-285750">
+              <a:buFont typeface="Arial" panose="020B0604020202020204" pitchFamily="34" charset="0"/>
+              <a:buChar char="•"/>
+            </a:pPr>
+            <a:r>
+              <a:rPr lang="en-US" altLang="zh-TW" sz="1200" dirty="0" err="1">
+                <a:latin typeface="微軟正黑體" panose="020B0604030504040204" pitchFamily="34" charset="-120"/>
+                <a:ea typeface="微軟正黑體" panose="020B0604030504040204" pitchFamily="34" charset="-120"/>
+              </a:rPr>
+              <a:t>DIV_CLK_Action</a:t>
+            </a:r>
+            <a:endParaRPr lang="en-US" altLang="zh-TW" sz="1200" dirty="0">
+              <a:latin typeface="微軟正黑體" panose="020B0604030504040204" pitchFamily="34" charset="-120"/>
+              <a:ea typeface="微軟正黑體" panose="020B0604030504040204" pitchFamily="34" charset="-120"/>
+            </a:endParaRPr>
+          </a:p>
+          <a:p>
+            <a:pPr marL="1200150" lvl="2" indent="-285750">
+              <a:buFont typeface="Arial" panose="020B0604020202020204" pitchFamily="34" charset="0"/>
+              <a:buChar char="•"/>
+            </a:pPr>
+            <a:r>
+              <a:rPr lang="zh-TW" altLang="en-US" sz="1200" dirty="0">
+                <a:latin typeface="微軟正黑體" panose="020B0604030504040204" pitchFamily="34" charset="-120"/>
+                <a:ea typeface="微軟正黑體" panose="020B0604030504040204" pitchFamily="34" charset="-120"/>
+              </a:rPr>
+              <a:t>除頻器，為了在板子上，可以看到</a:t>
+            </a:r>
+            <a:r>
+              <a:rPr lang="en-US" altLang="zh-TW" sz="1200" dirty="0">
+                <a:latin typeface="微軟正黑體" panose="020B0604030504040204" pitchFamily="34" charset="-120"/>
+                <a:ea typeface="微軟正黑體" panose="020B0604030504040204" pitchFamily="34" charset="-120"/>
+              </a:rPr>
+              <a:t>LED</a:t>
+            </a:r>
+            <a:r>
+              <a:rPr lang="zh-TW" altLang="en-US" sz="1200" dirty="0">
+                <a:latin typeface="微軟正黑體" panose="020B0604030504040204" pitchFamily="34" charset="-120"/>
+                <a:ea typeface="微軟正黑體" panose="020B0604030504040204" pitchFamily="34" charset="-120"/>
+              </a:rPr>
+              <a:t>位移</a:t>
+            </a:r>
+            <a:endParaRPr lang="en-US" altLang="zh-TW" sz="1200" dirty="0">
+              <a:latin typeface="微軟正黑體" panose="020B0604030504040204" pitchFamily="34" charset="-120"/>
+              <a:ea typeface="微軟正黑體" panose="020B0604030504040204" pitchFamily="34" charset="-120"/>
+            </a:endParaRPr>
+          </a:p>
+          <a:p>
+            <a:pPr marL="742950" lvl="1" indent="-285750">
+              <a:buFont typeface="Arial" panose="020B0604020202020204" pitchFamily="34" charset="0"/>
+              <a:buChar char="•"/>
+            </a:pPr>
+            <a:r>
+              <a:rPr lang="en-US" altLang="zh-TW" sz="1200" dirty="0" err="1">
+                <a:latin typeface="微軟正黑體" panose="020B0604030504040204" pitchFamily="34" charset="-120"/>
+                <a:ea typeface="微軟正黑體" panose="020B0604030504040204" pitchFamily="34" charset="-120"/>
+              </a:rPr>
+              <a:t>Dealy_Counter_Action</a:t>
+            </a:r>
+            <a:endParaRPr lang="en-US" altLang="zh-TW" sz="1200" dirty="0">
+              <a:latin typeface="微軟正黑體" panose="020B0604030504040204" pitchFamily="34" charset="-120"/>
+              <a:ea typeface="微軟正黑體" panose="020B0604030504040204" pitchFamily="34" charset="-120"/>
+            </a:endParaRPr>
+          </a:p>
+          <a:p>
+            <a:pPr marL="1200150" lvl="2" indent="-285750">
+              <a:buFont typeface="Arial" panose="020B0604020202020204" pitchFamily="34" charset="0"/>
+              <a:buChar char="•"/>
+            </a:pPr>
+            <a:r>
+              <a:rPr lang="zh-TW" altLang="en-US" sz="1200" dirty="0">
+                <a:latin typeface="微軟正黑體" panose="020B0604030504040204" pitchFamily="34" charset="-120"/>
+                <a:ea typeface="微軟正黑體" panose="020B0604030504040204" pitchFamily="34" charset="-120"/>
+              </a:rPr>
+              <a:t>為了讓贏家顯示則延遲四秒顯示</a:t>
+            </a:r>
+            <a:r>
+              <a:rPr lang="en-US" altLang="zh-TW" sz="1200" dirty="0">
+                <a:latin typeface="微軟正黑體" panose="020B0604030504040204" pitchFamily="34" charset="-120"/>
+                <a:ea typeface="微軟正黑體" panose="020B0604030504040204" pitchFamily="34" charset="-120"/>
+              </a:rPr>
+              <a:t>LED</a:t>
+            </a:r>
+          </a:p>
+          <a:p>
+            <a:pPr marL="742950" lvl="1" indent="-285750">
+              <a:buFont typeface="Arial" panose="020B0604020202020204" pitchFamily="34" charset="0"/>
+              <a:buChar char="•"/>
+            </a:pPr>
+            <a:r>
+              <a:rPr lang="en-US" altLang="zh-TW" sz="1200" dirty="0" err="1">
+                <a:latin typeface="微軟正黑體" panose="020B0604030504040204" pitchFamily="34" charset="-120"/>
+                <a:ea typeface="微軟正黑體" panose="020B0604030504040204" pitchFamily="34" charset="-120"/>
+              </a:rPr>
+              <a:t>LED_Action</a:t>
+            </a:r>
+            <a:endParaRPr lang="en-US" altLang="zh-TW" sz="1200" dirty="0">
+              <a:latin typeface="微軟正黑體" panose="020B0604030504040204" pitchFamily="34" charset="-120"/>
+              <a:ea typeface="微軟正黑體" panose="020B0604030504040204" pitchFamily="34" charset="-120"/>
+            </a:endParaRPr>
+          </a:p>
+          <a:p>
+            <a:pPr marL="1200150" lvl="2" indent="-285750">
+              <a:buFont typeface="Arial" panose="020B0604020202020204" pitchFamily="34" charset="0"/>
+              <a:buChar char="•"/>
+            </a:pPr>
+            <a:r>
+              <a:rPr lang="en-US" altLang="zh-TW" sz="1200" dirty="0">
+                <a:latin typeface="微軟正黑體" panose="020B0604030504040204" pitchFamily="34" charset="-120"/>
+                <a:ea typeface="微軟正黑體" panose="020B0604030504040204" pitchFamily="34" charset="-120"/>
+              </a:rPr>
+              <a:t>LED</a:t>
+            </a:r>
+            <a:r>
+              <a:rPr lang="zh-TW" altLang="en-US" sz="1200" dirty="0">
+                <a:latin typeface="微軟正黑體" panose="020B0604030504040204" pitchFamily="34" charset="-120"/>
+                <a:ea typeface="微軟正黑體" panose="020B0604030504040204" pitchFamily="34" charset="-120"/>
+              </a:rPr>
+              <a:t>顯示</a:t>
+            </a:r>
+            <a:endParaRPr lang="en-US" altLang="zh-TW" sz="1200" dirty="0">
+              <a:latin typeface="微軟正黑體" panose="020B0604030504040204" pitchFamily="34" charset="-120"/>
+              <a:ea typeface="微軟正黑體" panose="020B0604030504040204" pitchFamily="34" charset="-120"/>
+            </a:endParaRPr>
+          </a:p>
+          <a:p>
+            <a:pPr marL="742950" lvl="1" indent="-285750">
+              <a:buFont typeface="Wingdings" panose="05000000000000000000" pitchFamily="2" charset="2"/>
+              <a:buChar char="n"/>
+            </a:pPr>
+            <a:endParaRPr lang="en-US" altLang="zh-TW" sz="1200" dirty="0">
+              <a:latin typeface="微軟正黑體" panose="020B0604030504040204" pitchFamily="34" charset="-120"/>
+              <a:ea typeface="微軟正黑體" panose="020B0604030504040204" pitchFamily="34" charset="-120"/>
+            </a:endParaRPr>
+          </a:p>
+        </p:txBody>
+      </p:sp>
+    </p:spTree>
+    <p:extLst>
+      <p:ext uri="{BB962C8B-B14F-4D97-AF65-F5344CB8AC3E}">
+        <p14:creationId xmlns:p14="http://schemas.microsoft.com/office/powerpoint/2010/main" val="3603340644"/>
+      </p:ext>
+    </p:extLst>
+  </p:cSld>
+  <p:clrMapOvr>
+    <a:masterClrMapping/>
+  </p:clrMapOvr>
+</p:sld>
+</file>
+
+<file path=ppt/slides/slide25.xml><?xml version="1.0" encoding="utf-8"?>
+<p:sld xmlns:a="http://schemas.openxmlformats.org/drawingml/2006/main" xmlns:r="http://schemas.openxmlformats.org/officeDocument/2006/relationships" xmlns:p="http://schemas.openxmlformats.org/presentationml/2006/main">
+  <p:cSld>
+    <p:spTree>
+      <p:nvGrpSpPr>
+        <p:cNvPr id="1" name=""/>
+        <p:cNvGrpSpPr/>
+        <p:nvPr/>
+      </p:nvGrpSpPr>
+      <p:grpSpPr>
+        <a:xfrm>
+          <a:off x="0" y="0"/>
+          <a:ext cx="0" cy="0"/>
+          <a:chOff x="0" y="0"/>
+          <a:chExt cx="0" cy="0"/>
+        </a:xfrm>
+      </p:grpSpPr>
+      <p:sp>
+        <p:nvSpPr>
+          <p:cNvPr id="3" name="標題 2">
+            <a:extLst>
+              <a:ext uri="{FF2B5EF4-FFF2-40B4-BE49-F238E27FC236}">
+                <a16:creationId xmlns:a16="http://schemas.microsoft.com/office/drawing/2014/main" id="{EF277299-8610-4660-86B9-EE584C561AB1}"/>
+              </a:ext>
+            </a:extLst>
+          </p:cNvPr>
+          <p:cNvSpPr>
+            <a:spLocks noGrp="1"/>
+          </p:cNvSpPr>
+          <p:nvPr>
+            <p:ph type="title"/>
+          </p:nvPr>
+        </p:nvSpPr>
+        <p:spPr/>
+        <p:txBody>
+          <a:bodyPr/>
+          <a:lstStyle/>
+          <a:p>
+            <a:r>
+              <a:rPr lang="zh-TW" altLang="en-US" dirty="0"/>
+              <a:t>當週進度</a:t>
+            </a:r>
+          </a:p>
+        </p:txBody>
+      </p:sp>
+      <p:sp>
+        <p:nvSpPr>
+          <p:cNvPr id="2" name="投影片編號版面配置區 1">
+            <a:extLst>
+              <a:ext uri="{FF2B5EF4-FFF2-40B4-BE49-F238E27FC236}">
+                <a16:creationId xmlns:a16="http://schemas.microsoft.com/office/drawing/2014/main" id="{93307445-5962-42AE-9A4E-E1C6CD1297BF}"/>
+              </a:ext>
+            </a:extLst>
+          </p:cNvPr>
+          <p:cNvSpPr>
+            <a:spLocks noGrp="1"/>
+          </p:cNvSpPr>
+          <p:nvPr>
+            <p:ph type="sldNum" sz="quarter" idx="12"/>
+          </p:nvPr>
+        </p:nvSpPr>
+        <p:spPr/>
+        <p:txBody>
+          <a:bodyPr/>
+          <a:lstStyle/>
+          <a:p>
+            <a:fld id="{90F9E983-480B-48C5-9E0F-D21C0DFBB5C0}" type="slidenum">
+              <a:rPr lang="zh-TW" altLang="en-US" smtClean="0"/>
+              <a:t>25</a:t>
+            </a:fld>
+            <a:endParaRPr lang="zh-TW" altLang="en-US"/>
+          </a:p>
+        </p:txBody>
+      </p:sp>
+      <p:sp>
+        <p:nvSpPr>
+          <p:cNvPr id="4" name="文字方塊 3">
+            <a:extLst>
+              <a:ext uri="{FF2B5EF4-FFF2-40B4-BE49-F238E27FC236}">
+                <a16:creationId xmlns:a16="http://schemas.microsoft.com/office/drawing/2014/main" id="{227F0923-AA00-4F8D-99BB-3109F6365217}"/>
+              </a:ext>
+            </a:extLst>
+          </p:cNvPr>
+          <p:cNvSpPr txBox="1"/>
+          <p:nvPr/>
+        </p:nvSpPr>
+        <p:spPr>
+          <a:xfrm>
+            <a:off x="838198" y="1190191"/>
+            <a:ext cx="10515599" cy="1754326"/>
+          </a:xfrm>
+          <a:prstGeom prst="rect">
+            <a:avLst/>
+          </a:prstGeom>
+          <a:noFill/>
+        </p:spPr>
+        <p:txBody>
+          <a:bodyPr wrap="square">
+            <a:spAutoFit/>
+          </a:bodyPr>
+          <a:lstStyle/>
+          <a:p>
+            <a:pPr marL="285750" indent="-285750">
+              <a:buFont typeface="Wingdings" panose="05000000000000000000" pitchFamily="2" charset="2"/>
+              <a:buChar char="n"/>
+            </a:pPr>
+            <a:r>
+              <a:rPr lang="zh-TW" altLang="en-US" dirty="0">
+                <a:latin typeface="微軟正黑體" panose="020B0604030504040204" pitchFamily="34" charset="-120"/>
+                <a:ea typeface="微軟正黑體" panose="020B0604030504040204" pitchFamily="34" charset="-120"/>
+              </a:rPr>
+              <a:t>問題記錄</a:t>
+            </a:r>
+            <a:endParaRPr lang="en-US" altLang="zh-TW" dirty="0">
+              <a:latin typeface="微軟正黑體" panose="020B0604030504040204" pitchFamily="34" charset="-120"/>
+              <a:ea typeface="微軟正黑體" panose="020B0604030504040204" pitchFamily="34" charset="-120"/>
+            </a:endParaRPr>
+          </a:p>
+          <a:p>
+            <a:pPr marL="800100" lvl="1" indent="-342900">
+              <a:buFont typeface="+mj-lt"/>
+              <a:buAutoNum type="arabicPeriod"/>
+            </a:pPr>
+            <a:r>
+              <a:rPr lang="zh-TW" altLang="en-US" dirty="0">
+                <a:latin typeface="微軟正黑體" panose="020B0604030504040204" pitchFamily="34" charset="-120"/>
+                <a:ea typeface="微軟正黑體" panose="020B0604030504040204" pitchFamily="34" charset="-120"/>
+              </a:rPr>
+              <a:t>無</a:t>
+            </a:r>
+            <a:endParaRPr lang="en-US" altLang="zh-TW" dirty="0">
+              <a:latin typeface="微軟正黑體" panose="020B0604030504040204" pitchFamily="34" charset="-120"/>
+              <a:ea typeface="微軟正黑體" panose="020B0604030504040204" pitchFamily="34" charset="-120"/>
+            </a:endParaRPr>
+          </a:p>
+          <a:p>
+            <a:pPr marL="800100" lvl="1" indent="-342900">
+              <a:buFont typeface="+mj-lt"/>
+              <a:buAutoNum type="arabicPeriod"/>
+            </a:pPr>
+            <a:endParaRPr lang="en-US" altLang="zh-TW" dirty="0">
+              <a:latin typeface="微軟正黑體" panose="020B0604030504040204" pitchFamily="34" charset="-120"/>
+              <a:ea typeface="微軟正黑體" panose="020B0604030504040204" pitchFamily="34" charset="-120"/>
+            </a:endParaRPr>
+          </a:p>
+          <a:p>
+            <a:pPr marL="342900" indent="-342900">
+              <a:buFont typeface="Wingdings" panose="05000000000000000000" pitchFamily="2" charset="2"/>
+              <a:buChar char="n"/>
+            </a:pPr>
+            <a:r>
+              <a:rPr lang="zh-TW" altLang="en-US" dirty="0">
+                <a:latin typeface="微軟正黑體" panose="020B0604030504040204" pitchFamily="34" charset="-120"/>
+                <a:ea typeface="微軟正黑體" panose="020B0604030504040204" pitchFamily="34" charset="-120"/>
+              </a:rPr>
+              <a:t>影片展示</a:t>
+            </a:r>
+            <a:endParaRPr lang="en-US" altLang="zh-TW" dirty="0">
+              <a:latin typeface="微軟正黑體" panose="020B0604030504040204" pitchFamily="34" charset="-120"/>
+              <a:ea typeface="微軟正黑體" panose="020B0604030504040204" pitchFamily="34" charset="-120"/>
+            </a:endParaRPr>
+          </a:p>
+          <a:p>
+            <a:pPr marL="742950" lvl="1" indent="-285750">
+              <a:buFont typeface="Arial" panose="020B0604020202020204" pitchFamily="34" charset="0"/>
+              <a:buChar char="•"/>
+            </a:pPr>
+            <a:r>
+              <a:rPr lang="en-US" altLang="zh-TW" dirty="0">
+                <a:hlinkClick r:id="rId3"/>
+              </a:rPr>
+              <a:t>https://drive.google.com/file/d/1NX1_RaauJDHZa6ektj63UaYN7nSc5CdH/view?usp=sharing</a:t>
+            </a:r>
+            <a:endParaRPr lang="en-US" altLang="zh-TW" dirty="0"/>
+          </a:p>
+          <a:p>
+            <a:pPr marL="742950" lvl="1" indent="-285750">
+              <a:buFont typeface="Arial" panose="020B0604020202020204" pitchFamily="34" charset="0"/>
+              <a:buChar char="•"/>
+            </a:pPr>
+            <a:endParaRPr lang="en-US" altLang="zh-TW" dirty="0">
+              <a:latin typeface="微軟正黑體" panose="020B0604030504040204" pitchFamily="34" charset="-120"/>
+              <a:ea typeface="微軟正黑體" panose="020B0604030504040204" pitchFamily="34" charset="-120"/>
+            </a:endParaRPr>
+          </a:p>
+        </p:txBody>
+      </p:sp>
+    </p:spTree>
+    <p:extLst>
+      <p:ext uri="{BB962C8B-B14F-4D97-AF65-F5344CB8AC3E}">
+        <p14:creationId xmlns:p14="http://schemas.microsoft.com/office/powerpoint/2010/main" val="844402342"/>
+      </p:ext>
+    </p:extLst>
+  </p:cSld>
+  <p:clrMapOvr>
+    <a:masterClrMapping/>
+  </p:clrMapOvr>
+</p:sld>
+</file>
+
+<file path=ppt/slides/slide26.xml><?xml version="1.0" encoding="utf-8"?>
+<p:sld xmlns:a="http://schemas.openxmlformats.org/drawingml/2006/main" xmlns:r="http://schemas.openxmlformats.org/officeDocument/2006/relationships" xmlns:p="http://schemas.openxmlformats.org/presentationml/2006/main">
+  <p:cSld>
+    <p:spTree>
+      <p:nvGrpSpPr>
+        <p:cNvPr id="1" name=""/>
+        <p:cNvGrpSpPr/>
+        <p:nvPr/>
+      </p:nvGrpSpPr>
+      <p:grpSpPr>
+        <a:xfrm>
+          <a:off x="0" y="0"/>
+          <a:ext cx="0" cy="0"/>
+          <a:chOff x="0" y="0"/>
+          <a:chExt cx="0" cy="0"/>
+        </a:xfrm>
+      </p:grpSpPr>
+      <p:sp>
+        <p:nvSpPr>
+          <p:cNvPr id="3" name="標題 2">
+            <a:extLst>
+              <a:ext uri="{FF2B5EF4-FFF2-40B4-BE49-F238E27FC236}">
+                <a16:creationId xmlns:a16="http://schemas.microsoft.com/office/drawing/2014/main" id="{EF277299-8610-4660-86B9-EE584C561AB1}"/>
+              </a:ext>
+            </a:extLst>
+          </p:cNvPr>
+          <p:cNvSpPr>
+            <a:spLocks noGrp="1"/>
+          </p:cNvSpPr>
+          <p:nvPr>
+            <p:ph type="title"/>
+          </p:nvPr>
+        </p:nvSpPr>
+        <p:spPr/>
+        <p:txBody>
+          <a:bodyPr/>
+          <a:lstStyle/>
+          <a:p>
+            <a:r>
+              <a:rPr lang="zh-TW" altLang="en-US" dirty="0"/>
+              <a:t>架構圖</a:t>
+            </a:r>
+          </a:p>
+        </p:txBody>
+      </p:sp>
+      <p:sp>
+        <p:nvSpPr>
+          <p:cNvPr id="2" name="投影片編號版面配置區 1">
+            <a:extLst>
+              <a:ext uri="{FF2B5EF4-FFF2-40B4-BE49-F238E27FC236}">
+                <a16:creationId xmlns:a16="http://schemas.microsoft.com/office/drawing/2014/main" id="{3ABA1C61-B2A2-4D29-8357-2466EE82EA36}"/>
+              </a:ext>
+            </a:extLst>
+          </p:cNvPr>
+          <p:cNvSpPr>
+            <a:spLocks noGrp="1"/>
+          </p:cNvSpPr>
+          <p:nvPr>
+            <p:ph type="sldNum" sz="quarter" idx="12"/>
+          </p:nvPr>
+        </p:nvSpPr>
+        <p:spPr/>
+        <p:txBody>
+          <a:bodyPr/>
+          <a:lstStyle/>
+          <a:p>
+            <a:fld id="{90F9E983-480B-48C5-9E0F-D21C0DFBB5C0}" type="slidenum">
+              <a:rPr lang="zh-TW" altLang="en-US" smtClean="0"/>
+              <a:t>26</a:t>
             </a:fld>
             <a:endParaRPr lang="zh-TW" altLang="en-US"/>
           </a:p>
@@ -11481,581 +12390,6 @@
 </p:sld>
 </file>
 
-<file path=ppt/slides/slide24.xml><?xml version="1.0" encoding="utf-8"?>
-<p:sld xmlns:a="http://schemas.openxmlformats.org/drawingml/2006/main" xmlns:r="http://schemas.openxmlformats.org/officeDocument/2006/relationships" xmlns:p="http://schemas.openxmlformats.org/presentationml/2006/main">
-  <p:cSld>
-    <p:spTree>
-      <p:nvGrpSpPr>
-        <p:cNvPr id="1" name=""/>
-        <p:cNvGrpSpPr/>
-        <p:nvPr/>
-      </p:nvGrpSpPr>
-      <p:grpSpPr>
-        <a:xfrm>
-          <a:off x="0" y="0"/>
-          <a:ext cx="0" cy="0"/>
-          <a:chOff x="0" y="0"/>
-          <a:chExt cx="0" cy="0"/>
-        </a:xfrm>
-      </p:grpSpPr>
-      <p:sp>
-        <p:nvSpPr>
-          <p:cNvPr id="3" name="標題 2">
-            <a:extLst>
-              <a:ext uri="{FF2B5EF4-FFF2-40B4-BE49-F238E27FC236}">
-                <a16:creationId xmlns:a16="http://schemas.microsoft.com/office/drawing/2014/main" id="{EF277299-8610-4660-86B9-EE584C561AB1}"/>
-              </a:ext>
-            </a:extLst>
-          </p:cNvPr>
-          <p:cNvSpPr>
-            <a:spLocks noGrp="1"/>
-          </p:cNvSpPr>
-          <p:nvPr>
-            <p:ph type="title"/>
-          </p:nvPr>
-        </p:nvSpPr>
-        <p:spPr/>
-        <p:txBody>
-          <a:bodyPr/>
-          <a:lstStyle/>
-          <a:p>
-            <a:r>
-              <a:rPr lang="zh-TW" altLang="en-US" dirty="0"/>
-              <a:t>當週進度</a:t>
-            </a:r>
-          </a:p>
-        </p:txBody>
-      </p:sp>
-      <p:sp>
-        <p:nvSpPr>
-          <p:cNvPr id="2" name="投影片編號版面配置區 1">
-            <a:extLst>
-              <a:ext uri="{FF2B5EF4-FFF2-40B4-BE49-F238E27FC236}">
-                <a16:creationId xmlns:a16="http://schemas.microsoft.com/office/drawing/2014/main" id="{93307445-5962-42AE-9A4E-E1C6CD1297BF}"/>
-              </a:ext>
-            </a:extLst>
-          </p:cNvPr>
-          <p:cNvSpPr>
-            <a:spLocks noGrp="1"/>
-          </p:cNvSpPr>
-          <p:nvPr>
-            <p:ph type="sldNum" sz="quarter" idx="12"/>
-          </p:nvPr>
-        </p:nvSpPr>
-        <p:spPr/>
-        <p:txBody>
-          <a:bodyPr/>
-          <a:lstStyle/>
-          <a:p>
-            <a:fld id="{90F9E983-480B-48C5-9E0F-D21C0DFBB5C0}" type="slidenum">
-              <a:rPr lang="zh-TW" altLang="en-US" smtClean="0"/>
-              <a:t>24</a:t>
-            </a:fld>
-            <a:endParaRPr lang="zh-TW" altLang="en-US"/>
-          </a:p>
-        </p:txBody>
-      </p:sp>
-      <p:sp>
-        <p:nvSpPr>
-          <p:cNvPr id="4" name="文字方塊 3">
-            <a:extLst>
-              <a:ext uri="{FF2B5EF4-FFF2-40B4-BE49-F238E27FC236}">
-                <a16:creationId xmlns:a16="http://schemas.microsoft.com/office/drawing/2014/main" id="{227F0923-AA00-4F8D-99BB-3109F6365217}"/>
-              </a:ext>
-            </a:extLst>
-          </p:cNvPr>
-          <p:cNvSpPr txBox="1"/>
-          <p:nvPr/>
-        </p:nvSpPr>
-        <p:spPr>
-          <a:xfrm>
-            <a:off x="838198" y="1190191"/>
-            <a:ext cx="10515599" cy="2585323"/>
-          </a:xfrm>
-          <a:prstGeom prst="rect">
-            <a:avLst/>
-          </a:prstGeom>
-          <a:noFill/>
-        </p:spPr>
-        <p:txBody>
-          <a:bodyPr wrap="square">
-            <a:spAutoFit/>
-          </a:bodyPr>
-          <a:lstStyle/>
-          <a:p>
-            <a:pPr marL="285750" indent="-285750">
-              <a:buFont typeface="Wingdings" panose="05000000000000000000" pitchFamily="2" charset="2"/>
-              <a:buChar char="n"/>
-            </a:pPr>
-            <a:r>
-              <a:rPr lang="zh-TW" altLang="en-US" dirty="0">
-                <a:latin typeface="微軟正黑體" panose="020B0604030504040204" pitchFamily="34" charset="-120"/>
-                <a:ea typeface="微軟正黑體" panose="020B0604030504040204" pitchFamily="34" charset="-120"/>
-              </a:rPr>
-              <a:t>問題記錄</a:t>
-            </a:r>
-            <a:endParaRPr lang="en-US" altLang="zh-TW" dirty="0">
-              <a:latin typeface="微軟正黑體" panose="020B0604030504040204" pitchFamily="34" charset="-120"/>
-              <a:ea typeface="微軟正黑體" panose="020B0604030504040204" pitchFamily="34" charset="-120"/>
-            </a:endParaRPr>
-          </a:p>
-          <a:p>
-            <a:pPr marL="800100" lvl="1" indent="-342900">
-              <a:buFont typeface="+mj-lt"/>
-              <a:buAutoNum type="arabicPeriod"/>
-            </a:pPr>
-            <a:r>
-              <a:rPr lang="zh-TW" altLang="en-US" dirty="0">
-                <a:latin typeface="微軟正黑體" panose="020B0604030504040204" pitchFamily="34" charset="-120"/>
-                <a:ea typeface="微軟正黑體" panose="020B0604030504040204" pitchFamily="34" charset="-120"/>
-              </a:rPr>
-              <a:t>未設計等待獲勝方發球狀態。</a:t>
-            </a:r>
-            <a:endParaRPr lang="en-US" altLang="zh-TW" dirty="0">
-              <a:latin typeface="微軟正黑體" panose="020B0604030504040204" pitchFamily="34" charset="-120"/>
-              <a:ea typeface="微軟正黑體" panose="020B0604030504040204" pitchFamily="34" charset="-120"/>
-            </a:endParaRPr>
-          </a:p>
-          <a:p>
-            <a:pPr marL="800100" lvl="1" indent="-342900">
-              <a:buFont typeface="+mj-lt"/>
-              <a:buAutoNum type="arabicPeriod"/>
-            </a:pPr>
-            <a:endParaRPr lang="en-US" altLang="zh-TW" dirty="0">
-              <a:latin typeface="微軟正黑體" panose="020B0604030504040204" pitchFamily="34" charset="-120"/>
-              <a:ea typeface="微軟正黑體" panose="020B0604030504040204" pitchFamily="34" charset="-120"/>
-            </a:endParaRPr>
-          </a:p>
-          <a:p>
-            <a:pPr marL="800100" lvl="1" indent="-342900">
-              <a:buFont typeface="+mj-lt"/>
-              <a:buAutoNum type="arabicPeriod"/>
-            </a:pPr>
-            <a:r>
-              <a:rPr lang="zh-TW" altLang="en-US" dirty="0">
-                <a:latin typeface="微軟正黑體" panose="020B0604030504040204" pitchFamily="34" charset="-120"/>
-                <a:ea typeface="微軟正黑體" panose="020B0604030504040204" pitchFamily="34" charset="-120"/>
-              </a:rPr>
-              <a:t>當開關提早按下，則</a:t>
-            </a:r>
-            <a:r>
-              <a:rPr lang="en-US" altLang="zh-TW" dirty="0">
-                <a:latin typeface="微軟正黑體" panose="020B0604030504040204" pitchFamily="34" charset="-120"/>
-                <a:ea typeface="微軟正黑體" panose="020B0604030504040204" pitchFamily="34" charset="-120"/>
-              </a:rPr>
-              <a:t>LED</a:t>
-            </a:r>
-            <a:r>
-              <a:rPr lang="zh-TW" altLang="en-US" dirty="0">
-                <a:latin typeface="微軟正黑體" panose="020B0604030504040204" pitchFamily="34" charset="-120"/>
-                <a:ea typeface="微軟正黑體" panose="020B0604030504040204" pitchFamily="34" charset="-120"/>
-              </a:rPr>
-              <a:t>會停下，若再按下發球方按鈕，則</a:t>
-            </a:r>
-            <a:r>
-              <a:rPr lang="en-US" altLang="zh-TW" dirty="0">
-                <a:latin typeface="微軟正黑體" panose="020B0604030504040204" pitchFamily="34" charset="-120"/>
-                <a:ea typeface="微軟正黑體" panose="020B0604030504040204" pitchFamily="34" charset="-120"/>
-              </a:rPr>
-              <a:t>LED</a:t>
-            </a:r>
-            <a:r>
-              <a:rPr lang="zh-TW" altLang="en-US" dirty="0">
-                <a:latin typeface="微軟正黑體" panose="020B0604030504040204" pitchFamily="34" charset="-120"/>
-                <a:ea typeface="微軟正黑體" panose="020B0604030504040204" pitchFamily="34" charset="-120"/>
-              </a:rPr>
-              <a:t>會繼續移動。</a:t>
-            </a:r>
-            <a:endParaRPr lang="en-US" altLang="zh-TW" dirty="0">
-              <a:latin typeface="微軟正黑體" panose="020B0604030504040204" pitchFamily="34" charset="-120"/>
-              <a:ea typeface="微軟正黑體" panose="020B0604030504040204" pitchFamily="34" charset="-120"/>
-            </a:endParaRPr>
-          </a:p>
-          <a:p>
-            <a:pPr marL="800100" lvl="1" indent="-342900">
-              <a:buFont typeface="+mj-lt"/>
-              <a:buAutoNum type="arabicPeriod"/>
-            </a:pPr>
-            <a:endParaRPr lang="en-US" altLang="zh-TW" dirty="0">
-              <a:latin typeface="微軟正黑體" panose="020B0604030504040204" pitchFamily="34" charset="-120"/>
-              <a:ea typeface="微軟正黑體" panose="020B0604030504040204" pitchFamily="34" charset="-120"/>
-            </a:endParaRPr>
-          </a:p>
-          <a:p>
-            <a:pPr marL="800100" lvl="1" indent="-342900">
-              <a:buFont typeface="+mj-lt"/>
-              <a:buAutoNum type="arabicPeriod"/>
-            </a:pPr>
-            <a:r>
-              <a:rPr lang="en-US" altLang="zh-TW" dirty="0">
-                <a:latin typeface="微軟正黑體" panose="020B0604030504040204" pitchFamily="34" charset="-120"/>
-                <a:ea typeface="微軟正黑體" panose="020B0604030504040204" pitchFamily="34" charset="-120"/>
-              </a:rPr>
-              <a:t>Score </a:t>
-            </a:r>
-            <a:r>
-              <a:rPr lang="zh-TW" altLang="en-US" dirty="0">
-                <a:latin typeface="微軟正黑體" panose="020B0604030504040204" pitchFamily="34" charset="-120"/>
-                <a:ea typeface="微軟正黑體" panose="020B0604030504040204" pitchFamily="34" charset="-120"/>
-              </a:rPr>
-              <a:t>腳位數太多，因此先拔掉輸出。</a:t>
-            </a:r>
-            <a:endParaRPr lang="en-US" altLang="zh-TW" dirty="0">
-              <a:latin typeface="微軟正黑體" panose="020B0604030504040204" pitchFamily="34" charset="-120"/>
-              <a:ea typeface="微軟正黑體" panose="020B0604030504040204" pitchFamily="34" charset="-120"/>
-            </a:endParaRPr>
-          </a:p>
-          <a:p>
-            <a:pPr marL="800100" lvl="1" indent="-342900">
-              <a:buFont typeface="+mj-lt"/>
-              <a:buAutoNum type="arabicPeriod"/>
-            </a:pPr>
-            <a:endParaRPr lang="en-US" altLang="zh-TW" dirty="0">
-              <a:latin typeface="微軟正黑體" panose="020B0604030504040204" pitchFamily="34" charset="-120"/>
-              <a:ea typeface="微軟正黑體" panose="020B0604030504040204" pitchFamily="34" charset="-120"/>
-            </a:endParaRPr>
-          </a:p>
-          <a:p>
-            <a:pPr marL="342900" indent="-342900">
-              <a:buFont typeface="Wingdings" panose="05000000000000000000" pitchFamily="2" charset="2"/>
-              <a:buChar char="n"/>
-            </a:pPr>
-            <a:r>
-              <a:rPr lang="zh-TW" altLang="en-US" dirty="0">
-                <a:latin typeface="微軟正黑體" panose="020B0604030504040204" pitchFamily="34" charset="-120"/>
-                <a:ea typeface="微軟正黑體" panose="020B0604030504040204" pitchFamily="34" charset="-120"/>
-              </a:rPr>
-              <a:t>影片展示</a:t>
-            </a:r>
-            <a:endParaRPr lang="en-US" altLang="zh-TW" dirty="0">
-              <a:latin typeface="微軟正黑體" panose="020B0604030504040204" pitchFamily="34" charset="-120"/>
-              <a:ea typeface="微軟正黑體" panose="020B0604030504040204" pitchFamily="34" charset="-120"/>
-            </a:endParaRPr>
-          </a:p>
-          <a:p>
-            <a:pPr marL="800100" lvl="1" indent="-342900">
-              <a:buFont typeface="Arial" panose="020B0604020202020204" pitchFamily="34" charset="0"/>
-              <a:buChar char="•"/>
-            </a:pPr>
-            <a:r>
-              <a:rPr lang="en-US" altLang="zh-TW" dirty="0">
-                <a:hlinkClick r:id="rId3"/>
-              </a:rPr>
-              <a:t>https://drive.google.com/file/d/1nIX1dnGeOrozzZbEsGorforhYJLXbA8w/view?usp=sharing</a:t>
-            </a:r>
-            <a:endParaRPr lang="en-US" altLang="zh-TW" dirty="0"/>
-          </a:p>
-        </p:txBody>
-      </p:sp>
-    </p:spTree>
-    <p:extLst>
-      <p:ext uri="{BB962C8B-B14F-4D97-AF65-F5344CB8AC3E}">
-        <p14:creationId xmlns:p14="http://schemas.microsoft.com/office/powerpoint/2010/main" val="712468063"/>
-      </p:ext>
-    </p:extLst>
-  </p:cSld>
-  <p:clrMapOvr>
-    <a:masterClrMapping/>
-  </p:clrMapOvr>
-</p:sld>
-</file>
-
-<file path=ppt/slides/slide25.xml><?xml version="1.0" encoding="utf-8"?>
-<p:sld xmlns:a="http://schemas.openxmlformats.org/drawingml/2006/main" xmlns:r="http://schemas.openxmlformats.org/officeDocument/2006/relationships" xmlns:p="http://schemas.openxmlformats.org/presentationml/2006/main">
-  <p:cSld>
-    <p:spTree>
-      <p:nvGrpSpPr>
-        <p:cNvPr id="1" name=""/>
-        <p:cNvGrpSpPr/>
-        <p:nvPr/>
-      </p:nvGrpSpPr>
-      <p:grpSpPr>
-        <a:xfrm>
-          <a:off x="0" y="0"/>
-          <a:ext cx="0" cy="0"/>
-          <a:chOff x="0" y="0"/>
-          <a:chExt cx="0" cy="0"/>
-        </a:xfrm>
-      </p:grpSpPr>
-      <p:sp>
-        <p:nvSpPr>
-          <p:cNvPr id="3" name="標題 2">
-            <a:extLst>
-              <a:ext uri="{FF2B5EF4-FFF2-40B4-BE49-F238E27FC236}">
-                <a16:creationId xmlns:a16="http://schemas.microsoft.com/office/drawing/2014/main" id="{EF277299-8610-4660-86B9-EE584C561AB1}"/>
-              </a:ext>
-            </a:extLst>
-          </p:cNvPr>
-          <p:cNvSpPr>
-            <a:spLocks noGrp="1"/>
-          </p:cNvSpPr>
-          <p:nvPr>
-            <p:ph type="title"/>
-          </p:nvPr>
-        </p:nvSpPr>
-        <p:spPr/>
-        <p:txBody>
-          <a:bodyPr/>
-          <a:lstStyle/>
-          <a:p>
-            <a:r>
-              <a:rPr lang="zh-TW" altLang="en-US" dirty="0"/>
-              <a:t>參考資料</a:t>
-            </a:r>
-          </a:p>
-        </p:txBody>
-      </p:sp>
-      <p:sp>
-        <p:nvSpPr>
-          <p:cNvPr id="2" name="投影片編號版面配置區 1">
-            <a:extLst>
-              <a:ext uri="{FF2B5EF4-FFF2-40B4-BE49-F238E27FC236}">
-                <a16:creationId xmlns:a16="http://schemas.microsoft.com/office/drawing/2014/main" id="{B9198658-FE78-44D3-AF3E-A5158F85509F}"/>
-              </a:ext>
-            </a:extLst>
-          </p:cNvPr>
-          <p:cNvSpPr>
-            <a:spLocks noGrp="1"/>
-          </p:cNvSpPr>
-          <p:nvPr>
-            <p:ph type="sldNum" sz="quarter" idx="12"/>
-          </p:nvPr>
-        </p:nvSpPr>
-        <p:spPr/>
-        <p:txBody>
-          <a:bodyPr/>
-          <a:lstStyle/>
-          <a:p>
-            <a:fld id="{90F9E983-480B-48C5-9E0F-D21C0DFBB5C0}" type="slidenum">
-              <a:rPr lang="zh-TW" altLang="en-US" smtClean="0"/>
-              <a:t>25</a:t>
-            </a:fld>
-            <a:endParaRPr lang="zh-TW" altLang="en-US"/>
-          </a:p>
-        </p:txBody>
-      </p:sp>
-      <p:sp>
-        <p:nvSpPr>
-          <p:cNvPr id="4" name="矩形 3">
-            <a:extLst>
-              <a:ext uri="{FF2B5EF4-FFF2-40B4-BE49-F238E27FC236}">
-                <a16:creationId xmlns:a16="http://schemas.microsoft.com/office/drawing/2014/main" id="{2CCE2E8B-2BE4-439A-B15D-8F35CF3ED76E}"/>
-              </a:ext>
-            </a:extLst>
-          </p:cNvPr>
-          <p:cNvSpPr/>
-          <p:nvPr/>
-        </p:nvSpPr>
-        <p:spPr>
-          <a:xfrm>
-            <a:off x="838200" y="1241494"/>
-            <a:ext cx="7600947" cy="369332"/>
-          </a:xfrm>
-          <a:prstGeom prst="rect">
-            <a:avLst/>
-          </a:prstGeom>
-        </p:spPr>
-        <p:txBody>
-          <a:bodyPr wrap="square">
-            <a:spAutoFit/>
-          </a:bodyPr>
-          <a:lstStyle/>
-          <a:p>
-            <a:pPr marL="285750" indent="-285750">
-              <a:buFont typeface="Arial" panose="020B0604020202020204" pitchFamily="34" charset="0"/>
-              <a:buChar char="•"/>
-            </a:pPr>
-            <a:r>
-              <a:rPr lang="en-US" altLang="zh-TW" dirty="0">
-                <a:hlinkClick r:id="rId3"/>
-              </a:rPr>
-              <a:t>ANAN030/</a:t>
-            </a:r>
-            <a:r>
-              <a:rPr lang="en-US" altLang="zh-TW" dirty="0" err="1">
-                <a:hlinkClick r:id="rId3"/>
-              </a:rPr>
-              <a:t>Vivado_Basic</a:t>
-            </a:r>
-            <a:r>
-              <a:rPr lang="en-US" altLang="zh-TW" dirty="0">
-                <a:hlinkClick r:id="rId3"/>
-              </a:rPr>
-              <a:t>: </a:t>
-            </a:r>
-            <a:r>
-              <a:rPr lang="en-US" altLang="zh-TW" dirty="0" err="1">
-                <a:hlinkClick r:id="rId3"/>
-              </a:rPr>
-              <a:t>Vivado</a:t>
-            </a:r>
-            <a:r>
-              <a:rPr lang="en-US" altLang="zh-TW" dirty="0">
-                <a:hlinkClick r:id="rId3"/>
-              </a:rPr>
-              <a:t> </a:t>
-            </a:r>
-            <a:r>
-              <a:rPr lang="zh-TW" altLang="en-US" dirty="0">
-                <a:hlinkClick r:id="rId3"/>
-              </a:rPr>
-              <a:t>和 </a:t>
-            </a:r>
-            <a:r>
-              <a:rPr lang="en-US" altLang="zh-TW" dirty="0">
-                <a:hlinkClick r:id="rId3"/>
-              </a:rPr>
-              <a:t>Xilinx SDK </a:t>
-            </a:r>
-            <a:r>
-              <a:rPr lang="zh-TW" altLang="en-US" dirty="0">
-                <a:hlinkClick r:id="rId3"/>
-              </a:rPr>
-              <a:t>基本操作 </a:t>
-            </a:r>
-            <a:r>
-              <a:rPr lang="en-US" altLang="zh-TW" dirty="0">
-                <a:hlinkClick r:id="rId3"/>
-              </a:rPr>
-              <a:t>(github.com)</a:t>
-            </a:r>
-            <a:endParaRPr lang="zh-TW" altLang="en-US" dirty="0"/>
-          </a:p>
-        </p:txBody>
-      </p:sp>
-    </p:spTree>
-    <p:extLst>
-      <p:ext uri="{BB962C8B-B14F-4D97-AF65-F5344CB8AC3E}">
-        <p14:creationId xmlns:p14="http://schemas.microsoft.com/office/powerpoint/2010/main" val="387894374"/>
-      </p:ext>
-    </p:extLst>
-  </p:cSld>
-  <p:clrMapOvr>
-    <a:masterClrMapping/>
-  </p:clrMapOvr>
-</p:sld>
-</file>
-
-<file path=ppt/slides/slide26.xml><?xml version="1.0" encoding="utf-8"?>
-<p:sld xmlns:a="http://schemas.openxmlformats.org/drawingml/2006/main" xmlns:r="http://schemas.openxmlformats.org/officeDocument/2006/relationships" xmlns:p="http://schemas.openxmlformats.org/presentationml/2006/main">
-  <p:cSld>
-    <p:spTree>
-      <p:nvGrpSpPr>
-        <p:cNvPr id="1" name=""/>
-        <p:cNvGrpSpPr/>
-        <p:nvPr/>
-      </p:nvGrpSpPr>
-      <p:grpSpPr>
-        <a:xfrm>
-          <a:off x="0" y="0"/>
-          <a:ext cx="0" cy="0"/>
-          <a:chOff x="0" y="0"/>
-          <a:chExt cx="0" cy="0"/>
-        </a:xfrm>
-      </p:grpSpPr>
-      <p:pic>
-        <p:nvPicPr>
-          <p:cNvPr id="5" name="內容版面配置區 4">
-            <a:extLst>
-              <a:ext uri="{FF2B5EF4-FFF2-40B4-BE49-F238E27FC236}">
-                <a16:creationId xmlns:a16="http://schemas.microsoft.com/office/drawing/2014/main" id="{6D47BB14-8D48-4FA4-86B3-84085E9C8CB7}"/>
-              </a:ext>
-            </a:extLst>
-          </p:cNvPr>
-          <p:cNvPicPr>
-            <a:picLocks noGrp="1" noChangeAspect="1"/>
-          </p:cNvPicPr>
-          <p:nvPr>
-            <p:ph idx="1"/>
-          </p:nvPr>
-        </p:nvPicPr>
-        <p:blipFill>
-          <a:blip r:embed="rId2"/>
-          <a:stretch>
-            <a:fillRect/>
-          </a:stretch>
-        </p:blipFill>
-        <p:spPr>
-          <a:xfrm>
-            <a:off x="838200" y="3149266"/>
-            <a:ext cx="10515600" cy="1142080"/>
-          </a:xfrm>
-          <a:prstGeom prst="rect">
-            <a:avLst/>
-          </a:prstGeom>
-        </p:spPr>
-      </p:pic>
-      <p:sp>
-        <p:nvSpPr>
-          <p:cNvPr id="3" name="標題 2">
-            <a:extLst>
-              <a:ext uri="{FF2B5EF4-FFF2-40B4-BE49-F238E27FC236}">
-                <a16:creationId xmlns:a16="http://schemas.microsoft.com/office/drawing/2014/main" id="{6147A46B-62C6-4290-9FF3-E70031F19672}"/>
-              </a:ext>
-            </a:extLst>
-          </p:cNvPr>
-          <p:cNvSpPr>
-            <a:spLocks noGrp="1"/>
-          </p:cNvSpPr>
-          <p:nvPr>
-            <p:ph type="title"/>
-          </p:nvPr>
-        </p:nvSpPr>
-        <p:spPr/>
-        <p:txBody>
-          <a:bodyPr/>
-          <a:lstStyle/>
-          <a:p>
-            <a:r>
-              <a:rPr lang="en-US" altLang="zh-TW" dirty="0"/>
-              <a:t>2022/04/15 ~ 2022/04/22</a:t>
-            </a:r>
-            <a:endParaRPr lang="zh-TW" altLang="en-US" dirty="0"/>
-          </a:p>
-        </p:txBody>
-      </p:sp>
-      <p:sp>
-        <p:nvSpPr>
-          <p:cNvPr id="4" name="投影片編號版面配置區 3">
-            <a:extLst>
-              <a:ext uri="{FF2B5EF4-FFF2-40B4-BE49-F238E27FC236}">
-                <a16:creationId xmlns:a16="http://schemas.microsoft.com/office/drawing/2014/main" id="{18D6E14B-0DB0-41D5-923E-84B085EECF13}"/>
-              </a:ext>
-            </a:extLst>
-          </p:cNvPr>
-          <p:cNvSpPr>
-            <a:spLocks noGrp="1"/>
-          </p:cNvSpPr>
-          <p:nvPr>
-            <p:ph type="sldNum" sz="quarter" idx="12"/>
-          </p:nvPr>
-        </p:nvSpPr>
-        <p:spPr/>
-        <p:txBody>
-          <a:bodyPr/>
-          <a:lstStyle/>
-          <a:p>
-            <a:fld id="{90F9E983-480B-48C5-9E0F-D21C0DFBB5C0}" type="slidenum">
-              <a:rPr lang="zh-TW" altLang="en-US" smtClean="0"/>
-              <a:t>26</a:t>
-            </a:fld>
-            <a:endParaRPr lang="zh-TW" altLang="en-US"/>
-          </a:p>
-        </p:txBody>
-      </p:sp>
-    </p:spTree>
-    <p:extLst>
-      <p:ext uri="{BB962C8B-B14F-4D97-AF65-F5344CB8AC3E}">
-        <p14:creationId xmlns:p14="http://schemas.microsoft.com/office/powerpoint/2010/main" val="1720080269"/>
-      </p:ext>
-    </p:extLst>
-  </p:cSld>
-  <p:clrMapOvr>
-    <a:masterClrMapping/>
-  </p:clrMapOvr>
-</p:sld>
-</file>
-
 <file path=ppt/slides/slide27.xml><?xml version="1.0" encoding="utf-8"?>
 <p:sld xmlns:a="http://schemas.openxmlformats.org/drawingml/2006/main" xmlns:r="http://schemas.openxmlformats.org/officeDocument/2006/relationships" xmlns:p="http://schemas.openxmlformats.org/presentationml/2006/main">
   <p:cSld>
@@ -12073,44 +12407,12 @@
           <a:chExt cx="0" cy="0"/>
         </a:xfrm>
       </p:grpSpPr>
-      <p:pic>
-        <p:nvPicPr>
-          <p:cNvPr id="5" name="內容版面配置區 4">
-            <a:extLst>
-              <a:ext uri="{FF2B5EF4-FFF2-40B4-BE49-F238E27FC236}">
-                <a16:creationId xmlns:a16="http://schemas.microsoft.com/office/drawing/2014/main" id="{67BA9D5C-9E35-48A2-BCDA-59612874ADB4}"/>
-              </a:ext>
-            </a:extLst>
-          </p:cNvPr>
-          <p:cNvPicPr>
-            <a:picLocks noGrp="1" noChangeAspect="1"/>
-          </p:cNvPicPr>
-          <p:nvPr>
-            <p:ph idx="1"/>
-          </p:nvPr>
-        </p:nvPicPr>
-        <p:blipFill>
-          <a:blip r:embed="rId2"/>
-          <a:stretch>
-            <a:fillRect/>
-          </a:stretch>
-        </p:blipFill>
-        <p:spPr>
-          <a:xfrm>
-            <a:off x="838200" y="3133566"/>
-            <a:ext cx="10515600" cy="1173480"/>
-          </a:xfrm>
-          <a:prstGeom prst="rect">
-            <a:avLst/>
-          </a:prstGeom>
-        </p:spPr>
-      </p:pic>
       <p:sp>
         <p:nvSpPr>
           <p:cNvPr id="3" name="標題 2">
             <a:extLst>
               <a:ext uri="{FF2B5EF4-FFF2-40B4-BE49-F238E27FC236}">
-                <a16:creationId xmlns:a16="http://schemas.microsoft.com/office/drawing/2014/main" id="{2D596D61-BA63-4935-8850-B2DDB5320A75}"/>
+                <a16:creationId xmlns:a16="http://schemas.microsoft.com/office/drawing/2014/main" id="{EF277299-8610-4660-86B9-EE584C561AB1}"/>
               </a:ext>
             </a:extLst>
           </p:cNvPr>
@@ -12127,19 +12429,18 @@
           <a:lstStyle/>
           <a:p>
             <a:r>
-              <a:rPr lang="en-US" altLang="zh-TW" dirty="0"/>
-              <a:t>2022/04/08 ~ 2022/04/15</a:t>
-            </a:r>
-            <a:endParaRPr lang="zh-TW" altLang="en-US" dirty="0"/>
-          </a:p>
-        </p:txBody>
-      </p:sp>
-      <p:sp>
-        <p:nvSpPr>
-          <p:cNvPr id="4" name="投影片編號版面配置區 3">
-            <a:extLst>
-              <a:ext uri="{FF2B5EF4-FFF2-40B4-BE49-F238E27FC236}">
-                <a16:creationId xmlns:a16="http://schemas.microsoft.com/office/drawing/2014/main" id="{BBD911C3-99AB-4F79-825D-E9C61926F4CB}"/>
+              <a:rPr lang="zh-TW" altLang="en-US" dirty="0"/>
+              <a:t>當週進度</a:t>
+            </a:r>
+          </a:p>
+        </p:txBody>
+      </p:sp>
+      <p:sp>
+        <p:nvSpPr>
+          <p:cNvPr id="2" name="投影片編號版面配置區 1">
+            <a:extLst>
+              <a:ext uri="{FF2B5EF4-FFF2-40B4-BE49-F238E27FC236}">
+                <a16:creationId xmlns:a16="http://schemas.microsoft.com/office/drawing/2014/main" id="{93307445-5962-42AE-9A4E-E1C6CD1297BF}"/>
               </a:ext>
             </a:extLst>
           </p:cNvPr>
@@ -12163,10 +12464,202 @@
           </a:p>
         </p:txBody>
       </p:sp>
+      <p:sp>
+        <p:nvSpPr>
+          <p:cNvPr id="4" name="文字方塊 3">
+            <a:extLst>
+              <a:ext uri="{FF2B5EF4-FFF2-40B4-BE49-F238E27FC236}">
+                <a16:creationId xmlns:a16="http://schemas.microsoft.com/office/drawing/2014/main" id="{227F0923-AA00-4F8D-99BB-3109F6365217}"/>
+              </a:ext>
+            </a:extLst>
+          </p:cNvPr>
+          <p:cNvSpPr txBox="1"/>
+          <p:nvPr/>
+        </p:nvSpPr>
+        <p:spPr>
+          <a:xfrm>
+            <a:off x="838198" y="1190191"/>
+            <a:ext cx="10515599" cy="2585323"/>
+          </a:xfrm>
+          <a:prstGeom prst="rect">
+            <a:avLst/>
+          </a:prstGeom>
+          <a:noFill/>
+        </p:spPr>
+        <p:txBody>
+          <a:bodyPr wrap="square">
+            <a:spAutoFit/>
+          </a:bodyPr>
+          <a:lstStyle/>
+          <a:p>
+            <a:pPr marL="285750" indent="-285750">
+              <a:buFont typeface="Wingdings" panose="05000000000000000000" pitchFamily="2" charset="2"/>
+              <a:buChar char="n"/>
+            </a:pPr>
+            <a:r>
+              <a:rPr lang="zh-TW" altLang="en-US" dirty="0">
+                <a:latin typeface="微軟正黑體" panose="020B0604030504040204" pitchFamily="34" charset="-120"/>
+                <a:ea typeface="微軟正黑體" panose="020B0604030504040204" pitchFamily="34" charset="-120"/>
+              </a:rPr>
+              <a:t>問題記錄</a:t>
+            </a:r>
+            <a:endParaRPr lang="en-US" altLang="zh-TW" dirty="0">
+              <a:latin typeface="微軟正黑體" panose="020B0604030504040204" pitchFamily="34" charset="-120"/>
+              <a:ea typeface="微軟正黑體" panose="020B0604030504040204" pitchFamily="34" charset="-120"/>
+            </a:endParaRPr>
+          </a:p>
+          <a:p>
+            <a:pPr marL="800100" lvl="1" indent="-342900">
+              <a:buFont typeface="+mj-lt"/>
+              <a:buAutoNum type="arabicPeriod"/>
+            </a:pPr>
+            <a:r>
+              <a:rPr lang="zh-TW" altLang="en-US" dirty="0">
+                <a:latin typeface="微軟正黑體" panose="020B0604030504040204" pitchFamily="34" charset="-120"/>
+                <a:ea typeface="微軟正黑體" panose="020B0604030504040204" pitchFamily="34" charset="-120"/>
+              </a:rPr>
+              <a:t>未設計等待獲勝方發球狀態。</a:t>
+            </a:r>
+            <a:endParaRPr lang="en-US" altLang="zh-TW" dirty="0">
+              <a:latin typeface="微軟正黑體" panose="020B0604030504040204" pitchFamily="34" charset="-120"/>
+              <a:ea typeface="微軟正黑體" panose="020B0604030504040204" pitchFamily="34" charset="-120"/>
+            </a:endParaRPr>
+          </a:p>
+          <a:p>
+            <a:pPr marL="800100" lvl="1" indent="-342900">
+              <a:buFont typeface="+mj-lt"/>
+              <a:buAutoNum type="arabicPeriod"/>
+            </a:pPr>
+            <a:endParaRPr lang="en-US" altLang="zh-TW" dirty="0">
+              <a:latin typeface="微軟正黑體" panose="020B0604030504040204" pitchFamily="34" charset="-120"/>
+              <a:ea typeface="微軟正黑體" panose="020B0604030504040204" pitchFamily="34" charset="-120"/>
+            </a:endParaRPr>
+          </a:p>
+          <a:p>
+            <a:pPr marL="800100" lvl="1" indent="-342900">
+              <a:buFont typeface="+mj-lt"/>
+              <a:buAutoNum type="arabicPeriod"/>
+            </a:pPr>
+            <a:r>
+              <a:rPr lang="zh-TW" altLang="en-US" dirty="0">
+                <a:latin typeface="微軟正黑體" panose="020B0604030504040204" pitchFamily="34" charset="-120"/>
+                <a:ea typeface="微軟正黑體" panose="020B0604030504040204" pitchFamily="34" charset="-120"/>
+              </a:rPr>
+              <a:t>當開關提早按下，則</a:t>
+            </a:r>
+            <a:r>
+              <a:rPr lang="en-US" altLang="zh-TW" dirty="0">
+                <a:latin typeface="微軟正黑體" panose="020B0604030504040204" pitchFamily="34" charset="-120"/>
+                <a:ea typeface="微軟正黑體" panose="020B0604030504040204" pitchFamily="34" charset="-120"/>
+              </a:rPr>
+              <a:t>LED</a:t>
+            </a:r>
+            <a:r>
+              <a:rPr lang="zh-TW" altLang="en-US" dirty="0">
+                <a:latin typeface="微軟正黑體" panose="020B0604030504040204" pitchFamily="34" charset="-120"/>
+                <a:ea typeface="微軟正黑體" panose="020B0604030504040204" pitchFamily="34" charset="-120"/>
+              </a:rPr>
+              <a:t>會停下，若再按下發球方按鈕，則</a:t>
+            </a:r>
+            <a:r>
+              <a:rPr lang="en-US" altLang="zh-TW" dirty="0">
+                <a:latin typeface="微軟正黑體" panose="020B0604030504040204" pitchFamily="34" charset="-120"/>
+                <a:ea typeface="微軟正黑體" panose="020B0604030504040204" pitchFamily="34" charset="-120"/>
+              </a:rPr>
+              <a:t>LED</a:t>
+            </a:r>
+            <a:r>
+              <a:rPr lang="zh-TW" altLang="en-US" dirty="0">
+                <a:latin typeface="微軟正黑體" panose="020B0604030504040204" pitchFamily="34" charset="-120"/>
+                <a:ea typeface="微軟正黑體" panose="020B0604030504040204" pitchFamily="34" charset="-120"/>
+              </a:rPr>
+              <a:t>會繼續移動。</a:t>
+            </a:r>
+            <a:endParaRPr lang="en-US" altLang="zh-TW" dirty="0">
+              <a:latin typeface="微軟正黑體" panose="020B0604030504040204" pitchFamily="34" charset="-120"/>
+              <a:ea typeface="微軟正黑體" panose="020B0604030504040204" pitchFamily="34" charset="-120"/>
+            </a:endParaRPr>
+          </a:p>
+          <a:p>
+            <a:pPr marL="800100" lvl="1" indent="-342900">
+              <a:buFont typeface="+mj-lt"/>
+              <a:buAutoNum type="arabicPeriod"/>
+            </a:pPr>
+            <a:endParaRPr lang="en-US" altLang="zh-TW" dirty="0">
+              <a:latin typeface="微軟正黑體" panose="020B0604030504040204" pitchFamily="34" charset="-120"/>
+              <a:ea typeface="微軟正黑體" panose="020B0604030504040204" pitchFamily="34" charset="-120"/>
+            </a:endParaRPr>
+          </a:p>
+          <a:p>
+            <a:pPr marL="800100" lvl="1" indent="-342900">
+              <a:buFont typeface="+mj-lt"/>
+              <a:buAutoNum type="arabicPeriod"/>
+            </a:pPr>
+            <a:r>
+              <a:rPr lang="en-US" altLang="zh-TW" dirty="0">
+                <a:latin typeface="微軟正黑體" panose="020B0604030504040204" pitchFamily="34" charset="-120"/>
+                <a:ea typeface="微軟正黑體" panose="020B0604030504040204" pitchFamily="34" charset="-120"/>
+              </a:rPr>
+              <a:t>Score </a:t>
+            </a:r>
+            <a:r>
+              <a:rPr lang="zh-TW" altLang="en-US" dirty="0">
+                <a:latin typeface="微軟正黑體" panose="020B0604030504040204" pitchFamily="34" charset="-120"/>
+                <a:ea typeface="微軟正黑體" panose="020B0604030504040204" pitchFamily="34" charset="-120"/>
+              </a:rPr>
+              <a:t>腳位數太多，因此先拔掉輸出。</a:t>
+            </a:r>
+            <a:endParaRPr lang="en-US" altLang="zh-TW" dirty="0">
+              <a:latin typeface="微軟正黑體" panose="020B0604030504040204" pitchFamily="34" charset="-120"/>
+              <a:ea typeface="微軟正黑體" panose="020B0604030504040204" pitchFamily="34" charset="-120"/>
+            </a:endParaRPr>
+          </a:p>
+          <a:p>
+            <a:pPr marL="800100" lvl="1" indent="-342900">
+              <a:buFont typeface="+mj-lt"/>
+              <a:buAutoNum type="arabicPeriod"/>
+            </a:pPr>
+            <a:endParaRPr lang="en-US" altLang="zh-TW" dirty="0">
+              <a:latin typeface="微軟正黑體" panose="020B0604030504040204" pitchFamily="34" charset="-120"/>
+              <a:ea typeface="微軟正黑體" panose="020B0604030504040204" pitchFamily="34" charset="-120"/>
+            </a:endParaRPr>
+          </a:p>
+          <a:p>
+            <a:pPr marL="342900" indent="-342900">
+              <a:buFont typeface="Wingdings" panose="05000000000000000000" pitchFamily="2" charset="2"/>
+              <a:buChar char="n"/>
+            </a:pPr>
+            <a:r>
+              <a:rPr lang="zh-TW" altLang="en-US" dirty="0">
+                <a:latin typeface="微軟正黑體" panose="020B0604030504040204" pitchFamily="34" charset="-120"/>
+                <a:ea typeface="微軟正黑體" panose="020B0604030504040204" pitchFamily="34" charset="-120"/>
+              </a:rPr>
+              <a:t>影片展示</a:t>
+            </a:r>
+            <a:endParaRPr lang="en-US" altLang="zh-TW" dirty="0">
+              <a:latin typeface="微軟正黑體" panose="020B0604030504040204" pitchFamily="34" charset="-120"/>
+              <a:ea typeface="微軟正黑體" panose="020B0604030504040204" pitchFamily="34" charset="-120"/>
+            </a:endParaRPr>
+          </a:p>
+          <a:p>
+            <a:pPr marL="800100" lvl="1" indent="-342900">
+              <a:buFont typeface="Arial" panose="020B0604020202020204" pitchFamily="34" charset="0"/>
+              <a:buChar char="•"/>
+            </a:pPr>
+            <a:r>
+              <a:rPr lang="en-US" altLang="zh-TW" dirty="0">
+                <a:hlinkClick r:id="rId3"/>
+              </a:rPr>
+              <a:t>https://drive.google.com/file/d/1nIX1dnGeOrozzZbEsGorforhYJLXbA8w/view?usp=sharing</a:t>
+            </a:r>
+            <a:endParaRPr lang="en-US" altLang="zh-TW" dirty="0"/>
+          </a:p>
+        </p:txBody>
+      </p:sp>
     </p:spTree>
     <p:extLst>
       <p:ext uri="{BB962C8B-B14F-4D97-AF65-F5344CB8AC3E}">
-        <p14:creationId xmlns:p14="http://schemas.microsoft.com/office/powerpoint/2010/main" val="3810573088"/>
+        <p14:creationId xmlns:p14="http://schemas.microsoft.com/office/powerpoint/2010/main" val="712468063"/>
       </p:ext>
     </p:extLst>
   </p:cSld>
@@ -12215,10 +12708,9 @@
           <a:lstStyle/>
           <a:p>
             <a:r>
-              <a:rPr lang="en-US" altLang="zh-TW" dirty="0"/>
-              <a:t>2022/03/11 ~ 2022/03/18</a:t>
-            </a:r>
-            <a:endParaRPr lang="zh-TW" altLang="en-US" dirty="0"/>
+              <a:rPr lang="zh-TW" altLang="en-US" dirty="0"/>
+              <a:t>參考資料</a:t>
+            </a:r>
           </a:p>
         </p:txBody>
       </p:sp>
@@ -12227,7 +12719,7 @@
           <p:cNvPr id="2" name="投影片編號版面配置區 1">
             <a:extLst>
               <a:ext uri="{FF2B5EF4-FFF2-40B4-BE49-F238E27FC236}">
-                <a16:creationId xmlns:a16="http://schemas.microsoft.com/office/drawing/2014/main" id="{AC538EB5-236F-4A2B-B868-01E1893C75E7}"/>
+                <a16:creationId xmlns:a16="http://schemas.microsoft.com/office/drawing/2014/main" id="{B9198658-FE78-44D3-AF3E-A5158F85509F}"/>
               </a:ext>
             </a:extLst>
           </p:cNvPr>
@@ -12246,6 +12738,1006 @@
             <a:fld id="{90F9E983-480B-48C5-9E0F-D21C0DFBB5C0}" type="slidenum">
               <a:rPr lang="zh-TW" altLang="en-US" smtClean="0"/>
               <a:t>28</a:t>
+            </a:fld>
+            <a:endParaRPr lang="zh-TW" altLang="en-US"/>
+          </a:p>
+        </p:txBody>
+      </p:sp>
+      <p:sp>
+        <p:nvSpPr>
+          <p:cNvPr id="4" name="矩形 3">
+            <a:extLst>
+              <a:ext uri="{FF2B5EF4-FFF2-40B4-BE49-F238E27FC236}">
+                <a16:creationId xmlns:a16="http://schemas.microsoft.com/office/drawing/2014/main" id="{2CCE2E8B-2BE4-439A-B15D-8F35CF3ED76E}"/>
+              </a:ext>
+            </a:extLst>
+          </p:cNvPr>
+          <p:cNvSpPr/>
+          <p:nvPr/>
+        </p:nvSpPr>
+        <p:spPr>
+          <a:xfrm>
+            <a:off x="838200" y="1241494"/>
+            <a:ext cx="7600947" cy="369332"/>
+          </a:xfrm>
+          <a:prstGeom prst="rect">
+            <a:avLst/>
+          </a:prstGeom>
+        </p:spPr>
+        <p:txBody>
+          <a:bodyPr wrap="square">
+            <a:spAutoFit/>
+          </a:bodyPr>
+          <a:lstStyle/>
+          <a:p>
+            <a:pPr marL="285750" indent="-285750">
+              <a:buFont typeface="Arial" panose="020B0604020202020204" pitchFamily="34" charset="0"/>
+              <a:buChar char="•"/>
+            </a:pPr>
+            <a:r>
+              <a:rPr lang="en-US" altLang="zh-TW" dirty="0">
+                <a:hlinkClick r:id="rId3"/>
+              </a:rPr>
+              <a:t>ANAN030/</a:t>
+            </a:r>
+            <a:r>
+              <a:rPr lang="en-US" altLang="zh-TW" dirty="0" err="1">
+                <a:hlinkClick r:id="rId3"/>
+              </a:rPr>
+              <a:t>Vivado_Basic</a:t>
+            </a:r>
+            <a:r>
+              <a:rPr lang="en-US" altLang="zh-TW" dirty="0">
+                <a:hlinkClick r:id="rId3"/>
+              </a:rPr>
+              <a:t>: </a:t>
+            </a:r>
+            <a:r>
+              <a:rPr lang="en-US" altLang="zh-TW" dirty="0" err="1">
+                <a:hlinkClick r:id="rId3"/>
+              </a:rPr>
+              <a:t>Vivado</a:t>
+            </a:r>
+            <a:r>
+              <a:rPr lang="en-US" altLang="zh-TW" dirty="0">
+                <a:hlinkClick r:id="rId3"/>
+              </a:rPr>
+              <a:t> </a:t>
+            </a:r>
+            <a:r>
+              <a:rPr lang="zh-TW" altLang="en-US" dirty="0">
+                <a:hlinkClick r:id="rId3"/>
+              </a:rPr>
+              <a:t>和 </a:t>
+            </a:r>
+            <a:r>
+              <a:rPr lang="en-US" altLang="zh-TW" dirty="0">
+                <a:hlinkClick r:id="rId3"/>
+              </a:rPr>
+              <a:t>Xilinx SDK </a:t>
+            </a:r>
+            <a:r>
+              <a:rPr lang="zh-TW" altLang="en-US" dirty="0">
+                <a:hlinkClick r:id="rId3"/>
+              </a:rPr>
+              <a:t>基本操作 </a:t>
+            </a:r>
+            <a:r>
+              <a:rPr lang="en-US" altLang="zh-TW" dirty="0">
+                <a:hlinkClick r:id="rId3"/>
+              </a:rPr>
+              <a:t>(github.com)</a:t>
+            </a:r>
+            <a:endParaRPr lang="zh-TW" altLang="en-US" dirty="0"/>
+          </a:p>
+        </p:txBody>
+      </p:sp>
+    </p:spTree>
+    <p:extLst>
+      <p:ext uri="{BB962C8B-B14F-4D97-AF65-F5344CB8AC3E}">
+        <p14:creationId xmlns:p14="http://schemas.microsoft.com/office/powerpoint/2010/main" val="387894374"/>
+      </p:ext>
+    </p:extLst>
+  </p:cSld>
+  <p:clrMapOvr>
+    <a:masterClrMapping/>
+  </p:clrMapOvr>
+</p:sld>
+</file>
+
+<file path=ppt/slides/slide29.xml><?xml version="1.0" encoding="utf-8"?>
+<p:sld xmlns:a="http://schemas.openxmlformats.org/drawingml/2006/main" xmlns:r="http://schemas.openxmlformats.org/officeDocument/2006/relationships" xmlns:p="http://schemas.openxmlformats.org/presentationml/2006/main">
+  <p:cSld>
+    <p:spTree>
+      <p:nvGrpSpPr>
+        <p:cNvPr id="1" name=""/>
+        <p:cNvGrpSpPr/>
+        <p:nvPr/>
+      </p:nvGrpSpPr>
+      <p:grpSpPr>
+        <a:xfrm>
+          <a:off x="0" y="0"/>
+          <a:ext cx="0" cy="0"/>
+          <a:chOff x="0" y="0"/>
+          <a:chExt cx="0" cy="0"/>
+        </a:xfrm>
+      </p:grpSpPr>
+      <p:sp>
+        <p:nvSpPr>
+          <p:cNvPr id="3" name="標題 2">
+            <a:extLst>
+              <a:ext uri="{FF2B5EF4-FFF2-40B4-BE49-F238E27FC236}">
+                <a16:creationId xmlns:a16="http://schemas.microsoft.com/office/drawing/2014/main" id="{6147A46B-62C6-4290-9FF3-E70031F19672}"/>
+              </a:ext>
+            </a:extLst>
+          </p:cNvPr>
+          <p:cNvSpPr>
+            <a:spLocks noGrp="1"/>
+          </p:cNvSpPr>
+          <p:nvPr>
+            <p:ph type="title"/>
+          </p:nvPr>
+        </p:nvSpPr>
+        <p:spPr>
+          <a:xfrm>
+            <a:off x="838200" y="365125"/>
+            <a:ext cx="10515600" cy="720000"/>
+          </a:xfrm>
+        </p:spPr>
+        <p:txBody>
+          <a:bodyPr/>
+          <a:lstStyle/>
+          <a:p>
+            <a:r>
+              <a:rPr lang="en-US" altLang="zh-TW" dirty="0"/>
+              <a:t>2022/05/13 ~ 2022/05/20</a:t>
+            </a:r>
+            <a:endParaRPr lang="zh-TW" altLang="en-US" dirty="0"/>
+          </a:p>
+        </p:txBody>
+      </p:sp>
+      <p:sp>
+        <p:nvSpPr>
+          <p:cNvPr id="4" name="投影片編號版面配置區 3">
+            <a:extLst>
+              <a:ext uri="{FF2B5EF4-FFF2-40B4-BE49-F238E27FC236}">
+                <a16:creationId xmlns:a16="http://schemas.microsoft.com/office/drawing/2014/main" id="{18D6E14B-0DB0-41D5-923E-84B085EECF13}"/>
+              </a:ext>
+            </a:extLst>
+          </p:cNvPr>
+          <p:cNvSpPr>
+            <a:spLocks noGrp="1"/>
+          </p:cNvSpPr>
+          <p:nvPr>
+            <p:ph type="sldNum" sz="quarter" idx="12"/>
+          </p:nvPr>
+        </p:nvSpPr>
+        <p:spPr/>
+        <p:txBody>
+          <a:bodyPr/>
+          <a:lstStyle/>
+          <a:p>
+            <a:fld id="{90F9E983-480B-48C5-9E0F-D21C0DFBB5C0}" type="slidenum">
+              <a:rPr lang="zh-TW" altLang="en-US" smtClean="0"/>
+              <a:t>29</a:t>
+            </a:fld>
+            <a:endParaRPr lang="zh-TW" altLang="en-US"/>
+          </a:p>
+        </p:txBody>
+      </p:sp>
+      <p:pic>
+        <p:nvPicPr>
+          <p:cNvPr id="7" name="圖片 6">
+            <a:extLst>
+              <a:ext uri="{FF2B5EF4-FFF2-40B4-BE49-F238E27FC236}">
+                <a16:creationId xmlns:a16="http://schemas.microsoft.com/office/drawing/2014/main" id="{5CA4CE73-34CF-48AA-A547-DEEC2BCCB144}"/>
+              </a:ext>
+            </a:extLst>
+          </p:cNvPr>
+          <p:cNvPicPr>
+            <a:picLocks noChangeAspect="1"/>
+          </p:cNvPicPr>
+          <p:nvPr/>
+        </p:nvPicPr>
+        <p:blipFill>
+          <a:blip r:embed="rId2"/>
+          <a:stretch>
+            <a:fillRect/>
+          </a:stretch>
+        </p:blipFill>
+        <p:spPr>
+          <a:xfrm>
+            <a:off x="1394691" y="1260102"/>
+            <a:ext cx="9236364" cy="5020596"/>
+          </a:xfrm>
+          <a:prstGeom prst="rect">
+            <a:avLst/>
+          </a:prstGeom>
+        </p:spPr>
+      </p:pic>
+    </p:spTree>
+    <p:extLst>
+      <p:ext uri="{BB962C8B-B14F-4D97-AF65-F5344CB8AC3E}">
+        <p14:creationId xmlns:p14="http://schemas.microsoft.com/office/powerpoint/2010/main" val="2848647829"/>
+      </p:ext>
+    </p:extLst>
+  </p:cSld>
+  <p:clrMapOvr>
+    <a:masterClrMapping/>
+  </p:clrMapOvr>
+</p:sld>
+</file>
+
+<file path=ppt/slides/slide3.xml><?xml version="1.0" encoding="utf-8"?>
+<p:sld xmlns:a="http://schemas.openxmlformats.org/drawingml/2006/main" xmlns:r="http://schemas.openxmlformats.org/officeDocument/2006/relationships" xmlns:p="http://schemas.openxmlformats.org/presentationml/2006/main">
+  <p:cSld>
+    <p:spTree>
+      <p:nvGrpSpPr>
+        <p:cNvPr id="1" name=""/>
+        <p:cNvGrpSpPr/>
+        <p:nvPr/>
+      </p:nvGrpSpPr>
+      <p:grpSpPr>
+        <a:xfrm>
+          <a:off x="0" y="0"/>
+          <a:ext cx="0" cy="0"/>
+          <a:chOff x="0" y="0"/>
+          <a:chExt cx="0" cy="0"/>
+        </a:xfrm>
+      </p:grpSpPr>
+      <p:sp>
+        <p:nvSpPr>
+          <p:cNvPr id="3" name="標題 2">
+            <a:extLst>
+              <a:ext uri="{FF2B5EF4-FFF2-40B4-BE49-F238E27FC236}">
+                <a16:creationId xmlns:a16="http://schemas.microsoft.com/office/drawing/2014/main" id="{EF277299-8610-4660-86B9-EE584C561AB1}"/>
+              </a:ext>
+            </a:extLst>
+          </p:cNvPr>
+          <p:cNvSpPr>
+            <a:spLocks noGrp="1"/>
+          </p:cNvSpPr>
+          <p:nvPr>
+            <p:ph type="title"/>
+          </p:nvPr>
+        </p:nvSpPr>
+        <p:spPr/>
+        <p:txBody>
+          <a:bodyPr/>
+          <a:lstStyle/>
+          <a:p>
+            <a:r>
+              <a:rPr lang="zh-TW" altLang="en-US" dirty="0"/>
+              <a:t>專案需求</a:t>
+            </a:r>
+          </a:p>
+        </p:txBody>
+      </p:sp>
+      <p:sp>
+        <p:nvSpPr>
+          <p:cNvPr id="2" name="投影片編號版面配置區 1">
+            <a:extLst>
+              <a:ext uri="{FF2B5EF4-FFF2-40B4-BE49-F238E27FC236}">
+                <a16:creationId xmlns:a16="http://schemas.microsoft.com/office/drawing/2014/main" id="{93307445-5962-42AE-9A4E-E1C6CD1297BF}"/>
+              </a:ext>
+            </a:extLst>
+          </p:cNvPr>
+          <p:cNvSpPr>
+            <a:spLocks noGrp="1"/>
+          </p:cNvSpPr>
+          <p:nvPr>
+            <p:ph type="sldNum" sz="quarter" idx="12"/>
+          </p:nvPr>
+        </p:nvSpPr>
+        <p:spPr/>
+        <p:txBody>
+          <a:bodyPr/>
+          <a:lstStyle/>
+          <a:p>
+            <a:fld id="{90F9E983-480B-48C5-9E0F-D21C0DFBB5C0}" type="slidenum">
+              <a:rPr lang="zh-TW" altLang="en-US" smtClean="0"/>
+              <a:t>3</a:t>
+            </a:fld>
+            <a:endParaRPr lang="zh-TW" altLang="en-US"/>
+          </a:p>
+        </p:txBody>
+      </p:sp>
+      <p:sp>
+        <p:nvSpPr>
+          <p:cNvPr id="4" name="文字方塊 3">
+            <a:extLst>
+              <a:ext uri="{FF2B5EF4-FFF2-40B4-BE49-F238E27FC236}">
+                <a16:creationId xmlns:a16="http://schemas.microsoft.com/office/drawing/2014/main" id="{227F0923-AA00-4F8D-99BB-3109F6365217}"/>
+              </a:ext>
+            </a:extLst>
+          </p:cNvPr>
+          <p:cNvSpPr txBox="1"/>
+          <p:nvPr/>
+        </p:nvSpPr>
+        <p:spPr>
+          <a:xfrm>
+            <a:off x="838198" y="1190191"/>
+            <a:ext cx="10515599" cy="3693319"/>
+          </a:xfrm>
+          <a:prstGeom prst="rect">
+            <a:avLst/>
+          </a:prstGeom>
+          <a:noFill/>
+        </p:spPr>
+        <p:txBody>
+          <a:bodyPr wrap="square">
+            <a:spAutoFit/>
+          </a:bodyPr>
+          <a:lstStyle/>
+          <a:p>
+            <a:pPr marL="171450" indent="-171450">
+              <a:buFont typeface="Wingdings" panose="05000000000000000000" pitchFamily="2" charset="2"/>
+              <a:buChar char="n"/>
+            </a:pPr>
+            <a:r>
+              <a:rPr lang="zh-TW" altLang="en-US" dirty="0">
+                <a:latin typeface="微軟正黑體" panose="020B0604030504040204" pitchFamily="34" charset="-120"/>
+                <a:ea typeface="微軟正黑體" panose="020B0604030504040204" pitchFamily="34" charset="-120"/>
+              </a:rPr>
+              <a:t>功能需求 </a:t>
+            </a:r>
+            <a:r>
+              <a:rPr lang="en-US" altLang="zh-TW" dirty="0">
+                <a:latin typeface="微軟正黑體" panose="020B0604030504040204" pitchFamily="34" charset="-120"/>
+                <a:ea typeface="微軟正黑體" panose="020B0604030504040204" pitchFamily="34" charset="-120"/>
+              </a:rPr>
+              <a:t>:</a:t>
+            </a:r>
+            <a:r>
+              <a:rPr lang="zh-TW" altLang="en-US" dirty="0">
+                <a:latin typeface="微軟正黑體" panose="020B0604030504040204" pitchFamily="34" charset="-120"/>
+                <a:ea typeface="微軟正黑體" panose="020B0604030504040204" pitchFamily="34" charset="-120"/>
+              </a:rPr>
+              <a:t> </a:t>
+            </a:r>
+            <a:endParaRPr lang="en-US" altLang="zh-TW" dirty="0">
+              <a:latin typeface="微軟正黑體" panose="020B0604030504040204" pitchFamily="34" charset="-120"/>
+              <a:ea typeface="微軟正黑體" panose="020B0604030504040204" pitchFamily="34" charset="-120"/>
+            </a:endParaRPr>
+          </a:p>
+          <a:p>
+            <a:pPr marL="628650" lvl="1" indent="-171450">
+              <a:buFont typeface="Arial" panose="020B0604020202020204" pitchFamily="34" charset="0"/>
+              <a:buChar char="•"/>
+            </a:pPr>
+            <a:r>
+              <a:rPr lang="zh-TW" altLang="en-US" dirty="0">
+                <a:latin typeface="微軟正黑體" panose="020B0604030504040204" pitchFamily="34" charset="-120"/>
+                <a:ea typeface="微軟正黑體" panose="020B0604030504040204" pitchFamily="34" charset="-120"/>
+              </a:rPr>
+              <a:t>製作一個</a:t>
+            </a:r>
+            <a:r>
+              <a:rPr lang="en-US" altLang="zh-TW" dirty="0" err="1">
+                <a:latin typeface="微軟正黑體" panose="020B0604030504040204" pitchFamily="34" charset="-120"/>
+                <a:ea typeface="微軟正黑體" panose="020B0604030504040204" pitchFamily="34" charset="-120"/>
+              </a:rPr>
+              <a:t>PingPong</a:t>
+            </a:r>
+            <a:r>
+              <a:rPr lang="en-US" altLang="zh-TW" dirty="0">
+                <a:latin typeface="微軟正黑體" panose="020B0604030504040204" pitchFamily="34" charset="-120"/>
+                <a:ea typeface="微軟正黑體" panose="020B0604030504040204" pitchFamily="34" charset="-120"/>
+              </a:rPr>
+              <a:t> Game </a:t>
+            </a:r>
+            <a:r>
+              <a:rPr lang="zh-TW" altLang="en-US" dirty="0">
+                <a:latin typeface="微軟正黑體" panose="020B0604030504040204" pitchFamily="34" charset="-120"/>
+                <a:ea typeface="微軟正黑體" panose="020B0604030504040204" pitchFamily="34" charset="-120"/>
+              </a:rPr>
+              <a:t>，並用兩個開關來模擬雙方對打，</a:t>
+            </a:r>
+            <a:r>
+              <a:rPr lang="en-US" altLang="zh-TW" dirty="0">
+                <a:latin typeface="微軟正黑體" panose="020B0604030504040204" pitchFamily="34" charset="-120"/>
+                <a:ea typeface="微軟正黑體" panose="020B0604030504040204" pitchFamily="34" charset="-120"/>
+              </a:rPr>
+              <a:t>LED</a:t>
+            </a:r>
+            <a:r>
+              <a:rPr lang="zh-TW" altLang="en-US" dirty="0">
+                <a:latin typeface="微軟正黑體" panose="020B0604030504040204" pitchFamily="34" charset="-120"/>
+                <a:ea typeface="微軟正黑體" panose="020B0604030504040204" pitchFamily="34" charset="-120"/>
+              </a:rPr>
+              <a:t>則顯示球當下位置。</a:t>
+            </a:r>
+            <a:endParaRPr lang="en-US" altLang="zh-TW" dirty="0">
+              <a:latin typeface="微軟正黑體" panose="020B0604030504040204" pitchFamily="34" charset="-120"/>
+              <a:ea typeface="微軟正黑體" panose="020B0604030504040204" pitchFamily="34" charset="-120"/>
+            </a:endParaRPr>
+          </a:p>
+          <a:p>
+            <a:pPr marL="628650" lvl="1" indent="-171450">
+              <a:buFont typeface="Arial" panose="020B0604020202020204" pitchFamily="34" charset="0"/>
+              <a:buChar char="•"/>
+            </a:pPr>
+            <a:endParaRPr lang="en-US" altLang="zh-TW" dirty="0">
+              <a:latin typeface="微軟正黑體" panose="020B0604030504040204" pitchFamily="34" charset="-120"/>
+              <a:ea typeface="微軟正黑體" panose="020B0604030504040204" pitchFamily="34" charset="-120"/>
+            </a:endParaRPr>
+          </a:p>
+          <a:p>
+            <a:pPr marL="1085850" lvl="2" indent="-171450">
+              <a:buFont typeface="Arial" panose="020B0604020202020204" pitchFamily="34" charset="0"/>
+              <a:buChar char="•"/>
+            </a:pPr>
+            <a:r>
+              <a:rPr lang="zh-TW" altLang="en-US" dirty="0">
+                <a:latin typeface="微軟正黑體" panose="020B0604030504040204" pitchFamily="34" charset="-120"/>
+                <a:ea typeface="微軟正黑體" panose="020B0604030504040204" pitchFamily="34" charset="-120"/>
+              </a:rPr>
+              <a:t>規則一 </a:t>
+            </a:r>
+            <a:r>
+              <a:rPr lang="en-US" altLang="zh-TW" dirty="0">
+                <a:latin typeface="微軟正黑體" panose="020B0604030504040204" pitchFamily="34" charset="-120"/>
+                <a:ea typeface="微軟正黑體" panose="020B0604030504040204" pitchFamily="34" charset="-120"/>
+              </a:rPr>
+              <a:t>:</a:t>
+            </a:r>
+            <a:r>
+              <a:rPr lang="zh-TW" altLang="en-US" dirty="0">
+                <a:latin typeface="微軟正黑體" panose="020B0604030504040204" pitchFamily="34" charset="-120"/>
+                <a:ea typeface="微軟正黑體" panose="020B0604030504040204" pitchFamily="34" charset="-120"/>
+              </a:rPr>
+              <a:t>  雙方發球後，依照對方的正確擊球位置，則</a:t>
+            </a:r>
+            <a:r>
+              <a:rPr lang="en-US" altLang="zh-TW" dirty="0">
+                <a:latin typeface="微軟正黑體" panose="020B0604030504040204" pitchFamily="34" charset="-120"/>
+                <a:ea typeface="微軟正黑體" panose="020B0604030504040204" pitchFamily="34" charset="-120"/>
+              </a:rPr>
+              <a:t>LED</a:t>
+            </a:r>
+            <a:r>
+              <a:rPr lang="zh-TW" altLang="en-US" dirty="0">
+                <a:latin typeface="微軟正黑體" panose="020B0604030504040204" pitchFamily="34" charset="-120"/>
+                <a:ea typeface="微軟正黑體" panose="020B0604030504040204" pitchFamily="34" charset="-120"/>
+              </a:rPr>
+              <a:t>移動方向，會依照擊球方向移動。</a:t>
+            </a:r>
+            <a:endParaRPr lang="en-US" altLang="zh-TW" dirty="0">
+              <a:latin typeface="微軟正黑體" panose="020B0604030504040204" pitchFamily="34" charset="-120"/>
+              <a:ea typeface="微軟正黑體" panose="020B0604030504040204" pitchFamily="34" charset="-120"/>
+            </a:endParaRPr>
+          </a:p>
+          <a:p>
+            <a:pPr marL="1085850" lvl="2" indent="-171450">
+              <a:buFont typeface="Arial" panose="020B0604020202020204" pitchFamily="34" charset="0"/>
+              <a:buChar char="•"/>
+            </a:pPr>
+            <a:endParaRPr lang="en-US" altLang="zh-TW" dirty="0">
+              <a:latin typeface="微軟正黑體" panose="020B0604030504040204" pitchFamily="34" charset="-120"/>
+              <a:ea typeface="微軟正黑體" panose="020B0604030504040204" pitchFamily="34" charset="-120"/>
+            </a:endParaRPr>
+          </a:p>
+          <a:p>
+            <a:pPr marL="1085850" lvl="2" indent="-171450">
+              <a:buFont typeface="Arial" panose="020B0604020202020204" pitchFamily="34" charset="0"/>
+              <a:buChar char="•"/>
+            </a:pPr>
+            <a:r>
+              <a:rPr lang="zh-TW" altLang="en-US" dirty="0">
+                <a:latin typeface="微軟正黑體" panose="020B0604030504040204" pitchFamily="34" charset="-120"/>
+                <a:ea typeface="微軟正黑體" panose="020B0604030504040204" pitchFamily="34" charset="-120"/>
+              </a:rPr>
+              <a:t>規則二 </a:t>
+            </a:r>
+            <a:r>
+              <a:rPr lang="en-US" altLang="zh-TW" dirty="0">
+                <a:latin typeface="微軟正黑體" panose="020B0604030504040204" pitchFamily="34" charset="-120"/>
+                <a:ea typeface="微軟正黑體" panose="020B0604030504040204" pitchFamily="34" charset="-120"/>
+              </a:rPr>
+              <a:t>:</a:t>
+            </a:r>
+            <a:r>
+              <a:rPr lang="zh-TW" altLang="en-US" dirty="0">
+                <a:latin typeface="微軟正黑體" panose="020B0604030504040204" pitchFamily="34" charset="-120"/>
+                <a:ea typeface="微軟正黑體" panose="020B0604030504040204" pitchFamily="34" charset="-120"/>
+              </a:rPr>
+              <a:t>  如果對手提早按下開關或太慢按下開關，則是我方獲勝，分數加一。</a:t>
+            </a:r>
+            <a:endParaRPr lang="en-US" altLang="zh-TW" dirty="0">
+              <a:latin typeface="微軟正黑體" panose="020B0604030504040204" pitchFamily="34" charset="-120"/>
+              <a:ea typeface="微軟正黑體" panose="020B0604030504040204" pitchFamily="34" charset="-120"/>
+            </a:endParaRPr>
+          </a:p>
+          <a:p>
+            <a:pPr marL="1085850" lvl="2" indent="-171450">
+              <a:buFont typeface="Arial" panose="020B0604020202020204" pitchFamily="34" charset="0"/>
+              <a:buChar char="•"/>
+            </a:pPr>
+            <a:endParaRPr lang="en-US" altLang="zh-TW" dirty="0">
+              <a:latin typeface="微軟正黑體" panose="020B0604030504040204" pitchFamily="34" charset="-120"/>
+              <a:ea typeface="微軟正黑體" panose="020B0604030504040204" pitchFamily="34" charset="-120"/>
+            </a:endParaRPr>
+          </a:p>
+          <a:p>
+            <a:pPr marL="1085850" lvl="2" indent="-171450">
+              <a:buFont typeface="Arial" panose="020B0604020202020204" pitchFamily="34" charset="0"/>
+              <a:buChar char="•"/>
+            </a:pPr>
+            <a:r>
+              <a:rPr lang="zh-TW" altLang="en-US" dirty="0">
+                <a:latin typeface="微軟正黑體" panose="020B0604030504040204" pitchFamily="34" charset="-120"/>
+                <a:ea typeface="微軟正黑體" panose="020B0604030504040204" pitchFamily="34" charset="-120"/>
+              </a:rPr>
+              <a:t>規則三 </a:t>
+            </a:r>
+            <a:r>
+              <a:rPr lang="en-US" altLang="zh-TW" dirty="0">
+                <a:latin typeface="微軟正黑體" panose="020B0604030504040204" pitchFamily="34" charset="-120"/>
+                <a:ea typeface="微軟正黑體" panose="020B0604030504040204" pitchFamily="34" charset="-120"/>
+              </a:rPr>
+              <a:t>:</a:t>
+            </a:r>
+            <a:r>
+              <a:rPr lang="zh-TW" altLang="en-US" dirty="0">
+                <a:latin typeface="微軟正黑體" panose="020B0604030504040204" pitchFamily="34" charset="-120"/>
+                <a:ea typeface="微軟正黑體" panose="020B0604030504040204" pitchFamily="34" charset="-120"/>
+              </a:rPr>
+              <a:t>  獲勝那方，之後擁有發球權。</a:t>
+            </a:r>
+            <a:endParaRPr lang="en-US" altLang="zh-TW" dirty="0">
+              <a:latin typeface="微軟正黑體" panose="020B0604030504040204" pitchFamily="34" charset="-120"/>
+              <a:ea typeface="微軟正黑體" panose="020B0604030504040204" pitchFamily="34" charset="-120"/>
+            </a:endParaRPr>
+          </a:p>
+          <a:p>
+            <a:pPr marL="171450" indent="-171450">
+              <a:buFont typeface="Arial" panose="020B0604020202020204" pitchFamily="34" charset="0"/>
+              <a:buChar char="•"/>
+            </a:pPr>
+            <a:endParaRPr lang="en-US" altLang="zh-TW" dirty="0">
+              <a:latin typeface="微軟正黑體" panose="020B0604030504040204" pitchFamily="34" charset="-120"/>
+              <a:ea typeface="微軟正黑體" panose="020B0604030504040204" pitchFamily="34" charset="-120"/>
+            </a:endParaRPr>
+          </a:p>
+          <a:p>
+            <a:pPr marL="285750" indent="-285750">
+              <a:buFont typeface="Wingdings" panose="05000000000000000000" pitchFamily="2" charset="2"/>
+              <a:buChar char="n"/>
+            </a:pPr>
+            <a:r>
+              <a:rPr lang="zh-TW" altLang="en-US" dirty="0">
+                <a:latin typeface="微軟正黑體" panose="020B0604030504040204" pitchFamily="34" charset="-120"/>
+                <a:ea typeface="微軟正黑體" panose="020B0604030504040204" pitchFamily="34" charset="-120"/>
+              </a:rPr>
+              <a:t>新增功能 </a:t>
+            </a:r>
+            <a:r>
+              <a:rPr lang="en-US" altLang="zh-TW" dirty="0">
+                <a:latin typeface="微軟正黑體" panose="020B0604030504040204" pitchFamily="34" charset="-120"/>
+                <a:ea typeface="微軟正黑體" panose="020B0604030504040204" pitchFamily="34" charset="-120"/>
+              </a:rPr>
+              <a:t>:</a:t>
+            </a:r>
+          </a:p>
+          <a:p>
+            <a:pPr marL="742950" lvl="1" indent="-285750">
+              <a:buFont typeface="Arial" panose="020B0604020202020204" pitchFamily="34" charset="0"/>
+              <a:buChar char="•"/>
+            </a:pPr>
+            <a:r>
+              <a:rPr lang="zh-TW" altLang="en-US" dirty="0">
+                <a:latin typeface="微軟正黑體" panose="020B0604030504040204" pitchFamily="34" charset="-120"/>
+                <a:ea typeface="微軟正黑體" panose="020B0604030504040204" pitchFamily="34" charset="-120"/>
+              </a:rPr>
+              <a:t>控制</a:t>
+            </a:r>
+            <a:r>
+              <a:rPr lang="en-US" altLang="zh-TW" dirty="0">
+                <a:latin typeface="微軟正黑體" panose="020B0604030504040204" pitchFamily="34" charset="-120"/>
+                <a:ea typeface="微軟正黑體" panose="020B0604030504040204" pitchFamily="34" charset="-120"/>
+              </a:rPr>
+              <a:t>LED</a:t>
+            </a:r>
+            <a:r>
+              <a:rPr lang="zh-TW" altLang="en-US" dirty="0">
+                <a:latin typeface="微軟正黑體" panose="020B0604030504040204" pitchFamily="34" charset="-120"/>
+                <a:ea typeface="微軟正黑體" panose="020B0604030504040204" pitchFamily="34" charset="-120"/>
+              </a:rPr>
+              <a:t>變速球</a:t>
+            </a:r>
+            <a:endParaRPr lang="en-US" altLang="zh-TW" dirty="0">
+              <a:latin typeface="微軟正黑體" panose="020B0604030504040204" pitchFamily="34" charset="-120"/>
+              <a:ea typeface="微軟正黑體" panose="020B0604030504040204" pitchFamily="34" charset="-120"/>
+            </a:endParaRPr>
+          </a:p>
+          <a:p>
+            <a:pPr marL="1085850" lvl="2" indent="-171450">
+              <a:buFont typeface="Arial" panose="020B0604020202020204" pitchFamily="34" charset="0"/>
+              <a:buChar char="•"/>
+            </a:pPr>
+            <a:endParaRPr lang="en-US" altLang="zh-TW" dirty="0">
+              <a:latin typeface="微軟正黑體" panose="020B0604030504040204" pitchFamily="34" charset="-120"/>
+              <a:ea typeface="微軟正黑體" panose="020B0604030504040204" pitchFamily="34" charset="-120"/>
+            </a:endParaRPr>
+          </a:p>
+          <a:p>
+            <a:pPr marL="171450" indent="-171450">
+              <a:buFont typeface="Arial" panose="020B0604020202020204" pitchFamily="34" charset="0"/>
+              <a:buChar char="•"/>
+            </a:pPr>
+            <a:r>
+              <a:rPr lang="zh-TW" altLang="en-US" dirty="0">
+                <a:latin typeface="微軟正黑體" panose="020B0604030504040204" pitchFamily="34" charset="-120"/>
+                <a:ea typeface="微軟正黑體" panose="020B0604030504040204" pitchFamily="34" charset="-120"/>
+              </a:rPr>
+              <a:t>專案 </a:t>
+            </a:r>
+            <a:r>
+              <a:rPr lang="en-US" altLang="zh-TW" dirty="0">
+                <a:latin typeface="微軟正黑體" panose="020B0604030504040204" pitchFamily="34" charset="-120"/>
+                <a:ea typeface="微軟正黑體" panose="020B0604030504040204" pitchFamily="34" charset="-120"/>
+              </a:rPr>
+              <a:t>GITHUB</a:t>
+            </a:r>
+            <a:r>
+              <a:rPr lang="zh-TW" altLang="en-US" dirty="0">
+                <a:latin typeface="微軟正黑體" panose="020B0604030504040204" pitchFamily="34" charset="-120"/>
+                <a:ea typeface="微軟正黑體" panose="020B0604030504040204" pitchFamily="34" charset="-120"/>
+              </a:rPr>
+              <a:t> </a:t>
+            </a:r>
+            <a:r>
+              <a:rPr lang="en-US" altLang="zh-TW" dirty="0">
+                <a:latin typeface="微軟正黑體" panose="020B0604030504040204" pitchFamily="34" charset="-120"/>
+                <a:ea typeface="微軟正黑體" panose="020B0604030504040204" pitchFamily="34" charset="-120"/>
+              </a:rPr>
+              <a:t>:</a:t>
+            </a:r>
+            <a:r>
+              <a:rPr lang="zh-TW" altLang="en-US" dirty="0">
+                <a:latin typeface="微軟正黑體" panose="020B0604030504040204" pitchFamily="34" charset="-120"/>
+                <a:ea typeface="微軟正黑體" panose="020B0604030504040204" pitchFamily="34" charset="-120"/>
+              </a:rPr>
+              <a:t> </a:t>
+            </a:r>
+            <a:r>
+              <a:rPr lang="en-US" altLang="zh-TW" dirty="0">
+                <a:latin typeface="微軟正黑體" panose="020B0604030504040204" pitchFamily="34" charset="-120"/>
+                <a:ea typeface="微軟正黑體" panose="020B0604030504040204" pitchFamily="34" charset="-120"/>
+                <a:hlinkClick r:id="rId3"/>
+              </a:rPr>
+              <a:t>https://github.com/sd880602/SYSTEM-ON-CHIP-DESIGN</a:t>
+            </a:r>
+            <a:endParaRPr lang="en-US" altLang="zh-TW" dirty="0">
+              <a:latin typeface="微軟正黑體" panose="020B0604030504040204" pitchFamily="34" charset="-120"/>
+              <a:ea typeface="微軟正黑體" panose="020B0604030504040204" pitchFamily="34" charset="-120"/>
+            </a:endParaRPr>
+          </a:p>
+        </p:txBody>
+      </p:sp>
+    </p:spTree>
+    <p:extLst>
+      <p:ext uri="{BB962C8B-B14F-4D97-AF65-F5344CB8AC3E}">
+        <p14:creationId xmlns:p14="http://schemas.microsoft.com/office/powerpoint/2010/main" val="3652249286"/>
+      </p:ext>
+    </p:extLst>
+  </p:cSld>
+  <p:clrMapOvr>
+    <a:masterClrMapping/>
+  </p:clrMapOvr>
+</p:sld>
+</file>
+
+<file path=ppt/slides/slide30.xml><?xml version="1.0" encoding="utf-8"?>
+<p:sld xmlns:a="http://schemas.openxmlformats.org/drawingml/2006/main" xmlns:r="http://schemas.openxmlformats.org/officeDocument/2006/relationships" xmlns:p="http://schemas.openxmlformats.org/presentationml/2006/main">
+  <p:cSld>
+    <p:spTree>
+      <p:nvGrpSpPr>
+        <p:cNvPr id="1" name=""/>
+        <p:cNvGrpSpPr/>
+        <p:nvPr/>
+      </p:nvGrpSpPr>
+      <p:grpSpPr>
+        <a:xfrm>
+          <a:off x="0" y="0"/>
+          <a:ext cx="0" cy="0"/>
+          <a:chOff x="0" y="0"/>
+          <a:chExt cx="0" cy="0"/>
+        </a:xfrm>
+      </p:grpSpPr>
+      <p:pic>
+        <p:nvPicPr>
+          <p:cNvPr id="5" name="內容版面配置區 4">
+            <a:extLst>
+              <a:ext uri="{FF2B5EF4-FFF2-40B4-BE49-F238E27FC236}">
+                <a16:creationId xmlns:a16="http://schemas.microsoft.com/office/drawing/2014/main" id="{6D47BB14-8D48-4FA4-86B3-84085E9C8CB7}"/>
+              </a:ext>
+            </a:extLst>
+          </p:cNvPr>
+          <p:cNvPicPr>
+            <a:picLocks noGrp="1" noChangeAspect="1"/>
+          </p:cNvPicPr>
+          <p:nvPr>
+            <p:ph idx="1"/>
+          </p:nvPr>
+        </p:nvPicPr>
+        <p:blipFill>
+          <a:blip r:embed="rId2"/>
+          <a:stretch>
+            <a:fillRect/>
+          </a:stretch>
+        </p:blipFill>
+        <p:spPr>
+          <a:xfrm>
+            <a:off x="838200" y="3149266"/>
+            <a:ext cx="10515600" cy="1142080"/>
+          </a:xfrm>
+          <a:prstGeom prst="rect">
+            <a:avLst/>
+          </a:prstGeom>
+        </p:spPr>
+      </p:pic>
+      <p:sp>
+        <p:nvSpPr>
+          <p:cNvPr id="3" name="標題 2">
+            <a:extLst>
+              <a:ext uri="{FF2B5EF4-FFF2-40B4-BE49-F238E27FC236}">
+                <a16:creationId xmlns:a16="http://schemas.microsoft.com/office/drawing/2014/main" id="{6147A46B-62C6-4290-9FF3-E70031F19672}"/>
+              </a:ext>
+            </a:extLst>
+          </p:cNvPr>
+          <p:cNvSpPr>
+            <a:spLocks noGrp="1"/>
+          </p:cNvSpPr>
+          <p:nvPr>
+            <p:ph type="title"/>
+          </p:nvPr>
+        </p:nvSpPr>
+        <p:spPr/>
+        <p:txBody>
+          <a:bodyPr/>
+          <a:lstStyle/>
+          <a:p>
+            <a:r>
+              <a:rPr lang="en-US" altLang="zh-TW" dirty="0"/>
+              <a:t>2022/04/15 ~ 2022/04/22</a:t>
+            </a:r>
+            <a:endParaRPr lang="zh-TW" altLang="en-US" dirty="0"/>
+          </a:p>
+        </p:txBody>
+      </p:sp>
+      <p:sp>
+        <p:nvSpPr>
+          <p:cNvPr id="4" name="投影片編號版面配置區 3">
+            <a:extLst>
+              <a:ext uri="{FF2B5EF4-FFF2-40B4-BE49-F238E27FC236}">
+                <a16:creationId xmlns:a16="http://schemas.microsoft.com/office/drawing/2014/main" id="{18D6E14B-0DB0-41D5-923E-84B085EECF13}"/>
+              </a:ext>
+            </a:extLst>
+          </p:cNvPr>
+          <p:cNvSpPr>
+            <a:spLocks noGrp="1"/>
+          </p:cNvSpPr>
+          <p:nvPr>
+            <p:ph type="sldNum" sz="quarter" idx="12"/>
+          </p:nvPr>
+        </p:nvSpPr>
+        <p:spPr/>
+        <p:txBody>
+          <a:bodyPr/>
+          <a:lstStyle/>
+          <a:p>
+            <a:fld id="{90F9E983-480B-48C5-9E0F-D21C0DFBB5C0}" type="slidenum">
+              <a:rPr lang="zh-TW" altLang="en-US" smtClean="0"/>
+              <a:t>30</a:t>
+            </a:fld>
+            <a:endParaRPr lang="zh-TW" altLang="en-US"/>
+          </a:p>
+        </p:txBody>
+      </p:sp>
+    </p:spTree>
+    <p:extLst>
+      <p:ext uri="{BB962C8B-B14F-4D97-AF65-F5344CB8AC3E}">
+        <p14:creationId xmlns:p14="http://schemas.microsoft.com/office/powerpoint/2010/main" val="1720080269"/>
+      </p:ext>
+    </p:extLst>
+  </p:cSld>
+  <p:clrMapOvr>
+    <a:masterClrMapping/>
+  </p:clrMapOvr>
+</p:sld>
+</file>
+
+<file path=ppt/slides/slide31.xml><?xml version="1.0" encoding="utf-8"?>
+<p:sld xmlns:a="http://schemas.openxmlformats.org/drawingml/2006/main" xmlns:r="http://schemas.openxmlformats.org/officeDocument/2006/relationships" xmlns:p="http://schemas.openxmlformats.org/presentationml/2006/main">
+  <p:cSld>
+    <p:spTree>
+      <p:nvGrpSpPr>
+        <p:cNvPr id="1" name=""/>
+        <p:cNvGrpSpPr/>
+        <p:nvPr/>
+      </p:nvGrpSpPr>
+      <p:grpSpPr>
+        <a:xfrm>
+          <a:off x="0" y="0"/>
+          <a:ext cx="0" cy="0"/>
+          <a:chOff x="0" y="0"/>
+          <a:chExt cx="0" cy="0"/>
+        </a:xfrm>
+      </p:grpSpPr>
+      <p:pic>
+        <p:nvPicPr>
+          <p:cNvPr id="5" name="內容版面配置區 4">
+            <a:extLst>
+              <a:ext uri="{FF2B5EF4-FFF2-40B4-BE49-F238E27FC236}">
+                <a16:creationId xmlns:a16="http://schemas.microsoft.com/office/drawing/2014/main" id="{67BA9D5C-9E35-48A2-BCDA-59612874ADB4}"/>
+              </a:ext>
+            </a:extLst>
+          </p:cNvPr>
+          <p:cNvPicPr>
+            <a:picLocks noGrp="1" noChangeAspect="1"/>
+          </p:cNvPicPr>
+          <p:nvPr>
+            <p:ph idx="1"/>
+          </p:nvPr>
+        </p:nvPicPr>
+        <p:blipFill>
+          <a:blip r:embed="rId2"/>
+          <a:stretch>
+            <a:fillRect/>
+          </a:stretch>
+        </p:blipFill>
+        <p:spPr>
+          <a:xfrm>
+            <a:off x="838200" y="3133566"/>
+            <a:ext cx="10515600" cy="1173480"/>
+          </a:xfrm>
+          <a:prstGeom prst="rect">
+            <a:avLst/>
+          </a:prstGeom>
+        </p:spPr>
+      </p:pic>
+      <p:sp>
+        <p:nvSpPr>
+          <p:cNvPr id="3" name="標題 2">
+            <a:extLst>
+              <a:ext uri="{FF2B5EF4-FFF2-40B4-BE49-F238E27FC236}">
+                <a16:creationId xmlns:a16="http://schemas.microsoft.com/office/drawing/2014/main" id="{2D596D61-BA63-4935-8850-B2DDB5320A75}"/>
+              </a:ext>
+            </a:extLst>
+          </p:cNvPr>
+          <p:cNvSpPr>
+            <a:spLocks noGrp="1"/>
+          </p:cNvSpPr>
+          <p:nvPr>
+            <p:ph type="title"/>
+          </p:nvPr>
+        </p:nvSpPr>
+        <p:spPr/>
+        <p:txBody>
+          <a:bodyPr/>
+          <a:lstStyle/>
+          <a:p>
+            <a:r>
+              <a:rPr lang="en-US" altLang="zh-TW" dirty="0"/>
+              <a:t>2022/04/08 ~ 2022/04/15</a:t>
+            </a:r>
+            <a:endParaRPr lang="zh-TW" altLang="en-US" dirty="0"/>
+          </a:p>
+        </p:txBody>
+      </p:sp>
+      <p:sp>
+        <p:nvSpPr>
+          <p:cNvPr id="4" name="投影片編號版面配置區 3">
+            <a:extLst>
+              <a:ext uri="{FF2B5EF4-FFF2-40B4-BE49-F238E27FC236}">
+                <a16:creationId xmlns:a16="http://schemas.microsoft.com/office/drawing/2014/main" id="{BBD911C3-99AB-4F79-825D-E9C61926F4CB}"/>
+              </a:ext>
+            </a:extLst>
+          </p:cNvPr>
+          <p:cNvSpPr>
+            <a:spLocks noGrp="1"/>
+          </p:cNvSpPr>
+          <p:nvPr>
+            <p:ph type="sldNum" sz="quarter" idx="12"/>
+          </p:nvPr>
+        </p:nvSpPr>
+        <p:spPr/>
+        <p:txBody>
+          <a:bodyPr/>
+          <a:lstStyle/>
+          <a:p>
+            <a:fld id="{90F9E983-480B-48C5-9E0F-D21C0DFBB5C0}" type="slidenum">
+              <a:rPr lang="zh-TW" altLang="en-US" smtClean="0"/>
+              <a:t>31</a:t>
+            </a:fld>
+            <a:endParaRPr lang="zh-TW" altLang="en-US"/>
+          </a:p>
+        </p:txBody>
+      </p:sp>
+    </p:spTree>
+    <p:extLst>
+      <p:ext uri="{BB962C8B-B14F-4D97-AF65-F5344CB8AC3E}">
+        <p14:creationId xmlns:p14="http://schemas.microsoft.com/office/powerpoint/2010/main" val="3810573088"/>
+      </p:ext>
+    </p:extLst>
+  </p:cSld>
+  <p:clrMapOvr>
+    <a:masterClrMapping/>
+  </p:clrMapOvr>
+</p:sld>
+</file>
+
+<file path=ppt/slides/slide32.xml><?xml version="1.0" encoding="utf-8"?>
+<p:sld xmlns:a="http://schemas.openxmlformats.org/drawingml/2006/main" xmlns:r="http://schemas.openxmlformats.org/officeDocument/2006/relationships" xmlns:p="http://schemas.openxmlformats.org/presentationml/2006/main">
+  <p:cSld>
+    <p:spTree>
+      <p:nvGrpSpPr>
+        <p:cNvPr id="1" name=""/>
+        <p:cNvGrpSpPr/>
+        <p:nvPr/>
+      </p:nvGrpSpPr>
+      <p:grpSpPr>
+        <a:xfrm>
+          <a:off x="0" y="0"/>
+          <a:ext cx="0" cy="0"/>
+          <a:chOff x="0" y="0"/>
+          <a:chExt cx="0" cy="0"/>
+        </a:xfrm>
+      </p:grpSpPr>
+      <p:sp>
+        <p:nvSpPr>
+          <p:cNvPr id="3" name="標題 2">
+            <a:extLst>
+              <a:ext uri="{FF2B5EF4-FFF2-40B4-BE49-F238E27FC236}">
+                <a16:creationId xmlns:a16="http://schemas.microsoft.com/office/drawing/2014/main" id="{EF277299-8610-4660-86B9-EE584C561AB1}"/>
+              </a:ext>
+            </a:extLst>
+          </p:cNvPr>
+          <p:cNvSpPr>
+            <a:spLocks noGrp="1"/>
+          </p:cNvSpPr>
+          <p:nvPr>
+            <p:ph type="title"/>
+          </p:nvPr>
+        </p:nvSpPr>
+        <p:spPr/>
+        <p:txBody>
+          <a:bodyPr/>
+          <a:lstStyle/>
+          <a:p>
+            <a:r>
+              <a:rPr lang="en-US" altLang="zh-TW" dirty="0"/>
+              <a:t>2022/03/11 ~ 2022/03/18</a:t>
+            </a:r>
+            <a:endParaRPr lang="zh-TW" altLang="en-US" dirty="0"/>
+          </a:p>
+        </p:txBody>
+      </p:sp>
+      <p:sp>
+        <p:nvSpPr>
+          <p:cNvPr id="2" name="投影片編號版面配置區 1">
+            <a:extLst>
+              <a:ext uri="{FF2B5EF4-FFF2-40B4-BE49-F238E27FC236}">
+                <a16:creationId xmlns:a16="http://schemas.microsoft.com/office/drawing/2014/main" id="{AC538EB5-236F-4A2B-B868-01E1893C75E7}"/>
+              </a:ext>
+            </a:extLst>
+          </p:cNvPr>
+          <p:cNvSpPr>
+            <a:spLocks noGrp="1"/>
+          </p:cNvSpPr>
+          <p:nvPr>
+            <p:ph type="sldNum" sz="quarter" idx="12"/>
+          </p:nvPr>
+        </p:nvSpPr>
+        <p:spPr/>
+        <p:txBody>
+          <a:bodyPr/>
+          <a:lstStyle/>
+          <a:p>
+            <a:fld id="{90F9E983-480B-48C5-9E0F-D21C0DFBB5C0}" type="slidenum">
+              <a:rPr lang="zh-TW" altLang="en-US" smtClean="0"/>
+              <a:t>32</a:t>
             </a:fld>
             <a:endParaRPr lang="zh-TW" altLang="en-US"/>
           </a:p>
@@ -12294,7 +13786,7 @@
 </p:sld>
 </file>
 
-<file path=ppt/slides/slide29.xml><?xml version="1.0" encoding="utf-8"?>
+<file path=ppt/slides/slide33.xml><?xml version="1.0" encoding="utf-8"?>
 <p:sld xmlns:a="http://schemas.openxmlformats.org/drawingml/2006/main" xmlns:r="http://schemas.openxmlformats.org/officeDocument/2006/relationships" xmlns:p="http://schemas.openxmlformats.org/presentationml/2006/main">
   <p:cSld>
     <p:spTree>
@@ -12363,7 +13855,7 @@
           <a:p>
             <a:fld id="{90F9E983-480B-48C5-9E0F-D21C0DFBB5C0}" type="slidenum">
               <a:rPr lang="zh-TW" altLang="en-US" smtClean="0"/>
-              <a:t>29</a:t>
+              <a:t>33</a:t>
             </a:fld>
             <a:endParaRPr lang="zh-TW" altLang="en-US"/>
           </a:p>
@@ -12411,466 +13903,6 @@
 </p:sld>
 </file>
 
-<file path=ppt/slides/slide3.xml><?xml version="1.0" encoding="utf-8"?>
-<p:sld xmlns:a="http://schemas.openxmlformats.org/drawingml/2006/main" xmlns:r="http://schemas.openxmlformats.org/officeDocument/2006/relationships" xmlns:p="http://schemas.openxmlformats.org/presentationml/2006/main">
-  <p:cSld>
-    <p:spTree>
-      <p:nvGrpSpPr>
-        <p:cNvPr id="1" name=""/>
-        <p:cNvGrpSpPr/>
-        <p:nvPr/>
-      </p:nvGrpSpPr>
-      <p:grpSpPr>
-        <a:xfrm>
-          <a:off x="0" y="0"/>
-          <a:ext cx="0" cy="0"/>
-          <a:chOff x="0" y="0"/>
-          <a:chExt cx="0" cy="0"/>
-        </a:xfrm>
-      </p:grpSpPr>
-      <p:sp>
-        <p:nvSpPr>
-          <p:cNvPr id="3" name="標題 2">
-            <a:extLst>
-              <a:ext uri="{FF2B5EF4-FFF2-40B4-BE49-F238E27FC236}">
-                <a16:creationId xmlns:a16="http://schemas.microsoft.com/office/drawing/2014/main" id="{EF277299-8610-4660-86B9-EE584C561AB1}"/>
-              </a:ext>
-            </a:extLst>
-          </p:cNvPr>
-          <p:cNvSpPr>
-            <a:spLocks noGrp="1"/>
-          </p:cNvSpPr>
-          <p:nvPr>
-            <p:ph type="title"/>
-          </p:nvPr>
-        </p:nvSpPr>
-        <p:spPr/>
-        <p:txBody>
-          <a:bodyPr/>
-          <a:lstStyle/>
-          <a:p>
-            <a:r>
-              <a:rPr lang="zh-TW" altLang="en-US" dirty="0"/>
-              <a:t>專案需求</a:t>
-            </a:r>
-          </a:p>
-        </p:txBody>
-      </p:sp>
-      <p:sp>
-        <p:nvSpPr>
-          <p:cNvPr id="2" name="投影片編號版面配置區 1">
-            <a:extLst>
-              <a:ext uri="{FF2B5EF4-FFF2-40B4-BE49-F238E27FC236}">
-                <a16:creationId xmlns:a16="http://schemas.microsoft.com/office/drawing/2014/main" id="{93307445-5962-42AE-9A4E-E1C6CD1297BF}"/>
-              </a:ext>
-            </a:extLst>
-          </p:cNvPr>
-          <p:cNvSpPr>
-            <a:spLocks noGrp="1"/>
-          </p:cNvSpPr>
-          <p:nvPr>
-            <p:ph type="sldNum" sz="quarter" idx="12"/>
-          </p:nvPr>
-        </p:nvSpPr>
-        <p:spPr/>
-        <p:txBody>
-          <a:bodyPr/>
-          <a:lstStyle/>
-          <a:p>
-            <a:fld id="{90F9E983-480B-48C5-9E0F-D21C0DFBB5C0}" type="slidenum">
-              <a:rPr lang="zh-TW" altLang="en-US" smtClean="0"/>
-              <a:t>3</a:t>
-            </a:fld>
-            <a:endParaRPr lang="zh-TW" altLang="en-US"/>
-          </a:p>
-        </p:txBody>
-      </p:sp>
-      <p:sp>
-        <p:nvSpPr>
-          <p:cNvPr id="4" name="文字方塊 3">
-            <a:extLst>
-              <a:ext uri="{FF2B5EF4-FFF2-40B4-BE49-F238E27FC236}">
-                <a16:creationId xmlns:a16="http://schemas.microsoft.com/office/drawing/2014/main" id="{227F0923-AA00-4F8D-99BB-3109F6365217}"/>
-              </a:ext>
-            </a:extLst>
-          </p:cNvPr>
-          <p:cNvSpPr txBox="1"/>
-          <p:nvPr/>
-        </p:nvSpPr>
-        <p:spPr>
-          <a:xfrm>
-            <a:off x="838198" y="1190191"/>
-            <a:ext cx="10515599" cy="3693319"/>
-          </a:xfrm>
-          <a:prstGeom prst="rect">
-            <a:avLst/>
-          </a:prstGeom>
-          <a:noFill/>
-        </p:spPr>
-        <p:txBody>
-          <a:bodyPr wrap="square">
-            <a:spAutoFit/>
-          </a:bodyPr>
-          <a:lstStyle/>
-          <a:p>
-            <a:pPr marL="171450" indent="-171450">
-              <a:buFont typeface="Wingdings" panose="05000000000000000000" pitchFamily="2" charset="2"/>
-              <a:buChar char="n"/>
-            </a:pPr>
-            <a:r>
-              <a:rPr lang="zh-TW" altLang="en-US" dirty="0">
-                <a:latin typeface="微軟正黑體" panose="020B0604030504040204" pitchFamily="34" charset="-120"/>
-                <a:ea typeface="微軟正黑體" panose="020B0604030504040204" pitchFamily="34" charset="-120"/>
-              </a:rPr>
-              <a:t>功能需求 </a:t>
-            </a:r>
-            <a:r>
-              <a:rPr lang="en-US" altLang="zh-TW" dirty="0">
-                <a:latin typeface="微軟正黑體" panose="020B0604030504040204" pitchFamily="34" charset="-120"/>
-                <a:ea typeface="微軟正黑體" panose="020B0604030504040204" pitchFamily="34" charset="-120"/>
-              </a:rPr>
-              <a:t>:</a:t>
-            </a:r>
-            <a:r>
-              <a:rPr lang="zh-TW" altLang="en-US" dirty="0">
-                <a:latin typeface="微軟正黑體" panose="020B0604030504040204" pitchFamily="34" charset="-120"/>
-                <a:ea typeface="微軟正黑體" panose="020B0604030504040204" pitchFamily="34" charset="-120"/>
-              </a:rPr>
-              <a:t> </a:t>
-            </a:r>
-            <a:endParaRPr lang="en-US" altLang="zh-TW" dirty="0">
-              <a:latin typeface="微軟正黑體" panose="020B0604030504040204" pitchFamily="34" charset="-120"/>
-              <a:ea typeface="微軟正黑體" panose="020B0604030504040204" pitchFamily="34" charset="-120"/>
-            </a:endParaRPr>
-          </a:p>
-          <a:p>
-            <a:pPr marL="628650" lvl="1" indent="-171450">
-              <a:buFont typeface="Arial" panose="020B0604020202020204" pitchFamily="34" charset="0"/>
-              <a:buChar char="•"/>
-            </a:pPr>
-            <a:r>
-              <a:rPr lang="zh-TW" altLang="en-US" dirty="0">
-                <a:latin typeface="微軟正黑體" panose="020B0604030504040204" pitchFamily="34" charset="-120"/>
-                <a:ea typeface="微軟正黑體" panose="020B0604030504040204" pitchFamily="34" charset="-120"/>
-              </a:rPr>
-              <a:t>製作一個</a:t>
-            </a:r>
-            <a:r>
-              <a:rPr lang="en-US" altLang="zh-TW" dirty="0" err="1">
-                <a:latin typeface="微軟正黑體" panose="020B0604030504040204" pitchFamily="34" charset="-120"/>
-                <a:ea typeface="微軟正黑體" panose="020B0604030504040204" pitchFamily="34" charset="-120"/>
-              </a:rPr>
-              <a:t>PingPong</a:t>
-            </a:r>
-            <a:r>
-              <a:rPr lang="en-US" altLang="zh-TW" dirty="0">
-                <a:latin typeface="微軟正黑體" panose="020B0604030504040204" pitchFamily="34" charset="-120"/>
-                <a:ea typeface="微軟正黑體" panose="020B0604030504040204" pitchFamily="34" charset="-120"/>
-              </a:rPr>
-              <a:t> Game </a:t>
-            </a:r>
-            <a:r>
-              <a:rPr lang="zh-TW" altLang="en-US" dirty="0">
-                <a:latin typeface="微軟正黑體" panose="020B0604030504040204" pitchFamily="34" charset="-120"/>
-                <a:ea typeface="微軟正黑體" panose="020B0604030504040204" pitchFamily="34" charset="-120"/>
-              </a:rPr>
-              <a:t>，並用兩個開關來模擬雙方對打，</a:t>
-            </a:r>
-            <a:r>
-              <a:rPr lang="en-US" altLang="zh-TW" dirty="0">
-                <a:latin typeface="微軟正黑體" panose="020B0604030504040204" pitchFamily="34" charset="-120"/>
-                <a:ea typeface="微軟正黑體" panose="020B0604030504040204" pitchFamily="34" charset="-120"/>
-              </a:rPr>
-              <a:t>LED</a:t>
-            </a:r>
-            <a:r>
-              <a:rPr lang="zh-TW" altLang="en-US" dirty="0">
-                <a:latin typeface="微軟正黑體" panose="020B0604030504040204" pitchFamily="34" charset="-120"/>
-                <a:ea typeface="微軟正黑體" panose="020B0604030504040204" pitchFamily="34" charset="-120"/>
-              </a:rPr>
-              <a:t>則顯示球當下位置。</a:t>
-            </a:r>
-            <a:endParaRPr lang="en-US" altLang="zh-TW" dirty="0">
-              <a:latin typeface="微軟正黑體" panose="020B0604030504040204" pitchFamily="34" charset="-120"/>
-              <a:ea typeface="微軟正黑體" panose="020B0604030504040204" pitchFamily="34" charset="-120"/>
-            </a:endParaRPr>
-          </a:p>
-          <a:p>
-            <a:pPr marL="628650" lvl="1" indent="-171450">
-              <a:buFont typeface="Arial" panose="020B0604020202020204" pitchFamily="34" charset="0"/>
-              <a:buChar char="•"/>
-            </a:pPr>
-            <a:endParaRPr lang="en-US" altLang="zh-TW" dirty="0">
-              <a:latin typeface="微軟正黑體" panose="020B0604030504040204" pitchFamily="34" charset="-120"/>
-              <a:ea typeface="微軟正黑體" panose="020B0604030504040204" pitchFamily="34" charset="-120"/>
-            </a:endParaRPr>
-          </a:p>
-          <a:p>
-            <a:pPr marL="1085850" lvl="2" indent="-171450">
-              <a:buFont typeface="Arial" panose="020B0604020202020204" pitchFamily="34" charset="0"/>
-              <a:buChar char="•"/>
-            </a:pPr>
-            <a:r>
-              <a:rPr lang="zh-TW" altLang="en-US" dirty="0">
-                <a:latin typeface="微軟正黑體" panose="020B0604030504040204" pitchFamily="34" charset="-120"/>
-                <a:ea typeface="微軟正黑體" panose="020B0604030504040204" pitchFamily="34" charset="-120"/>
-              </a:rPr>
-              <a:t>規則一 </a:t>
-            </a:r>
-            <a:r>
-              <a:rPr lang="en-US" altLang="zh-TW" dirty="0">
-                <a:latin typeface="微軟正黑體" panose="020B0604030504040204" pitchFamily="34" charset="-120"/>
-                <a:ea typeface="微軟正黑體" panose="020B0604030504040204" pitchFamily="34" charset="-120"/>
-              </a:rPr>
-              <a:t>:</a:t>
-            </a:r>
-            <a:r>
-              <a:rPr lang="zh-TW" altLang="en-US" dirty="0">
-                <a:latin typeface="微軟正黑體" panose="020B0604030504040204" pitchFamily="34" charset="-120"/>
-                <a:ea typeface="微軟正黑體" panose="020B0604030504040204" pitchFamily="34" charset="-120"/>
-              </a:rPr>
-              <a:t>  雙方發球後，依照對方的正確擊球位置，則</a:t>
-            </a:r>
-            <a:r>
-              <a:rPr lang="en-US" altLang="zh-TW" dirty="0">
-                <a:latin typeface="微軟正黑體" panose="020B0604030504040204" pitchFamily="34" charset="-120"/>
-                <a:ea typeface="微軟正黑體" panose="020B0604030504040204" pitchFamily="34" charset="-120"/>
-              </a:rPr>
-              <a:t>LED</a:t>
-            </a:r>
-            <a:r>
-              <a:rPr lang="zh-TW" altLang="en-US" dirty="0">
-                <a:latin typeface="微軟正黑體" panose="020B0604030504040204" pitchFamily="34" charset="-120"/>
-                <a:ea typeface="微軟正黑體" panose="020B0604030504040204" pitchFamily="34" charset="-120"/>
-              </a:rPr>
-              <a:t>移動方向，會依照擊球方向移動。</a:t>
-            </a:r>
-            <a:endParaRPr lang="en-US" altLang="zh-TW" dirty="0">
-              <a:latin typeface="微軟正黑體" panose="020B0604030504040204" pitchFamily="34" charset="-120"/>
-              <a:ea typeface="微軟正黑體" panose="020B0604030504040204" pitchFamily="34" charset="-120"/>
-            </a:endParaRPr>
-          </a:p>
-          <a:p>
-            <a:pPr marL="1085850" lvl="2" indent="-171450">
-              <a:buFont typeface="Arial" panose="020B0604020202020204" pitchFamily="34" charset="0"/>
-              <a:buChar char="•"/>
-            </a:pPr>
-            <a:endParaRPr lang="en-US" altLang="zh-TW" dirty="0">
-              <a:latin typeface="微軟正黑體" panose="020B0604030504040204" pitchFamily="34" charset="-120"/>
-              <a:ea typeface="微軟正黑體" panose="020B0604030504040204" pitchFamily="34" charset="-120"/>
-            </a:endParaRPr>
-          </a:p>
-          <a:p>
-            <a:pPr marL="1085850" lvl="2" indent="-171450">
-              <a:buFont typeface="Arial" panose="020B0604020202020204" pitchFamily="34" charset="0"/>
-              <a:buChar char="•"/>
-            </a:pPr>
-            <a:r>
-              <a:rPr lang="zh-TW" altLang="en-US" dirty="0">
-                <a:latin typeface="微軟正黑體" panose="020B0604030504040204" pitchFamily="34" charset="-120"/>
-                <a:ea typeface="微軟正黑體" panose="020B0604030504040204" pitchFamily="34" charset="-120"/>
-              </a:rPr>
-              <a:t>規則二 </a:t>
-            </a:r>
-            <a:r>
-              <a:rPr lang="en-US" altLang="zh-TW" dirty="0">
-                <a:latin typeface="微軟正黑體" panose="020B0604030504040204" pitchFamily="34" charset="-120"/>
-                <a:ea typeface="微軟正黑體" panose="020B0604030504040204" pitchFamily="34" charset="-120"/>
-              </a:rPr>
-              <a:t>:</a:t>
-            </a:r>
-            <a:r>
-              <a:rPr lang="zh-TW" altLang="en-US" dirty="0">
-                <a:latin typeface="微軟正黑體" panose="020B0604030504040204" pitchFamily="34" charset="-120"/>
-                <a:ea typeface="微軟正黑體" panose="020B0604030504040204" pitchFamily="34" charset="-120"/>
-              </a:rPr>
-              <a:t>  如果對手提早按下開關或太慢按下開關，則是我方獲勝，分數加一。</a:t>
-            </a:r>
-            <a:endParaRPr lang="en-US" altLang="zh-TW" dirty="0">
-              <a:latin typeface="微軟正黑體" panose="020B0604030504040204" pitchFamily="34" charset="-120"/>
-              <a:ea typeface="微軟正黑體" panose="020B0604030504040204" pitchFamily="34" charset="-120"/>
-            </a:endParaRPr>
-          </a:p>
-          <a:p>
-            <a:pPr marL="1085850" lvl="2" indent="-171450">
-              <a:buFont typeface="Arial" panose="020B0604020202020204" pitchFamily="34" charset="0"/>
-              <a:buChar char="•"/>
-            </a:pPr>
-            <a:endParaRPr lang="en-US" altLang="zh-TW" dirty="0">
-              <a:latin typeface="微軟正黑體" panose="020B0604030504040204" pitchFamily="34" charset="-120"/>
-              <a:ea typeface="微軟正黑體" panose="020B0604030504040204" pitchFamily="34" charset="-120"/>
-            </a:endParaRPr>
-          </a:p>
-          <a:p>
-            <a:pPr marL="1085850" lvl="2" indent="-171450">
-              <a:buFont typeface="Arial" panose="020B0604020202020204" pitchFamily="34" charset="0"/>
-              <a:buChar char="•"/>
-            </a:pPr>
-            <a:r>
-              <a:rPr lang="zh-TW" altLang="en-US" dirty="0">
-                <a:latin typeface="微軟正黑體" panose="020B0604030504040204" pitchFamily="34" charset="-120"/>
-                <a:ea typeface="微軟正黑體" panose="020B0604030504040204" pitchFamily="34" charset="-120"/>
-              </a:rPr>
-              <a:t>規則三 </a:t>
-            </a:r>
-            <a:r>
-              <a:rPr lang="en-US" altLang="zh-TW" dirty="0">
-                <a:latin typeface="微軟正黑體" panose="020B0604030504040204" pitchFamily="34" charset="-120"/>
-                <a:ea typeface="微軟正黑體" panose="020B0604030504040204" pitchFamily="34" charset="-120"/>
-              </a:rPr>
-              <a:t>:</a:t>
-            </a:r>
-            <a:r>
-              <a:rPr lang="zh-TW" altLang="en-US" dirty="0">
-                <a:latin typeface="微軟正黑體" panose="020B0604030504040204" pitchFamily="34" charset="-120"/>
-                <a:ea typeface="微軟正黑體" panose="020B0604030504040204" pitchFamily="34" charset="-120"/>
-              </a:rPr>
-              <a:t>  獲勝那方，之後擁有發球權。</a:t>
-            </a:r>
-            <a:endParaRPr lang="en-US" altLang="zh-TW" dirty="0">
-              <a:latin typeface="微軟正黑體" panose="020B0604030504040204" pitchFamily="34" charset="-120"/>
-              <a:ea typeface="微軟正黑體" panose="020B0604030504040204" pitchFamily="34" charset="-120"/>
-            </a:endParaRPr>
-          </a:p>
-          <a:p>
-            <a:pPr marL="171450" indent="-171450">
-              <a:buFont typeface="Arial" panose="020B0604020202020204" pitchFamily="34" charset="0"/>
-              <a:buChar char="•"/>
-            </a:pPr>
-            <a:endParaRPr lang="en-US" altLang="zh-TW" dirty="0">
-              <a:latin typeface="微軟正黑體" panose="020B0604030504040204" pitchFamily="34" charset="-120"/>
-              <a:ea typeface="微軟正黑體" panose="020B0604030504040204" pitchFamily="34" charset="-120"/>
-            </a:endParaRPr>
-          </a:p>
-          <a:p>
-            <a:pPr marL="285750" indent="-285750">
-              <a:buFont typeface="Wingdings" panose="05000000000000000000" pitchFamily="2" charset="2"/>
-              <a:buChar char="n"/>
-            </a:pPr>
-            <a:r>
-              <a:rPr lang="zh-TW" altLang="en-US" dirty="0">
-                <a:latin typeface="微軟正黑體" panose="020B0604030504040204" pitchFamily="34" charset="-120"/>
-                <a:ea typeface="微軟正黑體" panose="020B0604030504040204" pitchFamily="34" charset="-120"/>
-              </a:rPr>
-              <a:t>新增功能 </a:t>
-            </a:r>
-            <a:r>
-              <a:rPr lang="en-US" altLang="zh-TW" dirty="0">
-                <a:latin typeface="微軟正黑體" panose="020B0604030504040204" pitchFamily="34" charset="-120"/>
-                <a:ea typeface="微軟正黑體" panose="020B0604030504040204" pitchFamily="34" charset="-120"/>
-              </a:rPr>
-              <a:t>:</a:t>
-            </a:r>
-          </a:p>
-          <a:p>
-            <a:pPr marL="742950" lvl="1" indent="-285750">
-              <a:buFont typeface="Arial" panose="020B0604020202020204" pitchFamily="34" charset="0"/>
-              <a:buChar char="•"/>
-            </a:pPr>
-            <a:r>
-              <a:rPr lang="zh-TW" altLang="en-US" dirty="0">
-                <a:latin typeface="微軟正黑體" panose="020B0604030504040204" pitchFamily="34" charset="-120"/>
-                <a:ea typeface="微軟正黑體" panose="020B0604030504040204" pitchFamily="34" charset="-120"/>
-              </a:rPr>
-              <a:t>控制</a:t>
-            </a:r>
-            <a:r>
-              <a:rPr lang="en-US" altLang="zh-TW" dirty="0">
-                <a:latin typeface="微軟正黑體" panose="020B0604030504040204" pitchFamily="34" charset="-120"/>
-                <a:ea typeface="微軟正黑體" panose="020B0604030504040204" pitchFamily="34" charset="-120"/>
-              </a:rPr>
-              <a:t>LED</a:t>
-            </a:r>
-            <a:r>
-              <a:rPr lang="zh-TW" altLang="en-US" dirty="0">
-                <a:latin typeface="微軟正黑體" panose="020B0604030504040204" pitchFamily="34" charset="-120"/>
-                <a:ea typeface="微軟正黑體" panose="020B0604030504040204" pitchFamily="34" charset="-120"/>
-              </a:rPr>
-              <a:t>變速球</a:t>
-            </a:r>
-            <a:endParaRPr lang="en-US" altLang="zh-TW" dirty="0">
-              <a:latin typeface="微軟正黑體" panose="020B0604030504040204" pitchFamily="34" charset="-120"/>
-              <a:ea typeface="微軟正黑體" panose="020B0604030504040204" pitchFamily="34" charset="-120"/>
-            </a:endParaRPr>
-          </a:p>
-          <a:p>
-            <a:pPr marL="1085850" lvl="2" indent="-171450">
-              <a:buFont typeface="Arial" panose="020B0604020202020204" pitchFamily="34" charset="0"/>
-              <a:buChar char="•"/>
-            </a:pPr>
-            <a:endParaRPr lang="en-US" altLang="zh-TW" dirty="0">
-              <a:latin typeface="微軟正黑體" panose="020B0604030504040204" pitchFamily="34" charset="-120"/>
-              <a:ea typeface="微軟正黑體" panose="020B0604030504040204" pitchFamily="34" charset="-120"/>
-            </a:endParaRPr>
-          </a:p>
-          <a:p>
-            <a:pPr marL="171450" indent="-171450">
-              <a:buFont typeface="Arial" panose="020B0604020202020204" pitchFamily="34" charset="0"/>
-              <a:buChar char="•"/>
-            </a:pPr>
-            <a:r>
-              <a:rPr lang="zh-TW" altLang="en-US" dirty="0">
-                <a:latin typeface="微軟正黑體" panose="020B0604030504040204" pitchFamily="34" charset="-120"/>
-                <a:ea typeface="微軟正黑體" panose="020B0604030504040204" pitchFamily="34" charset="-120"/>
-              </a:rPr>
-              <a:t>專案 </a:t>
-            </a:r>
-            <a:r>
-              <a:rPr lang="en-US" altLang="zh-TW" dirty="0">
-                <a:latin typeface="微軟正黑體" panose="020B0604030504040204" pitchFamily="34" charset="-120"/>
-                <a:ea typeface="微軟正黑體" panose="020B0604030504040204" pitchFamily="34" charset="-120"/>
-              </a:rPr>
-              <a:t>GITHUB</a:t>
-            </a:r>
-            <a:r>
-              <a:rPr lang="zh-TW" altLang="en-US" dirty="0">
-                <a:latin typeface="微軟正黑體" panose="020B0604030504040204" pitchFamily="34" charset="-120"/>
-                <a:ea typeface="微軟正黑體" panose="020B0604030504040204" pitchFamily="34" charset="-120"/>
-              </a:rPr>
-              <a:t> </a:t>
-            </a:r>
-            <a:r>
-              <a:rPr lang="en-US" altLang="zh-TW" dirty="0">
-                <a:latin typeface="微軟正黑體" panose="020B0604030504040204" pitchFamily="34" charset="-120"/>
-                <a:ea typeface="微軟正黑體" panose="020B0604030504040204" pitchFamily="34" charset="-120"/>
-              </a:rPr>
-              <a:t>:</a:t>
-            </a:r>
-            <a:r>
-              <a:rPr lang="zh-TW" altLang="en-US" dirty="0">
-                <a:latin typeface="微軟正黑體" panose="020B0604030504040204" pitchFamily="34" charset="-120"/>
-                <a:ea typeface="微軟正黑體" panose="020B0604030504040204" pitchFamily="34" charset="-120"/>
-              </a:rPr>
-              <a:t> </a:t>
-            </a:r>
-            <a:r>
-              <a:rPr lang="en-US" altLang="zh-TW" dirty="0">
-                <a:latin typeface="微軟正黑體" panose="020B0604030504040204" pitchFamily="34" charset="-120"/>
-                <a:ea typeface="微軟正黑體" panose="020B0604030504040204" pitchFamily="34" charset="-120"/>
-                <a:hlinkClick r:id="rId3"/>
-              </a:rPr>
-              <a:t>https://github.com/sd880602/SYSTEM-ON-CHIP-DESIGN</a:t>
-            </a:r>
-            <a:endParaRPr lang="en-US" altLang="zh-TW" dirty="0">
-              <a:latin typeface="微軟正黑體" panose="020B0604030504040204" pitchFamily="34" charset="-120"/>
-              <a:ea typeface="微軟正黑體" panose="020B0604030504040204" pitchFamily="34" charset="-120"/>
-            </a:endParaRPr>
-          </a:p>
-        </p:txBody>
-      </p:sp>
-    </p:spTree>
-    <p:extLst>
-      <p:ext uri="{BB962C8B-B14F-4D97-AF65-F5344CB8AC3E}">
-        <p14:creationId xmlns:p14="http://schemas.microsoft.com/office/powerpoint/2010/main" val="3652249286"/>
-      </p:ext>
-    </p:extLst>
-  </p:cSld>
-  <p:clrMapOvr>
-    <a:masterClrMapping/>
-  </p:clrMapOvr>
-</p:sld>
-</file>
-
 <file path=ppt/slides/slide4.xml><?xml version="1.0" encoding="utf-8"?>
 <p:sld xmlns:a="http://schemas.openxmlformats.org/drawingml/2006/main" xmlns:r="http://schemas.openxmlformats.org/officeDocument/2006/relationships" xmlns:p="http://schemas.openxmlformats.org/presentationml/2006/main">
   <p:cSld>
@@ -13566,7 +14598,7 @@
             </a:r>
             <a:r>
               <a:rPr lang="en-US" altLang="zh-TW" dirty="0"/>
-              <a:t>(1/10)</a:t>
+              <a:t>(1/13)</a:t>
             </a:r>
             <a:endParaRPr lang="zh-TW" altLang="en-US" dirty="0"/>
           </a:p>
@@ -14012,7 +15044,7 @@
             </a:r>
             <a:r>
               <a:rPr lang="en-US" altLang="zh-TW" dirty="0"/>
-              <a:t>(2/10)</a:t>
+              <a:t>(2/13)</a:t>
             </a:r>
             <a:endParaRPr lang="zh-TW" altLang="en-US" dirty="0"/>
           </a:p>
@@ -14451,7 +15483,7 @@
             </a:r>
             <a:r>
               <a:rPr lang="en-US" altLang="zh-TW" dirty="0"/>
-              <a:t>(3/10)</a:t>
+              <a:t>(3/13)</a:t>
             </a:r>
             <a:endParaRPr lang="zh-TW" altLang="en-US" dirty="0"/>
           </a:p>
@@ -14781,7 +15813,7 @@
             </a:r>
             <a:r>
               <a:rPr lang="en-US" altLang="zh-TW" dirty="0"/>
-              <a:t>(4/10)</a:t>
+              <a:t>(4/13)</a:t>
             </a:r>
             <a:endParaRPr lang="zh-TW" altLang="en-US" dirty="0"/>
           </a:p>
@@ -15112,7 +16144,7 @@
             </a:r>
             <a:r>
               <a:rPr lang="en-US" altLang="zh-TW" dirty="0"/>
-              <a:t>(5/10)</a:t>
+              <a:t>(5/13)</a:t>
             </a:r>
             <a:endParaRPr lang="zh-TW" altLang="en-US" dirty="0"/>
           </a:p>

--- a/DevelopmentLog/Pingpong.pptx
+++ b/DevelopmentLog/Pingpong.pptx
@@ -872,6 +872,61 @@
       </p:grpSpPr>
       <p:sp>
         <p:nvSpPr>
+          <p:cNvPr id="2" name="備忘稿版面配置區 1">
+            <a:extLst>
+              <a:ext uri="{FF2B5EF4-FFF2-40B4-BE49-F238E27FC236}">
+                <a16:creationId xmlns:a16="http://schemas.microsoft.com/office/drawing/2014/main" id="{B20C3A9F-2D6F-488D-9DB9-3C8F7ADD7CF4}"/>
+              </a:ext>
+            </a:extLst>
+          </p:cNvPr>
+          <p:cNvSpPr>
+            <a:spLocks noGrp="1"/>
+          </p:cNvSpPr>
+          <p:nvPr>
+            <p:ph type="body" idx="1"/>
+          </p:nvPr>
+        </p:nvSpPr>
+        <p:spPr/>
+        <p:txBody>
+          <a:bodyPr/>
+          <a:lstStyle/>
+          <a:p>
+            <a:endParaRPr lang="zh-TW" altLang="en-US" dirty="0"/>
+          </a:p>
+        </p:txBody>
+      </p:sp>
+    </p:spTree>
+    <p:extLst>
+      <p:ext uri="{BB962C8B-B14F-4D97-AF65-F5344CB8AC3E}">
+        <p14:creationId xmlns:p14="http://schemas.microsoft.com/office/powerpoint/2010/main" val="3291142940"/>
+      </p:ext>
+    </p:extLst>
+  </p:cSld>
+  <p:clrMapOvr>
+    <a:masterClrMapping/>
+  </p:clrMapOvr>
+</p:notes>
+</file>
+
+<file path=ppt/notesSlides/notesSlide11.xml><?xml version="1.0" encoding="utf-8"?>
+<p:notes xmlns:a="http://schemas.openxmlformats.org/drawingml/2006/main" xmlns:r="http://schemas.openxmlformats.org/officeDocument/2006/relationships" xmlns:p="http://schemas.openxmlformats.org/presentationml/2006/main">
+  <p:cSld>
+    <p:spTree>
+      <p:nvGrpSpPr>
+        <p:cNvPr id="1" name=""/>
+        <p:cNvGrpSpPr/>
+        <p:nvPr/>
+      </p:nvGrpSpPr>
+      <p:grpSpPr>
+        <a:xfrm>
+          <a:off x="0" y="0"/>
+          <a:ext cx="0" cy="0"/>
+          <a:chOff x="0" y="0"/>
+          <a:chExt cx="0" cy="0"/>
+        </a:xfrm>
+      </p:grpSpPr>
+      <p:sp>
+        <p:nvSpPr>
           <p:cNvPr id="2" name="投影片影像版面配置區 1"/>
           <p:cNvSpPr>
             <a:spLocks noGrp="1" noRot="1" noChangeAspect="1"/>
@@ -937,7 +992,7 @@
 </p:notes>
 </file>
 
-<file path=ppt/notesSlides/notesSlide11.xml><?xml version="1.0" encoding="utf-8"?>
+<file path=ppt/notesSlides/notesSlide12.xml><?xml version="1.0" encoding="utf-8"?>
 <p:notes xmlns:a="http://schemas.openxmlformats.org/drawingml/2006/main" xmlns:r="http://schemas.openxmlformats.org/officeDocument/2006/relationships" xmlns:p="http://schemas.openxmlformats.org/presentationml/2006/main">
   <p:cSld>
     <p:spTree>
@@ -967,7 +1022,7 @@
 </p:notes>
 </file>
 
-<file path=ppt/notesSlides/notesSlide12.xml><?xml version="1.0" encoding="utf-8"?>
+<file path=ppt/notesSlides/notesSlide13.xml><?xml version="1.0" encoding="utf-8"?>
 <p:notes xmlns:a="http://schemas.openxmlformats.org/drawingml/2006/main" xmlns:r="http://schemas.openxmlformats.org/officeDocument/2006/relationships" xmlns:p="http://schemas.openxmlformats.org/presentationml/2006/main">
   <p:cSld>
     <p:spTree>
@@ -1051,7 +1106,7 @@
 </p:notes>
 </file>
 
-<file path=ppt/notesSlides/notesSlide13.xml><?xml version="1.0" encoding="utf-8"?>
+<file path=ppt/notesSlides/notesSlide14.xml><?xml version="1.0" encoding="utf-8"?>
 <p:notes xmlns:a="http://schemas.openxmlformats.org/drawingml/2006/main" xmlns:r="http://schemas.openxmlformats.org/officeDocument/2006/relationships" xmlns:p="http://schemas.openxmlformats.org/presentationml/2006/main">
   <p:cSld>
     <p:spTree>
@@ -1081,7 +1136,7 @@
 </p:notes>
 </file>
 
-<file path=ppt/notesSlides/notesSlide14.xml><?xml version="1.0" encoding="utf-8"?>
+<file path=ppt/notesSlides/notesSlide15.xml><?xml version="1.0" encoding="utf-8"?>
 <p:notes xmlns:a="http://schemas.openxmlformats.org/drawingml/2006/main" xmlns:r="http://schemas.openxmlformats.org/officeDocument/2006/relationships" xmlns:p="http://schemas.openxmlformats.org/presentationml/2006/main">
   <p:cSld>
     <p:spTree>
@@ -1111,7 +1166,7 @@
 </p:notes>
 </file>
 
-<file path=ppt/notesSlides/notesSlide15.xml><?xml version="1.0" encoding="utf-8"?>
+<file path=ppt/notesSlides/notesSlide16.xml><?xml version="1.0" encoding="utf-8"?>
 <p:notes xmlns:a="http://schemas.openxmlformats.org/drawingml/2006/main" xmlns:r="http://schemas.openxmlformats.org/officeDocument/2006/relationships" xmlns:p="http://schemas.openxmlformats.org/presentationml/2006/main">
   <p:cSld>
     <p:spTree>
@@ -1304,13 +1359,19 @@
       </p:grpSpPr>
       <p:sp>
         <p:nvSpPr>
-          <p:cNvPr id="2" name="備忘稿版面配置區 1">
-            <a:extLst>
-              <a:ext uri="{FF2B5EF4-FFF2-40B4-BE49-F238E27FC236}">
-                <a16:creationId xmlns:a16="http://schemas.microsoft.com/office/drawing/2014/main" id="{B20C3A9F-2D6F-488D-9DB9-3C8F7ADD7CF4}"/>
-              </a:ext>
-            </a:extLst>
-          </p:cNvPr>
+          <p:cNvPr id="2" name="投影片影像版面配置區 1"/>
+          <p:cNvSpPr>
+            <a:spLocks noGrp="1" noRot="1" noChangeAspect="1"/>
+          </p:cNvSpPr>
+          <p:nvPr>
+            <p:ph type="sldImg"/>
+          </p:nvPr>
+        </p:nvSpPr>
+        <p:spPr/>
+      </p:sp>
+      <p:sp>
+        <p:nvSpPr>
+          <p:cNvPr id="3" name="備忘稿版面配置區 2"/>
           <p:cNvSpPr>
             <a:spLocks noGrp="1"/>
           </p:cNvSpPr>
@@ -1327,10 +1388,33 @@
           </a:p>
         </p:txBody>
       </p:sp>
+      <p:sp>
+        <p:nvSpPr>
+          <p:cNvPr id="4" name="投影片編號版面配置區 3"/>
+          <p:cNvSpPr>
+            <a:spLocks noGrp="1"/>
+          </p:cNvSpPr>
+          <p:nvPr>
+            <p:ph type="sldNum" sz="quarter" idx="5"/>
+          </p:nvPr>
+        </p:nvSpPr>
+        <p:spPr/>
+        <p:txBody>
+          <a:bodyPr/>
+          <a:lstStyle/>
+          <a:p>
+            <a:fld id="{EF8A6B0B-A5FB-4629-B823-69B1A9EB3A43}" type="slidenum">
+              <a:rPr lang="zh-TW" altLang="en-US" smtClean="0"/>
+              <a:t>12</a:t>
+            </a:fld>
+            <a:endParaRPr lang="zh-TW" altLang="en-US"/>
+          </a:p>
+        </p:txBody>
+      </p:sp>
     </p:spTree>
     <p:extLst>
       <p:ext uri="{BB962C8B-B14F-4D97-AF65-F5344CB8AC3E}">
-        <p14:creationId xmlns:p14="http://schemas.microsoft.com/office/powerpoint/2010/main" val="4078308320"/>
+        <p14:creationId xmlns:p14="http://schemas.microsoft.com/office/powerpoint/2010/main" val="1667887174"/>
       </p:ext>
     </p:extLst>
   </p:cSld>
@@ -1359,19 +1443,13 @@
       </p:grpSpPr>
       <p:sp>
         <p:nvSpPr>
-          <p:cNvPr id="2" name="投影片影像版面配置區 1"/>
-          <p:cNvSpPr>
-            <a:spLocks noGrp="1" noRot="1" noChangeAspect="1"/>
-          </p:cNvSpPr>
-          <p:nvPr>
-            <p:ph type="sldImg"/>
-          </p:nvPr>
-        </p:nvSpPr>
-        <p:spPr/>
-      </p:sp>
-      <p:sp>
-        <p:nvSpPr>
-          <p:cNvPr id="3" name="備忘稿版面配置區 2"/>
+          <p:cNvPr id="2" name="備忘稿版面配置區 1">
+            <a:extLst>
+              <a:ext uri="{FF2B5EF4-FFF2-40B4-BE49-F238E27FC236}">
+                <a16:creationId xmlns:a16="http://schemas.microsoft.com/office/drawing/2014/main" id="{B20C3A9F-2D6F-488D-9DB9-3C8F7ADD7CF4}"/>
+              </a:ext>
+            </a:extLst>
+          </p:cNvPr>
           <p:cNvSpPr>
             <a:spLocks noGrp="1"/>
           </p:cNvSpPr>
@@ -1388,33 +1466,10 @@
           </a:p>
         </p:txBody>
       </p:sp>
-      <p:sp>
-        <p:nvSpPr>
-          <p:cNvPr id="4" name="投影片編號版面配置區 3"/>
-          <p:cNvSpPr>
-            <a:spLocks noGrp="1"/>
-          </p:cNvSpPr>
-          <p:nvPr>
-            <p:ph type="sldNum" sz="quarter" idx="5"/>
-          </p:nvPr>
-        </p:nvSpPr>
-        <p:spPr/>
-        <p:txBody>
-          <a:bodyPr/>
-          <a:lstStyle/>
-          <a:p>
-            <a:fld id="{EF8A6B0B-A5FB-4629-B823-69B1A9EB3A43}" type="slidenum">
-              <a:rPr lang="zh-TW" altLang="en-US" smtClean="0"/>
-              <a:t>21</a:t>
-            </a:fld>
-            <a:endParaRPr lang="zh-TW" altLang="en-US"/>
-          </a:p>
-        </p:txBody>
-      </p:sp>
     </p:spTree>
     <p:extLst>
       <p:ext uri="{BB962C8B-B14F-4D97-AF65-F5344CB8AC3E}">
-        <p14:creationId xmlns:p14="http://schemas.microsoft.com/office/powerpoint/2010/main" val="785808151"/>
+        <p14:creationId xmlns:p14="http://schemas.microsoft.com/office/powerpoint/2010/main" val="4078308320"/>
       </p:ext>
     </p:extLst>
   </p:cSld>
@@ -1443,13 +1498,19 @@
       </p:grpSpPr>
       <p:sp>
         <p:nvSpPr>
-          <p:cNvPr id="2" name="備忘稿版面配置區 1">
-            <a:extLst>
-              <a:ext uri="{FF2B5EF4-FFF2-40B4-BE49-F238E27FC236}">
-                <a16:creationId xmlns:a16="http://schemas.microsoft.com/office/drawing/2014/main" id="{B20C3A9F-2D6F-488D-9DB9-3C8F7ADD7CF4}"/>
-              </a:ext>
-            </a:extLst>
-          </p:cNvPr>
+          <p:cNvPr id="2" name="投影片影像版面配置區 1"/>
+          <p:cNvSpPr>
+            <a:spLocks noGrp="1" noRot="1" noChangeAspect="1"/>
+          </p:cNvSpPr>
+          <p:nvPr>
+            <p:ph type="sldImg"/>
+          </p:nvPr>
+        </p:nvSpPr>
+        <p:spPr/>
+      </p:sp>
+      <p:sp>
+        <p:nvSpPr>
+          <p:cNvPr id="3" name="備忘稿版面配置區 2"/>
           <p:cNvSpPr>
             <a:spLocks noGrp="1"/>
           </p:cNvSpPr>
@@ -1466,10 +1527,33 @@
           </a:p>
         </p:txBody>
       </p:sp>
+      <p:sp>
+        <p:nvSpPr>
+          <p:cNvPr id="4" name="投影片編號版面配置區 3"/>
+          <p:cNvSpPr>
+            <a:spLocks noGrp="1"/>
+          </p:cNvSpPr>
+          <p:nvPr>
+            <p:ph type="sldNum" sz="quarter" idx="5"/>
+          </p:nvPr>
+        </p:nvSpPr>
+        <p:spPr/>
+        <p:txBody>
+          <a:bodyPr/>
+          <a:lstStyle/>
+          <a:p>
+            <a:fld id="{EF8A6B0B-A5FB-4629-B823-69B1A9EB3A43}" type="slidenum">
+              <a:rPr lang="zh-TW" altLang="en-US" smtClean="0"/>
+              <a:t>21</a:t>
+            </a:fld>
+            <a:endParaRPr lang="zh-TW" altLang="en-US"/>
+          </a:p>
+        </p:txBody>
+      </p:sp>
     </p:spTree>
     <p:extLst>
       <p:ext uri="{BB962C8B-B14F-4D97-AF65-F5344CB8AC3E}">
-        <p14:creationId xmlns:p14="http://schemas.microsoft.com/office/powerpoint/2010/main" val="3198581036"/>
+        <p14:creationId xmlns:p14="http://schemas.microsoft.com/office/powerpoint/2010/main" val="785808151"/>
       </p:ext>
     </p:extLst>
   </p:cSld>
@@ -1498,19 +1582,13 @@
       </p:grpSpPr>
       <p:sp>
         <p:nvSpPr>
-          <p:cNvPr id="2" name="投影片影像版面配置區 1"/>
-          <p:cNvSpPr>
-            <a:spLocks noGrp="1" noRot="1" noChangeAspect="1"/>
-          </p:cNvSpPr>
-          <p:nvPr>
-            <p:ph type="sldImg"/>
-          </p:nvPr>
-        </p:nvSpPr>
-        <p:spPr/>
-      </p:sp>
-      <p:sp>
-        <p:nvSpPr>
-          <p:cNvPr id="3" name="備忘稿版面配置區 2"/>
+          <p:cNvPr id="2" name="備忘稿版面配置區 1">
+            <a:extLst>
+              <a:ext uri="{FF2B5EF4-FFF2-40B4-BE49-F238E27FC236}">
+                <a16:creationId xmlns:a16="http://schemas.microsoft.com/office/drawing/2014/main" id="{B20C3A9F-2D6F-488D-9DB9-3C8F7ADD7CF4}"/>
+              </a:ext>
+            </a:extLst>
+          </p:cNvPr>
           <p:cNvSpPr>
             <a:spLocks noGrp="1"/>
           </p:cNvSpPr>
@@ -1527,33 +1605,10 @@
           </a:p>
         </p:txBody>
       </p:sp>
-      <p:sp>
-        <p:nvSpPr>
-          <p:cNvPr id="4" name="投影片編號版面配置區 3"/>
-          <p:cNvSpPr>
-            <a:spLocks noGrp="1"/>
-          </p:cNvSpPr>
-          <p:nvPr>
-            <p:ph type="sldNum" sz="quarter" idx="5"/>
-          </p:nvPr>
-        </p:nvSpPr>
-        <p:spPr/>
-        <p:txBody>
-          <a:bodyPr/>
-          <a:lstStyle/>
-          <a:p>
-            <a:fld id="{EF8A6B0B-A5FB-4629-B823-69B1A9EB3A43}" type="slidenum">
-              <a:rPr lang="zh-TW" altLang="en-US" smtClean="0"/>
-              <a:t>23</a:t>
-            </a:fld>
-            <a:endParaRPr lang="zh-TW" altLang="en-US"/>
-          </a:p>
-        </p:txBody>
-      </p:sp>
     </p:spTree>
     <p:extLst>
       <p:ext uri="{BB962C8B-B14F-4D97-AF65-F5344CB8AC3E}">
-        <p14:creationId xmlns:p14="http://schemas.microsoft.com/office/powerpoint/2010/main" val="2746108643"/>
+        <p14:creationId xmlns:p14="http://schemas.microsoft.com/office/powerpoint/2010/main" val="3198581036"/>
       </p:ext>
     </p:extLst>
   </p:cSld>
@@ -1582,13 +1637,19 @@
       </p:grpSpPr>
       <p:sp>
         <p:nvSpPr>
-          <p:cNvPr id="2" name="備忘稿版面配置區 1">
-            <a:extLst>
-              <a:ext uri="{FF2B5EF4-FFF2-40B4-BE49-F238E27FC236}">
-                <a16:creationId xmlns:a16="http://schemas.microsoft.com/office/drawing/2014/main" id="{B20C3A9F-2D6F-488D-9DB9-3C8F7ADD7CF4}"/>
-              </a:ext>
-            </a:extLst>
-          </p:cNvPr>
+          <p:cNvPr id="2" name="投影片影像版面配置區 1"/>
+          <p:cNvSpPr>
+            <a:spLocks noGrp="1" noRot="1" noChangeAspect="1"/>
+          </p:cNvSpPr>
+          <p:nvPr>
+            <p:ph type="sldImg"/>
+          </p:nvPr>
+        </p:nvSpPr>
+        <p:spPr/>
+      </p:sp>
+      <p:sp>
+        <p:nvSpPr>
+          <p:cNvPr id="3" name="備忘稿版面配置區 2"/>
           <p:cNvSpPr>
             <a:spLocks noGrp="1"/>
           </p:cNvSpPr>
@@ -1605,10 +1666,33 @@
           </a:p>
         </p:txBody>
       </p:sp>
+      <p:sp>
+        <p:nvSpPr>
+          <p:cNvPr id="4" name="投影片編號版面配置區 3"/>
+          <p:cNvSpPr>
+            <a:spLocks noGrp="1"/>
+          </p:cNvSpPr>
+          <p:nvPr>
+            <p:ph type="sldNum" sz="quarter" idx="5"/>
+          </p:nvPr>
+        </p:nvSpPr>
+        <p:spPr/>
+        <p:txBody>
+          <a:bodyPr/>
+          <a:lstStyle/>
+          <a:p>
+            <a:fld id="{EF8A6B0B-A5FB-4629-B823-69B1A9EB3A43}" type="slidenum">
+              <a:rPr lang="zh-TW" altLang="en-US" smtClean="0"/>
+              <a:t>23</a:t>
+            </a:fld>
+            <a:endParaRPr lang="zh-TW" altLang="en-US"/>
+          </a:p>
+        </p:txBody>
+      </p:sp>
     </p:spTree>
     <p:extLst>
       <p:ext uri="{BB962C8B-B14F-4D97-AF65-F5344CB8AC3E}">
-        <p14:creationId xmlns:p14="http://schemas.microsoft.com/office/powerpoint/2010/main" val="3291142940"/>
+        <p14:creationId xmlns:p14="http://schemas.microsoft.com/office/powerpoint/2010/main" val="2746108643"/>
       </p:ext>
     </p:extLst>
   </p:cSld>
@@ -6081,14 +6165,14 @@
           <p:nvPr/>
         </p:nvPicPr>
         <p:blipFill>
-          <a:blip r:embed="rId2"/>
+          <a:blip r:embed="rId3"/>
           <a:stretch>
             <a:fillRect/>
           </a:stretch>
         </p:blipFill>
         <p:spPr>
           <a:xfrm>
-            <a:off x="3281994" y="1660497"/>
+            <a:off x="5905121" y="1660497"/>
             <a:ext cx="5212178" cy="4653433"/>
           </a:xfrm>
           <a:prstGeom prst="rect">
@@ -6110,7 +6194,7 @@
         </p:nvSpPr>
         <p:spPr>
           <a:xfrm>
-            <a:off x="3281993" y="3221976"/>
+            <a:off x="5905120" y="3221976"/>
             <a:ext cx="4088625" cy="434109"/>
           </a:xfrm>
           <a:prstGeom prst="rect">
@@ -6162,7 +6246,7 @@
         </p:nvSpPr>
         <p:spPr>
           <a:xfrm>
-            <a:off x="2927857" y="1475831"/>
+            <a:off x="5550984" y="1475831"/>
             <a:ext cx="6336286" cy="369332"/>
           </a:xfrm>
           <a:prstGeom prst="rect">
@@ -6264,6 +6348,96 @@
           </a:p>
         </p:txBody>
       </p:sp>
+      <p:pic>
+        <p:nvPicPr>
+          <p:cNvPr id="10" name="圖片 9">
+            <a:extLst>
+              <a:ext uri="{FF2B5EF4-FFF2-40B4-BE49-F238E27FC236}">
+                <a16:creationId xmlns:a16="http://schemas.microsoft.com/office/drawing/2014/main" id="{D02C5290-1778-4A43-88F1-705C5A37BCFD}"/>
+              </a:ext>
+            </a:extLst>
+          </p:cNvPr>
+          <p:cNvPicPr>
+            <a:picLocks noChangeAspect="1"/>
+          </p:cNvPicPr>
+          <p:nvPr/>
+        </p:nvPicPr>
+        <p:blipFill>
+          <a:blip r:embed="rId4"/>
+          <a:stretch>
+            <a:fillRect/>
+          </a:stretch>
+        </p:blipFill>
+        <p:spPr>
+          <a:xfrm>
+            <a:off x="374063" y="1702889"/>
+            <a:ext cx="5313664" cy="1953196"/>
+          </a:xfrm>
+          <a:prstGeom prst="rect">
+            <a:avLst/>
+          </a:prstGeom>
+        </p:spPr>
+      </p:pic>
+      <p:pic>
+        <p:nvPicPr>
+          <p:cNvPr id="11" name="圖片 10">
+            <a:extLst>
+              <a:ext uri="{FF2B5EF4-FFF2-40B4-BE49-F238E27FC236}">
+                <a16:creationId xmlns:a16="http://schemas.microsoft.com/office/drawing/2014/main" id="{79B49F7C-19B2-4127-B1E7-667EC0A8E3D3}"/>
+              </a:ext>
+            </a:extLst>
+          </p:cNvPr>
+          <p:cNvPicPr>
+            <a:picLocks noChangeAspect="1"/>
+          </p:cNvPicPr>
+          <p:nvPr/>
+        </p:nvPicPr>
+        <p:blipFill>
+          <a:blip r:embed="rId5"/>
+          <a:stretch>
+            <a:fillRect/>
+          </a:stretch>
+        </p:blipFill>
+        <p:spPr>
+          <a:xfrm>
+            <a:off x="374063" y="3799451"/>
+            <a:ext cx="2499497" cy="2183510"/>
+          </a:xfrm>
+          <a:prstGeom prst="rect">
+            <a:avLst/>
+          </a:prstGeom>
+        </p:spPr>
+      </p:pic>
+      <p:pic>
+        <p:nvPicPr>
+          <p:cNvPr id="12" name="圖片 11">
+            <a:extLst>
+              <a:ext uri="{FF2B5EF4-FFF2-40B4-BE49-F238E27FC236}">
+                <a16:creationId xmlns:a16="http://schemas.microsoft.com/office/drawing/2014/main" id="{62A2DEC4-031E-4F37-83EC-001125235792}"/>
+              </a:ext>
+            </a:extLst>
+          </p:cNvPr>
+          <p:cNvPicPr>
+            <a:picLocks noChangeAspect="1"/>
+          </p:cNvPicPr>
+          <p:nvPr/>
+        </p:nvPicPr>
+        <p:blipFill>
+          <a:blip r:embed="rId6"/>
+          <a:stretch>
+            <a:fillRect/>
+          </a:stretch>
+        </p:blipFill>
+        <p:spPr>
+          <a:xfrm>
+            <a:off x="3281578" y="3799450"/>
+            <a:ext cx="2024903" cy="2307793"/>
+          </a:xfrm>
+          <a:prstGeom prst="rect">
+            <a:avLst/>
+          </a:prstGeom>
+        </p:spPr>
+      </p:pic>
     </p:spTree>
     <p:extLst>
       <p:ext uri="{BB962C8B-B14F-4D97-AF65-F5344CB8AC3E}">
@@ -6360,12 +6534,62 @@
           </a:p>
         </p:txBody>
       </p:sp>
+      <p:sp>
+        <p:nvSpPr>
+          <p:cNvPr id="9" name="文字方塊 8">
+            <a:extLst>
+              <a:ext uri="{FF2B5EF4-FFF2-40B4-BE49-F238E27FC236}">
+                <a16:creationId xmlns:a16="http://schemas.microsoft.com/office/drawing/2014/main" id="{370A3087-8A21-4252-9E23-2AE5AD8CF0BD}"/>
+              </a:ext>
+            </a:extLst>
+          </p:cNvPr>
+          <p:cNvSpPr txBox="1"/>
+          <p:nvPr/>
+        </p:nvSpPr>
+        <p:spPr>
+          <a:xfrm>
+            <a:off x="838198" y="1190191"/>
+            <a:ext cx="2330397" cy="369332"/>
+          </a:xfrm>
+          <a:prstGeom prst="rect">
+            <a:avLst/>
+          </a:prstGeom>
+          <a:noFill/>
+        </p:spPr>
+        <p:txBody>
+          <a:bodyPr wrap="square">
+            <a:spAutoFit/>
+          </a:bodyPr>
+          <a:lstStyle/>
+          <a:p>
+            <a:pPr marL="285750" indent="-285750">
+              <a:buFont typeface="Wingdings" panose="05000000000000000000" pitchFamily="2" charset="2"/>
+              <a:buChar char="n"/>
+            </a:pPr>
+            <a:r>
+              <a:rPr lang="en-US" altLang="zh-TW" dirty="0"/>
+              <a:t>GIC MASK</a:t>
+            </a:r>
+            <a:r>
+              <a:rPr lang="zh-TW" altLang="en-US" dirty="0">
+                <a:latin typeface="標楷體" panose="03000509000000000000" pitchFamily="65" charset="-120"/>
+                <a:ea typeface="標楷體" panose="03000509000000000000" pitchFamily="65" charset="-120"/>
+              </a:rPr>
+              <a:t>暫存器</a:t>
+            </a:r>
+            <a:endParaRPr lang="en-US" altLang="zh-TW" dirty="0">
+              <a:latin typeface="標楷體" panose="03000509000000000000" pitchFamily="65" charset="-120"/>
+              <a:ea typeface="標楷體" panose="03000509000000000000" pitchFamily="65" charset="-120"/>
+            </a:endParaRPr>
+          </a:p>
+        </p:txBody>
+      </p:sp>
       <p:pic>
         <p:nvPicPr>
-          <p:cNvPr id="6" name="圖片 5">
-            <a:extLst>
-              <a:ext uri="{FF2B5EF4-FFF2-40B4-BE49-F238E27FC236}">
-                <a16:creationId xmlns:a16="http://schemas.microsoft.com/office/drawing/2014/main" id="{7B798361-FCCB-463F-922D-A229511F081E}"/>
+          <p:cNvPr id="5" name="圖片 4">
+            <a:extLst>
+              <a:ext uri="{FF2B5EF4-FFF2-40B4-BE49-F238E27FC236}">
+                <a16:creationId xmlns:a16="http://schemas.microsoft.com/office/drawing/2014/main" id="{423109A6-1201-4371-9501-8D55E6796C3C}"/>
               </a:ext>
             </a:extLst>
           </p:cNvPr>
@@ -6382,20 +6606,153 @@
         </p:blipFill>
         <p:spPr>
           <a:xfrm>
-            <a:off x="593935" y="2560394"/>
-            <a:ext cx="11004130" cy="2205570"/>
+            <a:off x="380704" y="1852439"/>
+            <a:ext cx="8364117" cy="419158"/>
           </a:xfrm>
           <a:prstGeom prst="rect">
             <a:avLst/>
           </a:prstGeom>
         </p:spPr>
       </p:pic>
-      <p:sp>
-        <p:nvSpPr>
-          <p:cNvPr id="7" name="矩形 6">
-            <a:extLst>
-              <a:ext uri="{FF2B5EF4-FFF2-40B4-BE49-F238E27FC236}">
-                <a16:creationId xmlns:a16="http://schemas.microsoft.com/office/drawing/2014/main" id="{E9937CFD-BD23-4C8F-A60F-275722FD778D}"/>
+      <p:pic>
+        <p:nvPicPr>
+          <p:cNvPr id="10" name="圖片 9">
+            <a:extLst>
+              <a:ext uri="{FF2B5EF4-FFF2-40B4-BE49-F238E27FC236}">
+                <a16:creationId xmlns:a16="http://schemas.microsoft.com/office/drawing/2014/main" id="{F0DD0B6C-ED5B-43CF-8A9A-2284301C1850}"/>
+              </a:ext>
+            </a:extLst>
+          </p:cNvPr>
+          <p:cNvPicPr>
+            <a:picLocks noChangeAspect="1"/>
+          </p:cNvPicPr>
+          <p:nvPr/>
+        </p:nvPicPr>
+        <p:blipFill>
+          <a:blip r:embed="rId3"/>
+          <a:stretch>
+            <a:fillRect/>
+          </a:stretch>
+        </p:blipFill>
+        <p:spPr>
+          <a:xfrm>
+            <a:off x="295672" y="2564513"/>
+            <a:ext cx="6073991" cy="3658872"/>
+          </a:xfrm>
+          <a:prstGeom prst="rect">
+            <a:avLst/>
+          </a:prstGeom>
+        </p:spPr>
+      </p:pic>
+      <p:sp>
+        <p:nvSpPr>
+          <p:cNvPr id="8" name="文字方塊 7">
+            <a:extLst>
+              <a:ext uri="{FF2B5EF4-FFF2-40B4-BE49-F238E27FC236}">
+                <a16:creationId xmlns:a16="http://schemas.microsoft.com/office/drawing/2014/main" id="{1F3AF44D-1604-4A24-A8D7-A266AB28CC17}"/>
+              </a:ext>
+            </a:extLst>
+          </p:cNvPr>
+          <p:cNvSpPr txBox="1"/>
+          <p:nvPr/>
+        </p:nvSpPr>
+        <p:spPr>
+          <a:xfrm>
+            <a:off x="5442457" y="2693238"/>
+            <a:ext cx="6336286" cy="369332"/>
+          </a:xfrm>
+          <a:prstGeom prst="rect">
+            <a:avLst/>
+          </a:prstGeom>
+          <a:noFill/>
+        </p:spPr>
+        <p:txBody>
+          <a:bodyPr wrap="none" rtlCol="0">
+            <a:spAutoFit/>
+          </a:bodyPr>
+          <a:lstStyle/>
+          <a:p>
+            <a:r>
+              <a:rPr lang="en-US" altLang="zh-TW" dirty="0">
+                <a:solidFill>
+                  <a:srgbClr val="FF0000"/>
+                </a:solidFill>
+                <a:latin typeface="-apple-system"/>
+              </a:rPr>
+              <a:t>\ps7_cortexa9_0\</a:t>
+            </a:r>
+            <a:r>
+              <a:rPr lang="en-US" altLang="zh-TW" dirty="0" err="1">
+                <a:solidFill>
+                  <a:srgbClr val="FF0000"/>
+                </a:solidFill>
+                <a:latin typeface="-apple-system"/>
+              </a:rPr>
+              <a:t>libsrc</a:t>
+            </a:r>
+            <a:r>
+              <a:rPr lang="en-US" altLang="zh-TW" dirty="0">
+                <a:solidFill>
+                  <a:srgbClr val="FF0000"/>
+                </a:solidFill>
+                <a:latin typeface="-apple-system"/>
+              </a:rPr>
+              <a:t>\standalone_v5_2\include\ </a:t>
+            </a:r>
+            <a:r>
+              <a:rPr lang="en-US" altLang="zh-TW" dirty="0" err="1">
+                <a:solidFill>
+                  <a:srgbClr val="FF0000"/>
+                </a:solidFill>
+                <a:latin typeface="-apple-system"/>
+              </a:rPr>
+              <a:t>xscugic_hw.h</a:t>
+            </a:r>
+            <a:endParaRPr lang="zh-TW" altLang="en-US" dirty="0">
+              <a:solidFill>
+                <a:srgbClr val="FF0000"/>
+              </a:solidFill>
+              <a:latin typeface="-apple-system"/>
+            </a:endParaRPr>
+          </a:p>
+        </p:txBody>
+      </p:sp>
+      <p:pic>
+        <p:nvPicPr>
+          <p:cNvPr id="11" name="圖片 10">
+            <a:extLst>
+              <a:ext uri="{FF2B5EF4-FFF2-40B4-BE49-F238E27FC236}">
+                <a16:creationId xmlns:a16="http://schemas.microsoft.com/office/drawing/2014/main" id="{8E020C61-2E6D-4332-B247-B96157289D18}"/>
+              </a:ext>
+            </a:extLst>
+          </p:cNvPr>
+          <p:cNvPicPr>
+            <a:picLocks noChangeAspect="1"/>
+          </p:cNvPicPr>
+          <p:nvPr/>
+        </p:nvPicPr>
+        <p:blipFill>
+          <a:blip r:embed="rId4"/>
+          <a:stretch>
+            <a:fillRect/>
+          </a:stretch>
+        </p:blipFill>
+        <p:spPr>
+          <a:xfrm>
+            <a:off x="5490878" y="3191294"/>
+            <a:ext cx="5487166" cy="2267266"/>
+          </a:xfrm>
+          <a:prstGeom prst="rect">
+            <a:avLst/>
+          </a:prstGeom>
+        </p:spPr>
+      </p:pic>
+      <p:sp>
+        <p:nvSpPr>
+          <p:cNvPr id="12" name="矩形 11">
+            <a:extLst>
+              <a:ext uri="{FF2B5EF4-FFF2-40B4-BE49-F238E27FC236}">
+                <a16:creationId xmlns:a16="http://schemas.microsoft.com/office/drawing/2014/main" id="{FDB0C7DE-4BD7-41CA-8B80-56433D6F6AC1}"/>
               </a:ext>
             </a:extLst>
           </p:cNvPr>
@@ -6404,8 +6761,8 @@
         </p:nvSpPr>
         <p:spPr>
           <a:xfrm>
-            <a:off x="1103664" y="4119418"/>
-            <a:ext cx="8917791" cy="434109"/>
+            <a:off x="5563375" y="3991815"/>
+            <a:ext cx="5012261" cy="183022"/>
           </a:xfrm>
           <a:prstGeom prst="rect">
             <a:avLst/>
@@ -6439,129 +6796,6 @@
           <a:p>
             <a:pPr algn="ctr"/>
             <a:endParaRPr lang="zh-TW" altLang="en-US"/>
-          </a:p>
-        </p:txBody>
-      </p:sp>
-      <p:sp>
-        <p:nvSpPr>
-          <p:cNvPr id="8" name="文字方塊 7">
-            <a:extLst>
-              <a:ext uri="{FF2B5EF4-FFF2-40B4-BE49-F238E27FC236}">
-                <a16:creationId xmlns:a16="http://schemas.microsoft.com/office/drawing/2014/main" id="{1F3AF44D-1604-4A24-A8D7-A266AB28CC17}"/>
-              </a:ext>
-            </a:extLst>
-          </p:cNvPr>
-          <p:cNvSpPr txBox="1"/>
-          <p:nvPr/>
-        </p:nvSpPr>
-        <p:spPr>
-          <a:xfrm>
-            <a:off x="1653831" y="2637222"/>
-            <a:ext cx="6336286" cy="369332"/>
-          </a:xfrm>
-          <a:prstGeom prst="rect">
-            <a:avLst/>
-          </a:prstGeom>
-          <a:noFill/>
-        </p:spPr>
-        <p:txBody>
-          <a:bodyPr wrap="none" rtlCol="0">
-            <a:spAutoFit/>
-          </a:bodyPr>
-          <a:lstStyle/>
-          <a:p>
-            <a:r>
-              <a:rPr lang="en-US" altLang="zh-TW" dirty="0">
-                <a:solidFill>
-                  <a:srgbClr val="FF0000"/>
-                </a:solidFill>
-                <a:latin typeface="-apple-system"/>
-              </a:rPr>
-              <a:t>\ps7_cortexa9_0\</a:t>
-            </a:r>
-            <a:r>
-              <a:rPr lang="en-US" altLang="zh-TW" dirty="0" err="1">
-                <a:solidFill>
-                  <a:srgbClr val="FF0000"/>
-                </a:solidFill>
-                <a:latin typeface="-apple-system"/>
-              </a:rPr>
-              <a:t>libsrc</a:t>
-            </a:r>
-            <a:r>
-              <a:rPr lang="en-US" altLang="zh-TW" dirty="0">
-                <a:solidFill>
-                  <a:srgbClr val="FF0000"/>
-                </a:solidFill>
-                <a:latin typeface="-apple-system"/>
-              </a:rPr>
-              <a:t>\standalone_v5_2\include\ </a:t>
-            </a:r>
-            <a:r>
-              <a:rPr lang="en-US" altLang="zh-TW" dirty="0" err="1">
-                <a:solidFill>
-                  <a:srgbClr val="FF0000"/>
-                </a:solidFill>
-                <a:latin typeface="-apple-system"/>
-              </a:rPr>
-              <a:t>xscugic_hw.h</a:t>
-            </a:r>
-            <a:endParaRPr lang="zh-TW" altLang="en-US" dirty="0">
-              <a:solidFill>
-                <a:srgbClr val="FF0000"/>
-              </a:solidFill>
-              <a:latin typeface="-apple-system"/>
-            </a:endParaRPr>
-          </a:p>
-        </p:txBody>
-      </p:sp>
-      <p:sp>
-        <p:nvSpPr>
-          <p:cNvPr id="9" name="文字方塊 8">
-            <a:extLst>
-              <a:ext uri="{FF2B5EF4-FFF2-40B4-BE49-F238E27FC236}">
-                <a16:creationId xmlns:a16="http://schemas.microsoft.com/office/drawing/2014/main" id="{370A3087-8A21-4252-9E23-2AE5AD8CF0BD}"/>
-              </a:ext>
-            </a:extLst>
-          </p:cNvPr>
-          <p:cNvSpPr txBox="1"/>
-          <p:nvPr/>
-        </p:nvSpPr>
-        <p:spPr>
-          <a:xfrm>
-            <a:off x="838198" y="1190191"/>
-            <a:ext cx="10515600" cy="369332"/>
-          </a:xfrm>
-          <a:prstGeom prst="rect">
-            <a:avLst/>
-          </a:prstGeom>
-          <a:noFill/>
-        </p:spPr>
-        <p:txBody>
-          <a:bodyPr wrap="square">
-            <a:spAutoFit/>
-          </a:bodyPr>
-          <a:lstStyle/>
-          <a:p>
-            <a:pPr marL="285750" indent="-285750">
-              <a:buFont typeface="Wingdings" panose="05000000000000000000" pitchFamily="2" charset="2"/>
-              <a:buChar char="n"/>
-            </a:pPr>
-            <a:r>
-              <a:rPr lang="en-US" altLang="zh-TW" dirty="0"/>
-              <a:t>GIC MASK</a:t>
-            </a:r>
-            <a:r>
-              <a:rPr lang="zh-TW" altLang="en-US" dirty="0">
-                <a:latin typeface="標楷體" panose="03000509000000000000" pitchFamily="65" charset="-120"/>
-                <a:ea typeface="標楷體" panose="03000509000000000000" pitchFamily="65" charset="-120"/>
-              </a:rPr>
-              <a:t>暫存器</a:t>
-            </a:r>
-            <a:endParaRPr lang="en-US" altLang="zh-TW" dirty="0">
-              <a:latin typeface="標楷體" panose="03000509000000000000" pitchFamily="65" charset="-120"/>
-              <a:ea typeface="標楷體" panose="03000509000000000000" pitchFamily="65" charset="-120"/>
-            </a:endParaRPr>
           </a:p>
         </p:txBody>
       </p:sp>
@@ -6661,103 +6895,124 @@
           </a:p>
         </p:txBody>
       </p:sp>
-      <p:pic>
-        <p:nvPicPr>
-          <p:cNvPr id="2" name="圖片 1">
-            <a:extLst>
-              <a:ext uri="{FF2B5EF4-FFF2-40B4-BE49-F238E27FC236}">
-                <a16:creationId xmlns:a16="http://schemas.microsoft.com/office/drawing/2014/main" id="{B8DB12EE-F73E-4165-A2DE-38D9DAB2FB69}"/>
-              </a:ext>
-            </a:extLst>
-          </p:cNvPr>
-          <p:cNvPicPr>
-            <a:picLocks noChangeAspect="1"/>
-          </p:cNvPicPr>
+      <p:grpSp>
+        <p:nvGrpSpPr>
+          <p:cNvPr id="5" name="群組 4">
+            <a:extLst>
+              <a:ext uri="{FF2B5EF4-FFF2-40B4-BE49-F238E27FC236}">
+                <a16:creationId xmlns:a16="http://schemas.microsoft.com/office/drawing/2014/main" id="{D18D8A2F-634E-4022-B92C-ABC26421FCC4}"/>
+              </a:ext>
+            </a:extLst>
+          </p:cNvPr>
+          <p:cNvGrpSpPr/>
           <p:nvPr/>
-        </p:nvPicPr>
-        <p:blipFill>
-          <a:blip r:embed="rId2"/>
-          <a:stretch>
-            <a:fillRect/>
-          </a:stretch>
-        </p:blipFill>
+        </p:nvGrpSpPr>
+        <p:grpSpPr>
+          <a:xfrm>
+            <a:off x="5412439" y="2511768"/>
+            <a:ext cx="6188434" cy="2946800"/>
+            <a:chOff x="3571871" y="1994606"/>
+            <a:chExt cx="7893058" cy="3560778"/>
+          </a:xfrm>
+        </p:grpSpPr>
+        <p:pic>
+          <p:nvPicPr>
+            <p:cNvPr id="2" name="圖片 1">
+              <a:extLst>
+                <a:ext uri="{FF2B5EF4-FFF2-40B4-BE49-F238E27FC236}">
+                  <a16:creationId xmlns:a16="http://schemas.microsoft.com/office/drawing/2014/main" id="{B8DB12EE-F73E-4165-A2DE-38D9DAB2FB69}"/>
+                </a:ext>
+              </a:extLst>
+            </p:cNvPr>
+            <p:cNvPicPr>
+              <a:picLocks noChangeAspect="1"/>
+            </p:cNvPicPr>
+            <p:nvPr/>
+          </p:nvPicPr>
+          <p:blipFill>
+            <a:blip r:embed="rId2"/>
+            <a:stretch>
+              <a:fillRect/>
+            </a:stretch>
+          </p:blipFill>
+          <p:spPr>
+            <a:xfrm>
+              <a:off x="3571871" y="1994606"/>
+              <a:ext cx="7893058" cy="3560778"/>
+            </a:xfrm>
+            <a:prstGeom prst="rect">
+              <a:avLst/>
+            </a:prstGeom>
+          </p:spPr>
+        </p:pic>
+        <p:sp>
+          <p:nvSpPr>
+            <p:cNvPr id="6" name="矩形 5">
+              <a:extLst>
+                <a:ext uri="{FF2B5EF4-FFF2-40B4-BE49-F238E27FC236}">
+                  <a16:creationId xmlns:a16="http://schemas.microsoft.com/office/drawing/2014/main" id="{CA7E3AFD-332E-4C41-BE73-CEA9F571729B}"/>
+                </a:ext>
+              </a:extLst>
+            </p:cNvPr>
+            <p:cNvSpPr/>
+            <p:nvPr/>
+          </p:nvSpPr>
+          <p:spPr>
+            <a:xfrm>
+              <a:off x="3643664" y="3666836"/>
+              <a:ext cx="7821265" cy="230909"/>
+            </a:xfrm>
+            <a:prstGeom prst="rect">
+              <a:avLst/>
+            </a:prstGeom>
+            <a:noFill/>
+            <a:ln w="19050">
+              <a:solidFill>
+                <a:srgbClr val="FF0000"/>
+              </a:solidFill>
+            </a:ln>
+          </p:spPr>
+          <p:style>
+            <a:lnRef idx="2">
+              <a:schemeClr val="accent1">
+                <a:shade val="50000"/>
+              </a:schemeClr>
+            </a:lnRef>
+            <a:fillRef idx="1">
+              <a:schemeClr val="accent1"/>
+            </a:fillRef>
+            <a:effectRef idx="0">
+              <a:schemeClr val="accent1"/>
+            </a:effectRef>
+            <a:fontRef idx="minor">
+              <a:schemeClr val="lt1"/>
+            </a:fontRef>
+          </p:style>
+          <p:txBody>
+            <a:bodyPr rtlCol="0" anchor="ctr"/>
+            <a:lstStyle/>
+            <a:p>
+              <a:pPr algn="ctr"/>
+              <a:endParaRPr lang="zh-TW" altLang="en-US"/>
+            </a:p>
+          </p:txBody>
+        </p:sp>
+      </p:grpSp>
+      <p:sp>
+        <p:nvSpPr>
+          <p:cNvPr id="7" name="文字方塊 6">
+            <a:extLst>
+              <a:ext uri="{FF2B5EF4-FFF2-40B4-BE49-F238E27FC236}">
+                <a16:creationId xmlns:a16="http://schemas.microsoft.com/office/drawing/2014/main" id="{4A1B081B-E346-41D0-B70F-F4BF2B41BDBE}"/>
+              </a:ext>
+            </a:extLst>
+          </p:cNvPr>
+          <p:cNvSpPr txBox="1"/>
+          <p:nvPr/>
+        </p:nvSpPr>
         <p:spPr>
           <a:xfrm>
-            <a:off x="2149471" y="1994606"/>
-            <a:ext cx="7893058" cy="3560778"/>
-          </a:xfrm>
-          <a:prstGeom prst="rect">
-            <a:avLst/>
-          </a:prstGeom>
-        </p:spPr>
-      </p:pic>
-      <p:sp>
-        <p:nvSpPr>
-          <p:cNvPr id="6" name="矩形 5">
-            <a:extLst>
-              <a:ext uri="{FF2B5EF4-FFF2-40B4-BE49-F238E27FC236}">
-                <a16:creationId xmlns:a16="http://schemas.microsoft.com/office/drawing/2014/main" id="{CA7E3AFD-332E-4C41-BE73-CEA9F571729B}"/>
-              </a:ext>
-            </a:extLst>
-          </p:cNvPr>
-          <p:cNvSpPr/>
-          <p:nvPr/>
-        </p:nvSpPr>
-        <p:spPr>
-          <a:xfrm>
-            <a:off x="2221264" y="3666836"/>
-            <a:ext cx="7821265" cy="230909"/>
-          </a:xfrm>
-          <a:prstGeom prst="rect">
-            <a:avLst/>
-          </a:prstGeom>
-          <a:noFill/>
-          <a:ln w="19050">
-            <a:solidFill>
-              <a:srgbClr val="FF0000"/>
-            </a:solidFill>
-          </a:ln>
-        </p:spPr>
-        <p:style>
-          <a:lnRef idx="2">
-            <a:schemeClr val="accent1">
-              <a:shade val="50000"/>
-            </a:schemeClr>
-          </a:lnRef>
-          <a:fillRef idx="1">
-            <a:schemeClr val="accent1"/>
-          </a:fillRef>
-          <a:effectRef idx="0">
-            <a:schemeClr val="accent1"/>
-          </a:effectRef>
-          <a:fontRef idx="minor">
-            <a:schemeClr val="lt1"/>
-          </a:fontRef>
-        </p:style>
-        <p:txBody>
-          <a:bodyPr rtlCol="0" anchor="ctr"/>
-          <a:lstStyle/>
-          <a:p>
-            <a:pPr algn="ctr"/>
-            <a:endParaRPr lang="zh-TW" altLang="en-US"/>
-          </a:p>
-        </p:txBody>
-      </p:sp>
-      <p:sp>
-        <p:nvSpPr>
-          <p:cNvPr id="7" name="文字方塊 6">
-            <a:extLst>
-              <a:ext uri="{FF2B5EF4-FFF2-40B4-BE49-F238E27FC236}">
-                <a16:creationId xmlns:a16="http://schemas.microsoft.com/office/drawing/2014/main" id="{4A1B081B-E346-41D0-B70F-F4BF2B41BDBE}"/>
-              </a:ext>
-            </a:extLst>
-          </p:cNvPr>
-          <p:cNvSpPr txBox="1"/>
-          <p:nvPr/>
-        </p:nvSpPr>
-        <p:spPr>
-          <a:xfrm>
-            <a:off x="2927857" y="1516759"/>
+            <a:off x="4350257" y="1516759"/>
             <a:ext cx="6336286" cy="369332"/>
           </a:xfrm>
           <a:prstGeom prst="rect">
@@ -6866,6 +7121,66 @@
           </a:p>
         </p:txBody>
       </p:sp>
+      <p:pic>
+        <p:nvPicPr>
+          <p:cNvPr id="9" name="圖片 8">
+            <a:extLst>
+              <a:ext uri="{FF2B5EF4-FFF2-40B4-BE49-F238E27FC236}">
+                <a16:creationId xmlns:a16="http://schemas.microsoft.com/office/drawing/2014/main" id="{DE8048A4-D698-4C35-9F3A-5704F927B216}"/>
+              </a:ext>
+            </a:extLst>
+          </p:cNvPr>
+          <p:cNvPicPr>
+            <a:picLocks noChangeAspect="1"/>
+          </p:cNvPicPr>
+          <p:nvPr/>
+        </p:nvPicPr>
+        <p:blipFill>
+          <a:blip r:embed="rId3"/>
+          <a:stretch>
+            <a:fillRect/>
+          </a:stretch>
+        </p:blipFill>
+        <p:spPr>
+          <a:xfrm>
+            <a:off x="0" y="2632984"/>
+            <a:ext cx="6549301" cy="310430"/>
+          </a:xfrm>
+          <a:prstGeom prst="rect">
+            <a:avLst/>
+          </a:prstGeom>
+        </p:spPr>
+      </p:pic>
+      <p:pic>
+        <p:nvPicPr>
+          <p:cNvPr id="10" name="圖片 9">
+            <a:extLst>
+              <a:ext uri="{FF2B5EF4-FFF2-40B4-BE49-F238E27FC236}">
+                <a16:creationId xmlns:a16="http://schemas.microsoft.com/office/drawing/2014/main" id="{82AF1327-C500-493C-9282-75620630B0FD}"/>
+              </a:ext>
+            </a:extLst>
+          </p:cNvPr>
+          <p:cNvPicPr>
+            <a:picLocks noChangeAspect="1"/>
+          </p:cNvPicPr>
+          <p:nvPr/>
+        </p:nvPicPr>
+        <p:blipFill>
+          <a:blip r:embed="rId4"/>
+          <a:stretch>
+            <a:fillRect/>
+          </a:stretch>
+        </p:blipFill>
+        <p:spPr>
+          <a:xfrm>
+            <a:off x="591127" y="3064630"/>
+            <a:ext cx="4509872" cy="3109912"/>
+          </a:xfrm>
+          <a:prstGeom prst="rect">
+            <a:avLst/>
+          </a:prstGeom>
+        </p:spPr>
+      </p:pic>
     </p:spTree>
     <p:extLst>
       <p:ext uri="{BB962C8B-B14F-4D97-AF65-F5344CB8AC3E}">
@@ -15547,7 +15862,7 @@
         </p:blipFill>
         <p:spPr bwMode="auto">
           <a:xfrm>
-            <a:off x="429148" y="1764145"/>
+            <a:off x="429148" y="1422400"/>
             <a:ext cx="6770940" cy="4350328"/>
           </a:xfrm>
           <a:prstGeom prst="rect">
@@ -15632,7 +15947,7 @@
         </p:nvSpPr>
         <p:spPr>
           <a:xfrm>
-            <a:off x="4374096" y="3517537"/>
+            <a:off x="4374096" y="3175792"/>
             <a:ext cx="1955122" cy="203200"/>
           </a:xfrm>
           <a:prstGeom prst="rect">
@@ -15692,7 +16007,7 @@
         </p:blipFill>
         <p:spPr>
           <a:xfrm>
-            <a:off x="7029811" y="2327564"/>
+            <a:off x="7029811" y="1244092"/>
             <a:ext cx="4937979" cy="3170060"/>
           </a:xfrm>
           <a:prstGeom prst="rect">
@@ -15714,7 +16029,7 @@
         </p:nvSpPr>
         <p:spPr>
           <a:xfrm>
-            <a:off x="7029811" y="4847608"/>
+            <a:off x="7029811" y="3764136"/>
             <a:ext cx="4937979" cy="312057"/>
           </a:xfrm>
           <a:prstGeom prst="rect">
@@ -15748,10 +16063,122 @@
           <a:lstStyle/>
           <a:p>
             <a:pPr algn="ctr"/>
-            <a:endParaRPr lang="zh-TW" altLang="en-US"/>
-          </a:p>
-        </p:txBody>
-      </p:sp>
+            <a:endParaRPr lang="zh-TW" altLang="en-US" dirty="0"/>
+          </a:p>
+        </p:txBody>
+      </p:sp>
+      <p:pic>
+        <p:nvPicPr>
+          <p:cNvPr id="2" name="圖片 1">
+            <a:extLst>
+              <a:ext uri="{FF2B5EF4-FFF2-40B4-BE49-F238E27FC236}">
+                <a16:creationId xmlns:a16="http://schemas.microsoft.com/office/drawing/2014/main" id="{6CC922B4-AD42-44FC-BD5F-2B1C0FFAC29C}"/>
+              </a:ext>
+            </a:extLst>
+          </p:cNvPr>
+          <p:cNvPicPr>
+            <a:picLocks noChangeAspect="1"/>
+          </p:cNvPicPr>
+          <p:nvPr/>
+        </p:nvPicPr>
+        <p:blipFill>
+          <a:blip r:embed="rId4"/>
+          <a:stretch>
+            <a:fillRect/>
+          </a:stretch>
+        </p:blipFill>
+        <p:spPr>
+          <a:xfrm>
+            <a:off x="7598023" y="4239491"/>
+            <a:ext cx="3898978" cy="2567268"/>
+          </a:xfrm>
+          <a:prstGeom prst="rect">
+            <a:avLst/>
+          </a:prstGeom>
+        </p:spPr>
+      </p:pic>
+      <p:sp>
+        <p:nvSpPr>
+          <p:cNvPr id="11" name="矩形 10">
+            <a:extLst>
+              <a:ext uri="{FF2B5EF4-FFF2-40B4-BE49-F238E27FC236}">
+                <a16:creationId xmlns:a16="http://schemas.microsoft.com/office/drawing/2014/main" id="{389681B5-AD69-42C6-8F7E-9F1DEC1F7D19}"/>
+              </a:ext>
+            </a:extLst>
+          </p:cNvPr>
+          <p:cNvSpPr/>
+          <p:nvPr/>
+        </p:nvSpPr>
+        <p:spPr>
+          <a:xfrm>
+            <a:off x="7598023" y="4573119"/>
+            <a:ext cx="3755777" cy="469936"/>
+          </a:xfrm>
+          <a:prstGeom prst="rect">
+            <a:avLst/>
+          </a:prstGeom>
+          <a:noFill/>
+          <a:ln w="38100">
+            <a:solidFill>
+              <a:srgbClr val="FF0000"/>
+            </a:solidFill>
+          </a:ln>
+        </p:spPr>
+        <p:style>
+          <a:lnRef idx="2">
+            <a:schemeClr val="accent1">
+              <a:shade val="50000"/>
+            </a:schemeClr>
+          </a:lnRef>
+          <a:fillRef idx="1">
+            <a:schemeClr val="accent1"/>
+          </a:fillRef>
+          <a:effectRef idx="0">
+            <a:schemeClr val="accent1"/>
+          </a:effectRef>
+          <a:fontRef idx="minor">
+            <a:schemeClr val="lt1"/>
+          </a:fontRef>
+        </p:style>
+        <p:txBody>
+          <a:bodyPr rtlCol="0" anchor="ctr"/>
+          <a:lstStyle/>
+          <a:p>
+            <a:pPr algn="ctr"/>
+            <a:endParaRPr lang="zh-TW" altLang="en-US" dirty="0"/>
+          </a:p>
+        </p:txBody>
+      </p:sp>
+      <p:pic>
+        <p:nvPicPr>
+          <p:cNvPr id="12" name="圖片 11">
+            <a:extLst>
+              <a:ext uri="{FF2B5EF4-FFF2-40B4-BE49-F238E27FC236}">
+                <a16:creationId xmlns:a16="http://schemas.microsoft.com/office/drawing/2014/main" id="{6F811817-AD94-423B-9D7B-A3C39EAE53A7}"/>
+              </a:ext>
+            </a:extLst>
+          </p:cNvPr>
+          <p:cNvPicPr>
+            <a:picLocks noChangeAspect="1"/>
+          </p:cNvPicPr>
+          <p:nvPr/>
+        </p:nvPicPr>
+        <p:blipFill>
+          <a:blip r:embed="rId5"/>
+          <a:stretch>
+            <a:fillRect/>
+          </a:stretch>
+        </p:blipFill>
+        <p:spPr>
+          <a:xfrm>
+            <a:off x="928217" y="5933470"/>
+            <a:ext cx="5401001" cy="908872"/>
+          </a:xfrm>
+          <a:prstGeom prst="rect">
+            <a:avLst/>
+          </a:prstGeom>
+        </p:spPr>
+      </p:pic>
     </p:spTree>
     <p:extLst>
       <p:ext uri="{BB962C8B-B14F-4D97-AF65-F5344CB8AC3E}">
